--- a/docs/Prezentacja Bajguz Kierzkowski.pptx
+++ b/docs/Prezentacja Bajguz Kierzkowski.pptx
@@ -4,8 +4,15 @@
   <p:sldMasterIdLst>
     <p:sldMasterId id="2147483928" r:id="rId1"/>
   </p:sldMasterIdLst>
+  <p:notesMasterIdLst>
+    <p:notesMasterId r:id="rId7"/>
+  </p:notesMasterIdLst>
   <p:sldIdLst>
     <p:sldId id="256" r:id="rId2"/>
+    <p:sldId id="257" r:id="rId3"/>
+    <p:sldId id="258" r:id="rId4"/>
+    <p:sldId id="259" r:id="rId5"/>
+    <p:sldId id="260" r:id="rId6"/>
   </p:sldIdLst>
   <p:sldSz cx="12192000" cy="6858000"/>
   <p:notesSz cx="6858000" cy="9144000"/>
@@ -123,6 +130,523 @@
 </p:presentation>
 </file>
 
+<file path=ppt/notesMasters/notesMaster1.xml><?xml version="1.0" encoding="utf-8"?>
+<p:notesMaster xmlns:a="http://schemas.openxmlformats.org/drawingml/2006/main" xmlns:r="http://schemas.openxmlformats.org/officeDocument/2006/relationships" xmlns:p="http://schemas.openxmlformats.org/presentationml/2006/main">
+  <p:cSld>
+    <p:bg>
+      <p:bgRef idx="1001">
+        <a:schemeClr val="bg1"/>
+      </p:bgRef>
+    </p:bg>
+    <p:spTree>
+      <p:nvGrpSpPr>
+        <p:cNvPr id="1" name=""/>
+        <p:cNvGrpSpPr/>
+        <p:nvPr/>
+      </p:nvGrpSpPr>
+      <p:grpSpPr>
+        <a:xfrm>
+          <a:off x="0" y="0"/>
+          <a:ext cx="0" cy="0"/>
+          <a:chOff x="0" y="0"/>
+          <a:chExt cx="0" cy="0"/>
+        </a:xfrm>
+      </p:grpSpPr>
+      <p:sp>
+        <p:nvSpPr>
+          <p:cNvPr id="2" name="Symbol zastępczy nagłówka 1"/>
+          <p:cNvSpPr>
+            <a:spLocks noGrp="1"/>
+          </p:cNvSpPr>
+          <p:nvPr>
+            <p:ph type="hdr" sz="quarter"/>
+          </p:nvPr>
+        </p:nvSpPr>
+        <p:spPr>
+          <a:xfrm>
+            <a:off x="0" y="0"/>
+            <a:ext cx="2971800" cy="458788"/>
+          </a:xfrm>
+          <a:prstGeom prst="rect">
+            <a:avLst/>
+          </a:prstGeom>
+        </p:spPr>
+        <p:txBody>
+          <a:bodyPr vert="horz" lIns="91440" tIns="45720" rIns="91440" bIns="45720" rtlCol="0"/>
+          <a:lstStyle>
+            <a:lvl1pPr algn="l">
+              <a:defRPr sz="1200"/>
+            </a:lvl1pPr>
+          </a:lstStyle>
+          <a:p>
+            <a:endParaRPr lang="pl-PL"/>
+          </a:p>
+        </p:txBody>
+      </p:sp>
+      <p:sp>
+        <p:nvSpPr>
+          <p:cNvPr id="3" name="Symbol zastępczy daty 2"/>
+          <p:cNvSpPr>
+            <a:spLocks noGrp="1"/>
+          </p:cNvSpPr>
+          <p:nvPr>
+            <p:ph type="dt" idx="1"/>
+          </p:nvPr>
+        </p:nvSpPr>
+        <p:spPr>
+          <a:xfrm>
+            <a:off x="3884613" y="0"/>
+            <a:ext cx="2971800" cy="458788"/>
+          </a:xfrm>
+          <a:prstGeom prst="rect">
+            <a:avLst/>
+          </a:prstGeom>
+        </p:spPr>
+        <p:txBody>
+          <a:bodyPr vert="horz" lIns="91440" tIns="45720" rIns="91440" bIns="45720" rtlCol="0"/>
+          <a:lstStyle>
+            <a:lvl1pPr algn="r">
+              <a:defRPr sz="1200"/>
+            </a:lvl1pPr>
+          </a:lstStyle>
+          <a:p>
+            <a:fld id="{1ECD208D-F206-4DE1-A130-CB2F44406222}" type="datetimeFigureOut">
+              <a:rPr lang="pl-PL" smtClean="0"/>
+              <a:t>2020-06-06</a:t>
+            </a:fld>
+            <a:endParaRPr lang="pl-PL"/>
+          </a:p>
+        </p:txBody>
+      </p:sp>
+      <p:sp>
+        <p:nvSpPr>
+          <p:cNvPr id="4" name="Symbol zastępczy obrazu slajdu 3"/>
+          <p:cNvSpPr>
+            <a:spLocks noGrp="1" noRot="1" noChangeAspect="1"/>
+          </p:cNvSpPr>
+          <p:nvPr>
+            <p:ph type="sldImg" idx="2"/>
+          </p:nvPr>
+        </p:nvSpPr>
+        <p:spPr>
+          <a:xfrm>
+            <a:off x="685800" y="1143000"/>
+            <a:ext cx="5486400" cy="3086100"/>
+          </a:xfrm>
+          <a:prstGeom prst="rect">
+            <a:avLst/>
+          </a:prstGeom>
+          <a:noFill/>
+          <a:ln w="12700">
+            <a:solidFill>
+              <a:prstClr val="black"/>
+            </a:solidFill>
+          </a:ln>
+        </p:spPr>
+        <p:txBody>
+          <a:bodyPr vert="horz" lIns="91440" tIns="45720" rIns="91440" bIns="45720" rtlCol="0" anchor="ctr"/>
+          <a:lstStyle/>
+          <a:p>
+            <a:endParaRPr lang="pl-PL"/>
+          </a:p>
+        </p:txBody>
+      </p:sp>
+      <p:sp>
+        <p:nvSpPr>
+          <p:cNvPr id="5" name="Symbol zastępczy notatek 4"/>
+          <p:cNvSpPr>
+            <a:spLocks noGrp="1"/>
+          </p:cNvSpPr>
+          <p:nvPr>
+            <p:ph type="body" sz="quarter" idx="3"/>
+          </p:nvPr>
+        </p:nvSpPr>
+        <p:spPr>
+          <a:xfrm>
+            <a:off x="685800" y="4400550"/>
+            <a:ext cx="5486400" cy="3600450"/>
+          </a:xfrm>
+          <a:prstGeom prst="rect">
+            <a:avLst/>
+          </a:prstGeom>
+        </p:spPr>
+        <p:txBody>
+          <a:bodyPr vert="horz" lIns="91440" tIns="45720" rIns="91440" bIns="45720" rtlCol="0"/>
+          <a:lstStyle/>
+          <a:p>
+            <a:pPr lvl="0"/>
+            <a:r>
+              <a:rPr lang="pl-PL"/>
+              <a:t>Kliknij, aby edytować style wzorca tekstu</a:t>
+            </a:r>
+          </a:p>
+          <a:p>
+            <a:pPr lvl="1"/>
+            <a:r>
+              <a:rPr lang="pl-PL"/>
+              <a:t>Drugi poziom</a:t>
+            </a:r>
+          </a:p>
+          <a:p>
+            <a:pPr lvl="2"/>
+            <a:r>
+              <a:rPr lang="pl-PL"/>
+              <a:t>Trzeci poziom</a:t>
+            </a:r>
+          </a:p>
+          <a:p>
+            <a:pPr lvl="3"/>
+            <a:r>
+              <a:rPr lang="pl-PL"/>
+              <a:t>Czwarty poziom</a:t>
+            </a:r>
+          </a:p>
+          <a:p>
+            <a:pPr lvl="4"/>
+            <a:r>
+              <a:rPr lang="pl-PL"/>
+              <a:t>Piąty poziom</a:t>
+            </a:r>
+          </a:p>
+        </p:txBody>
+      </p:sp>
+      <p:sp>
+        <p:nvSpPr>
+          <p:cNvPr id="6" name="Symbol zastępczy stopki 5"/>
+          <p:cNvSpPr>
+            <a:spLocks noGrp="1"/>
+          </p:cNvSpPr>
+          <p:nvPr>
+            <p:ph type="ftr" sz="quarter" idx="4"/>
+          </p:nvPr>
+        </p:nvSpPr>
+        <p:spPr>
+          <a:xfrm>
+            <a:off x="0" y="8685213"/>
+            <a:ext cx="2971800" cy="458787"/>
+          </a:xfrm>
+          <a:prstGeom prst="rect">
+            <a:avLst/>
+          </a:prstGeom>
+        </p:spPr>
+        <p:txBody>
+          <a:bodyPr vert="horz" lIns="91440" tIns="45720" rIns="91440" bIns="45720" rtlCol="0" anchor="b"/>
+          <a:lstStyle>
+            <a:lvl1pPr algn="l">
+              <a:defRPr sz="1200"/>
+            </a:lvl1pPr>
+          </a:lstStyle>
+          <a:p>
+            <a:endParaRPr lang="pl-PL"/>
+          </a:p>
+        </p:txBody>
+      </p:sp>
+      <p:sp>
+        <p:nvSpPr>
+          <p:cNvPr id="7" name="Symbol zastępczy numeru slajdu 6"/>
+          <p:cNvSpPr>
+            <a:spLocks noGrp="1"/>
+          </p:cNvSpPr>
+          <p:nvPr>
+            <p:ph type="sldNum" sz="quarter" idx="5"/>
+          </p:nvPr>
+        </p:nvSpPr>
+        <p:spPr>
+          <a:xfrm>
+            <a:off x="3884613" y="8685213"/>
+            <a:ext cx="2971800" cy="458787"/>
+          </a:xfrm>
+          <a:prstGeom prst="rect">
+            <a:avLst/>
+          </a:prstGeom>
+        </p:spPr>
+        <p:txBody>
+          <a:bodyPr vert="horz" lIns="91440" tIns="45720" rIns="91440" bIns="45720" rtlCol="0" anchor="b"/>
+          <a:lstStyle>
+            <a:lvl1pPr algn="r">
+              <a:defRPr sz="1200"/>
+            </a:lvl1pPr>
+          </a:lstStyle>
+          <a:p>
+            <a:fld id="{B41082EA-CD5E-4AE4-9224-DDC8302E8CDD}" type="slidenum">
+              <a:rPr lang="pl-PL" smtClean="0"/>
+              <a:t>‹#›</a:t>
+            </a:fld>
+            <a:endParaRPr lang="pl-PL"/>
+          </a:p>
+        </p:txBody>
+      </p:sp>
+    </p:spTree>
+    <p:extLst>
+      <p:ext uri="{BB962C8B-B14F-4D97-AF65-F5344CB8AC3E}">
+        <p14:creationId xmlns:p14="http://schemas.microsoft.com/office/powerpoint/2010/main" val="1729168650"/>
+      </p:ext>
+    </p:extLst>
+  </p:cSld>
+  <p:clrMap bg1="lt1" tx1="dk1" bg2="lt2" tx2="dk2" accent1="accent1" accent2="accent2" accent3="accent3" accent4="accent4" accent5="accent5" accent6="accent6" hlink="hlink" folHlink="folHlink"/>
+  <p:notesStyle>
+    <a:lvl1pPr marL="0" algn="l" defTabSz="914400" rtl="0" eaLnBrk="1" latinLnBrk="0" hangingPunct="1">
+      <a:defRPr sz="1200" kern="1200">
+        <a:solidFill>
+          <a:schemeClr val="tx1"/>
+        </a:solidFill>
+        <a:latin typeface="+mn-lt"/>
+        <a:ea typeface="+mn-ea"/>
+        <a:cs typeface="+mn-cs"/>
+      </a:defRPr>
+    </a:lvl1pPr>
+    <a:lvl2pPr marL="457200" algn="l" defTabSz="914400" rtl="0" eaLnBrk="1" latinLnBrk="0" hangingPunct="1">
+      <a:defRPr sz="1200" kern="1200">
+        <a:solidFill>
+          <a:schemeClr val="tx1"/>
+        </a:solidFill>
+        <a:latin typeface="+mn-lt"/>
+        <a:ea typeface="+mn-ea"/>
+        <a:cs typeface="+mn-cs"/>
+      </a:defRPr>
+    </a:lvl2pPr>
+    <a:lvl3pPr marL="914400" algn="l" defTabSz="914400" rtl="0" eaLnBrk="1" latinLnBrk="0" hangingPunct="1">
+      <a:defRPr sz="1200" kern="1200">
+        <a:solidFill>
+          <a:schemeClr val="tx1"/>
+        </a:solidFill>
+        <a:latin typeface="+mn-lt"/>
+        <a:ea typeface="+mn-ea"/>
+        <a:cs typeface="+mn-cs"/>
+      </a:defRPr>
+    </a:lvl3pPr>
+    <a:lvl4pPr marL="1371600" algn="l" defTabSz="914400" rtl="0" eaLnBrk="1" latinLnBrk="0" hangingPunct="1">
+      <a:defRPr sz="1200" kern="1200">
+        <a:solidFill>
+          <a:schemeClr val="tx1"/>
+        </a:solidFill>
+        <a:latin typeface="+mn-lt"/>
+        <a:ea typeface="+mn-ea"/>
+        <a:cs typeface="+mn-cs"/>
+      </a:defRPr>
+    </a:lvl4pPr>
+    <a:lvl5pPr marL="1828800" algn="l" defTabSz="914400" rtl="0" eaLnBrk="1" latinLnBrk="0" hangingPunct="1">
+      <a:defRPr sz="1200" kern="1200">
+        <a:solidFill>
+          <a:schemeClr val="tx1"/>
+        </a:solidFill>
+        <a:latin typeface="+mn-lt"/>
+        <a:ea typeface="+mn-ea"/>
+        <a:cs typeface="+mn-cs"/>
+      </a:defRPr>
+    </a:lvl5pPr>
+    <a:lvl6pPr marL="2286000" algn="l" defTabSz="914400" rtl="0" eaLnBrk="1" latinLnBrk="0" hangingPunct="1">
+      <a:defRPr sz="1200" kern="1200">
+        <a:solidFill>
+          <a:schemeClr val="tx1"/>
+        </a:solidFill>
+        <a:latin typeface="+mn-lt"/>
+        <a:ea typeface="+mn-ea"/>
+        <a:cs typeface="+mn-cs"/>
+      </a:defRPr>
+    </a:lvl6pPr>
+    <a:lvl7pPr marL="2743200" algn="l" defTabSz="914400" rtl="0" eaLnBrk="1" latinLnBrk="0" hangingPunct="1">
+      <a:defRPr sz="1200" kern="1200">
+        <a:solidFill>
+          <a:schemeClr val="tx1"/>
+        </a:solidFill>
+        <a:latin typeface="+mn-lt"/>
+        <a:ea typeface="+mn-ea"/>
+        <a:cs typeface="+mn-cs"/>
+      </a:defRPr>
+    </a:lvl7pPr>
+    <a:lvl8pPr marL="3200400" algn="l" defTabSz="914400" rtl="0" eaLnBrk="1" latinLnBrk="0" hangingPunct="1">
+      <a:defRPr sz="1200" kern="1200">
+        <a:solidFill>
+          <a:schemeClr val="tx1"/>
+        </a:solidFill>
+        <a:latin typeface="+mn-lt"/>
+        <a:ea typeface="+mn-ea"/>
+        <a:cs typeface="+mn-cs"/>
+      </a:defRPr>
+    </a:lvl8pPr>
+    <a:lvl9pPr marL="3657600" algn="l" defTabSz="914400" rtl="0" eaLnBrk="1" latinLnBrk="0" hangingPunct="1">
+      <a:defRPr sz="1200" kern="1200">
+        <a:solidFill>
+          <a:schemeClr val="tx1"/>
+        </a:solidFill>
+        <a:latin typeface="+mn-lt"/>
+        <a:ea typeface="+mn-ea"/>
+        <a:cs typeface="+mn-cs"/>
+      </a:defRPr>
+    </a:lvl9pPr>
+  </p:notesStyle>
+</p:notesMaster>
+</file>
+
+<file path=ppt/notesSlides/notesSlide1.xml><?xml version="1.0" encoding="utf-8"?>
+<p:notes xmlns:a="http://schemas.openxmlformats.org/drawingml/2006/main" xmlns:r="http://schemas.openxmlformats.org/officeDocument/2006/relationships" xmlns:p="http://schemas.openxmlformats.org/presentationml/2006/main">
+  <p:cSld>
+    <p:spTree>
+      <p:nvGrpSpPr>
+        <p:cNvPr id="1" name=""/>
+        <p:cNvGrpSpPr/>
+        <p:nvPr/>
+      </p:nvGrpSpPr>
+      <p:grpSpPr>
+        <a:xfrm>
+          <a:off x="0" y="0"/>
+          <a:ext cx="0" cy="0"/>
+          <a:chOff x="0" y="0"/>
+          <a:chExt cx="0" cy="0"/>
+        </a:xfrm>
+      </p:grpSpPr>
+      <p:sp>
+        <p:nvSpPr>
+          <p:cNvPr id="2" name="Symbol zastępczy obrazu slajdu 1"/>
+          <p:cNvSpPr>
+            <a:spLocks noGrp="1" noRot="1" noChangeAspect="1"/>
+          </p:cNvSpPr>
+          <p:nvPr>
+            <p:ph type="sldImg"/>
+          </p:nvPr>
+        </p:nvSpPr>
+        <p:spPr/>
+      </p:sp>
+      <p:sp>
+        <p:nvSpPr>
+          <p:cNvPr id="3" name="Symbol zastępczy notatek 2"/>
+          <p:cNvSpPr>
+            <a:spLocks noGrp="1"/>
+          </p:cNvSpPr>
+          <p:nvPr>
+            <p:ph type="body" idx="1"/>
+          </p:nvPr>
+        </p:nvSpPr>
+        <p:spPr/>
+        <p:txBody>
+          <a:bodyPr/>
+          <a:lstStyle/>
+          <a:p>
+            <a:endParaRPr lang="pl-PL" dirty="0"/>
+          </a:p>
+        </p:txBody>
+      </p:sp>
+      <p:sp>
+        <p:nvSpPr>
+          <p:cNvPr id="4" name="Symbol zastępczy numeru slajdu 3"/>
+          <p:cNvSpPr>
+            <a:spLocks noGrp="1"/>
+          </p:cNvSpPr>
+          <p:nvPr>
+            <p:ph type="sldNum" sz="quarter" idx="5"/>
+          </p:nvPr>
+        </p:nvSpPr>
+        <p:spPr/>
+        <p:txBody>
+          <a:bodyPr/>
+          <a:lstStyle/>
+          <a:p>
+            <a:fld id="{B41082EA-CD5E-4AE4-9224-DDC8302E8CDD}" type="slidenum">
+              <a:rPr lang="pl-PL" smtClean="0"/>
+              <a:t>4</a:t>
+            </a:fld>
+            <a:endParaRPr lang="pl-PL"/>
+          </a:p>
+        </p:txBody>
+      </p:sp>
+    </p:spTree>
+    <p:extLst>
+      <p:ext uri="{BB962C8B-B14F-4D97-AF65-F5344CB8AC3E}">
+        <p14:creationId xmlns:p14="http://schemas.microsoft.com/office/powerpoint/2010/main" val="3974333999"/>
+      </p:ext>
+    </p:extLst>
+  </p:cSld>
+  <p:clrMapOvr>
+    <a:masterClrMapping/>
+  </p:clrMapOvr>
+</p:notes>
+</file>
+
+<file path=ppt/notesSlides/notesSlide2.xml><?xml version="1.0" encoding="utf-8"?>
+<p:notes xmlns:a="http://schemas.openxmlformats.org/drawingml/2006/main" xmlns:r="http://schemas.openxmlformats.org/officeDocument/2006/relationships" xmlns:p="http://schemas.openxmlformats.org/presentationml/2006/main">
+  <p:cSld>
+    <p:spTree>
+      <p:nvGrpSpPr>
+        <p:cNvPr id="1" name=""/>
+        <p:cNvGrpSpPr/>
+        <p:nvPr/>
+      </p:nvGrpSpPr>
+      <p:grpSpPr>
+        <a:xfrm>
+          <a:off x="0" y="0"/>
+          <a:ext cx="0" cy="0"/>
+          <a:chOff x="0" y="0"/>
+          <a:chExt cx="0" cy="0"/>
+        </a:xfrm>
+      </p:grpSpPr>
+      <p:sp>
+        <p:nvSpPr>
+          <p:cNvPr id="2" name="Symbol zastępczy obrazu slajdu 1"/>
+          <p:cNvSpPr>
+            <a:spLocks noGrp="1" noRot="1" noChangeAspect="1"/>
+          </p:cNvSpPr>
+          <p:nvPr>
+            <p:ph type="sldImg"/>
+          </p:nvPr>
+        </p:nvSpPr>
+        <p:spPr/>
+      </p:sp>
+      <p:sp>
+        <p:nvSpPr>
+          <p:cNvPr id="3" name="Symbol zastępczy notatek 2"/>
+          <p:cNvSpPr>
+            <a:spLocks noGrp="1"/>
+          </p:cNvSpPr>
+          <p:nvPr>
+            <p:ph type="body" idx="1"/>
+          </p:nvPr>
+        </p:nvSpPr>
+        <p:spPr/>
+        <p:txBody>
+          <a:bodyPr/>
+          <a:lstStyle/>
+          <a:p>
+            <a:endParaRPr lang="pl-PL" dirty="0"/>
+          </a:p>
+        </p:txBody>
+      </p:sp>
+      <p:sp>
+        <p:nvSpPr>
+          <p:cNvPr id="4" name="Symbol zastępczy numeru slajdu 3"/>
+          <p:cNvSpPr>
+            <a:spLocks noGrp="1"/>
+          </p:cNvSpPr>
+          <p:nvPr>
+            <p:ph type="sldNum" sz="quarter" idx="5"/>
+          </p:nvPr>
+        </p:nvSpPr>
+        <p:spPr/>
+        <p:txBody>
+          <a:bodyPr/>
+          <a:lstStyle/>
+          <a:p>
+            <a:fld id="{B41082EA-CD5E-4AE4-9224-DDC8302E8CDD}" type="slidenum">
+              <a:rPr lang="pl-PL" smtClean="0"/>
+              <a:t>5</a:t>
+            </a:fld>
+            <a:endParaRPr lang="pl-PL"/>
+          </a:p>
+        </p:txBody>
+      </p:sp>
+    </p:spTree>
+    <p:extLst>
+      <p:ext uri="{BB962C8B-B14F-4D97-AF65-F5344CB8AC3E}">
+        <p14:creationId xmlns:p14="http://schemas.microsoft.com/office/powerpoint/2010/main" val="371362598"/>
+      </p:ext>
+    </p:extLst>
+  </p:cSld>
+  <p:clrMapOvr>
+    <a:masterClrMapping/>
+  </p:clrMapOvr>
+</p:notes>
+</file>
+
 <file path=ppt/slideLayouts/slideLayout1.xml><?xml version="1.0" encoding="utf-8"?>
 <p:sldLayout xmlns:a="http://schemas.openxmlformats.org/drawingml/2006/main" xmlns:r="http://schemas.openxmlformats.org/officeDocument/2006/relationships" xmlns:p="http://schemas.openxmlformats.org/presentationml/2006/main" type="title" preserve="1">
   <p:cSld name="Title Slide">
@@ -268,7 +792,7 @@
           <a:bodyPr/>
           <a:lstStyle/>
           <a:p>
-            <a:fld id="{6A4B53A7-3209-46A6-9454-F38EAC8F11E7}" type="datetimeFigureOut">
+            <a:fld id="{D212F793-D17A-417E-9250-C2A1FC8F817D}" type="datetime1">
               <a:rPr lang="en-US" smtClean="0"/>
               <a:t>6/6/2020</a:t>
             </a:fld>
@@ -519,7 +1043,7 @@
           <a:bodyPr/>
           <a:lstStyle/>
           <a:p>
-            <a:fld id="{6A4B53A7-3209-46A6-9454-F38EAC8F11E7}" type="datetimeFigureOut">
+            <a:fld id="{ECBC202B-11B5-48B7-B7F0-13C83584BDA8}" type="datetime1">
               <a:rPr lang="en-US" smtClean="0"/>
               <a:t>6/6/2020</a:t>
             </a:fld>
@@ -780,7 +1304,7 @@
           <a:bodyPr/>
           <a:lstStyle/>
           <a:p>
-            <a:fld id="{6A4B53A7-3209-46A6-9454-F38EAC8F11E7}" type="datetimeFigureOut">
+            <a:fld id="{D8684B86-FE16-4328-945A-B8A64E5F8641}" type="datetime1">
               <a:rPr lang="en-US" smtClean="0"/>
               <a:t>6/6/2020</a:t>
             </a:fld>
@@ -1031,7 +1555,7 @@
           <a:bodyPr/>
           <a:lstStyle/>
           <a:p>
-            <a:fld id="{6A4B53A7-3209-46A6-9454-F38EAC8F11E7}" type="datetimeFigureOut">
+            <a:fld id="{6A68DCFA-D0AD-4FE1-BDE8-DDED694D5B3C}" type="datetime1">
               <a:rPr lang="en-US" smtClean="0"/>
               <a:t>6/6/2020</a:t>
             </a:fld>
@@ -1359,7 +1883,7 @@
           <a:bodyPr/>
           <a:lstStyle/>
           <a:p>
-            <a:fld id="{6A4B53A7-3209-46A6-9454-F38EAC8F11E7}" type="datetimeFigureOut">
+            <a:fld id="{D0BC7A0A-7D3C-4FF4-A761-8E59D07697D7}" type="datetime1">
               <a:rPr lang="en-US" smtClean="0"/>
               <a:t>6/6/2020</a:t>
             </a:fld>
@@ -1677,7 +2201,7 @@
           <a:bodyPr/>
           <a:lstStyle/>
           <a:p>
-            <a:fld id="{6A4B53A7-3209-46A6-9454-F38EAC8F11E7}" type="datetimeFigureOut">
+            <a:fld id="{421721B3-5F61-4EB4-9477-E06D99717A8A}" type="datetime1">
               <a:rPr lang="en-US" smtClean="0"/>
               <a:t>6/6/2020</a:t>
             </a:fld>
@@ -2142,7 +2666,7 @@
           <a:bodyPr/>
           <a:lstStyle/>
           <a:p>
-            <a:fld id="{6A4B53A7-3209-46A6-9454-F38EAC8F11E7}" type="datetimeFigureOut">
+            <a:fld id="{530ED192-0826-4863-86AC-E82176F50861}" type="datetime1">
               <a:rPr lang="en-US" smtClean="0"/>
               <a:t>6/6/2020</a:t>
             </a:fld>
@@ -2336,7 +2860,7 @@
           <a:bodyPr/>
           <a:lstStyle/>
           <a:p>
-            <a:fld id="{6A4B53A7-3209-46A6-9454-F38EAC8F11E7}" type="datetimeFigureOut">
+            <a:fld id="{619D96CE-55CD-4CE3-9263-40C1FCA958F0}" type="datetime1">
               <a:rPr lang="en-US" smtClean="0"/>
               <a:t>6/6/2020</a:t>
             </a:fld>
@@ -2502,7 +3026,7 @@
           <a:bodyPr/>
           <a:lstStyle/>
           <a:p>
-            <a:fld id="{6A4B53A7-3209-46A6-9454-F38EAC8F11E7}" type="datetimeFigureOut">
+            <a:fld id="{82DA0F9D-89DE-40CF-A809-DD76762E33E7}" type="datetime1">
               <a:rPr lang="en-US" smtClean="0"/>
               <a:t>6/6/2020</a:t>
             </a:fld>
@@ -2866,7 +3390,7 @@
           <a:bodyPr/>
           <a:lstStyle/>
           <a:p>
-            <a:fld id="{6A4B53A7-3209-46A6-9454-F38EAC8F11E7}" type="datetimeFigureOut">
+            <a:fld id="{EBD11123-D128-4BC3-B119-DF679DA2D290}" type="datetime1">
               <a:rPr lang="en-US" smtClean="0"/>
               <a:t>6/6/2020</a:t>
             </a:fld>
@@ -3210,7 +3734,7 @@
           <a:bodyPr/>
           <a:lstStyle/>
           <a:p>
-            <a:fld id="{6A4B53A7-3209-46A6-9454-F38EAC8F11E7}" type="datetimeFigureOut">
+            <a:fld id="{1C1DC363-5D93-4C75-9D7B-C98F5CAB13EA}" type="datetime1">
               <a:rPr lang="en-US" smtClean="0"/>
               <a:t>6/6/2020</a:t>
             </a:fld>
@@ -3504,9 +4028,8 @@
             </a:lvl1pPr>
           </a:lstStyle>
           <a:p>
-            <a:fld id="{6A4B53A7-3209-46A6-9454-F38EAC8F11E7}" type="datetimeFigureOut">
+            <a:fld id="{76A81BAB-9DAE-4BB9-8C1B-9E2E92BBFFD9}" type="datetime1">
               <a:rPr lang="en-US" smtClean="0"/>
-              <a:pPr/>
               <a:t>6/6/2020</a:t>
             </a:fld>
             <a:endParaRPr lang="en-US" dirty="0"/>
@@ -3625,6 +4148,7 @@
     <p:sldLayoutId id="2147483920" r:id="rId10"/>
     <p:sldLayoutId id="2147483922" r:id="rId11"/>
   </p:sldLayoutIdLst>
+  <p:hf hdr="0" ftr="0" dt="0"/>
   <p:txStyles>
     <p:titleStyle>
       <a:lvl1pPr algn="l" defTabSz="914400" rtl="0" eaLnBrk="1" latinLnBrk="0" hangingPunct="1">
@@ -4214,6 +4738,1206 @@
 </p:sld>
 </file>
 
+<file path=ppt/slides/slide2.xml><?xml version="1.0" encoding="utf-8"?>
+<p:sld xmlns:a="http://schemas.openxmlformats.org/drawingml/2006/main" xmlns:r="http://schemas.openxmlformats.org/officeDocument/2006/relationships" xmlns:p="http://schemas.openxmlformats.org/presentationml/2006/main">
+  <p:cSld>
+    <p:spTree>
+      <p:nvGrpSpPr>
+        <p:cNvPr id="1" name=""/>
+        <p:cNvGrpSpPr/>
+        <p:nvPr/>
+      </p:nvGrpSpPr>
+      <p:grpSpPr>
+        <a:xfrm>
+          <a:off x="0" y="0"/>
+          <a:ext cx="0" cy="0"/>
+          <a:chOff x="0" y="0"/>
+          <a:chExt cx="0" cy="0"/>
+        </a:xfrm>
+      </p:grpSpPr>
+      <p:sp>
+        <p:nvSpPr>
+          <p:cNvPr id="2" name="Tytuł 1">
+            <a:extLst>
+              <a:ext uri="{FF2B5EF4-FFF2-40B4-BE49-F238E27FC236}">
+                <a16:creationId xmlns:a16="http://schemas.microsoft.com/office/drawing/2014/main" id="{CD4A430B-672E-47BE-93F9-8CB1396DC1C8}"/>
+              </a:ext>
+            </a:extLst>
+          </p:cNvPr>
+          <p:cNvSpPr>
+            <a:spLocks noGrp="1"/>
+          </p:cNvSpPr>
+          <p:nvPr>
+            <p:ph type="title"/>
+          </p:nvPr>
+        </p:nvSpPr>
+        <p:spPr>
+          <a:xfrm>
+            <a:off x="838200" y="-1519"/>
+            <a:ext cx="10515600" cy="1325563"/>
+          </a:xfrm>
+        </p:spPr>
+        <p:txBody>
+          <a:bodyPr/>
+          <a:lstStyle/>
+          <a:p>
+            <a:r>
+              <a:rPr lang="pl-PL" dirty="0"/>
+              <a:t>Temat</a:t>
+            </a:r>
+          </a:p>
+        </p:txBody>
+      </p:sp>
+      <p:sp>
+        <p:nvSpPr>
+          <p:cNvPr id="3" name="Symbol zastępczy zawartości 2">
+            <a:extLst>
+              <a:ext uri="{FF2B5EF4-FFF2-40B4-BE49-F238E27FC236}">
+                <a16:creationId xmlns:a16="http://schemas.microsoft.com/office/drawing/2014/main" id="{C286E31B-FAA8-4005-BD60-ABDE64CA14E7}"/>
+              </a:ext>
+            </a:extLst>
+          </p:cNvPr>
+          <p:cNvSpPr>
+            <a:spLocks noGrp="1"/>
+          </p:cNvSpPr>
+          <p:nvPr>
+            <p:ph idx="1"/>
+          </p:nvPr>
+        </p:nvSpPr>
+        <p:spPr/>
+        <p:txBody>
+          <a:bodyPr/>
+          <a:lstStyle/>
+          <a:p>
+            <a:endParaRPr lang="pl-PL" dirty="0"/>
+          </a:p>
+        </p:txBody>
+      </p:sp>
+      <p:sp>
+        <p:nvSpPr>
+          <p:cNvPr id="7" name="Symbol zastępczy numeru slajdu 15">
+            <a:extLst>
+              <a:ext uri="{FF2B5EF4-FFF2-40B4-BE49-F238E27FC236}">
+                <a16:creationId xmlns:a16="http://schemas.microsoft.com/office/drawing/2014/main" id="{39DB30F8-0EE3-4CD4-B27B-A25456B75640}"/>
+              </a:ext>
+            </a:extLst>
+          </p:cNvPr>
+          <p:cNvSpPr txBox="1">
+            <a:spLocks/>
+          </p:cNvSpPr>
+          <p:nvPr/>
+        </p:nvSpPr>
+        <p:spPr>
+          <a:xfrm>
+            <a:off x="11639826" y="6404941"/>
+            <a:ext cx="456096" cy="365125"/>
+          </a:xfrm>
+          <a:prstGeom prst="rect">
+            <a:avLst/>
+          </a:prstGeom>
+        </p:spPr>
+        <p:txBody>
+          <a:bodyPr vert="horz" lIns="91440" tIns="45720" rIns="91440" bIns="45720" rtlCol="0" anchor="ctr"/>
+          <a:lstStyle>
+            <a:defPPr>
+              <a:defRPr lang="en-US"/>
+            </a:defPPr>
+            <a:lvl1pPr marL="0" algn="r" defTabSz="457200" rtl="0" eaLnBrk="1" latinLnBrk="0" hangingPunct="1">
+              <a:defRPr sz="1200" b="1" i="0" kern="1200" cap="all" spc="100" baseline="0">
+                <a:solidFill>
+                  <a:schemeClr val="tx1">
+                    <a:tint val="75000"/>
+                  </a:schemeClr>
+                </a:solidFill>
+                <a:latin typeface="+mn-lt"/>
+                <a:ea typeface="+mn-ea"/>
+                <a:cs typeface="+mn-cs"/>
+              </a:defRPr>
+            </a:lvl1pPr>
+            <a:lvl2pPr marL="457200" algn="l" defTabSz="457200" rtl="0" eaLnBrk="1" latinLnBrk="0" hangingPunct="1">
+              <a:defRPr sz="1800" kern="1200">
+                <a:solidFill>
+                  <a:schemeClr val="tx1"/>
+                </a:solidFill>
+                <a:latin typeface="+mn-lt"/>
+                <a:ea typeface="+mn-ea"/>
+                <a:cs typeface="+mn-cs"/>
+              </a:defRPr>
+            </a:lvl2pPr>
+            <a:lvl3pPr marL="914400" algn="l" defTabSz="457200" rtl="0" eaLnBrk="1" latinLnBrk="0" hangingPunct="1">
+              <a:defRPr sz="1800" kern="1200">
+                <a:solidFill>
+                  <a:schemeClr val="tx1"/>
+                </a:solidFill>
+                <a:latin typeface="+mn-lt"/>
+                <a:ea typeface="+mn-ea"/>
+                <a:cs typeface="+mn-cs"/>
+              </a:defRPr>
+            </a:lvl3pPr>
+            <a:lvl4pPr marL="1371600" algn="l" defTabSz="457200" rtl="0" eaLnBrk="1" latinLnBrk="0" hangingPunct="1">
+              <a:defRPr sz="1800" kern="1200">
+                <a:solidFill>
+                  <a:schemeClr val="tx1"/>
+                </a:solidFill>
+                <a:latin typeface="+mn-lt"/>
+                <a:ea typeface="+mn-ea"/>
+                <a:cs typeface="+mn-cs"/>
+              </a:defRPr>
+            </a:lvl4pPr>
+            <a:lvl5pPr marL="1828800" algn="l" defTabSz="457200" rtl="0" eaLnBrk="1" latinLnBrk="0" hangingPunct="1">
+              <a:defRPr sz="1800" kern="1200">
+                <a:solidFill>
+                  <a:schemeClr val="tx1"/>
+                </a:solidFill>
+                <a:latin typeface="+mn-lt"/>
+                <a:ea typeface="+mn-ea"/>
+                <a:cs typeface="+mn-cs"/>
+              </a:defRPr>
+            </a:lvl5pPr>
+            <a:lvl6pPr marL="2286000" algn="l" defTabSz="457200" rtl="0" eaLnBrk="1" latinLnBrk="0" hangingPunct="1">
+              <a:defRPr sz="1800" kern="1200">
+                <a:solidFill>
+                  <a:schemeClr val="tx1"/>
+                </a:solidFill>
+                <a:latin typeface="+mn-lt"/>
+                <a:ea typeface="+mn-ea"/>
+                <a:cs typeface="+mn-cs"/>
+              </a:defRPr>
+            </a:lvl6pPr>
+            <a:lvl7pPr marL="2743200" algn="l" defTabSz="457200" rtl="0" eaLnBrk="1" latinLnBrk="0" hangingPunct="1">
+              <a:defRPr sz="1800" kern="1200">
+                <a:solidFill>
+                  <a:schemeClr val="tx1"/>
+                </a:solidFill>
+                <a:latin typeface="+mn-lt"/>
+                <a:ea typeface="+mn-ea"/>
+                <a:cs typeface="+mn-cs"/>
+              </a:defRPr>
+            </a:lvl7pPr>
+            <a:lvl8pPr marL="3200400" algn="l" defTabSz="457200" rtl="0" eaLnBrk="1" latinLnBrk="0" hangingPunct="1">
+              <a:defRPr sz="1800" kern="1200">
+                <a:solidFill>
+                  <a:schemeClr val="tx1"/>
+                </a:solidFill>
+                <a:latin typeface="+mn-lt"/>
+                <a:ea typeface="+mn-ea"/>
+                <a:cs typeface="+mn-cs"/>
+              </a:defRPr>
+            </a:lvl8pPr>
+            <a:lvl9pPr marL="3657600" algn="l" defTabSz="457200" rtl="0" eaLnBrk="1" latinLnBrk="0" hangingPunct="1">
+              <a:defRPr sz="1800" kern="1200">
+                <a:solidFill>
+                  <a:schemeClr val="tx1"/>
+                </a:solidFill>
+                <a:latin typeface="+mn-lt"/>
+                <a:ea typeface="+mn-ea"/>
+                <a:cs typeface="+mn-cs"/>
+              </a:defRPr>
+            </a:lvl9pPr>
+          </a:lstStyle>
+          <a:p>
+            <a:fld id="{27CE633F-9882-4A5C-83A2-1109D0C73261}" type="slidenum">
+              <a:rPr lang="en-US" smtClean="0"/>
+              <a:pPr/>
+              <a:t>2</a:t>
+            </a:fld>
+            <a:endParaRPr lang="en-US" dirty="0"/>
+          </a:p>
+        </p:txBody>
+      </p:sp>
+    </p:spTree>
+    <p:extLst>
+      <p:ext uri="{BB962C8B-B14F-4D97-AF65-F5344CB8AC3E}">
+        <p14:creationId xmlns:p14="http://schemas.microsoft.com/office/powerpoint/2010/main" val="1803553589"/>
+      </p:ext>
+    </p:extLst>
+  </p:cSld>
+  <p:clrMapOvr>
+    <a:masterClrMapping/>
+  </p:clrMapOvr>
+</p:sld>
+</file>
+
+<file path=ppt/slides/slide3.xml><?xml version="1.0" encoding="utf-8"?>
+<p:sld xmlns:a="http://schemas.openxmlformats.org/drawingml/2006/main" xmlns:r="http://schemas.openxmlformats.org/officeDocument/2006/relationships" xmlns:p="http://schemas.openxmlformats.org/presentationml/2006/main">
+  <p:cSld>
+    <p:spTree>
+      <p:nvGrpSpPr>
+        <p:cNvPr id="1" name=""/>
+        <p:cNvGrpSpPr/>
+        <p:nvPr/>
+      </p:nvGrpSpPr>
+      <p:grpSpPr>
+        <a:xfrm>
+          <a:off x="0" y="0"/>
+          <a:ext cx="0" cy="0"/>
+          <a:chOff x="0" y="0"/>
+          <a:chExt cx="0" cy="0"/>
+        </a:xfrm>
+      </p:grpSpPr>
+      <p:sp>
+        <p:nvSpPr>
+          <p:cNvPr id="2" name="Tytuł 1">
+            <a:extLst>
+              <a:ext uri="{FF2B5EF4-FFF2-40B4-BE49-F238E27FC236}">
+                <a16:creationId xmlns:a16="http://schemas.microsoft.com/office/drawing/2014/main" id="{CD4A430B-672E-47BE-93F9-8CB1396DC1C8}"/>
+              </a:ext>
+            </a:extLst>
+          </p:cNvPr>
+          <p:cNvSpPr>
+            <a:spLocks noGrp="1"/>
+          </p:cNvSpPr>
+          <p:nvPr>
+            <p:ph type="title"/>
+          </p:nvPr>
+        </p:nvSpPr>
+        <p:spPr>
+          <a:xfrm>
+            <a:off x="838200" y="-1519"/>
+            <a:ext cx="10515600" cy="1325563"/>
+          </a:xfrm>
+        </p:spPr>
+        <p:txBody>
+          <a:bodyPr/>
+          <a:lstStyle/>
+          <a:p>
+            <a:r>
+              <a:rPr lang="pl-PL" dirty="0"/>
+              <a:t>Bazy</a:t>
+            </a:r>
+          </a:p>
+        </p:txBody>
+      </p:sp>
+      <p:grpSp>
+        <p:nvGrpSpPr>
+          <p:cNvPr id="6" name="Grupa 5">
+            <a:extLst>
+              <a:ext uri="{FF2B5EF4-FFF2-40B4-BE49-F238E27FC236}">
+                <a16:creationId xmlns:a16="http://schemas.microsoft.com/office/drawing/2014/main" id="{067B8B6D-BD6A-449B-BF27-8F6079BB26E8}"/>
+              </a:ext>
+            </a:extLst>
+          </p:cNvPr>
+          <p:cNvGrpSpPr/>
+          <p:nvPr/>
+        </p:nvGrpSpPr>
+        <p:grpSpPr>
+          <a:xfrm>
+            <a:off x="2723364" y="1572234"/>
+            <a:ext cx="6349002" cy="1905000"/>
+            <a:chOff x="718397" y="3170305"/>
+            <a:chExt cx="6349002" cy="1905000"/>
+          </a:xfrm>
+        </p:grpSpPr>
+        <p:pic>
+          <p:nvPicPr>
+            <p:cNvPr id="1028" name="Picture 4" descr="Let's do some DDD with Entity Framework Core 3! - Davide Guida">
+              <a:extLst>
+                <a:ext uri="{FF2B5EF4-FFF2-40B4-BE49-F238E27FC236}">
+                  <a16:creationId xmlns:a16="http://schemas.microsoft.com/office/drawing/2014/main" id="{720EA48F-EDD9-4062-93BE-4FA9179C2BF1}"/>
+                </a:ext>
+              </a:extLst>
+            </p:cNvPr>
+            <p:cNvPicPr>
+              <a:picLocks noChangeAspect="1" noChangeArrowheads="1"/>
+            </p:cNvPicPr>
+            <p:nvPr/>
+          </p:nvPicPr>
+          <p:blipFill>
+            <a:blip r:embed="rId2">
+              <a:extLst>
+                <a:ext uri="{28A0092B-C50C-407E-A947-70E740481C1C}">
+                  <a14:useLocalDpi xmlns:a14="http://schemas.microsoft.com/office/drawing/2010/main" val="0"/>
+                </a:ext>
+              </a:extLst>
+            </a:blip>
+            <a:srcRect/>
+            <a:stretch>
+              <a:fillRect/>
+            </a:stretch>
+          </p:blipFill>
+          <p:spPr bwMode="auto">
+            <a:xfrm>
+              <a:off x="4729925" y="3528749"/>
+              <a:ext cx="2337474" cy="1423842"/>
+            </a:xfrm>
+            <a:prstGeom prst="rect">
+              <a:avLst/>
+            </a:prstGeom>
+            <a:noFill/>
+            <a:extLst>
+              <a:ext uri="{909E8E84-426E-40DD-AFC4-6F175D3DCCD1}">
+                <a14:hiddenFill xmlns:a14="http://schemas.microsoft.com/office/drawing/2010/main">
+                  <a:solidFill>
+                    <a:srgbClr val="FFFFFF"/>
+                  </a:solidFill>
+                </a14:hiddenFill>
+              </a:ext>
+            </a:extLst>
+          </p:spPr>
+        </p:pic>
+        <p:pic>
+          <p:nvPicPr>
+            <p:cNvPr id="1030" name="Picture 6" descr="F1 IT Technology | Partners">
+              <a:extLst>
+                <a:ext uri="{FF2B5EF4-FFF2-40B4-BE49-F238E27FC236}">
+                  <a16:creationId xmlns:a16="http://schemas.microsoft.com/office/drawing/2014/main" id="{9C8AF4FD-8977-4076-BA3E-E691BA221542}"/>
+                </a:ext>
+              </a:extLst>
+            </p:cNvPr>
+            <p:cNvPicPr>
+              <a:picLocks noChangeAspect="1" noChangeArrowheads="1"/>
+            </p:cNvPicPr>
+            <p:nvPr/>
+          </p:nvPicPr>
+          <p:blipFill>
+            <a:blip r:embed="rId3">
+              <a:extLst>
+                <a:ext uri="{28A0092B-C50C-407E-A947-70E740481C1C}">
+                  <a14:useLocalDpi xmlns:a14="http://schemas.microsoft.com/office/drawing/2010/main" val="0"/>
+                </a:ext>
+              </a:extLst>
+            </a:blip>
+            <a:srcRect/>
+            <a:stretch>
+              <a:fillRect/>
+            </a:stretch>
+          </p:blipFill>
+          <p:spPr bwMode="auto">
+            <a:xfrm>
+              <a:off x="718397" y="3170305"/>
+              <a:ext cx="3571875" cy="1905000"/>
+            </a:xfrm>
+            <a:prstGeom prst="rect">
+              <a:avLst/>
+            </a:prstGeom>
+            <a:noFill/>
+            <a:extLst>
+              <a:ext uri="{909E8E84-426E-40DD-AFC4-6F175D3DCCD1}">
+                <a14:hiddenFill xmlns:a14="http://schemas.microsoft.com/office/drawing/2010/main">
+                  <a:solidFill>
+                    <a:srgbClr val="FFFFFF"/>
+                  </a:solidFill>
+                </a14:hiddenFill>
+              </a:ext>
+            </a:extLst>
+          </p:spPr>
+        </p:pic>
+        <p:sp>
+          <p:nvSpPr>
+            <p:cNvPr id="4" name="Znak plus 3">
+              <a:extLst>
+                <a:ext uri="{FF2B5EF4-FFF2-40B4-BE49-F238E27FC236}">
+                  <a16:creationId xmlns:a16="http://schemas.microsoft.com/office/drawing/2014/main" id="{23F2572D-8E3D-41B5-B86E-EB99894C6030}"/>
+                </a:ext>
+              </a:extLst>
+            </p:cNvPr>
+            <p:cNvSpPr/>
+            <p:nvPr/>
+          </p:nvSpPr>
+          <p:spPr>
+            <a:xfrm>
+              <a:off x="4353556" y="4088631"/>
+              <a:ext cx="313084" cy="318052"/>
+            </a:xfrm>
+            <a:prstGeom prst="mathPlus">
+              <a:avLst/>
+            </a:prstGeom>
+          </p:spPr>
+          <p:style>
+            <a:lnRef idx="2">
+              <a:schemeClr val="accent3">
+                <a:shade val="50000"/>
+              </a:schemeClr>
+            </a:lnRef>
+            <a:fillRef idx="1">
+              <a:schemeClr val="accent3"/>
+            </a:fillRef>
+            <a:effectRef idx="0">
+              <a:schemeClr val="accent3"/>
+            </a:effectRef>
+            <a:fontRef idx="minor">
+              <a:schemeClr val="lt1"/>
+            </a:fontRef>
+          </p:style>
+          <p:txBody>
+            <a:bodyPr rtlCol="0" anchor="ctr"/>
+            <a:lstStyle/>
+            <a:p>
+              <a:pPr algn="ctr"/>
+              <a:endParaRPr lang="pl-PL" b="1"/>
+            </a:p>
+          </p:txBody>
+        </p:sp>
+      </p:grpSp>
+      <p:grpSp>
+        <p:nvGrpSpPr>
+          <p:cNvPr id="7" name="Grupa 6">
+            <a:extLst>
+              <a:ext uri="{FF2B5EF4-FFF2-40B4-BE49-F238E27FC236}">
+                <a16:creationId xmlns:a16="http://schemas.microsoft.com/office/drawing/2014/main" id="{6E40E80E-A1E2-4E11-961A-1A44BA7C5A56}"/>
+              </a:ext>
+            </a:extLst>
+          </p:cNvPr>
+          <p:cNvGrpSpPr/>
+          <p:nvPr/>
+        </p:nvGrpSpPr>
+        <p:grpSpPr>
+          <a:xfrm>
+            <a:off x="3591344" y="3477234"/>
+            <a:ext cx="6525450" cy="1277591"/>
+            <a:chOff x="3201259" y="1304864"/>
+            <a:chExt cx="6525450" cy="1277591"/>
+          </a:xfrm>
+        </p:grpSpPr>
+        <p:pic>
+          <p:nvPicPr>
+            <p:cNvPr id="1026" name="Picture 2" descr="Нова хакерска атака над MongoDB. Изтрити са повече от 12 000 бази ...">
+              <a:extLst>
+                <a:ext uri="{FF2B5EF4-FFF2-40B4-BE49-F238E27FC236}">
+                  <a16:creationId xmlns:a16="http://schemas.microsoft.com/office/drawing/2014/main" id="{82A152A0-4D6E-4F1B-9B36-264D7FE6D0EC}"/>
+                </a:ext>
+              </a:extLst>
+            </p:cNvPr>
+            <p:cNvPicPr>
+              <a:picLocks noChangeAspect="1" noChangeArrowheads="1"/>
+            </p:cNvPicPr>
+            <p:nvPr/>
+          </p:nvPicPr>
+          <p:blipFill>
+            <a:blip r:embed="rId4">
+              <a:extLst>
+                <a:ext uri="{28A0092B-C50C-407E-A947-70E740481C1C}">
+                  <a14:useLocalDpi xmlns:a14="http://schemas.microsoft.com/office/drawing/2010/main" val="0"/>
+                </a:ext>
+              </a:extLst>
+            </a:blip>
+            <a:srcRect/>
+            <a:stretch>
+              <a:fillRect/>
+            </a:stretch>
+          </p:blipFill>
+          <p:spPr bwMode="auto">
+            <a:xfrm>
+              <a:off x="3201259" y="1304864"/>
+              <a:ext cx="2555181" cy="1277591"/>
+            </a:xfrm>
+            <a:prstGeom prst="rect">
+              <a:avLst/>
+            </a:prstGeom>
+            <a:noFill/>
+            <a:extLst>
+              <a:ext uri="{909E8E84-426E-40DD-AFC4-6F175D3DCCD1}">
+                <a14:hiddenFill xmlns:a14="http://schemas.microsoft.com/office/drawing/2010/main">
+                  <a:solidFill>
+                    <a:srgbClr val="FFFFFF"/>
+                  </a:solidFill>
+                </a14:hiddenFill>
+              </a:ext>
+            </a:extLst>
+          </p:spPr>
+        </p:pic>
+        <p:sp>
+          <p:nvSpPr>
+            <p:cNvPr id="5" name="Prostokąt 4">
+              <a:extLst>
+                <a:ext uri="{FF2B5EF4-FFF2-40B4-BE49-F238E27FC236}">
+                  <a16:creationId xmlns:a16="http://schemas.microsoft.com/office/drawing/2014/main" id="{7A8BECCE-A24B-41AC-8A1B-64E6244E2BA5}"/>
+                </a:ext>
+              </a:extLst>
+            </p:cNvPr>
+            <p:cNvSpPr/>
+            <p:nvPr/>
+          </p:nvSpPr>
+          <p:spPr>
+            <a:xfrm>
+              <a:off x="6438629" y="1836063"/>
+              <a:ext cx="3288080" cy="400110"/>
+            </a:xfrm>
+            <a:prstGeom prst="rect">
+              <a:avLst/>
+            </a:prstGeom>
+          </p:spPr>
+          <p:txBody>
+            <a:bodyPr wrap="none">
+              <a:spAutoFit/>
+            </a:bodyPr>
+            <a:lstStyle/>
+            <a:p>
+              <a:r>
+                <a:rPr lang="pl-PL" sz="2000" b="1" dirty="0" err="1">
+                  <a:solidFill>
+                    <a:srgbClr val="313030"/>
+                  </a:solidFill>
+                  <a:latin typeface="Consolas" panose="020B0609020204030204" pitchFamily="49" charset="0"/>
+                </a:rPr>
+                <a:t>MongoDB</a:t>
+              </a:r>
+              <a:r>
+                <a:rPr lang="pl-PL" sz="2000" b="1" dirty="0">
+                  <a:solidFill>
+                    <a:srgbClr val="313030"/>
+                  </a:solidFill>
+                  <a:latin typeface="Consolas" panose="020B0609020204030204" pitchFamily="49" charset="0"/>
+                </a:rPr>
+                <a:t> C#/.NET Driver</a:t>
+              </a:r>
+              <a:endParaRPr lang="pl-PL" sz="2000" b="1" i="0" dirty="0">
+                <a:solidFill>
+                  <a:srgbClr val="313030"/>
+                </a:solidFill>
+                <a:effectLst/>
+                <a:latin typeface="Consolas" panose="020B0609020204030204" pitchFamily="49" charset="0"/>
+              </a:endParaRPr>
+            </a:p>
+          </p:txBody>
+        </p:sp>
+        <p:sp>
+          <p:nvSpPr>
+            <p:cNvPr id="9" name="Znak plus 8">
+              <a:extLst>
+                <a:ext uri="{FF2B5EF4-FFF2-40B4-BE49-F238E27FC236}">
+                  <a16:creationId xmlns:a16="http://schemas.microsoft.com/office/drawing/2014/main" id="{3CF45060-9FEE-4A2C-8429-29E462F1A259}"/>
+                </a:ext>
+              </a:extLst>
+            </p:cNvPr>
+            <p:cNvSpPr/>
+            <p:nvPr/>
+          </p:nvSpPr>
+          <p:spPr>
+            <a:xfrm>
+              <a:off x="5963686" y="1853172"/>
+              <a:ext cx="313084" cy="318052"/>
+            </a:xfrm>
+            <a:prstGeom prst="mathPlus">
+              <a:avLst/>
+            </a:prstGeom>
+          </p:spPr>
+          <p:style>
+            <a:lnRef idx="2">
+              <a:schemeClr val="accent3">
+                <a:shade val="50000"/>
+              </a:schemeClr>
+            </a:lnRef>
+            <a:fillRef idx="1">
+              <a:schemeClr val="accent3"/>
+            </a:fillRef>
+            <a:effectRef idx="0">
+              <a:schemeClr val="accent3"/>
+            </a:effectRef>
+            <a:fontRef idx="minor">
+              <a:schemeClr val="lt1"/>
+            </a:fontRef>
+          </p:style>
+          <p:txBody>
+            <a:bodyPr rtlCol="0" anchor="ctr"/>
+            <a:lstStyle/>
+            <a:p>
+              <a:pPr algn="ctr"/>
+              <a:endParaRPr lang="pl-PL" b="1"/>
+            </a:p>
+          </p:txBody>
+        </p:sp>
+      </p:grpSp>
+      <p:pic>
+        <p:nvPicPr>
+          <p:cNvPr id="10" name="Grafika 9" descr="Znaczek 1">
+            <a:extLst>
+              <a:ext uri="{FF2B5EF4-FFF2-40B4-BE49-F238E27FC236}">
+                <a16:creationId xmlns:a16="http://schemas.microsoft.com/office/drawing/2014/main" id="{21379937-1D65-4A6C-82C5-737FDEAF6943}"/>
+              </a:ext>
+            </a:extLst>
+          </p:cNvPr>
+          <p:cNvPicPr>
+            <a:picLocks noChangeAspect="1"/>
+          </p:cNvPicPr>
+          <p:nvPr/>
+        </p:nvPicPr>
+        <p:blipFill>
+          <a:blip r:embed="rId5">
+            <a:extLst>
+              <a:ext uri="{28A0092B-C50C-407E-A947-70E740481C1C}">
+                <a14:useLocalDpi xmlns:a14="http://schemas.microsoft.com/office/drawing/2010/main" val="0"/>
+              </a:ext>
+              <a:ext uri="{96DAC541-7B7A-43D3-8B79-37D633B846F1}">
+                <asvg:svgBlip xmlns:asvg="http://schemas.microsoft.com/office/drawing/2016/SVG/main" r:embed="rId6"/>
+              </a:ext>
+            </a:extLst>
+          </a:blip>
+          <a:stretch>
+            <a:fillRect/>
+          </a:stretch>
+        </p:blipFill>
+        <p:spPr>
+          <a:xfrm>
+            <a:off x="2051303" y="2356377"/>
+            <a:ext cx="528413" cy="528413"/>
+          </a:xfrm>
+          <a:prstGeom prst="rect">
+            <a:avLst/>
+          </a:prstGeom>
+        </p:spPr>
+      </p:pic>
+      <p:pic>
+        <p:nvPicPr>
+          <p:cNvPr id="12" name="Grafika 11" descr="Znaczek">
+            <a:extLst>
+              <a:ext uri="{FF2B5EF4-FFF2-40B4-BE49-F238E27FC236}">
+                <a16:creationId xmlns:a16="http://schemas.microsoft.com/office/drawing/2014/main" id="{499A7846-D368-48EC-A458-F82FDE3961C1}"/>
+              </a:ext>
+            </a:extLst>
+          </p:cNvPr>
+          <p:cNvPicPr>
+            <a:picLocks noChangeAspect="1"/>
+          </p:cNvPicPr>
+          <p:nvPr/>
+        </p:nvPicPr>
+        <p:blipFill>
+          <a:blip r:embed="rId7">
+            <a:extLst>
+              <a:ext uri="{28A0092B-C50C-407E-A947-70E740481C1C}">
+                <a14:useLocalDpi xmlns:a14="http://schemas.microsoft.com/office/drawing/2010/main" val="0"/>
+              </a:ext>
+              <a:ext uri="{96DAC541-7B7A-43D3-8B79-37D633B846F1}">
+                <asvg:svgBlip xmlns:asvg="http://schemas.microsoft.com/office/drawing/2016/SVG/main" r:embed="rId8"/>
+              </a:ext>
+            </a:extLst>
+          </a:blip>
+          <a:stretch>
+            <a:fillRect/>
+          </a:stretch>
+        </p:blipFill>
+        <p:spPr>
+          <a:xfrm>
+            <a:off x="2046504" y="3880130"/>
+            <a:ext cx="528413" cy="528413"/>
+          </a:xfrm>
+          <a:prstGeom prst="rect">
+            <a:avLst/>
+          </a:prstGeom>
+        </p:spPr>
+      </p:pic>
+      <p:pic>
+        <p:nvPicPr>
+          <p:cNvPr id="14" name="Grafika 13" descr="Znaczek 3">
+            <a:extLst>
+              <a:ext uri="{FF2B5EF4-FFF2-40B4-BE49-F238E27FC236}">
+                <a16:creationId xmlns:a16="http://schemas.microsoft.com/office/drawing/2014/main" id="{B6AA80A8-6E4F-4AB7-AA06-B300FDD674AB}"/>
+              </a:ext>
+            </a:extLst>
+          </p:cNvPr>
+          <p:cNvPicPr>
+            <a:picLocks noChangeAspect="1"/>
+          </p:cNvPicPr>
+          <p:nvPr/>
+        </p:nvPicPr>
+        <p:blipFill>
+          <a:blip r:embed="rId9">
+            <a:extLst>
+              <a:ext uri="{28A0092B-C50C-407E-A947-70E740481C1C}">
+                <a14:useLocalDpi xmlns:a14="http://schemas.microsoft.com/office/drawing/2010/main" val="0"/>
+              </a:ext>
+              <a:ext uri="{96DAC541-7B7A-43D3-8B79-37D633B846F1}">
+                <asvg:svgBlip xmlns:asvg="http://schemas.microsoft.com/office/drawing/2016/SVG/main" r:embed="rId10"/>
+              </a:ext>
+            </a:extLst>
+          </a:blip>
+          <a:stretch>
+            <a:fillRect/>
+          </a:stretch>
+        </p:blipFill>
+        <p:spPr>
+          <a:xfrm>
+            <a:off x="2046503" y="5309061"/>
+            <a:ext cx="528414" cy="528414"/>
+          </a:xfrm>
+          <a:prstGeom prst="rect">
+            <a:avLst/>
+          </a:prstGeom>
+        </p:spPr>
+      </p:pic>
+      <p:sp>
+        <p:nvSpPr>
+          <p:cNvPr id="18" name="Prostokąt 17">
+            <a:extLst>
+              <a:ext uri="{FF2B5EF4-FFF2-40B4-BE49-F238E27FC236}">
+                <a16:creationId xmlns:a16="http://schemas.microsoft.com/office/drawing/2014/main" id="{3AFF2BEE-D930-4098-8D9B-BEF22C11229F}"/>
+              </a:ext>
+            </a:extLst>
+          </p:cNvPr>
+          <p:cNvSpPr/>
+          <p:nvPr/>
+        </p:nvSpPr>
+        <p:spPr>
+          <a:xfrm>
+            <a:off x="3285044" y="5363585"/>
+            <a:ext cx="6955750" cy="400110"/>
+          </a:xfrm>
+          <a:prstGeom prst="rect">
+            <a:avLst/>
+          </a:prstGeom>
+        </p:spPr>
+        <p:txBody>
+          <a:bodyPr wrap="none">
+            <a:spAutoFit/>
+          </a:bodyPr>
+          <a:lstStyle/>
+          <a:p>
+            <a:r>
+              <a:rPr lang="pl-PL" sz="2000" b="1" dirty="0">
+                <a:solidFill>
+                  <a:srgbClr val="7030A0"/>
+                </a:solidFill>
+                <a:latin typeface="Consolas" panose="020B0609020204030204" pitchFamily="49" charset="0"/>
+              </a:rPr>
+              <a:t>In-</a:t>
+            </a:r>
+            <a:r>
+              <a:rPr lang="pl-PL" sz="2000" b="1" dirty="0" err="1">
+                <a:solidFill>
+                  <a:srgbClr val="7030A0"/>
+                </a:solidFill>
+                <a:latin typeface="Consolas" panose="020B0609020204030204" pitchFamily="49" charset="0"/>
+              </a:rPr>
+              <a:t>memory</a:t>
+            </a:r>
+            <a:r>
+              <a:rPr lang="pl-PL" sz="2000" b="1" dirty="0">
+                <a:solidFill>
+                  <a:srgbClr val="7030A0"/>
+                </a:solidFill>
+                <a:latin typeface="Consolas" panose="020B0609020204030204" pitchFamily="49" charset="0"/>
+              </a:rPr>
+              <a:t> </a:t>
+            </a:r>
+            <a:r>
+              <a:rPr lang="pl-PL" sz="2000" b="1" dirty="0" err="1">
+                <a:solidFill>
+                  <a:srgbClr val="7030A0"/>
+                </a:solidFill>
+                <a:latin typeface="Consolas" panose="020B0609020204030204" pitchFamily="49" charset="0"/>
+              </a:rPr>
+              <a:t>optionally</a:t>
+            </a:r>
+            <a:r>
+              <a:rPr lang="pl-PL" sz="2000" b="1" dirty="0">
+                <a:solidFill>
+                  <a:srgbClr val="7030A0"/>
+                </a:solidFill>
+                <a:latin typeface="Consolas" panose="020B0609020204030204" pitchFamily="49" charset="0"/>
+              </a:rPr>
+              <a:t> </a:t>
+            </a:r>
+            <a:r>
+              <a:rPr lang="pl-PL" sz="2000" b="1" dirty="0" err="1">
+                <a:solidFill>
+                  <a:srgbClr val="7030A0"/>
+                </a:solidFill>
+                <a:latin typeface="Consolas" panose="020B0609020204030204" pitchFamily="49" charset="0"/>
+              </a:rPr>
+              <a:t>distributed</a:t>
+            </a:r>
+            <a:r>
+              <a:rPr lang="pl-PL" sz="2000" b="1" dirty="0">
+                <a:solidFill>
+                  <a:srgbClr val="7030A0"/>
+                </a:solidFill>
+                <a:latin typeface="Consolas" panose="020B0609020204030204" pitchFamily="49" charset="0"/>
+              </a:rPr>
+              <a:t> </a:t>
+            </a:r>
+            <a:r>
+              <a:rPr lang="pl-PL" sz="2000" b="1" dirty="0" err="1">
+                <a:solidFill>
+                  <a:srgbClr val="7030A0"/>
+                </a:solidFill>
+                <a:latin typeface="Consolas" panose="020B0609020204030204" pitchFamily="49" charset="0"/>
+              </a:rPr>
+              <a:t>key-value</a:t>
+            </a:r>
+            <a:r>
+              <a:rPr lang="pl-PL" sz="2000" b="1" dirty="0">
+                <a:solidFill>
+                  <a:srgbClr val="7030A0"/>
+                </a:solidFill>
+                <a:latin typeface="Consolas" panose="020B0609020204030204" pitchFamily="49" charset="0"/>
+              </a:rPr>
+              <a:t> Cache</a:t>
+            </a:r>
+            <a:endParaRPr lang="pl-PL" sz="2000" b="1" i="0" dirty="0">
+              <a:solidFill>
+                <a:srgbClr val="7030A0"/>
+              </a:solidFill>
+              <a:effectLst/>
+              <a:latin typeface="Consolas" panose="020B0609020204030204" pitchFamily="49" charset="0"/>
+            </a:endParaRPr>
+          </a:p>
+        </p:txBody>
+      </p:sp>
+      <p:sp>
+        <p:nvSpPr>
+          <p:cNvPr id="15" name="Prostokąt 14">
+            <a:extLst>
+              <a:ext uri="{FF2B5EF4-FFF2-40B4-BE49-F238E27FC236}">
+                <a16:creationId xmlns:a16="http://schemas.microsoft.com/office/drawing/2014/main" id="{6658EC22-BAF4-4E03-90AE-9A662C79BDF0}"/>
+              </a:ext>
+            </a:extLst>
+          </p:cNvPr>
+          <p:cNvSpPr/>
+          <p:nvPr/>
+        </p:nvSpPr>
+        <p:spPr>
+          <a:xfrm>
+            <a:off x="4327797" y="5700332"/>
+            <a:ext cx="4870244" cy="369332"/>
+          </a:xfrm>
+          <a:prstGeom prst="rect">
+            <a:avLst/>
+          </a:prstGeom>
+        </p:spPr>
+        <p:txBody>
+          <a:bodyPr wrap="none">
+            <a:spAutoFit/>
+          </a:bodyPr>
+          <a:lstStyle/>
+          <a:p>
+            <a:r>
+              <a:rPr lang="pl-PL" b="1" dirty="0">
+                <a:latin typeface="Consolas" panose="020B0609020204030204" pitchFamily="49" charset="0"/>
+              </a:rPr>
+              <a:t>(</a:t>
+            </a:r>
+            <a:r>
+              <a:rPr lang="pl-PL" b="1" dirty="0" err="1">
+                <a:latin typeface="Consolas" panose="020B0609020204030204" pitchFamily="49" charset="0"/>
+              </a:rPr>
+              <a:t>Microsoft.Extensions.Caching.Memory</a:t>
+            </a:r>
+            <a:r>
+              <a:rPr lang="pl-PL" b="1" dirty="0">
+                <a:latin typeface="Consolas" panose="020B0609020204030204" pitchFamily="49" charset="0"/>
+              </a:rPr>
+              <a:t>)</a:t>
+            </a:r>
+          </a:p>
+        </p:txBody>
+      </p:sp>
+      <p:sp>
+        <p:nvSpPr>
+          <p:cNvPr id="22" name="Symbol zastępczy numeru slajdu 15">
+            <a:extLst>
+              <a:ext uri="{FF2B5EF4-FFF2-40B4-BE49-F238E27FC236}">
+                <a16:creationId xmlns:a16="http://schemas.microsoft.com/office/drawing/2014/main" id="{EE315B79-8531-4DF5-AF76-A59585F66E1C}"/>
+              </a:ext>
+            </a:extLst>
+          </p:cNvPr>
+          <p:cNvSpPr>
+            <a:spLocks noGrp="1"/>
+          </p:cNvSpPr>
+          <p:nvPr>
+            <p:ph type="sldNum" sz="quarter" idx="12"/>
+          </p:nvPr>
+        </p:nvSpPr>
+        <p:spPr>
+          <a:xfrm>
+            <a:off x="11639826" y="6404941"/>
+            <a:ext cx="456096" cy="365125"/>
+          </a:xfrm>
+        </p:spPr>
+        <p:txBody>
+          <a:bodyPr/>
+          <a:lstStyle/>
+          <a:p>
+            <a:fld id="{27CE633F-9882-4A5C-83A2-1109D0C73261}" type="slidenum">
+              <a:rPr lang="en-US" smtClean="0"/>
+              <a:t>3</a:t>
+            </a:fld>
+            <a:endParaRPr lang="en-US" dirty="0"/>
+          </a:p>
+        </p:txBody>
+      </p:sp>
+    </p:spTree>
+    <p:extLst>
+      <p:ext uri="{BB962C8B-B14F-4D97-AF65-F5344CB8AC3E}">
+        <p14:creationId xmlns:p14="http://schemas.microsoft.com/office/powerpoint/2010/main" val="3734288814"/>
+      </p:ext>
+    </p:extLst>
+  </p:cSld>
+  <p:clrMapOvr>
+    <a:masterClrMapping/>
+  </p:clrMapOvr>
+</p:sld>
+</file>
+
+<file path=ppt/slides/slide4.xml><?xml version="1.0" encoding="utf-8"?>
+<p:sld xmlns:a="http://schemas.openxmlformats.org/drawingml/2006/main" xmlns:r="http://schemas.openxmlformats.org/officeDocument/2006/relationships" xmlns:p="http://schemas.openxmlformats.org/presentationml/2006/main">
+  <p:cSld>
+    <p:spTree>
+      <p:nvGrpSpPr>
+        <p:cNvPr id="1" name=""/>
+        <p:cNvGrpSpPr/>
+        <p:nvPr/>
+      </p:nvGrpSpPr>
+      <p:grpSpPr>
+        <a:xfrm>
+          <a:off x="0" y="0"/>
+          <a:ext cx="0" cy="0"/>
+          <a:chOff x="0" y="0"/>
+          <a:chExt cx="0" cy="0"/>
+        </a:xfrm>
+      </p:grpSpPr>
+      <p:sp>
+        <p:nvSpPr>
+          <p:cNvPr id="2" name="Tytuł 1">
+            <a:extLst>
+              <a:ext uri="{FF2B5EF4-FFF2-40B4-BE49-F238E27FC236}">
+                <a16:creationId xmlns:a16="http://schemas.microsoft.com/office/drawing/2014/main" id="{CD4A430B-672E-47BE-93F9-8CB1396DC1C8}"/>
+              </a:ext>
+            </a:extLst>
+          </p:cNvPr>
+          <p:cNvSpPr>
+            <a:spLocks noGrp="1"/>
+          </p:cNvSpPr>
+          <p:nvPr>
+            <p:ph type="title"/>
+          </p:nvPr>
+        </p:nvSpPr>
+        <p:spPr>
+          <a:xfrm>
+            <a:off x="838200" y="-1525"/>
+            <a:ext cx="10515600" cy="1325563"/>
+          </a:xfrm>
+        </p:spPr>
+        <p:txBody>
+          <a:bodyPr/>
+          <a:lstStyle/>
+          <a:p>
+            <a:r>
+              <a:rPr lang="pl-PL" dirty="0"/>
+              <a:t>Baza SQL</a:t>
+            </a:r>
+          </a:p>
+        </p:txBody>
+      </p:sp>
+      <p:sp>
+        <p:nvSpPr>
+          <p:cNvPr id="22" name="Symbol zastępczy numeru slajdu 15">
+            <a:extLst>
+              <a:ext uri="{FF2B5EF4-FFF2-40B4-BE49-F238E27FC236}">
+                <a16:creationId xmlns:a16="http://schemas.microsoft.com/office/drawing/2014/main" id="{EE315B79-8531-4DF5-AF76-A59585F66E1C}"/>
+              </a:ext>
+            </a:extLst>
+          </p:cNvPr>
+          <p:cNvSpPr>
+            <a:spLocks noGrp="1"/>
+          </p:cNvSpPr>
+          <p:nvPr>
+            <p:ph type="sldNum" sz="quarter" idx="12"/>
+          </p:nvPr>
+        </p:nvSpPr>
+        <p:spPr>
+          <a:xfrm>
+            <a:off x="11639826" y="6404941"/>
+            <a:ext cx="456096" cy="365125"/>
+          </a:xfrm>
+        </p:spPr>
+        <p:txBody>
+          <a:bodyPr/>
+          <a:lstStyle/>
+          <a:p>
+            <a:fld id="{27CE633F-9882-4A5C-83A2-1109D0C73261}" type="slidenum">
+              <a:rPr lang="en-US" smtClean="0"/>
+              <a:t>4</a:t>
+            </a:fld>
+            <a:endParaRPr lang="en-US" dirty="0"/>
+          </a:p>
+        </p:txBody>
+      </p:sp>
+      <p:pic>
+        <p:nvPicPr>
+          <p:cNvPr id="3" name="Obraz 2">
+            <a:extLst>
+              <a:ext uri="{FF2B5EF4-FFF2-40B4-BE49-F238E27FC236}">
+                <a16:creationId xmlns:a16="http://schemas.microsoft.com/office/drawing/2014/main" id="{4E0234FA-BC14-495E-B7A0-3B21FB67E4AC}"/>
+              </a:ext>
+            </a:extLst>
+          </p:cNvPr>
+          <p:cNvPicPr>
+            <a:picLocks noChangeAspect="1"/>
+          </p:cNvPicPr>
+          <p:nvPr/>
+        </p:nvPicPr>
+        <p:blipFill>
+          <a:blip r:embed="rId3"/>
+          <a:stretch>
+            <a:fillRect/>
+          </a:stretch>
+        </p:blipFill>
+        <p:spPr>
+          <a:xfrm>
+            <a:off x="1156549" y="1086249"/>
+            <a:ext cx="10515600" cy="5683818"/>
+          </a:xfrm>
+          <a:prstGeom prst="rect">
+            <a:avLst/>
+          </a:prstGeom>
+        </p:spPr>
+      </p:pic>
+    </p:spTree>
+    <p:extLst>
+      <p:ext uri="{BB962C8B-B14F-4D97-AF65-F5344CB8AC3E}">
+        <p14:creationId xmlns:p14="http://schemas.microsoft.com/office/powerpoint/2010/main" val="3751164702"/>
+      </p:ext>
+    </p:extLst>
+  </p:cSld>
+  <p:clrMapOvr>
+    <a:masterClrMapping/>
+  </p:clrMapOvr>
+</p:sld>
+</file>
+
+<file path=ppt/slides/slide5.xml><?xml version="1.0" encoding="utf-8"?>
+<p:sld xmlns:a="http://schemas.openxmlformats.org/drawingml/2006/main" xmlns:r="http://schemas.openxmlformats.org/officeDocument/2006/relationships" xmlns:p="http://schemas.openxmlformats.org/presentationml/2006/main">
+  <p:cSld>
+    <p:spTree>
+      <p:nvGrpSpPr>
+        <p:cNvPr id="1" name=""/>
+        <p:cNvGrpSpPr/>
+        <p:nvPr/>
+      </p:nvGrpSpPr>
+      <p:grpSpPr>
+        <a:xfrm>
+          <a:off x="0" y="0"/>
+          <a:ext cx="0" cy="0"/>
+          <a:chOff x="0" y="0"/>
+          <a:chExt cx="0" cy="0"/>
+        </a:xfrm>
+      </p:grpSpPr>
+      <p:sp>
+        <p:nvSpPr>
+          <p:cNvPr id="2" name="Tytuł 1">
+            <a:extLst>
+              <a:ext uri="{FF2B5EF4-FFF2-40B4-BE49-F238E27FC236}">
+                <a16:creationId xmlns:a16="http://schemas.microsoft.com/office/drawing/2014/main" id="{CD4A430B-672E-47BE-93F9-8CB1396DC1C8}"/>
+              </a:ext>
+            </a:extLst>
+          </p:cNvPr>
+          <p:cNvSpPr>
+            <a:spLocks noGrp="1"/>
+          </p:cNvSpPr>
+          <p:nvPr>
+            <p:ph type="title"/>
+          </p:nvPr>
+        </p:nvSpPr>
+        <p:spPr>
+          <a:xfrm>
+            <a:off x="838200" y="-1525"/>
+            <a:ext cx="10515600" cy="1325563"/>
+          </a:xfrm>
+        </p:spPr>
+        <p:txBody>
+          <a:bodyPr/>
+          <a:lstStyle/>
+          <a:p>
+            <a:r>
+              <a:rPr lang="pl-PL" dirty="0"/>
+              <a:t>Baza </a:t>
+            </a:r>
+            <a:r>
+              <a:rPr lang="pl-PL" dirty="0" err="1"/>
+              <a:t>NoSQL</a:t>
+            </a:r>
+            <a:endParaRPr lang="pl-PL" dirty="0"/>
+          </a:p>
+        </p:txBody>
+      </p:sp>
+      <p:sp>
+        <p:nvSpPr>
+          <p:cNvPr id="22" name="Symbol zastępczy numeru slajdu 15">
+            <a:extLst>
+              <a:ext uri="{FF2B5EF4-FFF2-40B4-BE49-F238E27FC236}">
+                <a16:creationId xmlns:a16="http://schemas.microsoft.com/office/drawing/2014/main" id="{EE315B79-8531-4DF5-AF76-A59585F66E1C}"/>
+              </a:ext>
+            </a:extLst>
+          </p:cNvPr>
+          <p:cNvSpPr>
+            <a:spLocks noGrp="1"/>
+          </p:cNvSpPr>
+          <p:nvPr>
+            <p:ph type="sldNum" sz="quarter" idx="12"/>
+          </p:nvPr>
+        </p:nvSpPr>
+        <p:spPr>
+          <a:xfrm>
+            <a:off x="11639826" y="6404941"/>
+            <a:ext cx="456096" cy="365125"/>
+          </a:xfrm>
+        </p:spPr>
+        <p:txBody>
+          <a:bodyPr/>
+          <a:lstStyle/>
+          <a:p>
+            <a:fld id="{27CE633F-9882-4A5C-83A2-1109D0C73261}" type="slidenum">
+              <a:rPr lang="en-US" smtClean="0"/>
+              <a:t>5</a:t>
+            </a:fld>
+            <a:endParaRPr lang="en-US" dirty="0"/>
+          </a:p>
+        </p:txBody>
+      </p:sp>
+      <p:pic>
+        <p:nvPicPr>
+          <p:cNvPr id="5" name="Obraz 4">
+            <a:extLst>
+              <a:ext uri="{FF2B5EF4-FFF2-40B4-BE49-F238E27FC236}">
+                <a16:creationId xmlns:a16="http://schemas.microsoft.com/office/drawing/2014/main" id="{C5D11697-C095-4A41-AC43-4C2A6E015FBE}"/>
+              </a:ext>
+            </a:extLst>
+          </p:cNvPr>
+          <p:cNvPicPr>
+            <a:picLocks noChangeAspect="1"/>
+          </p:cNvPicPr>
+          <p:nvPr/>
+        </p:nvPicPr>
+        <p:blipFill>
+          <a:blip r:embed="rId3">
+            <a:clrChange>
+              <a:clrFrom>
+                <a:srgbClr val="E7E7E7"/>
+              </a:clrFrom>
+              <a:clrTo>
+                <a:srgbClr val="E7E7E7">
+                  <a:alpha val="0"/>
+                </a:srgbClr>
+              </a:clrTo>
+            </a:clrChange>
+          </a:blip>
+          <a:stretch>
+            <a:fillRect/>
+          </a:stretch>
+        </p:blipFill>
+        <p:spPr>
+          <a:xfrm>
+            <a:off x="2667828" y="1040385"/>
+            <a:ext cx="6772217" cy="5729681"/>
+          </a:xfrm>
+          <a:prstGeom prst="rect">
+            <a:avLst/>
+          </a:prstGeom>
+        </p:spPr>
+      </p:pic>
+    </p:spTree>
+    <p:extLst>
+      <p:ext uri="{BB962C8B-B14F-4D97-AF65-F5344CB8AC3E}">
+        <p14:creationId xmlns:p14="http://schemas.microsoft.com/office/powerpoint/2010/main" val="1886011544"/>
+      </p:ext>
+    </p:extLst>
+  </p:cSld>
+  <p:clrMapOvr>
+    <a:masterClrMapping/>
+  </p:clrMapOvr>
+</p:sld>
+</file>
+
 <file path=ppt/theme/theme1.xml><?xml version="1.0" encoding="utf-8"?>
 <a:theme xmlns:a="http://schemas.openxmlformats.org/drawingml/2006/main" name="GradientVTI">
   <a:themeElements>
@@ -4413,4 +6137,299 @@
     </a:ext>
   </a:extLst>
 </a:theme>
+</file>
+
+<file path=ppt/theme/theme2.xml><?xml version="1.0" encoding="utf-8"?>
+<a:theme xmlns:a="http://schemas.openxmlformats.org/drawingml/2006/main" name="Motyw pakietu Office">
+  <a:themeElements>
+    <a:clrScheme name="Pakiet Office">
+      <a:dk1>
+        <a:sysClr val="windowText" lastClr="000000"/>
+      </a:dk1>
+      <a:lt1>
+        <a:sysClr val="window" lastClr="FFFFFF"/>
+      </a:lt1>
+      <a:dk2>
+        <a:srgbClr val="44546A"/>
+      </a:dk2>
+      <a:lt2>
+        <a:srgbClr val="E7E6E6"/>
+      </a:lt2>
+      <a:accent1>
+        <a:srgbClr val="4472C4"/>
+      </a:accent1>
+      <a:accent2>
+        <a:srgbClr val="ED7D31"/>
+      </a:accent2>
+      <a:accent3>
+        <a:srgbClr val="A5A5A5"/>
+      </a:accent3>
+      <a:accent4>
+        <a:srgbClr val="FFC000"/>
+      </a:accent4>
+      <a:accent5>
+        <a:srgbClr val="5B9BD5"/>
+      </a:accent5>
+      <a:accent6>
+        <a:srgbClr val="70AD47"/>
+      </a:accent6>
+      <a:hlink>
+        <a:srgbClr val="0563C1"/>
+      </a:hlink>
+      <a:folHlink>
+        <a:srgbClr val="954F72"/>
+      </a:folHlink>
+    </a:clrScheme>
+    <a:fontScheme name="Pakiet Office">
+      <a:majorFont>
+        <a:latin typeface="Calibri Light" panose="020F0302020204030204"/>
+        <a:ea typeface=""/>
+        <a:cs typeface=""/>
+        <a:font script="Jpan" typeface="游ゴシック Light"/>
+        <a:font script="Hang" typeface="맑은 고딕"/>
+        <a:font script="Hans" typeface="等线 Light"/>
+        <a:font script="Hant" typeface="新細明體"/>
+        <a:font script="Arab" typeface="Times New Roman"/>
+        <a:font script="Hebr" typeface="Times New Roman"/>
+        <a:font script="Thai" typeface="Angsana New"/>
+        <a:font script="Ethi" typeface="Nyala"/>
+        <a:font script="Beng" typeface="Vrinda"/>
+        <a:font script="Gujr" typeface="Shruti"/>
+        <a:font script="Khmr" typeface="MoolBoran"/>
+        <a:font script="Knda" typeface="Tunga"/>
+        <a:font script="Guru" typeface="Raavi"/>
+        <a:font script="Cans" typeface="Euphemia"/>
+        <a:font script="Cher" typeface="Plantagenet Cherokee"/>
+        <a:font script="Yiii" typeface="Microsoft Yi Baiti"/>
+        <a:font script="Tibt" typeface="Microsoft Himalaya"/>
+        <a:font script="Thaa" typeface="MV Boli"/>
+        <a:font script="Deva" typeface="Mangal"/>
+        <a:font script="Telu" typeface="Gautami"/>
+        <a:font script="Taml" typeface="Latha"/>
+        <a:font script="Syrc" typeface="Estrangelo Edessa"/>
+        <a:font script="Orya" typeface="Kalinga"/>
+        <a:font script="Mlym" typeface="Kartika"/>
+        <a:font script="Laoo" typeface="DokChampa"/>
+        <a:font script="Sinh" typeface="Iskoola Pota"/>
+        <a:font script="Mong" typeface="Mongolian Baiti"/>
+        <a:font script="Viet" typeface="Times New Roman"/>
+        <a:font script="Uigh" typeface="Microsoft Uighur"/>
+        <a:font script="Geor" typeface="Sylfaen"/>
+        <a:font script="Armn" typeface="Arial"/>
+        <a:font script="Bugi" typeface="Leelawadee UI"/>
+        <a:font script="Bopo" typeface="Microsoft JhengHei"/>
+        <a:font script="Java" typeface="Javanese Text"/>
+        <a:font script="Lisu" typeface="Segoe UI"/>
+        <a:font script="Mymr" typeface="Myanmar Text"/>
+        <a:font script="Nkoo" typeface="Ebrima"/>
+        <a:font script="Olck" typeface="Nirmala UI"/>
+        <a:font script="Osma" typeface="Ebrima"/>
+        <a:font script="Phag" typeface="Phagspa"/>
+        <a:font script="Syrn" typeface="Estrangelo Edessa"/>
+        <a:font script="Syrj" typeface="Estrangelo Edessa"/>
+        <a:font script="Syre" typeface="Estrangelo Edessa"/>
+        <a:font script="Sora" typeface="Nirmala UI"/>
+        <a:font script="Tale" typeface="Microsoft Tai Le"/>
+        <a:font script="Talu" typeface="Microsoft New Tai Lue"/>
+        <a:font script="Tfng" typeface="Ebrima"/>
+      </a:majorFont>
+      <a:minorFont>
+        <a:latin typeface="Calibri" panose="020F0502020204030204"/>
+        <a:ea typeface=""/>
+        <a:cs typeface=""/>
+        <a:font script="Jpan" typeface="游ゴシック"/>
+        <a:font script="Hang" typeface="맑은 고딕"/>
+        <a:font script="Hans" typeface="等线"/>
+        <a:font script="Hant" typeface="新細明體"/>
+        <a:font script="Arab" typeface="Arial"/>
+        <a:font script="Hebr" typeface="Arial"/>
+        <a:font script="Thai" typeface="Cordia New"/>
+        <a:font script="Ethi" typeface="Nyala"/>
+        <a:font script="Beng" typeface="Vrinda"/>
+        <a:font script="Gujr" typeface="Shruti"/>
+        <a:font script="Khmr" typeface="DaunPenh"/>
+        <a:font script="Knda" typeface="Tunga"/>
+        <a:font script="Guru" typeface="Raavi"/>
+        <a:font script="Cans" typeface="Euphemia"/>
+        <a:font script="Cher" typeface="Plantagenet Cherokee"/>
+        <a:font script="Yiii" typeface="Microsoft Yi Baiti"/>
+        <a:font script="Tibt" typeface="Microsoft Himalaya"/>
+        <a:font script="Thaa" typeface="MV Boli"/>
+        <a:font script="Deva" typeface="Mangal"/>
+        <a:font script="Telu" typeface="Gautami"/>
+        <a:font script="Taml" typeface="Latha"/>
+        <a:font script="Syrc" typeface="Estrangelo Edessa"/>
+        <a:font script="Orya" typeface="Kalinga"/>
+        <a:font script="Mlym" typeface="Kartika"/>
+        <a:font script="Laoo" typeface="DokChampa"/>
+        <a:font script="Sinh" typeface="Iskoola Pota"/>
+        <a:font script="Mong" typeface="Mongolian Baiti"/>
+        <a:font script="Viet" typeface="Arial"/>
+        <a:font script="Uigh" typeface="Microsoft Uighur"/>
+        <a:font script="Geor" typeface="Sylfaen"/>
+        <a:font script="Armn" typeface="Arial"/>
+        <a:font script="Bugi" typeface="Leelawadee UI"/>
+        <a:font script="Bopo" typeface="Microsoft JhengHei"/>
+        <a:font script="Java" typeface="Javanese Text"/>
+        <a:font script="Lisu" typeface="Segoe UI"/>
+        <a:font script="Mymr" typeface="Myanmar Text"/>
+        <a:font script="Nkoo" typeface="Ebrima"/>
+        <a:font script="Olck" typeface="Nirmala UI"/>
+        <a:font script="Osma" typeface="Ebrima"/>
+        <a:font script="Phag" typeface="Phagspa"/>
+        <a:font script="Syrn" typeface="Estrangelo Edessa"/>
+        <a:font script="Syrj" typeface="Estrangelo Edessa"/>
+        <a:font script="Syre" typeface="Estrangelo Edessa"/>
+        <a:font script="Sora" typeface="Nirmala UI"/>
+        <a:font script="Tale" typeface="Microsoft Tai Le"/>
+        <a:font script="Talu" typeface="Microsoft New Tai Lue"/>
+        <a:font script="Tfng" typeface="Ebrima"/>
+      </a:minorFont>
+    </a:fontScheme>
+    <a:fmtScheme name="Pakiet Office">
+      <a:fillStyleLst>
+        <a:solidFill>
+          <a:schemeClr val="phClr"/>
+        </a:solidFill>
+        <a:gradFill rotWithShape="1">
+          <a:gsLst>
+            <a:gs pos="0">
+              <a:schemeClr val="phClr">
+                <a:lumMod val="110000"/>
+                <a:satMod val="105000"/>
+                <a:tint val="67000"/>
+              </a:schemeClr>
+            </a:gs>
+            <a:gs pos="50000">
+              <a:schemeClr val="phClr">
+                <a:lumMod val="105000"/>
+                <a:satMod val="103000"/>
+                <a:tint val="73000"/>
+              </a:schemeClr>
+            </a:gs>
+            <a:gs pos="100000">
+              <a:schemeClr val="phClr">
+                <a:lumMod val="105000"/>
+                <a:satMod val="109000"/>
+                <a:tint val="81000"/>
+              </a:schemeClr>
+            </a:gs>
+          </a:gsLst>
+          <a:lin ang="5400000" scaled="0"/>
+        </a:gradFill>
+        <a:gradFill rotWithShape="1">
+          <a:gsLst>
+            <a:gs pos="0">
+              <a:schemeClr val="phClr">
+                <a:satMod val="103000"/>
+                <a:lumMod val="102000"/>
+                <a:tint val="94000"/>
+              </a:schemeClr>
+            </a:gs>
+            <a:gs pos="50000">
+              <a:schemeClr val="phClr">
+                <a:satMod val="110000"/>
+                <a:lumMod val="100000"/>
+                <a:shade val="100000"/>
+              </a:schemeClr>
+            </a:gs>
+            <a:gs pos="100000">
+              <a:schemeClr val="phClr">
+                <a:lumMod val="99000"/>
+                <a:satMod val="120000"/>
+                <a:shade val="78000"/>
+              </a:schemeClr>
+            </a:gs>
+          </a:gsLst>
+          <a:lin ang="5400000" scaled="0"/>
+        </a:gradFill>
+      </a:fillStyleLst>
+      <a:lnStyleLst>
+        <a:ln w="6350" cap="flat" cmpd="sng" algn="ctr">
+          <a:solidFill>
+            <a:schemeClr val="phClr"/>
+          </a:solidFill>
+          <a:prstDash val="solid"/>
+          <a:miter lim="800000"/>
+        </a:ln>
+        <a:ln w="12700" cap="flat" cmpd="sng" algn="ctr">
+          <a:solidFill>
+            <a:schemeClr val="phClr"/>
+          </a:solidFill>
+          <a:prstDash val="solid"/>
+          <a:miter lim="800000"/>
+        </a:ln>
+        <a:ln w="19050" cap="flat" cmpd="sng" algn="ctr">
+          <a:solidFill>
+            <a:schemeClr val="phClr"/>
+          </a:solidFill>
+          <a:prstDash val="solid"/>
+          <a:miter lim="800000"/>
+        </a:ln>
+      </a:lnStyleLst>
+      <a:effectStyleLst>
+        <a:effectStyle>
+          <a:effectLst/>
+        </a:effectStyle>
+        <a:effectStyle>
+          <a:effectLst/>
+        </a:effectStyle>
+        <a:effectStyle>
+          <a:effectLst>
+            <a:outerShdw blurRad="57150" dist="19050" dir="5400000" algn="ctr" rotWithShape="0">
+              <a:srgbClr val="000000">
+                <a:alpha val="63000"/>
+              </a:srgbClr>
+            </a:outerShdw>
+          </a:effectLst>
+        </a:effectStyle>
+      </a:effectStyleLst>
+      <a:bgFillStyleLst>
+        <a:solidFill>
+          <a:schemeClr val="phClr"/>
+        </a:solidFill>
+        <a:solidFill>
+          <a:schemeClr val="phClr">
+            <a:tint val="95000"/>
+            <a:satMod val="170000"/>
+          </a:schemeClr>
+        </a:solidFill>
+        <a:gradFill rotWithShape="1">
+          <a:gsLst>
+            <a:gs pos="0">
+              <a:schemeClr val="phClr">
+                <a:tint val="93000"/>
+                <a:satMod val="150000"/>
+                <a:shade val="98000"/>
+                <a:lumMod val="102000"/>
+              </a:schemeClr>
+            </a:gs>
+            <a:gs pos="50000">
+              <a:schemeClr val="phClr">
+                <a:tint val="98000"/>
+                <a:satMod val="130000"/>
+                <a:shade val="90000"/>
+                <a:lumMod val="103000"/>
+              </a:schemeClr>
+            </a:gs>
+            <a:gs pos="100000">
+              <a:schemeClr val="phClr">
+                <a:shade val="63000"/>
+                <a:satMod val="120000"/>
+              </a:schemeClr>
+            </a:gs>
+          </a:gsLst>
+          <a:lin ang="5400000" scaled="0"/>
+        </a:gradFill>
+      </a:bgFillStyleLst>
+    </a:fmtScheme>
+  </a:themeElements>
+  <a:objectDefaults/>
+  <a:extraClrSchemeLst/>
+  <a:extLst>
+    <a:ext uri="{05A4C25C-085E-4340-85A3-A5531E510DB2}">
+      <thm15:themeFamily xmlns:thm15="http://schemas.microsoft.com/office/thememl/2012/main" name="Office Theme" id="{62F939B6-93AF-4DB8-9C6B-D6C7DFDC589F}" vid="{4A3C46E8-61CC-4603-A589-7422A47A8E4A}"/>
+    </a:ext>
+  </a:extLst>
+</a:theme>
 </file>
--- a/docs/Prezentacja Bajguz Kierzkowski.pptx
+++ b/docs/Prezentacja Bajguz Kierzkowski.pptx
@@ -5,14 +5,16 @@
     <p:sldMasterId id="2147483928" r:id="rId1"/>
   </p:sldMasterIdLst>
   <p:notesMasterIdLst>
-    <p:notesMasterId r:id="rId7"/>
+    <p:notesMasterId r:id="rId9"/>
   </p:notesMasterIdLst>
   <p:sldIdLst>
     <p:sldId id="256" r:id="rId2"/>
     <p:sldId id="257" r:id="rId3"/>
-    <p:sldId id="258" r:id="rId4"/>
-    <p:sldId id="259" r:id="rId5"/>
-    <p:sldId id="260" r:id="rId6"/>
+    <p:sldId id="262" r:id="rId4"/>
+    <p:sldId id="258" r:id="rId5"/>
+    <p:sldId id="259" r:id="rId6"/>
+    <p:sldId id="260" r:id="rId7"/>
+    <p:sldId id="261" r:id="rId8"/>
   </p:sldIdLst>
   <p:sldSz cx="12192000" cy="6858000"/>
   <p:notesSz cx="6858000" cy="9144000"/>
@@ -212,7 +214,7 @@
           <a:p>
             <a:fld id="{1ECD208D-F206-4DE1-A130-CB2F44406222}" type="datetimeFigureOut">
               <a:rPr lang="pl-PL" smtClean="0"/>
-              <a:t>2020-06-06</a:t>
+              <a:t>2020-06-13</a:t>
             </a:fld>
             <a:endParaRPr lang="pl-PL"/>
           </a:p>
@@ -553,7 +555,7 @@
     </p:spTree>
     <p:extLst>
       <p:ext uri="{BB962C8B-B14F-4D97-AF65-F5344CB8AC3E}">
-        <p14:creationId xmlns:p14="http://schemas.microsoft.com/office/powerpoint/2010/main" val="3974333999"/>
+        <p14:creationId xmlns:p14="http://schemas.microsoft.com/office/powerpoint/2010/main" val="2171355224"/>
       </p:ext>
     </p:extLst>
   </p:cSld>
@@ -637,7 +639,175 @@
     </p:spTree>
     <p:extLst>
       <p:ext uri="{BB962C8B-B14F-4D97-AF65-F5344CB8AC3E}">
+        <p14:creationId xmlns:p14="http://schemas.microsoft.com/office/powerpoint/2010/main" val="3974333999"/>
+      </p:ext>
+    </p:extLst>
+  </p:cSld>
+  <p:clrMapOvr>
+    <a:masterClrMapping/>
+  </p:clrMapOvr>
+</p:notes>
+</file>
+
+<file path=ppt/notesSlides/notesSlide3.xml><?xml version="1.0" encoding="utf-8"?>
+<p:notes xmlns:a="http://schemas.openxmlformats.org/drawingml/2006/main" xmlns:r="http://schemas.openxmlformats.org/officeDocument/2006/relationships" xmlns:p="http://schemas.openxmlformats.org/presentationml/2006/main">
+  <p:cSld>
+    <p:spTree>
+      <p:nvGrpSpPr>
+        <p:cNvPr id="1" name=""/>
+        <p:cNvGrpSpPr/>
+        <p:nvPr/>
+      </p:nvGrpSpPr>
+      <p:grpSpPr>
+        <a:xfrm>
+          <a:off x="0" y="0"/>
+          <a:ext cx="0" cy="0"/>
+          <a:chOff x="0" y="0"/>
+          <a:chExt cx="0" cy="0"/>
+        </a:xfrm>
+      </p:grpSpPr>
+      <p:sp>
+        <p:nvSpPr>
+          <p:cNvPr id="2" name="Symbol zastępczy obrazu slajdu 1"/>
+          <p:cNvSpPr>
+            <a:spLocks noGrp="1" noRot="1" noChangeAspect="1"/>
+          </p:cNvSpPr>
+          <p:nvPr>
+            <p:ph type="sldImg"/>
+          </p:nvPr>
+        </p:nvSpPr>
+        <p:spPr/>
+      </p:sp>
+      <p:sp>
+        <p:nvSpPr>
+          <p:cNvPr id="3" name="Symbol zastępczy notatek 2"/>
+          <p:cNvSpPr>
+            <a:spLocks noGrp="1"/>
+          </p:cNvSpPr>
+          <p:nvPr>
+            <p:ph type="body" idx="1"/>
+          </p:nvPr>
+        </p:nvSpPr>
+        <p:spPr/>
+        <p:txBody>
+          <a:bodyPr/>
+          <a:lstStyle/>
+          <a:p>
+            <a:endParaRPr lang="pl-PL" dirty="0"/>
+          </a:p>
+        </p:txBody>
+      </p:sp>
+      <p:sp>
+        <p:nvSpPr>
+          <p:cNvPr id="4" name="Symbol zastępczy numeru slajdu 3"/>
+          <p:cNvSpPr>
+            <a:spLocks noGrp="1"/>
+          </p:cNvSpPr>
+          <p:nvPr>
+            <p:ph type="sldNum" sz="quarter" idx="5"/>
+          </p:nvPr>
+        </p:nvSpPr>
+        <p:spPr/>
+        <p:txBody>
+          <a:bodyPr/>
+          <a:lstStyle/>
+          <a:p>
+            <a:fld id="{B41082EA-CD5E-4AE4-9224-DDC8302E8CDD}" type="slidenum">
+              <a:rPr lang="pl-PL" smtClean="0"/>
+              <a:t>6</a:t>
+            </a:fld>
+            <a:endParaRPr lang="pl-PL"/>
+          </a:p>
+        </p:txBody>
+      </p:sp>
+    </p:spTree>
+    <p:extLst>
+      <p:ext uri="{BB962C8B-B14F-4D97-AF65-F5344CB8AC3E}">
         <p14:creationId xmlns:p14="http://schemas.microsoft.com/office/powerpoint/2010/main" val="371362598"/>
+      </p:ext>
+    </p:extLst>
+  </p:cSld>
+  <p:clrMapOvr>
+    <a:masterClrMapping/>
+  </p:clrMapOvr>
+</p:notes>
+</file>
+
+<file path=ppt/notesSlides/notesSlide4.xml><?xml version="1.0" encoding="utf-8"?>
+<p:notes xmlns:a="http://schemas.openxmlformats.org/drawingml/2006/main" xmlns:r="http://schemas.openxmlformats.org/officeDocument/2006/relationships" xmlns:p="http://schemas.openxmlformats.org/presentationml/2006/main">
+  <p:cSld>
+    <p:spTree>
+      <p:nvGrpSpPr>
+        <p:cNvPr id="1" name=""/>
+        <p:cNvGrpSpPr/>
+        <p:nvPr/>
+      </p:nvGrpSpPr>
+      <p:grpSpPr>
+        <a:xfrm>
+          <a:off x="0" y="0"/>
+          <a:ext cx="0" cy="0"/>
+          <a:chOff x="0" y="0"/>
+          <a:chExt cx="0" cy="0"/>
+        </a:xfrm>
+      </p:grpSpPr>
+      <p:sp>
+        <p:nvSpPr>
+          <p:cNvPr id="2" name="Symbol zastępczy obrazu slajdu 1"/>
+          <p:cNvSpPr>
+            <a:spLocks noGrp="1" noRot="1" noChangeAspect="1"/>
+          </p:cNvSpPr>
+          <p:nvPr>
+            <p:ph type="sldImg"/>
+          </p:nvPr>
+        </p:nvSpPr>
+        <p:spPr/>
+      </p:sp>
+      <p:sp>
+        <p:nvSpPr>
+          <p:cNvPr id="3" name="Symbol zastępczy notatek 2"/>
+          <p:cNvSpPr>
+            <a:spLocks noGrp="1"/>
+          </p:cNvSpPr>
+          <p:nvPr>
+            <p:ph type="body" idx="1"/>
+          </p:nvPr>
+        </p:nvSpPr>
+        <p:spPr/>
+        <p:txBody>
+          <a:bodyPr/>
+          <a:lstStyle/>
+          <a:p>
+            <a:endParaRPr lang="pl-PL" dirty="0"/>
+          </a:p>
+        </p:txBody>
+      </p:sp>
+      <p:sp>
+        <p:nvSpPr>
+          <p:cNvPr id="4" name="Symbol zastępczy numeru slajdu 3"/>
+          <p:cNvSpPr>
+            <a:spLocks noGrp="1"/>
+          </p:cNvSpPr>
+          <p:nvPr>
+            <p:ph type="sldNum" sz="quarter" idx="5"/>
+          </p:nvPr>
+        </p:nvSpPr>
+        <p:spPr/>
+        <p:txBody>
+          <a:bodyPr/>
+          <a:lstStyle/>
+          <a:p>
+            <a:fld id="{B41082EA-CD5E-4AE4-9224-DDC8302E8CDD}" type="slidenum">
+              <a:rPr lang="pl-PL" smtClean="0"/>
+              <a:t>7</a:t>
+            </a:fld>
+            <a:endParaRPr lang="pl-PL"/>
+          </a:p>
+        </p:txBody>
+      </p:sp>
+    </p:spTree>
+    <p:extLst>
+      <p:ext uri="{BB962C8B-B14F-4D97-AF65-F5344CB8AC3E}">
+        <p14:creationId xmlns:p14="http://schemas.microsoft.com/office/powerpoint/2010/main" val="3624872777"/>
       </p:ext>
     </p:extLst>
   </p:cSld>
@@ -794,7 +964,7 @@
           <a:p>
             <a:fld id="{D212F793-D17A-417E-9250-C2A1FC8F817D}" type="datetime1">
               <a:rPr lang="en-US" smtClean="0"/>
-              <a:t>6/6/2020</a:t>
+              <a:t>6/13/2020</a:t>
             </a:fld>
             <a:endParaRPr lang="en-US"/>
           </a:p>
@@ -1045,7 +1215,7 @@
           <a:p>
             <a:fld id="{ECBC202B-11B5-48B7-B7F0-13C83584BDA8}" type="datetime1">
               <a:rPr lang="en-US" smtClean="0"/>
-              <a:t>6/6/2020</a:t>
+              <a:t>6/13/2020</a:t>
             </a:fld>
             <a:endParaRPr lang="en-US"/>
           </a:p>
@@ -1306,7 +1476,7 @@
           <a:p>
             <a:fld id="{D8684B86-FE16-4328-945A-B8A64E5F8641}" type="datetime1">
               <a:rPr lang="en-US" smtClean="0"/>
-              <a:t>6/6/2020</a:t>
+              <a:t>6/13/2020</a:t>
             </a:fld>
             <a:endParaRPr lang="en-US"/>
           </a:p>
@@ -1557,7 +1727,7 @@
           <a:p>
             <a:fld id="{6A68DCFA-D0AD-4FE1-BDE8-DDED694D5B3C}" type="datetime1">
               <a:rPr lang="en-US" smtClean="0"/>
-              <a:t>6/6/2020</a:t>
+              <a:t>6/13/2020</a:t>
             </a:fld>
             <a:endParaRPr lang="en-US"/>
           </a:p>
@@ -1885,7 +2055,7 @@
           <a:p>
             <a:fld id="{D0BC7A0A-7D3C-4FF4-A761-8E59D07697D7}" type="datetime1">
               <a:rPr lang="en-US" smtClean="0"/>
-              <a:t>6/6/2020</a:t>
+              <a:t>6/13/2020</a:t>
             </a:fld>
             <a:endParaRPr lang="en-US"/>
           </a:p>
@@ -2203,7 +2373,7 @@
           <a:p>
             <a:fld id="{421721B3-5F61-4EB4-9477-E06D99717A8A}" type="datetime1">
               <a:rPr lang="en-US" smtClean="0"/>
-              <a:t>6/6/2020</a:t>
+              <a:t>6/13/2020</a:t>
             </a:fld>
             <a:endParaRPr lang="en-US"/>
           </a:p>
@@ -2668,7 +2838,7 @@
           <a:p>
             <a:fld id="{530ED192-0826-4863-86AC-E82176F50861}" type="datetime1">
               <a:rPr lang="en-US" smtClean="0"/>
-              <a:t>6/6/2020</a:t>
+              <a:t>6/13/2020</a:t>
             </a:fld>
             <a:endParaRPr lang="en-US"/>
           </a:p>
@@ -2862,7 +3032,7 @@
           <a:p>
             <a:fld id="{619D96CE-55CD-4CE3-9263-40C1FCA958F0}" type="datetime1">
               <a:rPr lang="en-US" smtClean="0"/>
-              <a:t>6/6/2020</a:t>
+              <a:t>6/13/2020</a:t>
             </a:fld>
             <a:endParaRPr lang="en-US"/>
           </a:p>
@@ -3028,7 +3198,7 @@
           <a:p>
             <a:fld id="{82DA0F9D-89DE-40CF-A809-DD76762E33E7}" type="datetime1">
               <a:rPr lang="en-US" smtClean="0"/>
-              <a:t>6/6/2020</a:t>
+              <a:t>6/13/2020</a:t>
             </a:fld>
             <a:endParaRPr lang="en-US"/>
           </a:p>
@@ -3392,7 +3562,7 @@
           <a:p>
             <a:fld id="{EBD11123-D128-4BC3-B119-DF679DA2D290}" type="datetime1">
               <a:rPr lang="en-US" smtClean="0"/>
-              <a:t>6/6/2020</a:t>
+              <a:t>6/13/2020</a:t>
             </a:fld>
             <a:endParaRPr lang="en-US"/>
           </a:p>
@@ -3736,7 +3906,7 @@
           <a:p>
             <a:fld id="{1C1DC363-5D93-4C75-9D7B-C98F5CAB13EA}" type="datetime1">
               <a:rPr lang="en-US" smtClean="0"/>
-              <a:t>6/6/2020</a:t>
+              <a:t>6/13/2020</a:t>
             </a:fld>
             <a:endParaRPr lang="en-US"/>
           </a:p>
@@ -4030,7 +4200,7 @@
           <a:p>
             <a:fld id="{76A81BAB-9DAE-4BB9-8C1B-9E2E92BBFFD9}" type="datetime1">
               <a:rPr lang="en-US" smtClean="0"/>
-              <a:t>6/6/2020</a:t>
+              <a:t>6/13/2020</a:t>
             </a:fld>
             <a:endParaRPr lang="en-US" dirty="0"/>
           </a:p>
@@ -4804,11 +4974,115 @@
             <p:ph idx="1"/>
           </p:nvPr>
         </p:nvSpPr>
-        <p:spPr/>
-        <p:txBody>
-          <a:bodyPr/>
+        <p:spPr>
+          <a:xfrm>
+            <a:off x="838200" y="1324044"/>
+            <a:ext cx="10515600" cy="5412316"/>
+          </a:xfrm>
+        </p:spPr>
+        <p:txBody>
+          <a:bodyPr>
+            <a:normAutofit fontScale="77500" lnSpcReduction="20000"/>
+          </a:bodyPr>
           <a:lstStyle/>
           <a:p>
+            <a:pPr marL="0" indent="0">
+              <a:lnSpc>
+                <a:spcPct val="150000"/>
+              </a:lnSpc>
+              <a:buNone/>
+            </a:pPr>
+            <a:r>
+              <a:rPr lang="pl-PL" dirty="0"/>
+              <a:t>Celem projektu było rozszerzenie aplikacji </a:t>
+            </a:r>
+            <a:r>
+              <a:rPr lang="pl-PL" dirty="0" err="1"/>
+              <a:t>TrainsOnline</a:t>
+            </a:r>
+            <a:r>
+              <a:rPr lang="pl-PL" dirty="0"/>
+              <a:t>. Istniejący system pozwalał na przechowywanie bazy stacji kolejowych i tras, na jakich przemieszczają się pociągi, a także umożliwi zakup biletów na daną trasę oraz pobranie go w formacie PDF.</a:t>
+            </a:r>
+          </a:p>
+          <a:p>
+            <a:pPr marL="0" indent="0">
+              <a:lnSpc>
+                <a:spcPct val="150000"/>
+              </a:lnSpc>
+              <a:buNone/>
+            </a:pPr>
+            <a:endParaRPr lang="pl-PL" dirty="0"/>
+          </a:p>
+          <a:p>
+            <a:pPr marL="0" indent="0">
+              <a:lnSpc>
+                <a:spcPct val="150000"/>
+              </a:lnSpc>
+              <a:buNone/>
+            </a:pPr>
+            <a:r>
+              <a:rPr lang="pl-PL" dirty="0"/>
+              <a:t>System rozszerzono o trzy funkcjonalności opierające się o nierelacyjną bazę danych </a:t>
+            </a:r>
+            <a:r>
+              <a:rPr lang="pl-PL" dirty="0" err="1"/>
+              <a:t>MongoDb</a:t>
+            </a:r>
+            <a:r>
+              <a:rPr lang="pl-PL" dirty="0"/>
+              <a:t>:</a:t>
+            </a:r>
+          </a:p>
+          <a:p>
+            <a:pPr marL="514350" indent="-153988">
+              <a:lnSpc>
+                <a:spcPct val="150000"/>
+              </a:lnSpc>
+              <a:buFont typeface="+mj-lt"/>
+              <a:buAutoNum type="arabicPeriod"/>
+            </a:pPr>
+            <a:r>
+              <a:rPr lang="pl-PL" dirty="0" err="1"/>
+              <a:t>logger</a:t>
+            </a:r>
+            <a:r>
+              <a:rPr lang="pl-PL" dirty="0"/>
+              <a:t> pociągu,</a:t>
+            </a:r>
+          </a:p>
+          <a:p>
+            <a:pPr marL="514350" indent="-153988">
+              <a:lnSpc>
+                <a:spcPct val="150000"/>
+              </a:lnSpc>
+              <a:buFont typeface="+mj-lt"/>
+              <a:buAutoNum type="arabicPeriod"/>
+            </a:pPr>
+            <a:r>
+              <a:rPr lang="pl-PL" dirty="0"/>
+              <a:t>cache</a:t>
+            </a:r>
+          </a:p>
+          <a:p>
+            <a:pPr marL="514350" indent="-153988">
+              <a:lnSpc>
+                <a:spcPct val="150000"/>
+              </a:lnSpc>
+              <a:buFont typeface="+mj-lt"/>
+              <a:buAutoNum type="arabicPeriod"/>
+            </a:pPr>
+            <a:r>
+              <a:rPr lang="pl-PL" dirty="0"/>
+              <a:t>analityka.</a:t>
+            </a:r>
+          </a:p>
+          <a:p>
+            <a:pPr>
+              <a:lnSpc>
+                <a:spcPct val="150000"/>
+              </a:lnSpc>
+            </a:pPr>
             <a:endParaRPr lang="pl-PL" dirty="0"/>
           </a:p>
         </p:txBody>
@@ -4945,6 +5219,47 @@
           </a:p>
         </p:txBody>
       </p:sp>
+      <p:pic>
+        <p:nvPicPr>
+          <p:cNvPr id="4" name="Obraz 3">
+            <a:extLst>
+              <a:ext uri="{FF2B5EF4-FFF2-40B4-BE49-F238E27FC236}">
+                <a16:creationId xmlns:a16="http://schemas.microsoft.com/office/drawing/2014/main" id="{0550FBEC-D2A8-4680-969D-453B10F4AADE}"/>
+              </a:ext>
+            </a:extLst>
+          </p:cNvPr>
+          <p:cNvPicPr>
+            <a:picLocks noChangeAspect="1"/>
+          </p:cNvPicPr>
+          <p:nvPr/>
+        </p:nvPicPr>
+        <p:blipFill>
+          <a:blip r:embed="rId2">
+            <a:clrChange>
+              <a:clrFrom>
+                <a:srgbClr val="F2F2F2"/>
+              </a:clrFrom>
+              <a:clrTo>
+                <a:srgbClr val="F2F2F2">
+                  <a:alpha val="0"/>
+                </a:srgbClr>
+              </a:clrTo>
+            </a:clrChange>
+          </a:blip>
+          <a:stretch>
+            <a:fillRect/>
+          </a:stretch>
+        </p:blipFill>
+        <p:spPr>
+          <a:xfrm>
+            <a:off x="6916225" y="121640"/>
+            <a:ext cx="4788095" cy="1205031"/>
+          </a:xfrm>
+          <a:prstGeom prst="rect">
+            <a:avLst/>
+          </a:prstGeom>
+        </p:spPr>
+      </p:pic>
     </p:spTree>
     <p:extLst>
       <p:ext uri="{BB962C8B-B14F-4D97-AF65-F5344CB8AC3E}">
@@ -4977,10 +5292,142 @@
       </p:grpSpPr>
       <p:sp>
         <p:nvSpPr>
-          <p:cNvPr id="2" name="Tytuł 1">
-            <a:extLst>
-              <a:ext uri="{FF2B5EF4-FFF2-40B4-BE49-F238E27FC236}">
-                <a16:creationId xmlns:a16="http://schemas.microsoft.com/office/drawing/2014/main" id="{CD4A430B-672E-47BE-93F9-8CB1396DC1C8}"/>
+          <p:cNvPr id="7" name="Symbol zastępczy numeru slajdu 15">
+            <a:extLst>
+              <a:ext uri="{FF2B5EF4-FFF2-40B4-BE49-F238E27FC236}">
+                <a16:creationId xmlns:a16="http://schemas.microsoft.com/office/drawing/2014/main" id="{39DB30F8-0EE3-4CD4-B27B-A25456B75640}"/>
+              </a:ext>
+            </a:extLst>
+          </p:cNvPr>
+          <p:cNvSpPr txBox="1">
+            <a:spLocks/>
+          </p:cNvSpPr>
+          <p:nvPr/>
+        </p:nvSpPr>
+        <p:spPr>
+          <a:xfrm>
+            <a:off x="11639826" y="6404941"/>
+            <a:ext cx="456096" cy="365125"/>
+          </a:xfrm>
+          <a:prstGeom prst="rect">
+            <a:avLst/>
+          </a:prstGeom>
+        </p:spPr>
+        <p:txBody>
+          <a:bodyPr vert="horz" lIns="91440" tIns="45720" rIns="91440" bIns="45720" rtlCol="0" anchor="ctr"/>
+          <a:lstStyle>
+            <a:defPPr>
+              <a:defRPr lang="en-US"/>
+            </a:defPPr>
+            <a:lvl1pPr marL="0" algn="r" defTabSz="457200" rtl="0" eaLnBrk="1" latinLnBrk="0" hangingPunct="1">
+              <a:defRPr sz="1200" b="1" i="0" kern="1200" cap="all" spc="100" baseline="0">
+                <a:solidFill>
+                  <a:schemeClr val="tx1">
+                    <a:tint val="75000"/>
+                  </a:schemeClr>
+                </a:solidFill>
+                <a:latin typeface="+mn-lt"/>
+                <a:ea typeface="+mn-ea"/>
+                <a:cs typeface="+mn-cs"/>
+              </a:defRPr>
+            </a:lvl1pPr>
+            <a:lvl2pPr marL="457200" algn="l" defTabSz="457200" rtl="0" eaLnBrk="1" latinLnBrk="0" hangingPunct="1">
+              <a:defRPr sz="1800" kern="1200">
+                <a:solidFill>
+                  <a:schemeClr val="tx1"/>
+                </a:solidFill>
+                <a:latin typeface="+mn-lt"/>
+                <a:ea typeface="+mn-ea"/>
+                <a:cs typeface="+mn-cs"/>
+              </a:defRPr>
+            </a:lvl2pPr>
+            <a:lvl3pPr marL="914400" algn="l" defTabSz="457200" rtl="0" eaLnBrk="1" latinLnBrk="0" hangingPunct="1">
+              <a:defRPr sz="1800" kern="1200">
+                <a:solidFill>
+                  <a:schemeClr val="tx1"/>
+                </a:solidFill>
+                <a:latin typeface="+mn-lt"/>
+                <a:ea typeface="+mn-ea"/>
+                <a:cs typeface="+mn-cs"/>
+              </a:defRPr>
+            </a:lvl3pPr>
+            <a:lvl4pPr marL="1371600" algn="l" defTabSz="457200" rtl="0" eaLnBrk="1" latinLnBrk="0" hangingPunct="1">
+              <a:defRPr sz="1800" kern="1200">
+                <a:solidFill>
+                  <a:schemeClr val="tx1"/>
+                </a:solidFill>
+                <a:latin typeface="+mn-lt"/>
+                <a:ea typeface="+mn-ea"/>
+                <a:cs typeface="+mn-cs"/>
+              </a:defRPr>
+            </a:lvl4pPr>
+            <a:lvl5pPr marL="1828800" algn="l" defTabSz="457200" rtl="0" eaLnBrk="1" latinLnBrk="0" hangingPunct="1">
+              <a:defRPr sz="1800" kern="1200">
+                <a:solidFill>
+                  <a:schemeClr val="tx1"/>
+                </a:solidFill>
+                <a:latin typeface="+mn-lt"/>
+                <a:ea typeface="+mn-ea"/>
+                <a:cs typeface="+mn-cs"/>
+              </a:defRPr>
+            </a:lvl5pPr>
+            <a:lvl6pPr marL="2286000" algn="l" defTabSz="457200" rtl="0" eaLnBrk="1" latinLnBrk="0" hangingPunct="1">
+              <a:defRPr sz="1800" kern="1200">
+                <a:solidFill>
+                  <a:schemeClr val="tx1"/>
+                </a:solidFill>
+                <a:latin typeface="+mn-lt"/>
+                <a:ea typeface="+mn-ea"/>
+                <a:cs typeface="+mn-cs"/>
+              </a:defRPr>
+            </a:lvl6pPr>
+            <a:lvl7pPr marL="2743200" algn="l" defTabSz="457200" rtl="0" eaLnBrk="1" latinLnBrk="0" hangingPunct="1">
+              <a:defRPr sz="1800" kern="1200">
+                <a:solidFill>
+                  <a:schemeClr val="tx1"/>
+                </a:solidFill>
+                <a:latin typeface="+mn-lt"/>
+                <a:ea typeface="+mn-ea"/>
+                <a:cs typeface="+mn-cs"/>
+              </a:defRPr>
+            </a:lvl7pPr>
+            <a:lvl8pPr marL="3200400" algn="l" defTabSz="457200" rtl="0" eaLnBrk="1" latinLnBrk="0" hangingPunct="1">
+              <a:defRPr sz="1800" kern="1200">
+                <a:solidFill>
+                  <a:schemeClr val="tx1"/>
+                </a:solidFill>
+                <a:latin typeface="+mn-lt"/>
+                <a:ea typeface="+mn-ea"/>
+                <a:cs typeface="+mn-cs"/>
+              </a:defRPr>
+            </a:lvl8pPr>
+            <a:lvl9pPr marL="3657600" algn="l" defTabSz="457200" rtl="0" eaLnBrk="1" latinLnBrk="0" hangingPunct="1">
+              <a:defRPr sz="1800" kern="1200">
+                <a:solidFill>
+                  <a:schemeClr val="tx1"/>
+                </a:solidFill>
+                <a:latin typeface="+mn-lt"/>
+                <a:ea typeface="+mn-ea"/>
+                <a:cs typeface="+mn-cs"/>
+              </a:defRPr>
+            </a:lvl9pPr>
+          </a:lstStyle>
+          <a:p>
+            <a:fld id="{27CE633F-9882-4A5C-83A2-1109D0C73261}" type="slidenum">
+              <a:rPr lang="en-US" smtClean="0"/>
+              <a:pPr/>
+              <a:t>3</a:t>
+            </a:fld>
+            <a:endParaRPr lang="en-US" dirty="0"/>
+          </a:p>
+        </p:txBody>
+      </p:sp>
+      <p:sp>
+        <p:nvSpPr>
+          <p:cNvPr id="10" name="Tytuł 1">
+            <a:extLst>
+              <a:ext uri="{FF2B5EF4-FFF2-40B4-BE49-F238E27FC236}">
+                <a16:creationId xmlns:a16="http://schemas.microsoft.com/office/drawing/2014/main" id="{000B7B71-2B68-44ED-86B6-8F10010AB805}"/>
               </a:ext>
             </a:extLst>
           </p:cNvPr>
@@ -4994,6 +5441,1604 @@
         <p:spPr>
           <a:xfrm>
             <a:off x="838200" y="-1519"/>
+            <a:ext cx="10515600" cy="1164839"/>
+          </a:xfrm>
+        </p:spPr>
+        <p:txBody>
+          <a:bodyPr/>
+          <a:lstStyle/>
+          <a:p>
+            <a:r>
+              <a:rPr lang="pl-PL" dirty="0"/>
+              <a:t>Jeden projekt i trzy aplikacje</a:t>
+            </a:r>
+          </a:p>
+        </p:txBody>
+      </p:sp>
+      <p:sp>
+        <p:nvSpPr>
+          <p:cNvPr id="11" name="pole tekstowe 10">
+            <a:extLst>
+              <a:ext uri="{FF2B5EF4-FFF2-40B4-BE49-F238E27FC236}">
+                <a16:creationId xmlns:a16="http://schemas.microsoft.com/office/drawing/2014/main" id="{FE3A9655-C01B-4D05-920F-9029C4EB7025}"/>
+              </a:ext>
+            </a:extLst>
+          </p:cNvPr>
+          <p:cNvSpPr txBox="1"/>
+          <p:nvPr/>
+        </p:nvSpPr>
+        <p:spPr>
+          <a:xfrm>
+            <a:off x="749347" y="6065520"/>
+            <a:ext cx="4414991" cy="530915"/>
+          </a:xfrm>
+          <a:prstGeom prst="rect">
+            <a:avLst/>
+          </a:prstGeom>
+          <a:noFill/>
+        </p:spPr>
+        <p:txBody>
+          <a:bodyPr wrap="none" rtlCol="0">
+            <a:spAutoFit/>
+          </a:bodyPr>
+          <a:lstStyle/>
+          <a:p>
+            <a:pPr algn="ctr"/>
+            <a:r>
+              <a:rPr lang="pl-PL" b="1" dirty="0" err="1">
+                <a:solidFill>
+                  <a:schemeClr val="accent6">
+                    <a:lumMod val="50000"/>
+                  </a:schemeClr>
+                </a:solidFill>
+              </a:rPr>
+              <a:t>TrainsOnline</a:t>
+            </a:r>
+            <a:endParaRPr lang="pl-PL" b="1" dirty="0">
+              <a:solidFill>
+                <a:schemeClr val="accent6">
+                  <a:lumMod val="50000"/>
+                </a:schemeClr>
+              </a:solidFill>
+            </a:endParaRPr>
+          </a:p>
+          <a:p>
+            <a:pPr algn="ctr"/>
+            <a:r>
+              <a:rPr lang="pl-PL" sz="1050" dirty="0">
+                <a:hlinkClick r:id="rId2"/>
+              </a:rPr>
+              <a:t>https://genericapi.francecentral.cloudapp.azure.com/api/index.html</a:t>
+            </a:r>
+            <a:endParaRPr lang="pl-PL" sz="1050" b="1" dirty="0">
+              <a:solidFill>
+                <a:schemeClr val="accent6">
+                  <a:lumMod val="50000"/>
+                </a:schemeClr>
+              </a:solidFill>
+            </a:endParaRPr>
+          </a:p>
+        </p:txBody>
+      </p:sp>
+      <p:sp>
+        <p:nvSpPr>
+          <p:cNvPr id="12" name="pole tekstowe 11">
+            <a:extLst>
+              <a:ext uri="{FF2B5EF4-FFF2-40B4-BE49-F238E27FC236}">
+                <a16:creationId xmlns:a16="http://schemas.microsoft.com/office/drawing/2014/main" id="{BCFDC297-3B23-4456-AAC9-9C4747EA046F}"/>
+              </a:ext>
+            </a:extLst>
+          </p:cNvPr>
+          <p:cNvSpPr txBox="1"/>
+          <p:nvPr/>
+        </p:nvSpPr>
+        <p:spPr>
+          <a:xfrm>
+            <a:off x="7622101" y="3899242"/>
+            <a:ext cx="2557110" cy="369332"/>
+          </a:xfrm>
+          <a:prstGeom prst="rect">
+            <a:avLst/>
+          </a:prstGeom>
+          <a:noFill/>
+        </p:spPr>
+        <p:txBody>
+          <a:bodyPr wrap="none" rtlCol="0">
+            <a:spAutoFit/>
+          </a:bodyPr>
+          <a:lstStyle/>
+          <a:p>
+            <a:r>
+              <a:rPr lang="pl-PL" b="1" dirty="0" err="1">
+                <a:solidFill>
+                  <a:schemeClr val="accent3">
+                    <a:lumMod val="75000"/>
+                  </a:schemeClr>
+                </a:solidFill>
+              </a:rPr>
+              <a:t>TrainsOnline.Desktop</a:t>
+            </a:r>
+            <a:endParaRPr lang="pl-PL" b="1" dirty="0">
+              <a:solidFill>
+                <a:schemeClr val="accent3">
+                  <a:lumMod val="75000"/>
+                </a:schemeClr>
+              </a:solidFill>
+            </a:endParaRPr>
+          </a:p>
+        </p:txBody>
+      </p:sp>
+      <p:sp>
+        <p:nvSpPr>
+          <p:cNvPr id="13" name="pole tekstowe 12">
+            <a:extLst>
+              <a:ext uri="{FF2B5EF4-FFF2-40B4-BE49-F238E27FC236}">
+                <a16:creationId xmlns:a16="http://schemas.microsoft.com/office/drawing/2014/main" id="{E637B89E-4FD2-4705-8917-4C662B6D33B0}"/>
+              </a:ext>
+            </a:extLst>
+          </p:cNvPr>
+          <p:cNvSpPr txBox="1"/>
+          <p:nvPr/>
+        </p:nvSpPr>
+        <p:spPr>
+          <a:xfrm>
+            <a:off x="7736897" y="6283826"/>
+            <a:ext cx="2454518" cy="369332"/>
+          </a:xfrm>
+          <a:prstGeom prst="rect">
+            <a:avLst/>
+          </a:prstGeom>
+          <a:noFill/>
+        </p:spPr>
+        <p:txBody>
+          <a:bodyPr wrap="none" rtlCol="0">
+            <a:spAutoFit/>
+          </a:bodyPr>
+          <a:lstStyle/>
+          <a:p>
+            <a:r>
+              <a:rPr lang="pl-PL" b="1" dirty="0" err="1">
+                <a:solidFill>
+                  <a:schemeClr val="accent1">
+                    <a:lumMod val="75000"/>
+                  </a:schemeClr>
+                </a:solidFill>
+              </a:rPr>
+              <a:t>TrainsOnline.Tracker</a:t>
+            </a:r>
+            <a:endParaRPr lang="pl-PL" b="1" dirty="0">
+              <a:solidFill>
+                <a:schemeClr val="accent1">
+                  <a:lumMod val="75000"/>
+                </a:schemeClr>
+              </a:solidFill>
+            </a:endParaRPr>
+          </a:p>
+        </p:txBody>
+      </p:sp>
+      <p:pic>
+        <p:nvPicPr>
+          <p:cNvPr id="16" name="Obraz 15">
+            <a:extLst>
+              <a:ext uri="{FF2B5EF4-FFF2-40B4-BE49-F238E27FC236}">
+                <a16:creationId xmlns:a16="http://schemas.microsoft.com/office/drawing/2014/main" id="{D3EAC814-C5CF-4D17-893B-C877D6A3087E}"/>
+              </a:ext>
+            </a:extLst>
+          </p:cNvPr>
+          <p:cNvPicPr>
+            <a:picLocks noChangeAspect="1"/>
+          </p:cNvPicPr>
+          <p:nvPr/>
+        </p:nvPicPr>
+        <p:blipFill>
+          <a:blip r:embed="rId3"/>
+          <a:stretch>
+            <a:fillRect/>
+          </a:stretch>
+        </p:blipFill>
+        <p:spPr>
+          <a:xfrm>
+            <a:off x="6781799" y="1055183"/>
+            <a:ext cx="4440767" cy="2844059"/>
+          </a:xfrm>
+          <a:prstGeom prst="rect">
+            <a:avLst/>
+          </a:prstGeom>
+        </p:spPr>
+      </p:pic>
+      <p:pic>
+        <p:nvPicPr>
+          <p:cNvPr id="17" name="Obraz 16">
+            <a:extLst>
+              <a:ext uri="{FF2B5EF4-FFF2-40B4-BE49-F238E27FC236}">
+                <a16:creationId xmlns:a16="http://schemas.microsoft.com/office/drawing/2014/main" id="{793B305F-3A51-4555-A1DF-755C9FA63008}"/>
+              </a:ext>
+            </a:extLst>
+          </p:cNvPr>
+          <p:cNvPicPr>
+            <a:picLocks noChangeAspect="1"/>
+          </p:cNvPicPr>
+          <p:nvPr/>
+        </p:nvPicPr>
+        <p:blipFill>
+          <a:blip r:embed="rId4"/>
+          <a:stretch>
+            <a:fillRect/>
+          </a:stretch>
+        </p:blipFill>
+        <p:spPr>
+          <a:xfrm>
+            <a:off x="7309414" y="4742375"/>
+            <a:ext cx="3309484" cy="1545658"/>
+          </a:xfrm>
+          <a:prstGeom prst="rect">
+            <a:avLst/>
+          </a:prstGeom>
+        </p:spPr>
+      </p:pic>
+      <p:pic>
+        <p:nvPicPr>
+          <p:cNvPr id="19" name="Obraz 18">
+            <a:extLst>
+              <a:ext uri="{FF2B5EF4-FFF2-40B4-BE49-F238E27FC236}">
+                <a16:creationId xmlns:a16="http://schemas.microsoft.com/office/drawing/2014/main" id="{E77A1E57-8DE6-499C-8E6C-364BD5B5EE39}"/>
+              </a:ext>
+            </a:extLst>
+          </p:cNvPr>
+          <p:cNvPicPr>
+            <a:picLocks noChangeAspect="1"/>
+          </p:cNvPicPr>
+          <p:nvPr/>
+        </p:nvPicPr>
+        <p:blipFill>
+          <a:blip r:embed="rId5"/>
+          <a:stretch>
+            <a:fillRect/>
+          </a:stretch>
+        </p:blipFill>
+        <p:spPr>
+          <a:xfrm>
+            <a:off x="1292490" y="1097280"/>
+            <a:ext cx="3328706" cy="4998720"/>
+          </a:xfrm>
+          <a:prstGeom prst="rect">
+            <a:avLst/>
+          </a:prstGeom>
+        </p:spPr>
+      </p:pic>
+      <p:cxnSp>
+        <p:nvCxnSpPr>
+          <p:cNvPr id="21" name="Łącznik: łamany 20">
+            <a:extLst>
+              <a:ext uri="{FF2B5EF4-FFF2-40B4-BE49-F238E27FC236}">
+                <a16:creationId xmlns:a16="http://schemas.microsoft.com/office/drawing/2014/main" id="{685A5B88-1C8E-47AE-863B-2EE3BFF88454}"/>
+              </a:ext>
+            </a:extLst>
+          </p:cNvPr>
+          <p:cNvCxnSpPr>
+            <a:stCxn id="19" idx="3"/>
+          </p:cNvCxnSpPr>
+          <p:nvPr/>
+        </p:nvCxnSpPr>
+        <p:spPr>
+          <a:xfrm flipV="1">
+            <a:off x="4621196" y="2321560"/>
+            <a:ext cx="2099644" cy="1275080"/>
+          </a:xfrm>
+          <a:prstGeom prst="bentConnector3">
+            <a:avLst>
+              <a:gd name="adj1" fmla="val 74069"/>
+            </a:avLst>
+          </a:prstGeom>
+          <a:ln>
+            <a:headEnd type="triangle"/>
+            <a:tailEnd type="triangle"/>
+          </a:ln>
+        </p:spPr>
+        <p:style>
+          <a:lnRef idx="3">
+            <a:schemeClr val="accent1"/>
+          </a:lnRef>
+          <a:fillRef idx="0">
+            <a:schemeClr val="accent1"/>
+          </a:fillRef>
+          <a:effectRef idx="2">
+            <a:schemeClr val="accent1"/>
+          </a:effectRef>
+          <a:fontRef idx="minor">
+            <a:schemeClr val="tx1"/>
+          </a:fontRef>
+        </p:style>
+      </p:cxnSp>
+      <p:cxnSp>
+        <p:nvCxnSpPr>
+          <p:cNvPr id="22" name="Łącznik: łamany 21">
+            <a:extLst>
+              <a:ext uri="{FF2B5EF4-FFF2-40B4-BE49-F238E27FC236}">
+                <a16:creationId xmlns:a16="http://schemas.microsoft.com/office/drawing/2014/main" id="{2664647E-A81B-487B-A1A4-062F4D147E90}"/>
+              </a:ext>
+            </a:extLst>
+          </p:cNvPr>
+          <p:cNvCxnSpPr>
+            <a:cxnSpLocks/>
+          </p:cNvCxnSpPr>
+          <p:nvPr/>
+        </p:nvCxnSpPr>
+        <p:spPr>
+          <a:xfrm>
+            <a:off x="4621196" y="3717925"/>
+            <a:ext cx="2626271" cy="1937808"/>
+          </a:xfrm>
+          <a:prstGeom prst="bentConnector3">
+            <a:avLst>
+              <a:gd name="adj1" fmla="val 59188"/>
+            </a:avLst>
+          </a:prstGeom>
+          <a:ln>
+            <a:headEnd type="triangle"/>
+            <a:tailEnd type="triangle"/>
+          </a:ln>
+        </p:spPr>
+        <p:style>
+          <a:lnRef idx="3">
+            <a:schemeClr val="accent1"/>
+          </a:lnRef>
+          <a:fillRef idx="0">
+            <a:schemeClr val="accent1"/>
+          </a:fillRef>
+          <a:effectRef idx="2">
+            <a:schemeClr val="accent1"/>
+          </a:effectRef>
+          <a:fontRef idx="minor">
+            <a:schemeClr val="tx1"/>
+          </a:fontRef>
+        </p:style>
+      </p:cxnSp>
+      <p:pic>
+        <p:nvPicPr>
+          <p:cNvPr id="31" name="Obraz 30">
+            <a:extLst>
+              <a:ext uri="{FF2B5EF4-FFF2-40B4-BE49-F238E27FC236}">
+                <a16:creationId xmlns:a16="http://schemas.microsoft.com/office/drawing/2014/main" id="{CE796B12-424B-4C0E-8681-1EC7F3C6F310}"/>
+              </a:ext>
+            </a:extLst>
+          </p:cNvPr>
+          <p:cNvPicPr>
+            <a:picLocks noChangeAspect="1"/>
+          </p:cNvPicPr>
+          <p:nvPr/>
+        </p:nvPicPr>
+        <p:blipFill>
+          <a:blip r:embed="rId6"/>
+          <a:stretch>
+            <a:fillRect/>
+          </a:stretch>
+        </p:blipFill>
+        <p:spPr>
+          <a:xfrm>
+            <a:off x="5075486" y="3398287"/>
+            <a:ext cx="742335" cy="500955"/>
+          </a:xfrm>
+          <a:prstGeom prst="rect">
+            <a:avLst/>
+          </a:prstGeom>
+          <a:ln w="19050">
+            <a:solidFill>
+              <a:schemeClr val="accent1"/>
+            </a:solidFill>
+          </a:ln>
+        </p:spPr>
+      </p:pic>
+    </p:spTree>
+    <p:extLst>
+      <p:ext uri="{BB962C8B-B14F-4D97-AF65-F5344CB8AC3E}">
+        <p14:creationId xmlns:p14="http://schemas.microsoft.com/office/powerpoint/2010/main" val="1010580893"/>
+      </p:ext>
+    </p:extLst>
+  </p:cSld>
+  <p:clrMapOvr>
+    <a:masterClrMapping/>
+  </p:clrMapOvr>
+</p:sld>
+</file>
+
+<file path=ppt/slides/slide4.xml><?xml version="1.0" encoding="utf-8"?>
+<p:sld xmlns:a="http://schemas.openxmlformats.org/drawingml/2006/main" xmlns:r="http://schemas.openxmlformats.org/officeDocument/2006/relationships" xmlns:p="http://schemas.openxmlformats.org/presentationml/2006/main">
+  <p:cSld>
+    <p:spTree>
+      <p:nvGrpSpPr>
+        <p:cNvPr id="1" name=""/>
+        <p:cNvGrpSpPr/>
+        <p:nvPr/>
+      </p:nvGrpSpPr>
+      <p:grpSpPr>
+        <a:xfrm>
+          <a:off x="0" y="0"/>
+          <a:ext cx="0" cy="0"/>
+          <a:chOff x="0" y="0"/>
+          <a:chExt cx="0" cy="0"/>
+        </a:xfrm>
+      </p:grpSpPr>
+      <p:sp>
+        <p:nvSpPr>
+          <p:cNvPr id="29" name="Prostokąt 28">
+            <a:extLst>
+              <a:ext uri="{FF2B5EF4-FFF2-40B4-BE49-F238E27FC236}">
+                <a16:creationId xmlns:a16="http://schemas.microsoft.com/office/drawing/2014/main" id="{2C73CD22-0F6E-4D4F-AE8C-8EA070C87684}"/>
+              </a:ext>
+            </a:extLst>
+          </p:cNvPr>
+          <p:cNvSpPr/>
+          <p:nvPr/>
+        </p:nvSpPr>
+        <p:spPr>
+          <a:xfrm>
+            <a:off x="1199094" y="1059597"/>
+            <a:ext cx="5314957" cy="2744339"/>
+          </a:xfrm>
+          <a:custGeom>
+            <a:avLst/>
+            <a:gdLst>
+              <a:gd name="connsiteX0" fmla="*/ 0 w 5314957"/>
+              <a:gd name="connsiteY0" fmla="*/ 0 h 2744339"/>
+              <a:gd name="connsiteX1" fmla="*/ 770669 w 5314957"/>
+              <a:gd name="connsiteY1" fmla="*/ 0 h 2744339"/>
+              <a:gd name="connsiteX2" fmla="*/ 1328739 w 5314957"/>
+              <a:gd name="connsiteY2" fmla="*/ 0 h 2744339"/>
+              <a:gd name="connsiteX3" fmla="*/ 2099408 w 5314957"/>
+              <a:gd name="connsiteY3" fmla="*/ 0 h 2744339"/>
+              <a:gd name="connsiteX4" fmla="*/ 2657479 w 5314957"/>
+              <a:gd name="connsiteY4" fmla="*/ 0 h 2744339"/>
+              <a:gd name="connsiteX5" fmla="*/ 3268699 w 5314957"/>
+              <a:gd name="connsiteY5" fmla="*/ 0 h 2744339"/>
+              <a:gd name="connsiteX6" fmla="*/ 3879919 w 5314957"/>
+              <a:gd name="connsiteY6" fmla="*/ 0 h 2744339"/>
+              <a:gd name="connsiteX7" fmla="*/ 4544288 w 5314957"/>
+              <a:gd name="connsiteY7" fmla="*/ 0 h 2744339"/>
+              <a:gd name="connsiteX8" fmla="*/ 5314957 w 5314957"/>
+              <a:gd name="connsiteY8" fmla="*/ 0 h 2744339"/>
+              <a:gd name="connsiteX9" fmla="*/ 5314957 w 5314957"/>
+              <a:gd name="connsiteY9" fmla="*/ 740972 h 2744339"/>
+              <a:gd name="connsiteX10" fmla="*/ 5314957 w 5314957"/>
+              <a:gd name="connsiteY10" fmla="*/ 1344726 h 2744339"/>
+              <a:gd name="connsiteX11" fmla="*/ 5314957 w 5314957"/>
+              <a:gd name="connsiteY11" fmla="*/ 2003367 h 2744339"/>
+              <a:gd name="connsiteX12" fmla="*/ 5314957 w 5314957"/>
+              <a:gd name="connsiteY12" fmla="*/ 2744339 h 2744339"/>
+              <a:gd name="connsiteX13" fmla="*/ 4810036 w 5314957"/>
+              <a:gd name="connsiteY13" fmla="*/ 2744339 h 2744339"/>
+              <a:gd name="connsiteX14" fmla="*/ 4251966 w 5314957"/>
+              <a:gd name="connsiteY14" fmla="*/ 2744339 h 2744339"/>
+              <a:gd name="connsiteX15" fmla="*/ 3640746 w 5314957"/>
+              <a:gd name="connsiteY15" fmla="*/ 2744339 h 2744339"/>
+              <a:gd name="connsiteX16" fmla="*/ 2870077 w 5314957"/>
+              <a:gd name="connsiteY16" fmla="*/ 2744339 h 2744339"/>
+              <a:gd name="connsiteX17" fmla="*/ 2152558 w 5314957"/>
+              <a:gd name="connsiteY17" fmla="*/ 2744339 h 2744339"/>
+              <a:gd name="connsiteX18" fmla="*/ 1488188 w 5314957"/>
+              <a:gd name="connsiteY18" fmla="*/ 2744339 h 2744339"/>
+              <a:gd name="connsiteX19" fmla="*/ 717519 w 5314957"/>
+              <a:gd name="connsiteY19" fmla="*/ 2744339 h 2744339"/>
+              <a:gd name="connsiteX20" fmla="*/ 0 w 5314957"/>
+              <a:gd name="connsiteY20" fmla="*/ 2744339 h 2744339"/>
+              <a:gd name="connsiteX21" fmla="*/ 0 w 5314957"/>
+              <a:gd name="connsiteY21" fmla="*/ 2085698 h 2744339"/>
+              <a:gd name="connsiteX22" fmla="*/ 0 w 5314957"/>
+              <a:gd name="connsiteY22" fmla="*/ 1481943 h 2744339"/>
+              <a:gd name="connsiteX23" fmla="*/ 0 w 5314957"/>
+              <a:gd name="connsiteY23" fmla="*/ 768415 h 2744339"/>
+              <a:gd name="connsiteX24" fmla="*/ 0 w 5314957"/>
+              <a:gd name="connsiteY24" fmla="*/ 0 h 2744339"/>
+            </a:gdLst>
+            <a:ahLst/>
+            <a:cxnLst>
+              <a:cxn ang="0">
+                <a:pos x="connsiteX0" y="connsiteY0"/>
+              </a:cxn>
+              <a:cxn ang="0">
+                <a:pos x="connsiteX1" y="connsiteY1"/>
+              </a:cxn>
+              <a:cxn ang="0">
+                <a:pos x="connsiteX2" y="connsiteY2"/>
+              </a:cxn>
+              <a:cxn ang="0">
+                <a:pos x="connsiteX3" y="connsiteY3"/>
+              </a:cxn>
+              <a:cxn ang="0">
+                <a:pos x="connsiteX4" y="connsiteY4"/>
+              </a:cxn>
+              <a:cxn ang="0">
+                <a:pos x="connsiteX5" y="connsiteY5"/>
+              </a:cxn>
+              <a:cxn ang="0">
+                <a:pos x="connsiteX6" y="connsiteY6"/>
+              </a:cxn>
+              <a:cxn ang="0">
+                <a:pos x="connsiteX7" y="connsiteY7"/>
+              </a:cxn>
+              <a:cxn ang="0">
+                <a:pos x="connsiteX8" y="connsiteY8"/>
+              </a:cxn>
+              <a:cxn ang="0">
+                <a:pos x="connsiteX9" y="connsiteY9"/>
+              </a:cxn>
+              <a:cxn ang="0">
+                <a:pos x="connsiteX10" y="connsiteY10"/>
+              </a:cxn>
+              <a:cxn ang="0">
+                <a:pos x="connsiteX11" y="connsiteY11"/>
+              </a:cxn>
+              <a:cxn ang="0">
+                <a:pos x="connsiteX12" y="connsiteY12"/>
+              </a:cxn>
+              <a:cxn ang="0">
+                <a:pos x="connsiteX13" y="connsiteY13"/>
+              </a:cxn>
+              <a:cxn ang="0">
+                <a:pos x="connsiteX14" y="connsiteY14"/>
+              </a:cxn>
+              <a:cxn ang="0">
+                <a:pos x="connsiteX15" y="connsiteY15"/>
+              </a:cxn>
+              <a:cxn ang="0">
+                <a:pos x="connsiteX16" y="connsiteY16"/>
+              </a:cxn>
+              <a:cxn ang="0">
+                <a:pos x="connsiteX17" y="connsiteY17"/>
+              </a:cxn>
+              <a:cxn ang="0">
+                <a:pos x="connsiteX18" y="connsiteY18"/>
+              </a:cxn>
+              <a:cxn ang="0">
+                <a:pos x="connsiteX19" y="connsiteY19"/>
+              </a:cxn>
+              <a:cxn ang="0">
+                <a:pos x="connsiteX20" y="connsiteY20"/>
+              </a:cxn>
+              <a:cxn ang="0">
+                <a:pos x="connsiteX21" y="connsiteY21"/>
+              </a:cxn>
+              <a:cxn ang="0">
+                <a:pos x="connsiteX22" y="connsiteY22"/>
+              </a:cxn>
+              <a:cxn ang="0">
+                <a:pos x="connsiteX23" y="connsiteY23"/>
+              </a:cxn>
+              <a:cxn ang="0">
+                <a:pos x="connsiteX24" y="connsiteY24"/>
+              </a:cxn>
+            </a:cxnLst>
+            <a:rect l="l" t="t" r="r" b="b"/>
+            <a:pathLst>
+              <a:path w="5314957" h="2744339" fill="none" extrusionOk="0">
+                <a:moveTo>
+                  <a:pt x="0" y="0"/>
+                </a:moveTo>
+                <a:cubicBezTo>
+                  <a:pt x="269346" y="35293"/>
+                  <a:pt x="401053" y="31536"/>
+                  <a:pt x="770669" y="0"/>
+                </a:cubicBezTo>
+                <a:cubicBezTo>
+                  <a:pt x="1140285" y="-31536"/>
+                  <a:pt x="1115499" y="8682"/>
+                  <a:pt x="1328739" y="0"/>
+                </a:cubicBezTo>
+                <a:cubicBezTo>
+                  <a:pt x="1541979" y="-8682"/>
+                  <a:pt x="1944380" y="10825"/>
+                  <a:pt x="2099408" y="0"/>
+                </a:cubicBezTo>
+                <a:cubicBezTo>
+                  <a:pt x="2254436" y="-10825"/>
+                  <a:pt x="2453588" y="-375"/>
+                  <a:pt x="2657479" y="0"/>
+                </a:cubicBezTo>
+                <a:cubicBezTo>
+                  <a:pt x="2861370" y="375"/>
+                  <a:pt x="3047931" y="23966"/>
+                  <a:pt x="3268699" y="0"/>
+                </a:cubicBezTo>
+                <a:cubicBezTo>
+                  <a:pt x="3489467" y="-23966"/>
+                  <a:pt x="3601325" y="-21014"/>
+                  <a:pt x="3879919" y="0"/>
+                </a:cubicBezTo>
+                <a:cubicBezTo>
+                  <a:pt x="4158513" y="21014"/>
+                  <a:pt x="4386495" y="-32385"/>
+                  <a:pt x="4544288" y="0"/>
+                </a:cubicBezTo>
+                <a:cubicBezTo>
+                  <a:pt x="4702081" y="32385"/>
+                  <a:pt x="5073371" y="-20130"/>
+                  <a:pt x="5314957" y="0"/>
+                </a:cubicBezTo>
+                <a:cubicBezTo>
+                  <a:pt x="5306930" y="359272"/>
+                  <a:pt x="5294677" y="484027"/>
+                  <a:pt x="5314957" y="740972"/>
+                </a:cubicBezTo>
+                <a:cubicBezTo>
+                  <a:pt x="5335237" y="997917"/>
+                  <a:pt x="5301254" y="1206855"/>
+                  <a:pt x="5314957" y="1344726"/>
+                </a:cubicBezTo>
+                <a:cubicBezTo>
+                  <a:pt x="5328660" y="1482597"/>
+                  <a:pt x="5316559" y="1767562"/>
+                  <a:pt x="5314957" y="2003367"/>
+                </a:cubicBezTo>
+                <a:cubicBezTo>
+                  <a:pt x="5313355" y="2239172"/>
+                  <a:pt x="5326345" y="2437118"/>
+                  <a:pt x="5314957" y="2744339"/>
+                </a:cubicBezTo>
+                <a:cubicBezTo>
+                  <a:pt x="5169657" y="2723698"/>
+                  <a:pt x="4930488" y="2734127"/>
+                  <a:pt x="4810036" y="2744339"/>
+                </a:cubicBezTo>
+                <a:cubicBezTo>
+                  <a:pt x="4689584" y="2754551"/>
+                  <a:pt x="4514068" y="2770443"/>
+                  <a:pt x="4251966" y="2744339"/>
+                </a:cubicBezTo>
+                <a:cubicBezTo>
+                  <a:pt x="3989864" y="2718236"/>
+                  <a:pt x="3804567" y="2747587"/>
+                  <a:pt x="3640746" y="2744339"/>
+                </a:cubicBezTo>
+                <a:cubicBezTo>
+                  <a:pt x="3476925" y="2741091"/>
+                  <a:pt x="3235619" y="2718948"/>
+                  <a:pt x="2870077" y="2744339"/>
+                </a:cubicBezTo>
+                <a:cubicBezTo>
+                  <a:pt x="2504535" y="2769730"/>
+                  <a:pt x="2326697" y="2738816"/>
+                  <a:pt x="2152558" y="2744339"/>
+                </a:cubicBezTo>
+                <a:cubicBezTo>
+                  <a:pt x="1978419" y="2749862"/>
+                  <a:pt x="1745921" y="2729580"/>
+                  <a:pt x="1488188" y="2744339"/>
+                </a:cubicBezTo>
+                <a:cubicBezTo>
+                  <a:pt x="1230455" y="2759099"/>
+                  <a:pt x="1093116" y="2778939"/>
+                  <a:pt x="717519" y="2744339"/>
+                </a:cubicBezTo>
+                <a:cubicBezTo>
+                  <a:pt x="341922" y="2709739"/>
+                  <a:pt x="328468" y="2717979"/>
+                  <a:pt x="0" y="2744339"/>
+                </a:cubicBezTo>
+                <a:cubicBezTo>
+                  <a:pt x="-14948" y="2549858"/>
+                  <a:pt x="35" y="2341299"/>
+                  <a:pt x="0" y="2085698"/>
+                </a:cubicBezTo>
+                <a:cubicBezTo>
+                  <a:pt x="-35" y="1830097"/>
+                  <a:pt x="-25868" y="1733053"/>
+                  <a:pt x="0" y="1481943"/>
+                </a:cubicBezTo>
+                <a:cubicBezTo>
+                  <a:pt x="25868" y="1230833"/>
+                  <a:pt x="11463" y="947517"/>
+                  <a:pt x="0" y="768415"/>
+                </a:cubicBezTo>
+                <a:cubicBezTo>
+                  <a:pt x="-11463" y="589313"/>
+                  <a:pt x="-38284" y="250435"/>
+                  <a:pt x="0" y="0"/>
+                </a:cubicBezTo>
+                <a:close/>
+              </a:path>
+              <a:path w="5314957" h="2744339" stroke="0" extrusionOk="0">
+                <a:moveTo>
+                  <a:pt x="0" y="0"/>
+                </a:moveTo>
+                <a:cubicBezTo>
+                  <a:pt x="183301" y="5101"/>
+                  <a:pt x="581070" y="32029"/>
+                  <a:pt x="770669" y="0"/>
+                </a:cubicBezTo>
+                <a:cubicBezTo>
+                  <a:pt x="960268" y="-32029"/>
+                  <a:pt x="1132525" y="-25947"/>
+                  <a:pt x="1488188" y="0"/>
+                </a:cubicBezTo>
+                <a:cubicBezTo>
+                  <a:pt x="1843851" y="25947"/>
+                  <a:pt x="1838051" y="21683"/>
+                  <a:pt x="1993109" y="0"/>
+                </a:cubicBezTo>
+                <a:cubicBezTo>
+                  <a:pt x="2148167" y="-21683"/>
+                  <a:pt x="2376054" y="14546"/>
+                  <a:pt x="2657479" y="0"/>
+                </a:cubicBezTo>
+                <a:cubicBezTo>
+                  <a:pt x="2938904" y="-14546"/>
+                  <a:pt x="3035571" y="2318"/>
+                  <a:pt x="3268699" y="0"/>
+                </a:cubicBezTo>
+                <a:cubicBezTo>
+                  <a:pt x="3501827" y="-2318"/>
+                  <a:pt x="3565436" y="24314"/>
+                  <a:pt x="3826769" y="0"/>
+                </a:cubicBezTo>
+                <a:cubicBezTo>
+                  <a:pt x="4088102" y="-24314"/>
+                  <a:pt x="4322629" y="-22529"/>
+                  <a:pt x="4544288" y="0"/>
+                </a:cubicBezTo>
+                <a:cubicBezTo>
+                  <a:pt x="4765947" y="22529"/>
+                  <a:pt x="5138527" y="-25148"/>
+                  <a:pt x="5314957" y="0"/>
+                </a:cubicBezTo>
+                <a:cubicBezTo>
+                  <a:pt x="5348969" y="335829"/>
+                  <a:pt x="5340961" y="481101"/>
+                  <a:pt x="5314957" y="740972"/>
+                </a:cubicBezTo>
+                <a:cubicBezTo>
+                  <a:pt x="5288953" y="1000843"/>
+                  <a:pt x="5289452" y="1117866"/>
+                  <a:pt x="5314957" y="1481943"/>
+                </a:cubicBezTo>
+                <a:cubicBezTo>
+                  <a:pt x="5340462" y="1846020"/>
+                  <a:pt x="5334905" y="2325665"/>
+                  <a:pt x="5314957" y="2744339"/>
+                </a:cubicBezTo>
+                <a:cubicBezTo>
+                  <a:pt x="5206551" y="2745330"/>
+                  <a:pt x="4999645" y="2762978"/>
+                  <a:pt x="4810036" y="2744339"/>
+                </a:cubicBezTo>
+                <a:cubicBezTo>
+                  <a:pt x="4620427" y="2725700"/>
+                  <a:pt x="4440367" y="2733159"/>
+                  <a:pt x="4092517" y="2744339"/>
+                </a:cubicBezTo>
+                <a:cubicBezTo>
+                  <a:pt x="3744667" y="2755519"/>
+                  <a:pt x="3742828" y="2756495"/>
+                  <a:pt x="3428147" y="2744339"/>
+                </a:cubicBezTo>
+                <a:cubicBezTo>
+                  <a:pt x="3113466" y="2732184"/>
+                  <a:pt x="3062358" y="2759616"/>
+                  <a:pt x="2763778" y="2744339"/>
+                </a:cubicBezTo>
+                <a:cubicBezTo>
+                  <a:pt x="2465198" y="2729062"/>
+                  <a:pt x="2335546" y="2725564"/>
+                  <a:pt x="2046258" y="2744339"/>
+                </a:cubicBezTo>
+                <a:cubicBezTo>
+                  <a:pt x="1756970" y="2763114"/>
+                  <a:pt x="1657652" y="2737419"/>
+                  <a:pt x="1541338" y="2744339"/>
+                </a:cubicBezTo>
+                <a:cubicBezTo>
+                  <a:pt x="1425024" y="2751259"/>
+                  <a:pt x="1212454" y="2727089"/>
+                  <a:pt x="930117" y="2744339"/>
+                </a:cubicBezTo>
+                <a:cubicBezTo>
+                  <a:pt x="647780" y="2761589"/>
+                  <a:pt x="374117" y="2716153"/>
+                  <a:pt x="0" y="2744339"/>
+                </a:cubicBezTo>
+                <a:cubicBezTo>
+                  <a:pt x="-10110" y="2466569"/>
+                  <a:pt x="-20259" y="2360922"/>
+                  <a:pt x="0" y="2140584"/>
+                </a:cubicBezTo>
+                <a:cubicBezTo>
+                  <a:pt x="20259" y="1920246"/>
+                  <a:pt x="-26764" y="1808099"/>
+                  <a:pt x="0" y="1536830"/>
+                </a:cubicBezTo>
+                <a:cubicBezTo>
+                  <a:pt x="26764" y="1265561"/>
+                  <a:pt x="-3661" y="1126970"/>
+                  <a:pt x="0" y="933075"/>
+                </a:cubicBezTo>
+                <a:cubicBezTo>
+                  <a:pt x="3661" y="739180"/>
+                  <a:pt x="-11070" y="441298"/>
+                  <a:pt x="0" y="0"/>
+                </a:cubicBezTo>
+                <a:close/>
+              </a:path>
+            </a:pathLst>
+          </a:custGeom>
+          <a:ln w="28575">
+            <a:extLst>
+              <a:ext uri="{C807C97D-BFC1-408E-A445-0C87EB9F89A2}">
+                <ask:lineSketchStyleProps xmlns:ask="http://schemas.microsoft.com/office/drawing/2018/sketchyshapes" sd="2832065101">
+                  <a:prstGeom prst="rect">
+                    <a:avLst/>
+                  </a:prstGeom>
+                  <ask:type>
+                    <ask:lineSketchFreehand/>
+                  </ask:type>
+                </ask:lineSketchStyleProps>
+              </a:ext>
+            </a:extLst>
+          </a:ln>
+        </p:spPr>
+        <p:style>
+          <a:lnRef idx="2">
+            <a:schemeClr val="accent1"/>
+          </a:lnRef>
+          <a:fillRef idx="1">
+            <a:schemeClr val="lt1"/>
+          </a:fillRef>
+          <a:effectRef idx="0">
+            <a:schemeClr val="accent1"/>
+          </a:effectRef>
+          <a:fontRef idx="minor">
+            <a:schemeClr val="dk1"/>
+          </a:fontRef>
+        </p:style>
+        <p:txBody>
+          <a:bodyPr rtlCol="0" anchor="ctr"/>
+          <a:lstStyle/>
+          <a:p>
+            <a:pPr algn="ctr"/>
+            <a:endParaRPr lang="pl-PL"/>
+          </a:p>
+        </p:txBody>
+      </p:sp>
+      <p:sp>
+        <p:nvSpPr>
+          <p:cNvPr id="28" name="Prostokąt 27">
+            <a:extLst>
+              <a:ext uri="{FF2B5EF4-FFF2-40B4-BE49-F238E27FC236}">
+                <a16:creationId xmlns:a16="http://schemas.microsoft.com/office/drawing/2014/main" id="{282398B8-18FC-4D83-9C88-6B08F56C1CB1}"/>
+              </a:ext>
+            </a:extLst>
+          </p:cNvPr>
+          <p:cNvSpPr/>
+          <p:nvPr/>
+        </p:nvSpPr>
+        <p:spPr>
+          <a:xfrm>
+            <a:off x="1199094" y="3805641"/>
+            <a:ext cx="10293823" cy="2964425"/>
+          </a:xfrm>
+          <a:custGeom>
+            <a:avLst/>
+            <a:gdLst>
+              <a:gd name="connsiteX0" fmla="*/ 0 w 10293823"/>
+              <a:gd name="connsiteY0" fmla="*/ 0 h 2964425"/>
+              <a:gd name="connsiteX1" fmla="*/ 583317 w 10293823"/>
+              <a:gd name="connsiteY1" fmla="*/ 0 h 2964425"/>
+              <a:gd name="connsiteX2" fmla="*/ 960757 w 10293823"/>
+              <a:gd name="connsiteY2" fmla="*/ 0 h 2964425"/>
+              <a:gd name="connsiteX3" fmla="*/ 1852888 w 10293823"/>
+              <a:gd name="connsiteY3" fmla="*/ 0 h 2964425"/>
+              <a:gd name="connsiteX4" fmla="*/ 2230328 w 10293823"/>
+              <a:gd name="connsiteY4" fmla="*/ 0 h 2964425"/>
+              <a:gd name="connsiteX5" fmla="*/ 3122460 w 10293823"/>
+              <a:gd name="connsiteY5" fmla="*/ 0 h 2964425"/>
+              <a:gd name="connsiteX6" fmla="*/ 3705776 w 10293823"/>
+              <a:gd name="connsiteY6" fmla="*/ 0 h 2964425"/>
+              <a:gd name="connsiteX7" fmla="*/ 4494969 w 10293823"/>
+              <a:gd name="connsiteY7" fmla="*/ 0 h 2964425"/>
+              <a:gd name="connsiteX8" fmla="*/ 4975348 w 10293823"/>
+              <a:gd name="connsiteY8" fmla="*/ 0 h 2964425"/>
+              <a:gd name="connsiteX9" fmla="*/ 5764541 w 10293823"/>
+              <a:gd name="connsiteY9" fmla="*/ 0 h 2964425"/>
+              <a:gd name="connsiteX10" fmla="*/ 6141981 w 10293823"/>
+              <a:gd name="connsiteY10" fmla="*/ 0 h 2964425"/>
+              <a:gd name="connsiteX11" fmla="*/ 6931174 w 10293823"/>
+              <a:gd name="connsiteY11" fmla="*/ 0 h 2964425"/>
+              <a:gd name="connsiteX12" fmla="*/ 7617429 w 10293823"/>
+              <a:gd name="connsiteY12" fmla="*/ 0 h 2964425"/>
+              <a:gd name="connsiteX13" fmla="*/ 8097807 w 10293823"/>
+              <a:gd name="connsiteY13" fmla="*/ 0 h 2964425"/>
+              <a:gd name="connsiteX14" fmla="*/ 8578186 w 10293823"/>
+              <a:gd name="connsiteY14" fmla="*/ 0 h 2964425"/>
+              <a:gd name="connsiteX15" fmla="*/ 8955626 w 10293823"/>
+              <a:gd name="connsiteY15" fmla="*/ 0 h 2964425"/>
+              <a:gd name="connsiteX16" fmla="*/ 9333066 w 10293823"/>
+              <a:gd name="connsiteY16" fmla="*/ 0 h 2964425"/>
+              <a:gd name="connsiteX17" fmla="*/ 9710506 w 10293823"/>
+              <a:gd name="connsiteY17" fmla="*/ 0 h 2964425"/>
+              <a:gd name="connsiteX18" fmla="*/ 10293823 w 10293823"/>
+              <a:gd name="connsiteY18" fmla="*/ 0 h 2964425"/>
+              <a:gd name="connsiteX19" fmla="*/ 10293823 w 10293823"/>
+              <a:gd name="connsiteY19" fmla="*/ 622529 h 2964425"/>
+              <a:gd name="connsiteX20" fmla="*/ 10293823 w 10293823"/>
+              <a:gd name="connsiteY20" fmla="*/ 1274703 h 2964425"/>
+              <a:gd name="connsiteX21" fmla="*/ 10293823 w 10293823"/>
+              <a:gd name="connsiteY21" fmla="*/ 1926876 h 2964425"/>
+              <a:gd name="connsiteX22" fmla="*/ 10293823 w 10293823"/>
+              <a:gd name="connsiteY22" fmla="*/ 2964425 h 2964425"/>
+              <a:gd name="connsiteX23" fmla="*/ 9607568 w 10293823"/>
+              <a:gd name="connsiteY23" fmla="*/ 2964425 h 2964425"/>
+              <a:gd name="connsiteX24" fmla="*/ 8715437 w 10293823"/>
+              <a:gd name="connsiteY24" fmla="*/ 2964425 h 2964425"/>
+              <a:gd name="connsiteX25" fmla="*/ 8235058 w 10293823"/>
+              <a:gd name="connsiteY25" fmla="*/ 2964425 h 2964425"/>
+              <a:gd name="connsiteX26" fmla="*/ 7445865 w 10293823"/>
+              <a:gd name="connsiteY26" fmla="*/ 2964425 h 2964425"/>
+              <a:gd name="connsiteX27" fmla="*/ 6553734 w 10293823"/>
+              <a:gd name="connsiteY27" fmla="*/ 2964425 h 2964425"/>
+              <a:gd name="connsiteX28" fmla="*/ 5970417 w 10293823"/>
+              <a:gd name="connsiteY28" fmla="*/ 2964425 h 2964425"/>
+              <a:gd name="connsiteX29" fmla="*/ 5284162 w 10293823"/>
+              <a:gd name="connsiteY29" fmla="*/ 2964425 h 2964425"/>
+              <a:gd name="connsiteX30" fmla="*/ 4597908 w 10293823"/>
+              <a:gd name="connsiteY30" fmla="*/ 2964425 h 2964425"/>
+              <a:gd name="connsiteX31" fmla="*/ 3808715 w 10293823"/>
+              <a:gd name="connsiteY31" fmla="*/ 2964425 h 2964425"/>
+              <a:gd name="connsiteX32" fmla="*/ 3431274 w 10293823"/>
+              <a:gd name="connsiteY32" fmla="*/ 2964425 h 2964425"/>
+              <a:gd name="connsiteX33" fmla="*/ 2950896 w 10293823"/>
+              <a:gd name="connsiteY33" fmla="*/ 2964425 h 2964425"/>
+              <a:gd name="connsiteX34" fmla="*/ 2264641 w 10293823"/>
+              <a:gd name="connsiteY34" fmla="*/ 2964425 h 2964425"/>
+              <a:gd name="connsiteX35" fmla="*/ 1784263 w 10293823"/>
+              <a:gd name="connsiteY35" fmla="*/ 2964425 h 2964425"/>
+              <a:gd name="connsiteX36" fmla="*/ 995070 w 10293823"/>
+              <a:gd name="connsiteY36" fmla="*/ 2964425 h 2964425"/>
+              <a:gd name="connsiteX37" fmla="*/ 0 w 10293823"/>
+              <a:gd name="connsiteY37" fmla="*/ 2964425 h 2964425"/>
+              <a:gd name="connsiteX38" fmla="*/ 0 w 10293823"/>
+              <a:gd name="connsiteY38" fmla="*/ 2371540 h 2964425"/>
+              <a:gd name="connsiteX39" fmla="*/ 0 w 10293823"/>
+              <a:gd name="connsiteY39" fmla="*/ 1749011 h 2964425"/>
+              <a:gd name="connsiteX40" fmla="*/ 0 w 10293823"/>
+              <a:gd name="connsiteY40" fmla="*/ 1245058 h 2964425"/>
+              <a:gd name="connsiteX41" fmla="*/ 0 w 10293823"/>
+              <a:gd name="connsiteY41" fmla="*/ 652173 h 2964425"/>
+              <a:gd name="connsiteX42" fmla="*/ 0 w 10293823"/>
+              <a:gd name="connsiteY42" fmla="*/ 0 h 2964425"/>
+            </a:gdLst>
+            <a:ahLst/>
+            <a:cxnLst>
+              <a:cxn ang="0">
+                <a:pos x="connsiteX0" y="connsiteY0"/>
+              </a:cxn>
+              <a:cxn ang="0">
+                <a:pos x="connsiteX1" y="connsiteY1"/>
+              </a:cxn>
+              <a:cxn ang="0">
+                <a:pos x="connsiteX2" y="connsiteY2"/>
+              </a:cxn>
+              <a:cxn ang="0">
+                <a:pos x="connsiteX3" y="connsiteY3"/>
+              </a:cxn>
+              <a:cxn ang="0">
+                <a:pos x="connsiteX4" y="connsiteY4"/>
+              </a:cxn>
+              <a:cxn ang="0">
+                <a:pos x="connsiteX5" y="connsiteY5"/>
+              </a:cxn>
+              <a:cxn ang="0">
+                <a:pos x="connsiteX6" y="connsiteY6"/>
+              </a:cxn>
+              <a:cxn ang="0">
+                <a:pos x="connsiteX7" y="connsiteY7"/>
+              </a:cxn>
+              <a:cxn ang="0">
+                <a:pos x="connsiteX8" y="connsiteY8"/>
+              </a:cxn>
+              <a:cxn ang="0">
+                <a:pos x="connsiteX9" y="connsiteY9"/>
+              </a:cxn>
+              <a:cxn ang="0">
+                <a:pos x="connsiteX10" y="connsiteY10"/>
+              </a:cxn>
+              <a:cxn ang="0">
+                <a:pos x="connsiteX11" y="connsiteY11"/>
+              </a:cxn>
+              <a:cxn ang="0">
+                <a:pos x="connsiteX12" y="connsiteY12"/>
+              </a:cxn>
+              <a:cxn ang="0">
+                <a:pos x="connsiteX13" y="connsiteY13"/>
+              </a:cxn>
+              <a:cxn ang="0">
+                <a:pos x="connsiteX14" y="connsiteY14"/>
+              </a:cxn>
+              <a:cxn ang="0">
+                <a:pos x="connsiteX15" y="connsiteY15"/>
+              </a:cxn>
+              <a:cxn ang="0">
+                <a:pos x="connsiteX16" y="connsiteY16"/>
+              </a:cxn>
+              <a:cxn ang="0">
+                <a:pos x="connsiteX17" y="connsiteY17"/>
+              </a:cxn>
+              <a:cxn ang="0">
+                <a:pos x="connsiteX18" y="connsiteY18"/>
+              </a:cxn>
+              <a:cxn ang="0">
+                <a:pos x="connsiteX19" y="connsiteY19"/>
+              </a:cxn>
+              <a:cxn ang="0">
+                <a:pos x="connsiteX20" y="connsiteY20"/>
+              </a:cxn>
+              <a:cxn ang="0">
+                <a:pos x="connsiteX21" y="connsiteY21"/>
+              </a:cxn>
+              <a:cxn ang="0">
+                <a:pos x="connsiteX22" y="connsiteY22"/>
+              </a:cxn>
+              <a:cxn ang="0">
+                <a:pos x="connsiteX23" y="connsiteY23"/>
+              </a:cxn>
+              <a:cxn ang="0">
+                <a:pos x="connsiteX24" y="connsiteY24"/>
+              </a:cxn>
+              <a:cxn ang="0">
+                <a:pos x="connsiteX25" y="connsiteY25"/>
+              </a:cxn>
+              <a:cxn ang="0">
+                <a:pos x="connsiteX26" y="connsiteY26"/>
+              </a:cxn>
+              <a:cxn ang="0">
+                <a:pos x="connsiteX27" y="connsiteY27"/>
+              </a:cxn>
+              <a:cxn ang="0">
+                <a:pos x="connsiteX28" y="connsiteY28"/>
+              </a:cxn>
+              <a:cxn ang="0">
+                <a:pos x="connsiteX29" y="connsiteY29"/>
+              </a:cxn>
+              <a:cxn ang="0">
+                <a:pos x="connsiteX30" y="connsiteY30"/>
+              </a:cxn>
+              <a:cxn ang="0">
+                <a:pos x="connsiteX31" y="connsiteY31"/>
+              </a:cxn>
+              <a:cxn ang="0">
+                <a:pos x="connsiteX32" y="connsiteY32"/>
+              </a:cxn>
+              <a:cxn ang="0">
+                <a:pos x="connsiteX33" y="connsiteY33"/>
+              </a:cxn>
+              <a:cxn ang="0">
+                <a:pos x="connsiteX34" y="connsiteY34"/>
+              </a:cxn>
+              <a:cxn ang="0">
+                <a:pos x="connsiteX35" y="connsiteY35"/>
+              </a:cxn>
+              <a:cxn ang="0">
+                <a:pos x="connsiteX36" y="connsiteY36"/>
+              </a:cxn>
+              <a:cxn ang="0">
+                <a:pos x="connsiteX37" y="connsiteY37"/>
+              </a:cxn>
+              <a:cxn ang="0">
+                <a:pos x="connsiteX38" y="connsiteY38"/>
+              </a:cxn>
+              <a:cxn ang="0">
+                <a:pos x="connsiteX39" y="connsiteY39"/>
+              </a:cxn>
+              <a:cxn ang="0">
+                <a:pos x="connsiteX40" y="connsiteY40"/>
+              </a:cxn>
+              <a:cxn ang="0">
+                <a:pos x="connsiteX41" y="connsiteY41"/>
+              </a:cxn>
+              <a:cxn ang="0">
+                <a:pos x="connsiteX42" y="connsiteY42"/>
+              </a:cxn>
+            </a:cxnLst>
+            <a:rect l="l" t="t" r="r" b="b"/>
+            <a:pathLst>
+              <a:path w="10293823" h="2964425" fill="none" extrusionOk="0">
+                <a:moveTo>
+                  <a:pt x="0" y="0"/>
+                </a:moveTo>
+                <a:cubicBezTo>
+                  <a:pt x="201949" y="11329"/>
+                  <a:pt x="350511" y="28506"/>
+                  <a:pt x="583317" y="0"/>
+                </a:cubicBezTo>
+                <a:cubicBezTo>
+                  <a:pt x="816123" y="-28506"/>
+                  <a:pt x="805749" y="9660"/>
+                  <a:pt x="960757" y="0"/>
+                </a:cubicBezTo>
+                <a:cubicBezTo>
+                  <a:pt x="1115765" y="-9660"/>
+                  <a:pt x="1508864" y="-4434"/>
+                  <a:pt x="1852888" y="0"/>
+                </a:cubicBezTo>
+                <a:cubicBezTo>
+                  <a:pt x="2196912" y="4434"/>
+                  <a:pt x="2135326" y="6002"/>
+                  <a:pt x="2230328" y="0"/>
+                </a:cubicBezTo>
+                <a:cubicBezTo>
+                  <a:pt x="2325330" y="-6002"/>
+                  <a:pt x="2819831" y="20304"/>
+                  <a:pt x="3122460" y="0"/>
+                </a:cubicBezTo>
+                <a:cubicBezTo>
+                  <a:pt x="3425089" y="-20304"/>
+                  <a:pt x="3503980" y="-29100"/>
+                  <a:pt x="3705776" y="0"/>
+                </a:cubicBezTo>
+                <a:cubicBezTo>
+                  <a:pt x="3907572" y="29100"/>
+                  <a:pt x="4110237" y="24435"/>
+                  <a:pt x="4494969" y="0"/>
+                </a:cubicBezTo>
+                <a:cubicBezTo>
+                  <a:pt x="4879701" y="-24435"/>
+                  <a:pt x="4802077" y="4162"/>
+                  <a:pt x="4975348" y="0"/>
+                </a:cubicBezTo>
+                <a:cubicBezTo>
+                  <a:pt x="5148619" y="-4162"/>
+                  <a:pt x="5418963" y="28313"/>
+                  <a:pt x="5764541" y="0"/>
+                </a:cubicBezTo>
+                <a:cubicBezTo>
+                  <a:pt x="6110119" y="-28313"/>
+                  <a:pt x="5982285" y="520"/>
+                  <a:pt x="6141981" y="0"/>
+                </a:cubicBezTo>
+                <a:cubicBezTo>
+                  <a:pt x="6301677" y="-520"/>
+                  <a:pt x="6709397" y="-38607"/>
+                  <a:pt x="6931174" y="0"/>
+                </a:cubicBezTo>
+                <a:cubicBezTo>
+                  <a:pt x="7152951" y="38607"/>
+                  <a:pt x="7350259" y="11502"/>
+                  <a:pt x="7617429" y="0"/>
+                </a:cubicBezTo>
+                <a:cubicBezTo>
+                  <a:pt x="7884600" y="-11502"/>
+                  <a:pt x="7950524" y="-23491"/>
+                  <a:pt x="8097807" y="0"/>
+                </a:cubicBezTo>
+                <a:cubicBezTo>
+                  <a:pt x="8245090" y="23491"/>
+                  <a:pt x="8450148" y="22752"/>
+                  <a:pt x="8578186" y="0"/>
+                </a:cubicBezTo>
+                <a:cubicBezTo>
+                  <a:pt x="8706224" y="-22752"/>
+                  <a:pt x="8849466" y="13169"/>
+                  <a:pt x="8955626" y="0"/>
+                </a:cubicBezTo>
+                <a:cubicBezTo>
+                  <a:pt x="9061786" y="-13169"/>
+                  <a:pt x="9201432" y="-16916"/>
+                  <a:pt x="9333066" y="0"/>
+                </a:cubicBezTo>
+                <a:cubicBezTo>
+                  <a:pt x="9464700" y="16916"/>
+                  <a:pt x="9631852" y="-9544"/>
+                  <a:pt x="9710506" y="0"/>
+                </a:cubicBezTo>
+                <a:cubicBezTo>
+                  <a:pt x="9789160" y="9544"/>
+                  <a:pt x="10165454" y="-19793"/>
+                  <a:pt x="10293823" y="0"/>
+                </a:cubicBezTo>
+                <a:cubicBezTo>
+                  <a:pt x="10267572" y="212184"/>
+                  <a:pt x="10274784" y="319861"/>
+                  <a:pt x="10293823" y="622529"/>
+                </a:cubicBezTo>
+                <a:cubicBezTo>
+                  <a:pt x="10312862" y="925197"/>
+                  <a:pt x="10318568" y="1142176"/>
+                  <a:pt x="10293823" y="1274703"/>
+                </a:cubicBezTo>
+                <a:cubicBezTo>
+                  <a:pt x="10269078" y="1407230"/>
+                  <a:pt x="10297935" y="1754809"/>
+                  <a:pt x="10293823" y="1926876"/>
+                </a:cubicBezTo>
+                <a:cubicBezTo>
+                  <a:pt x="10289711" y="2098943"/>
+                  <a:pt x="10315679" y="2511925"/>
+                  <a:pt x="10293823" y="2964425"/>
+                </a:cubicBezTo>
+                <a:cubicBezTo>
+                  <a:pt x="10145207" y="2978855"/>
+                  <a:pt x="9938178" y="2957585"/>
+                  <a:pt x="9607568" y="2964425"/>
+                </a:cubicBezTo>
+                <a:cubicBezTo>
+                  <a:pt x="9276959" y="2971265"/>
+                  <a:pt x="9057058" y="2993205"/>
+                  <a:pt x="8715437" y="2964425"/>
+                </a:cubicBezTo>
+                <a:cubicBezTo>
+                  <a:pt x="8373816" y="2935645"/>
+                  <a:pt x="8471347" y="2984356"/>
+                  <a:pt x="8235058" y="2964425"/>
+                </a:cubicBezTo>
+                <a:cubicBezTo>
+                  <a:pt x="7998769" y="2944494"/>
+                  <a:pt x="7677795" y="2982467"/>
+                  <a:pt x="7445865" y="2964425"/>
+                </a:cubicBezTo>
+                <a:cubicBezTo>
+                  <a:pt x="7213935" y="2946383"/>
+                  <a:pt x="6956804" y="3004788"/>
+                  <a:pt x="6553734" y="2964425"/>
+                </a:cubicBezTo>
+                <a:cubicBezTo>
+                  <a:pt x="6150664" y="2924062"/>
+                  <a:pt x="6207452" y="2985440"/>
+                  <a:pt x="5970417" y="2964425"/>
+                </a:cubicBezTo>
+                <a:cubicBezTo>
+                  <a:pt x="5733382" y="2943410"/>
+                  <a:pt x="5537741" y="2930566"/>
+                  <a:pt x="5284162" y="2964425"/>
+                </a:cubicBezTo>
+                <a:cubicBezTo>
+                  <a:pt x="5030583" y="2998284"/>
+                  <a:pt x="4928126" y="2987081"/>
+                  <a:pt x="4597908" y="2964425"/>
+                </a:cubicBezTo>
+                <a:cubicBezTo>
+                  <a:pt x="4267690" y="2941769"/>
+                  <a:pt x="3999103" y="2944590"/>
+                  <a:pt x="3808715" y="2964425"/>
+                </a:cubicBezTo>
+                <a:cubicBezTo>
+                  <a:pt x="3618327" y="2984260"/>
+                  <a:pt x="3549912" y="2970715"/>
+                  <a:pt x="3431274" y="2964425"/>
+                </a:cubicBezTo>
+                <a:cubicBezTo>
+                  <a:pt x="3312636" y="2958135"/>
+                  <a:pt x="3104066" y="2968196"/>
+                  <a:pt x="2950896" y="2964425"/>
+                </a:cubicBezTo>
+                <a:cubicBezTo>
+                  <a:pt x="2797726" y="2960654"/>
+                  <a:pt x="2456701" y="2938265"/>
+                  <a:pt x="2264641" y="2964425"/>
+                </a:cubicBezTo>
+                <a:cubicBezTo>
+                  <a:pt x="2072582" y="2990585"/>
+                  <a:pt x="1992152" y="2960591"/>
+                  <a:pt x="1784263" y="2964425"/>
+                </a:cubicBezTo>
+                <a:cubicBezTo>
+                  <a:pt x="1576374" y="2968259"/>
+                  <a:pt x="1364323" y="2936388"/>
+                  <a:pt x="995070" y="2964425"/>
+                </a:cubicBezTo>
+                <a:cubicBezTo>
+                  <a:pt x="625817" y="2992462"/>
+                  <a:pt x="329645" y="2937260"/>
+                  <a:pt x="0" y="2964425"/>
+                </a:cubicBezTo>
+                <a:cubicBezTo>
+                  <a:pt x="-5746" y="2726844"/>
+                  <a:pt x="-18242" y="2564617"/>
+                  <a:pt x="0" y="2371540"/>
+                </a:cubicBezTo>
+                <a:cubicBezTo>
+                  <a:pt x="18242" y="2178464"/>
+                  <a:pt x="9451" y="1887544"/>
+                  <a:pt x="0" y="1749011"/>
+                </a:cubicBezTo>
+                <a:cubicBezTo>
+                  <a:pt x="-9451" y="1610478"/>
+                  <a:pt x="-23968" y="1376467"/>
+                  <a:pt x="0" y="1245058"/>
+                </a:cubicBezTo>
+                <a:cubicBezTo>
+                  <a:pt x="23968" y="1113649"/>
+                  <a:pt x="3868" y="825259"/>
+                  <a:pt x="0" y="652173"/>
+                </a:cubicBezTo>
+                <a:cubicBezTo>
+                  <a:pt x="-3868" y="479088"/>
+                  <a:pt x="3354" y="314086"/>
+                  <a:pt x="0" y="0"/>
+                </a:cubicBezTo>
+                <a:close/>
+              </a:path>
+              <a:path w="10293823" h="2964425" stroke="0" extrusionOk="0">
+                <a:moveTo>
+                  <a:pt x="0" y="0"/>
+                </a:moveTo>
+                <a:cubicBezTo>
+                  <a:pt x="158655" y="-26970"/>
+                  <a:pt x="444884" y="-18779"/>
+                  <a:pt x="583317" y="0"/>
+                </a:cubicBezTo>
+                <a:cubicBezTo>
+                  <a:pt x="721750" y="18779"/>
+                  <a:pt x="830346" y="10903"/>
+                  <a:pt x="960757" y="0"/>
+                </a:cubicBezTo>
+                <a:cubicBezTo>
+                  <a:pt x="1091168" y="-10903"/>
+                  <a:pt x="1559617" y="7268"/>
+                  <a:pt x="1749950" y="0"/>
+                </a:cubicBezTo>
+                <a:cubicBezTo>
+                  <a:pt x="1940283" y="-7268"/>
+                  <a:pt x="2143693" y="-31956"/>
+                  <a:pt x="2436205" y="0"/>
+                </a:cubicBezTo>
+                <a:cubicBezTo>
+                  <a:pt x="2728718" y="31956"/>
+                  <a:pt x="2863149" y="15807"/>
+                  <a:pt x="3019521" y="0"/>
+                </a:cubicBezTo>
+                <a:cubicBezTo>
+                  <a:pt x="3175893" y="-15807"/>
+                  <a:pt x="3402561" y="-13207"/>
+                  <a:pt x="3602838" y="0"/>
+                </a:cubicBezTo>
+                <a:cubicBezTo>
+                  <a:pt x="3803115" y="13207"/>
+                  <a:pt x="3855872" y="-10761"/>
+                  <a:pt x="4083216" y="0"/>
+                </a:cubicBezTo>
+                <a:cubicBezTo>
+                  <a:pt x="4310560" y="10761"/>
+                  <a:pt x="4449172" y="-1933"/>
+                  <a:pt x="4666533" y="0"/>
+                </a:cubicBezTo>
+                <a:cubicBezTo>
+                  <a:pt x="4883894" y="1933"/>
+                  <a:pt x="4918906" y="5951"/>
+                  <a:pt x="5043973" y="0"/>
+                </a:cubicBezTo>
+                <a:cubicBezTo>
+                  <a:pt x="5169040" y="-5951"/>
+                  <a:pt x="5336210" y="22051"/>
+                  <a:pt x="5524352" y="0"/>
+                </a:cubicBezTo>
+                <a:cubicBezTo>
+                  <a:pt x="5712494" y="-22051"/>
+                  <a:pt x="6065225" y="20495"/>
+                  <a:pt x="6313545" y="0"/>
+                </a:cubicBezTo>
+                <a:cubicBezTo>
+                  <a:pt x="6561865" y="-20495"/>
+                  <a:pt x="6763310" y="-28283"/>
+                  <a:pt x="6999800" y="0"/>
+                </a:cubicBezTo>
+                <a:cubicBezTo>
+                  <a:pt x="7236290" y="28283"/>
+                  <a:pt x="7588180" y="-7880"/>
+                  <a:pt x="7788993" y="0"/>
+                </a:cubicBezTo>
+                <a:cubicBezTo>
+                  <a:pt x="7989806" y="7880"/>
+                  <a:pt x="8229533" y="21285"/>
+                  <a:pt x="8475248" y="0"/>
+                </a:cubicBezTo>
+                <a:cubicBezTo>
+                  <a:pt x="8720964" y="-21285"/>
+                  <a:pt x="8778666" y="26568"/>
+                  <a:pt x="9058564" y="0"/>
+                </a:cubicBezTo>
+                <a:cubicBezTo>
+                  <a:pt x="9338462" y="-26568"/>
+                  <a:pt x="9389240" y="-3780"/>
+                  <a:pt x="9538943" y="0"/>
+                </a:cubicBezTo>
+                <a:cubicBezTo>
+                  <a:pt x="9688646" y="3780"/>
+                  <a:pt x="9927530" y="-7172"/>
+                  <a:pt x="10293823" y="0"/>
+                </a:cubicBezTo>
+                <a:cubicBezTo>
+                  <a:pt x="10311837" y="240888"/>
+                  <a:pt x="10287350" y="399952"/>
+                  <a:pt x="10293823" y="563241"/>
+                </a:cubicBezTo>
+                <a:cubicBezTo>
+                  <a:pt x="10300296" y="726530"/>
+                  <a:pt x="10287419" y="1012721"/>
+                  <a:pt x="10293823" y="1126482"/>
+                </a:cubicBezTo>
+                <a:cubicBezTo>
+                  <a:pt x="10300227" y="1240243"/>
+                  <a:pt x="10298143" y="1476040"/>
+                  <a:pt x="10293823" y="1719367"/>
+                </a:cubicBezTo>
+                <a:cubicBezTo>
+                  <a:pt x="10289503" y="1962695"/>
+                  <a:pt x="10316808" y="2049861"/>
+                  <a:pt x="10293823" y="2252963"/>
+                </a:cubicBezTo>
+                <a:cubicBezTo>
+                  <a:pt x="10270838" y="2456065"/>
+                  <a:pt x="10295592" y="2748393"/>
+                  <a:pt x="10293823" y="2964425"/>
+                </a:cubicBezTo>
+                <a:cubicBezTo>
+                  <a:pt x="10175555" y="2968128"/>
+                  <a:pt x="10027647" y="2955579"/>
+                  <a:pt x="9916383" y="2964425"/>
+                </a:cubicBezTo>
+                <a:cubicBezTo>
+                  <a:pt x="9805119" y="2973271"/>
+                  <a:pt x="9397290" y="2941332"/>
+                  <a:pt x="9230128" y="2964425"/>
+                </a:cubicBezTo>
+                <a:cubicBezTo>
+                  <a:pt x="9062967" y="2987518"/>
+                  <a:pt x="8951684" y="2952719"/>
+                  <a:pt x="8852688" y="2964425"/>
+                </a:cubicBezTo>
+                <a:cubicBezTo>
+                  <a:pt x="8753692" y="2976131"/>
+                  <a:pt x="8643043" y="2947025"/>
+                  <a:pt x="8475248" y="2964425"/>
+                </a:cubicBezTo>
+                <a:cubicBezTo>
+                  <a:pt x="8307453" y="2981825"/>
+                  <a:pt x="8242483" y="2953315"/>
+                  <a:pt x="8097807" y="2964425"/>
+                </a:cubicBezTo>
+                <a:cubicBezTo>
+                  <a:pt x="7953131" y="2975535"/>
+                  <a:pt x="7674113" y="2975146"/>
+                  <a:pt x="7514491" y="2964425"/>
+                </a:cubicBezTo>
+                <a:cubicBezTo>
+                  <a:pt x="7354869" y="2953704"/>
+                  <a:pt x="6811855" y="2922582"/>
+                  <a:pt x="6622359" y="2964425"/>
+                </a:cubicBezTo>
+                <a:cubicBezTo>
+                  <a:pt x="6432863" y="3006268"/>
+                  <a:pt x="6232249" y="2961059"/>
+                  <a:pt x="6039043" y="2964425"/>
+                </a:cubicBezTo>
+                <a:cubicBezTo>
+                  <a:pt x="5845837" y="2967791"/>
+                  <a:pt x="5371210" y="2976889"/>
+                  <a:pt x="5146912" y="2964425"/>
+                </a:cubicBezTo>
+                <a:cubicBezTo>
+                  <a:pt x="4922614" y="2951961"/>
+                  <a:pt x="4856688" y="2969916"/>
+                  <a:pt x="4666533" y="2964425"/>
+                </a:cubicBezTo>
+                <a:cubicBezTo>
+                  <a:pt x="4476378" y="2958934"/>
+                  <a:pt x="4155760" y="2922260"/>
+                  <a:pt x="3774402" y="2964425"/>
+                </a:cubicBezTo>
+                <a:cubicBezTo>
+                  <a:pt x="3393044" y="3006590"/>
+                  <a:pt x="3487520" y="2958889"/>
+                  <a:pt x="3396962" y="2964425"/>
+                </a:cubicBezTo>
+                <a:cubicBezTo>
+                  <a:pt x="3306404" y="2969961"/>
+                  <a:pt x="3069377" y="2961386"/>
+                  <a:pt x="2813645" y="2964425"/>
+                </a:cubicBezTo>
+                <a:cubicBezTo>
+                  <a:pt x="2557913" y="2967464"/>
+                  <a:pt x="2362356" y="2960953"/>
+                  <a:pt x="2230328" y="2964425"/>
+                </a:cubicBezTo>
+                <a:cubicBezTo>
+                  <a:pt x="2098300" y="2967897"/>
+                  <a:pt x="1865907" y="2991305"/>
+                  <a:pt x="1544073" y="2964425"/>
+                </a:cubicBezTo>
+                <a:cubicBezTo>
+                  <a:pt x="1222240" y="2937545"/>
+                  <a:pt x="1161407" y="2972581"/>
+                  <a:pt x="857819" y="2964425"/>
+                </a:cubicBezTo>
+                <a:cubicBezTo>
+                  <a:pt x="554231" y="2956269"/>
+                  <a:pt x="173680" y="3007097"/>
+                  <a:pt x="0" y="2964425"/>
+                </a:cubicBezTo>
+                <a:cubicBezTo>
+                  <a:pt x="26649" y="2734148"/>
+                  <a:pt x="-13698" y="2599743"/>
+                  <a:pt x="0" y="2401184"/>
+                </a:cubicBezTo>
+                <a:cubicBezTo>
+                  <a:pt x="13698" y="2202625"/>
+                  <a:pt x="-5509" y="1994707"/>
+                  <a:pt x="0" y="1837944"/>
+                </a:cubicBezTo>
+                <a:cubicBezTo>
+                  <a:pt x="5509" y="1681181"/>
+                  <a:pt x="-24791" y="1397361"/>
+                  <a:pt x="0" y="1245058"/>
+                </a:cubicBezTo>
+                <a:cubicBezTo>
+                  <a:pt x="24791" y="1092755"/>
+                  <a:pt x="-9553" y="764499"/>
+                  <a:pt x="0" y="622529"/>
+                </a:cubicBezTo>
+                <a:cubicBezTo>
+                  <a:pt x="9553" y="480559"/>
+                  <a:pt x="11253" y="181558"/>
+                  <a:pt x="0" y="0"/>
+                </a:cubicBezTo>
+                <a:close/>
+              </a:path>
+            </a:pathLst>
+          </a:custGeom>
+          <a:ln w="28575">
+            <a:extLst>
+              <a:ext uri="{C807C97D-BFC1-408E-A445-0C87EB9F89A2}">
+                <ask:lineSketchStyleProps xmlns:ask="http://schemas.microsoft.com/office/drawing/2018/sketchyshapes" sd="1975793617">
+                  <a:prstGeom prst="rect">
+                    <a:avLst/>
+                  </a:prstGeom>
+                  <ask:type>
+                    <ask:lineSketchFreehand/>
+                  </ask:type>
+                </ask:lineSketchStyleProps>
+              </a:ext>
+            </a:extLst>
+          </a:ln>
+        </p:spPr>
+        <p:style>
+          <a:lnRef idx="2">
+            <a:schemeClr val="accent1"/>
+          </a:lnRef>
+          <a:fillRef idx="1">
+            <a:schemeClr val="lt1"/>
+          </a:fillRef>
+          <a:effectRef idx="0">
+            <a:schemeClr val="accent1"/>
+          </a:effectRef>
+          <a:fontRef idx="minor">
+            <a:schemeClr val="dk1"/>
+          </a:fontRef>
+        </p:style>
+        <p:txBody>
+          <a:bodyPr rtlCol="0" anchor="ctr"/>
+          <a:lstStyle/>
+          <a:p>
+            <a:pPr algn="ctr"/>
+            <a:endParaRPr lang="pl-PL"/>
+          </a:p>
+        </p:txBody>
+      </p:sp>
+      <p:sp>
+        <p:nvSpPr>
+          <p:cNvPr id="2" name="Tytuł 1">
+            <a:extLst>
+              <a:ext uri="{FF2B5EF4-FFF2-40B4-BE49-F238E27FC236}">
+                <a16:creationId xmlns:a16="http://schemas.microsoft.com/office/drawing/2014/main" id="{CD4A430B-672E-47BE-93F9-8CB1396DC1C8}"/>
+              </a:ext>
+            </a:extLst>
+          </p:cNvPr>
+          <p:cNvSpPr>
+            <a:spLocks noGrp="1"/>
+          </p:cNvSpPr>
+          <p:nvPr>
+            <p:ph type="title"/>
+          </p:nvPr>
+        </p:nvSpPr>
+        <p:spPr>
+          <a:xfrm>
+            <a:off x="838200" y="-1519"/>
             <a:ext cx="10515600" cy="1325563"/>
           </a:xfrm>
         </p:spPr>
@@ -5003,7 +7048,7 @@
           <a:p>
             <a:r>
               <a:rPr lang="pl-PL" dirty="0"/>
-              <a:t>Bazy</a:t>
+              <a:t>Technologie i bazy danych</a:t>
             </a:r>
           </a:p>
         </p:txBody>
@@ -5022,8 +7067,8 @@
         </p:nvGrpSpPr>
         <p:grpSpPr>
           <a:xfrm>
-            <a:off x="2723364" y="1572234"/>
-            <a:ext cx="6349002" cy="1905000"/>
+            <a:off x="3666631" y="3745953"/>
+            <a:ext cx="4357551" cy="1325563"/>
             <a:chOff x="718397" y="3170305"/>
             <a:chExt cx="6349002" cy="1905000"/>
           </a:xfrm>
@@ -5034,53 +7079,6 @@
               <a:extLst>
                 <a:ext uri="{FF2B5EF4-FFF2-40B4-BE49-F238E27FC236}">
                   <a16:creationId xmlns:a16="http://schemas.microsoft.com/office/drawing/2014/main" id="{720EA48F-EDD9-4062-93BE-4FA9179C2BF1}"/>
-                </a:ext>
-              </a:extLst>
-            </p:cNvPr>
-            <p:cNvPicPr>
-              <a:picLocks noChangeAspect="1" noChangeArrowheads="1"/>
-            </p:cNvPicPr>
-            <p:nvPr/>
-          </p:nvPicPr>
-          <p:blipFill>
-            <a:blip r:embed="rId2">
-              <a:extLst>
-                <a:ext uri="{28A0092B-C50C-407E-A947-70E740481C1C}">
-                  <a14:useLocalDpi xmlns:a14="http://schemas.microsoft.com/office/drawing/2010/main" val="0"/>
-                </a:ext>
-              </a:extLst>
-            </a:blip>
-            <a:srcRect/>
-            <a:stretch>
-              <a:fillRect/>
-            </a:stretch>
-          </p:blipFill>
-          <p:spPr bwMode="auto">
-            <a:xfrm>
-              <a:off x="4729925" y="3528749"/>
-              <a:ext cx="2337474" cy="1423842"/>
-            </a:xfrm>
-            <a:prstGeom prst="rect">
-              <a:avLst/>
-            </a:prstGeom>
-            <a:noFill/>
-            <a:extLst>
-              <a:ext uri="{909E8E84-426E-40DD-AFC4-6F175D3DCCD1}">
-                <a14:hiddenFill xmlns:a14="http://schemas.microsoft.com/office/drawing/2010/main">
-                  <a:solidFill>
-                    <a:srgbClr val="FFFFFF"/>
-                  </a:solidFill>
-                </a14:hiddenFill>
-              </a:ext>
-            </a:extLst>
-          </p:spPr>
-        </p:pic>
-        <p:pic>
-          <p:nvPicPr>
-            <p:cNvPr id="1030" name="Picture 6" descr="F1 IT Technology | Partners">
-              <a:extLst>
-                <a:ext uri="{FF2B5EF4-FFF2-40B4-BE49-F238E27FC236}">
-                  <a16:creationId xmlns:a16="http://schemas.microsoft.com/office/drawing/2014/main" id="{9C8AF4FD-8977-4076-BA3E-E691BA221542}"/>
                 </a:ext>
               </a:extLst>
             </p:cNvPr>
@@ -5104,6 +7102,53 @@
           </p:blipFill>
           <p:spPr bwMode="auto">
             <a:xfrm>
+              <a:off x="4729925" y="3528749"/>
+              <a:ext cx="2337474" cy="1423842"/>
+            </a:xfrm>
+            <a:prstGeom prst="rect">
+              <a:avLst/>
+            </a:prstGeom>
+            <a:noFill/>
+            <a:extLst>
+              <a:ext uri="{909E8E84-426E-40DD-AFC4-6F175D3DCCD1}">
+                <a14:hiddenFill xmlns:a14="http://schemas.microsoft.com/office/drawing/2010/main">
+                  <a:solidFill>
+                    <a:srgbClr val="FFFFFF"/>
+                  </a:solidFill>
+                </a14:hiddenFill>
+              </a:ext>
+            </a:extLst>
+          </p:spPr>
+        </p:pic>
+        <p:pic>
+          <p:nvPicPr>
+            <p:cNvPr id="1030" name="Picture 6" descr="F1 IT Technology | Partners">
+              <a:extLst>
+                <a:ext uri="{FF2B5EF4-FFF2-40B4-BE49-F238E27FC236}">
+                  <a16:creationId xmlns:a16="http://schemas.microsoft.com/office/drawing/2014/main" id="{9C8AF4FD-8977-4076-BA3E-E691BA221542}"/>
+                </a:ext>
+              </a:extLst>
+            </p:cNvPr>
+            <p:cNvPicPr>
+              <a:picLocks noChangeAspect="1" noChangeArrowheads="1"/>
+            </p:cNvPicPr>
+            <p:nvPr/>
+          </p:nvPicPr>
+          <p:blipFill>
+            <a:blip r:embed="rId4">
+              <a:extLst>
+                <a:ext uri="{28A0092B-C50C-407E-A947-70E740481C1C}">
+                  <a14:useLocalDpi xmlns:a14="http://schemas.microsoft.com/office/drawing/2010/main" val="0"/>
+                </a:ext>
+              </a:extLst>
+            </a:blip>
+            <a:srcRect/>
+            <a:stretch>
+              <a:fillRect/>
+            </a:stretch>
+          </p:blipFill>
+          <p:spPr bwMode="auto">
+            <a:xfrm>
               <a:off x="718397" y="3170305"/>
               <a:ext cx="3571875" cy="1905000"/>
             </a:xfrm>
@@ -5136,8 +7181,8 @@
           </p:nvSpPr>
           <p:spPr>
             <a:xfrm>
-              <a:off x="4353556" y="4088631"/>
-              <a:ext cx="313084" cy="318052"/>
+              <a:off x="4327729" y="4039195"/>
+              <a:ext cx="401628" cy="402947"/>
             </a:xfrm>
             <a:prstGeom prst="mathPlus">
               <a:avLst/>
@@ -5183,10 +7228,10 @@
         </p:nvGrpSpPr>
         <p:grpSpPr>
           <a:xfrm>
-            <a:off x="3591344" y="3477234"/>
-            <a:ext cx="6525450" cy="1277591"/>
-            <a:chOff x="3201259" y="1304864"/>
-            <a:chExt cx="6525450" cy="1277591"/>
+            <a:off x="3692009" y="4986127"/>
+            <a:ext cx="5825298" cy="932028"/>
+            <a:chOff x="3201259" y="1525215"/>
+            <a:chExt cx="6525450" cy="1057240"/>
           </a:xfrm>
         </p:grpSpPr>
         <p:pic>
@@ -5203,23 +7248,21 @@
             </p:cNvPicPr>
             <p:nvPr/>
           </p:nvPicPr>
-          <p:blipFill>
-            <a:blip r:embed="rId4">
+          <p:blipFill rotWithShape="1">
+            <a:blip r:embed="rId5">
               <a:extLst>
                 <a:ext uri="{28A0092B-C50C-407E-A947-70E740481C1C}">
                   <a14:useLocalDpi xmlns:a14="http://schemas.microsoft.com/office/drawing/2010/main" val="0"/>
                 </a:ext>
               </a:extLst>
             </a:blip>
-            <a:srcRect/>
-            <a:stretch>
-              <a:fillRect/>
-            </a:stretch>
+            <a:srcRect t="17247"/>
+            <a:stretch/>
           </p:blipFill>
           <p:spPr bwMode="auto">
             <a:xfrm>
-              <a:off x="3201259" y="1304864"/>
-              <a:ext cx="2555181" cy="1277591"/>
+              <a:off x="3201259" y="1525215"/>
+              <a:ext cx="2555181" cy="1057240"/>
             </a:xfrm>
             <a:prstGeom prst="rect">
               <a:avLst/>
@@ -5353,13 +7396,13 @@
           <p:nvPr/>
         </p:nvPicPr>
         <p:blipFill>
-          <a:blip r:embed="rId5">
+          <a:blip r:embed="rId6">
             <a:extLst>
               <a:ext uri="{28A0092B-C50C-407E-A947-70E740481C1C}">
                 <a14:useLocalDpi xmlns:a14="http://schemas.microsoft.com/office/drawing/2010/main" val="0"/>
               </a:ext>
               <a:ext uri="{96DAC541-7B7A-43D3-8B79-37D633B846F1}">
-                <asvg:svgBlip xmlns:asvg="http://schemas.microsoft.com/office/drawing/2016/SVG/main" r:embed="rId6"/>
+                <asvg:svgBlip xmlns:asvg="http://schemas.microsoft.com/office/drawing/2016/SVG/main" r:embed="rId7"/>
               </a:ext>
             </a:extLst>
           </a:blip>
@@ -5369,8 +7412,8 @@
         </p:blipFill>
         <p:spPr>
           <a:xfrm>
-            <a:off x="2051303" y="2356377"/>
-            <a:ext cx="528413" cy="528413"/>
+            <a:off x="3009811" y="4161711"/>
+            <a:ext cx="454633" cy="454633"/>
           </a:xfrm>
           <a:prstGeom prst="rect">
             <a:avLst/>
@@ -5392,13 +7435,13 @@
           <p:nvPr/>
         </p:nvPicPr>
         <p:blipFill>
-          <a:blip r:embed="rId7">
+          <a:blip r:embed="rId8">
             <a:extLst>
               <a:ext uri="{28A0092B-C50C-407E-A947-70E740481C1C}">
                 <a14:useLocalDpi xmlns:a14="http://schemas.microsoft.com/office/drawing/2010/main" val="0"/>
               </a:ext>
               <a:ext uri="{96DAC541-7B7A-43D3-8B79-37D633B846F1}">
-                <asvg:svgBlip xmlns:asvg="http://schemas.microsoft.com/office/drawing/2016/SVG/main" r:embed="rId8"/>
+                <asvg:svgBlip xmlns:asvg="http://schemas.microsoft.com/office/drawing/2016/SVG/main" r:embed="rId9"/>
               </a:ext>
             </a:extLst>
           </a:blip>
@@ -5408,8 +7451,8 @@
         </p:blipFill>
         <p:spPr>
           <a:xfrm>
-            <a:off x="2046504" y="3880130"/>
-            <a:ext cx="528413" cy="528413"/>
+            <a:off x="3024004" y="5072144"/>
+            <a:ext cx="454633" cy="454633"/>
           </a:xfrm>
           <a:prstGeom prst="rect">
             <a:avLst/>
@@ -5431,13 +7474,13 @@
           <p:nvPr/>
         </p:nvPicPr>
         <p:blipFill>
-          <a:blip r:embed="rId9">
+          <a:blip r:embed="rId10">
             <a:extLst>
               <a:ext uri="{28A0092B-C50C-407E-A947-70E740481C1C}">
                 <a14:useLocalDpi xmlns:a14="http://schemas.microsoft.com/office/drawing/2010/main" val="0"/>
               </a:ext>
               <a:ext uri="{96DAC541-7B7A-43D3-8B79-37D633B846F1}">
-                <asvg:svgBlip xmlns:asvg="http://schemas.microsoft.com/office/drawing/2016/SVG/main" r:embed="rId10"/>
+                <asvg:svgBlip xmlns:asvg="http://schemas.microsoft.com/office/drawing/2016/SVG/main" r:embed="rId11"/>
               </a:ext>
             </a:extLst>
           </a:blip>
@@ -5447,8 +7490,8 @@
         </p:blipFill>
         <p:spPr>
           <a:xfrm>
-            <a:off x="2046503" y="5309061"/>
-            <a:ext cx="528414" cy="528414"/>
+            <a:off x="3024004" y="5970730"/>
+            <a:ext cx="454634" cy="454634"/>
           </a:xfrm>
           <a:prstGeom prst="rect">
             <a:avLst/>
@@ -5469,7 +7512,7 @@
         </p:nvSpPr>
         <p:spPr>
           <a:xfrm>
-            <a:off x="3285044" y="5363585"/>
+            <a:off x="3968745" y="6017643"/>
             <a:ext cx="6955750" cy="400110"/>
           </a:xfrm>
           <a:prstGeom prst="rect">
@@ -5587,7 +7630,7 @@
         </p:nvSpPr>
         <p:spPr>
           <a:xfrm>
-            <a:off x="4327797" y="5700332"/>
+            <a:off x="5011498" y="6354390"/>
             <a:ext cx="4870244" cy="369332"/>
           </a:xfrm>
           <a:prstGeom prst="rect">
@@ -5649,9 +7692,1023 @@
           <a:p>
             <a:fld id="{27CE633F-9882-4A5C-83A2-1109D0C73261}" type="slidenum">
               <a:rPr lang="en-US" smtClean="0"/>
-              <a:t>3</a:t>
+              <a:t>4</a:t>
             </a:fld>
             <a:endParaRPr lang="en-US" dirty="0"/>
+          </a:p>
+        </p:txBody>
+      </p:sp>
+      <p:pic>
+        <p:nvPicPr>
+          <p:cNvPr id="11" name="Picture 6" descr="C_Sharp_logo_web - TechCentral.ie">
+            <a:extLst>
+              <a:ext uri="{FF2B5EF4-FFF2-40B4-BE49-F238E27FC236}">
+                <a16:creationId xmlns:a16="http://schemas.microsoft.com/office/drawing/2014/main" id="{CDBF80DA-7CB1-47A1-BF82-A6FD1B9B6A0B}"/>
+              </a:ext>
+            </a:extLst>
+          </p:cNvPr>
+          <p:cNvPicPr>
+            <a:picLocks noChangeAspect="1" noChangeArrowheads="1"/>
+          </p:cNvPicPr>
+          <p:nvPr/>
+        </p:nvPicPr>
+        <p:blipFill rotWithShape="1">
+          <a:blip r:embed="rId12">
+            <a:extLst>
+              <a:ext uri="{28A0092B-C50C-407E-A947-70E740481C1C}">
+                <a14:useLocalDpi xmlns:a14="http://schemas.microsoft.com/office/drawing/2010/main" val="0"/>
+              </a:ext>
+            </a:extLst>
+          </a:blip>
+          <a:srcRect l="24117" r="21251"/>
+          <a:stretch/>
+        </p:blipFill>
+        <p:spPr bwMode="auto">
+          <a:xfrm>
+            <a:off x="1547741" y="1628762"/>
+            <a:ext cx="665076" cy="687233"/>
+          </a:xfrm>
+          <a:prstGeom prst="rect">
+            <a:avLst/>
+          </a:prstGeom>
+          <a:noFill/>
+          <a:extLst>
+            <a:ext uri="{909E8E84-426E-40DD-AFC4-6F175D3DCCD1}">
+              <a14:hiddenFill xmlns:a14="http://schemas.microsoft.com/office/drawing/2010/main">
+                <a:solidFill>
+                  <a:srgbClr val="FFFFFF"/>
+                </a:solidFill>
+              </a14:hiddenFill>
+            </a:ext>
+          </a:extLst>
+        </p:spPr>
+      </p:pic>
+      <p:sp>
+        <p:nvSpPr>
+          <p:cNvPr id="13" name="pole tekstowe 12">
+            <a:extLst>
+              <a:ext uri="{FF2B5EF4-FFF2-40B4-BE49-F238E27FC236}">
+                <a16:creationId xmlns:a16="http://schemas.microsoft.com/office/drawing/2014/main" id="{9AC1A0D5-5C42-4017-80DB-D720B849F5A7}"/>
+              </a:ext>
+            </a:extLst>
+          </p:cNvPr>
+          <p:cNvSpPr txBox="1"/>
+          <p:nvPr/>
+        </p:nvSpPr>
+        <p:spPr>
+          <a:xfrm>
+            <a:off x="2154567" y="1787712"/>
+            <a:ext cx="505267" cy="369332"/>
+          </a:xfrm>
+          <a:prstGeom prst="rect">
+            <a:avLst/>
+          </a:prstGeom>
+          <a:noFill/>
+        </p:spPr>
+        <p:txBody>
+          <a:bodyPr wrap="none" rtlCol="0">
+            <a:spAutoFit/>
+          </a:bodyPr>
+          <a:lstStyle/>
+          <a:p>
+            <a:r>
+              <a:rPr lang="pl-PL" b="1" dirty="0">
+                <a:solidFill>
+                  <a:srgbClr val="9B4F97"/>
+                </a:solidFill>
+              </a:rPr>
+              <a:t>8.0</a:t>
+            </a:r>
+          </a:p>
+        </p:txBody>
+      </p:sp>
+      <p:pic>
+        <p:nvPicPr>
+          <p:cNvPr id="16" name="Obraz 15">
+            <a:extLst>
+              <a:ext uri="{FF2B5EF4-FFF2-40B4-BE49-F238E27FC236}">
+                <a16:creationId xmlns:a16="http://schemas.microsoft.com/office/drawing/2014/main" id="{CB0D37DE-4DE4-4AD6-A99C-1F59553F2BEB}"/>
+              </a:ext>
+            </a:extLst>
+          </p:cNvPr>
+          <p:cNvPicPr>
+            <a:picLocks noChangeAspect="1"/>
+          </p:cNvPicPr>
+          <p:nvPr/>
+        </p:nvPicPr>
+        <p:blipFill>
+          <a:blip r:embed="rId13"/>
+          <a:stretch>
+            <a:fillRect/>
+          </a:stretch>
+        </p:blipFill>
+        <p:spPr>
+          <a:xfrm>
+            <a:off x="2897079" y="1487814"/>
+            <a:ext cx="976759" cy="969128"/>
+          </a:xfrm>
+          <a:prstGeom prst="rect">
+            <a:avLst/>
+          </a:prstGeom>
+        </p:spPr>
+      </p:pic>
+      <p:pic>
+        <p:nvPicPr>
+          <p:cNvPr id="1036" name="Picture 12" descr="Creating a custom ASP.NET Core Output Formatter - CodeOpinion">
+            <a:extLst>
+              <a:ext uri="{FF2B5EF4-FFF2-40B4-BE49-F238E27FC236}">
+                <a16:creationId xmlns:a16="http://schemas.microsoft.com/office/drawing/2014/main" id="{EE6BB55C-CE9B-479E-A99D-5AB989FAF207}"/>
+              </a:ext>
+            </a:extLst>
+          </p:cNvPr>
+          <p:cNvPicPr>
+            <a:picLocks noChangeAspect="1" noChangeArrowheads="1"/>
+          </p:cNvPicPr>
+          <p:nvPr/>
+        </p:nvPicPr>
+        <p:blipFill>
+          <a:blip r:embed="rId14">
+            <a:extLst>
+              <a:ext uri="{28A0092B-C50C-407E-A947-70E740481C1C}">
+                <a14:useLocalDpi xmlns:a14="http://schemas.microsoft.com/office/drawing/2010/main" val="0"/>
+              </a:ext>
+            </a:extLst>
+          </a:blip>
+          <a:srcRect/>
+          <a:stretch>
+            <a:fillRect/>
+          </a:stretch>
+        </p:blipFill>
+        <p:spPr bwMode="auto">
+          <a:xfrm>
+            <a:off x="2924720" y="2638102"/>
+            <a:ext cx="921476" cy="921476"/>
+          </a:xfrm>
+          <a:prstGeom prst="rect">
+            <a:avLst/>
+          </a:prstGeom>
+          <a:noFill/>
+          <a:extLst>
+            <a:ext uri="{909E8E84-426E-40DD-AFC4-6F175D3DCCD1}">
+              <a14:hiddenFill xmlns:a14="http://schemas.microsoft.com/office/drawing/2010/main">
+                <a:solidFill>
+                  <a:srgbClr val="FFFFFF"/>
+                </a:solidFill>
+              </a14:hiddenFill>
+            </a:ext>
+          </a:extLst>
+        </p:spPr>
+      </p:pic>
+      <p:pic>
+        <p:nvPicPr>
+          <p:cNvPr id="1038" name="Picture 14" descr="Domain Driven Design Learning Path | Pluralsight">
+            <a:extLst>
+              <a:ext uri="{FF2B5EF4-FFF2-40B4-BE49-F238E27FC236}">
+                <a16:creationId xmlns:a16="http://schemas.microsoft.com/office/drawing/2014/main" id="{50C2FEEA-46D6-4DC0-8B93-798888002C02}"/>
+              </a:ext>
+            </a:extLst>
+          </p:cNvPr>
+          <p:cNvPicPr>
+            <a:picLocks noChangeAspect="1" noChangeArrowheads="1"/>
+          </p:cNvPicPr>
+          <p:nvPr/>
+        </p:nvPicPr>
+        <p:blipFill>
+          <a:blip r:embed="rId15">
+            <a:extLst>
+              <a:ext uri="{28A0092B-C50C-407E-A947-70E740481C1C}">
+                <a14:useLocalDpi xmlns:a14="http://schemas.microsoft.com/office/drawing/2010/main" val="0"/>
+              </a:ext>
+            </a:extLst>
+          </a:blip>
+          <a:srcRect/>
+          <a:stretch>
+            <a:fillRect/>
+          </a:stretch>
+        </p:blipFill>
+        <p:spPr bwMode="auto">
+          <a:xfrm>
+            <a:off x="957061" y="2225482"/>
+            <a:ext cx="1681294" cy="1681294"/>
+          </a:xfrm>
+          <a:prstGeom prst="rect">
+            <a:avLst/>
+          </a:prstGeom>
+          <a:noFill/>
+          <a:extLst>
+            <a:ext uri="{909E8E84-426E-40DD-AFC4-6F175D3DCCD1}">
+              <a14:hiddenFill xmlns:a14="http://schemas.microsoft.com/office/drawing/2010/main">
+                <a:solidFill>
+                  <a:srgbClr val="FFFFFF"/>
+                </a:solidFill>
+              </a14:hiddenFill>
+            </a:ext>
+          </a:extLst>
+        </p:spPr>
+      </p:pic>
+      <p:pic>
+        <p:nvPicPr>
+          <p:cNvPr id="1040" name="Picture 16" descr="Swagger spec for API v2.1 published to GitHub | DocuSign Blog">
+            <a:extLst>
+              <a:ext uri="{FF2B5EF4-FFF2-40B4-BE49-F238E27FC236}">
+                <a16:creationId xmlns:a16="http://schemas.microsoft.com/office/drawing/2014/main" id="{0EBC90BD-B558-4ADF-BD5B-0A8BCEF0D13C}"/>
+              </a:ext>
+            </a:extLst>
+          </p:cNvPr>
+          <p:cNvPicPr>
+            <a:picLocks noChangeAspect="1" noChangeArrowheads="1"/>
+          </p:cNvPicPr>
+          <p:nvPr/>
+        </p:nvPicPr>
+        <p:blipFill>
+          <a:blip r:embed="rId16">
+            <a:extLst>
+              <a:ext uri="{28A0092B-C50C-407E-A947-70E740481C1C}">
+                <a14:useLocalDpi xmlns:a14="http://schemas.microsoft.com/office/drawing/2010/main" val="0"/>
+              </a:ext>
+            </a:extLst>
+          </a:blip>
+          <a:srcRect/>
+          <a:stretch>
+            <a:fillRect/>
+          </a:stretch>
+        </p:blipFill>
+        <p:spPr bwMode="auto">
+          <a:xfrm>
+            <a:off x="4279940" y="1213001"/>
+            <a:ext cx="1878100" cy="1056431"/>
+          </a:xfrm>
+          <a:prstGeom prst="rect">
+            <a:avLst/>
+          </a:prstGeom>
+          <a:noFill/>
+          <a:extLst>
+            <a:ext uri="{909E8E84-426E-40DD-AFC4-6F175D3DCCD1}">
+              <a14:hiddenFill xmlns:a14="http://schemas.microsoft.com/office/drawing/2010/main">
+                <a:solidFill>
+                  <a:srgbClr val="FFFFFF"/>
+                </a:solidFill>
+              </a14:hiddenFill>
+            </a:ext>
+          </a:extLst>
+        </p:spPr>
+      </p:pic>
+      <p:pic>
+        <p:nvPicPr>
+          <p:cNvPr id="1042" name="Picture 18" descr="Microsoft Azure - Softeris IT Systems">
+            <a:extLst>
+              <a:ext uri="{FF2B5EF4-FFF2-40B4-BE49-F238E27FC236}">
+                <a16:creationId xmlns:a16="http://schemas.microsoft.com/office/drawing/2014/main" id="{C4146444-F6A5-477F-80EC-199D48D56854}"/>
+              </a:ext>
+            </a:extLst>
+          </p:cNvPr>
+          <p:cNvPicPr>
+            <a:picLocks noChangeAspect="1" noChangeArrowheads="1"/>
+          </p:cNvPicPr>
+          <p:nvPr/>
+        </p:nvPicPr>
+        <p:blipFill rotWithShape="1">
+          <a:blip r:embed="rId17">
+            <a:extLst>
+              <a:ext uri="{28A0092B-C50C-407E-A947-70E740481C1C}">
+                <a14:useLocalDpi xmlns:a14="http://schemas.microsoft.com/office/drawing/2010/main" val="0"/>
+              </a:ext>
+            </a:extLst>
+          </a:blip>
+          <a:srcRect l="6418" t="33938" r="3891" b="34314"/>
+          <a:stretch/>
+        </p:blipFill>
+        <p:spPr bwMode="auto">
+          <a:xfrm>
+            <a:off x="4247912" y="2079467"/>
+            <a:ext cx="2051007" cy="408376"/>
+          </a:xfrm>
+          <a:prstGeom prst="rect">
+            <a:avLst/>
+          </a:prstGeom>
+          <a:noFill/>
+          <a:extLst>
+            <a:ext uri="{909E8E84-426E-40DD-AFC4-6F175D3DCCD1}">
+              <a14:hiddenFill xmlns:a14="http://schemas.microsoft.com/office/drawing/2010/main">
+                <a:solidFill>
+                  <a:srgbClr val="FFFFFF"/>
+                </a:solidFill>
+              </a14:hiddenFill>
+            </a:ext>
+          </a:extLst>
+        </p:spPr>
+      </p:pic>
+      <p:sp>
+        <p:nvSpPr>
+          <p:cNvPr id="27" name="Prostokąt 26">
+            <a:extLst>
+              <a:ext uri="{FF2B5EF4-FFF2-40B4-BE49-F238E27FC236}">
+                <a16:creationId xmlns:a16="http://schemas.microsoft.com/office/drawing/2014/main" id="{0413FF3E-E796-4A9F-A5DA-80B0D106B426}"/>
+              </a:ext>
+            </a:extLst>
+          </p:cNvPr>
+          <p:cNvSpPr/>
+          <p:nvPr/>
+        </p:nvSpPr>
+        <p:spPr>
+          <a:xfrm>
+            <a:off x="6654931" y="1059597"/>
+            <a:ext cx="4837986" cy="2593230"/>
+          </a:xfrm>
+          <a:custGeom>
+            <a:avLst/>
+            <a:gdLst>
+              <a:gd name="connsiteX0" fmla="*/ 0 w 4837986"/>
+              <a:gd name="connsiteY0" fmla="*/ 0 h 2593230"/>
+              <a:gd name="connsiteX1" fmla="*/ 546001 w 4837986"/>
+              <a:gd name="connsiteY1" fmla="*/ 0 h 2593230"/>
+              <a:gd name="connsiteX2" fmla="*/ 1140382 w 4837986"/>
+              <a:gd name="connsiteY2" fmla="*/ 0 h 2593230"/>
+              <a:gd name="connsiteX3" fmla="*/ 1928283 w 4837986"/>
+              <a:gd name="connsiteY3" fmla="*/ 0 h 2593230"/>
+              <a:gd name="connsiteX4" fmla="*/ 2522664 w 4837986"/>
+              <a:gd name="connsiteY4" fmla="*/ 0 h 2593230"/>
+              <a:gd name="connsiteX5" fmla="*/ 3117045 w 4837986"/>
+              <a:gd name="connsiteY5" fmla="*/ 0 h 2593230"/>
+              <a:gd name="connsiteX6" fmla="*/ 3711426 w 4837986"/>
+              <a:gd name="connsiteY6" fmla="*/ 0 h 2593230"/>
+              <a:gd name="connsiteX7" fmla="*/ 4837986 w 4837986"/>
+              <a:gd name="connsiteY7" fmla="*/ 0 h 2593230"/>
+              <a:gd name="connsiteX8" fmla="*/ 4837986 w 4837986"/>
+              <a:gd name="connsiteY8" fmla="*/ 570511 h 2593230"/>
+              <a:gd name="connsiteX9" fmla="*/ 4837986 w 4837986"/>
+              <a:gd name="connsiteY9" fmla="*/ 1270683 h 2593230"/>
+              <a:gd name="connsiteX10" fmla="*/ 4837986 w 4837986"/>
+              <a:gd name="connsiteY10" fmla="*/ 1867126 h 2593230"/>
+              <a:gd name="connsiteX11" fmla="*/ 4837986 w 4837986"/>
+              <a:gd name="connsiteY11" fmla="*/ 2593230 h 2593230"/>
+              <a:gd name="connsiteX12" fmla="*/ 4098465 w 4837986"/>
+              <a:gd name="connsiteY12" fmla="*/ 2593230 h 2593230"/>
+              <a:gd name="connsiteX13" fmla="*/ 3310565 w 4837986"/>
+              <a:gd name="connsiteY13" fmla="*/ 2593230 h 2593230"/>
+              <a:gd name="connsiteX14" fmla="*/ 2667804 w 4837986"/>
+              <a:gd name="connsiteY14" fmla="*/ 2593230 h 2593230"/>
+              <a:gd name="connsiteX15" fmla="*/ 1879903 w 4837986"/>
+              <a:gd name="connsiteY15" fmla="*/ 2593230 h 2593230"/>
+              <a:gd name="connsiteX16" fmla="*/ 1188762 w 4837986"/>
+              <a:gd name="connsiteY16" fmla="*/ 2593230 h 2593230"/>
+              <a:gd name="connsiteX17" fmla="*/ 642761 w 4837986"/>
+              <a:gd name="connsiteY17" fmla="*/ 2593230 h 2593230"/>
+              <a:gd name="connsiteX18" fmla="*/ 0 w 4837986"/>
+              <a:gd name="connsiteY18" fmla="*/ 2593230 h 2593230"/>
+              <a:gd name="connsiteX19" fmla="*/ 0 w 4837986"/>
+              <a:gd name="connsiteY19" fmla="*/ 1893058 h 2593230"/>
+              <a:gd name="connsiteX20" fmla="*/ 0 w 4837986"/>
+              <a:gd name="connsiteY20" fmla="*/ 1322547 h 2593230"/>
+              <a:gd name="connsiteX21" fmla="*/ 0 w 4837986"/>
+              <a:gd name="connsiteY21" fmla="*/ 674240 h 2593230"/>
+              <a:gd name="connsiteX22" fmla="*/ 0 w 4837986"/>
+              <a:gd name="connsiteY22" fmla="*/ 0 h 2593230"/>
+            </a:gdLst>
+            <a:ahLst/>
+            <a:cxnLst>
+              <a:cxn ang="0">
+                <a:pos x="connsiteX0" y="connsiteY0"/>
+              </a:cxn>
+              <a:cxn ang="0">
+                <a:pos x="connsiteX1" y="connsiteY1"/>
+              </a:cxn>
+              <a:cxn ang="0">
+                <a:pos x="connsiteX2" y="connsiteY2"/>
+              </a:cxn>
+              <a:cxn ang="0">
+                <a:pos x="connsiteX3" y="connsiteY3"/>
+              </a:cxn>
+              <a:cxn ang="0">
+                <a:pos x="connsiteX4" y="connsiteY4"/>
+              </a:cxn>
+              <a:cxn ang="0">
+                <a:pos x="connsiteX5" y="connsiteY5"/>
+              </a:cxn>
+              <a:cxn ang="0">
+                <a:pos x="connsiteX6" y="connsiteY6"/>
+              </a:cxn>
+              <a:cxn ang="0">
+                <a:pos x="connsiteX7" y="connsiteY7"/>
+              </a:cxn>
+              <a:cxn ang="0">
+                <a:pos x="connsiteX8" y="connsiteY8"/>
+              </a:cxn>
+              <a:cxn ang="0">
+                <a:pos x="connsiteX9" y="connsiteY9"/>
+              </a:cxn>
+              <a:cxn ang="0">
+                <a:pos x="connsiteX10" y="connsiteY10"/>
+              </a:cxn>
+              <a:cxn ang="0">
+                <a:pos x="connsiteX11" y="connsiteY11"/>
+              </a:cxn>
+              <a:cxn ang="0">
+                <a:pos x="connsiteX12" y="connsiteY12"/>
+              </a:cxn>
+              <a:cxn ang="0">
+                <a:pos x="connsiteX13" y="connsiteY13"/>
+              </a:cxn>
+              <a:cxn ang="0">
+                <a:pos x="connsiteX14" y="connsiteY14"/>
+              </a:cxn>
+              <a:cxn ang="0">
+                <a:pos x="connsiteX15" y="connsiteY15"/>
+              </a:cxn>
+              <a:cxn ang="0">
+                <a:pos x="connsiteX16" y="connsiteY16"/>
+              </a:cxn>
+              <a:cxn ang="0">
+                <a:pos x="connsiteX17" y="connsiteY17"/>
+              </a:cxn>
+              <a:cxn ang="0">
+                <a:pos x="connsiteX18" y="connsiteY18"/>
+              </a:cxn>
+              <a:cxn ang="0">
+                <a:pos x="connsiteX19" y="connsiteY19"/>
+              </a:cxn>
+              <a:cxn ang="0">
+                <a:pos x="connsiteX20" y="connsiteY20"/>
+              </a:cxn>
+              <a:cxn ang="0">
+                <a:pos x="connsiteX21" y="connsiteY21"/>
+              </a:cxn>
+              <a:cxn ang="0">
+                <a:pos x="connsiteX22" y="connsiteY22"/>
+              </a:cxn>
+            </a:cxnLst>
+            <a:rect l="l" t="t" r="r" b="b"/>
+            <a:pathLst>
+              <a:path w="4837986" h="2593230" fill="none" extrusionOk="0">
+                <a:moveTo>
+                  <a:pt x="0" y="0"/>
+                </a:moveTo>
+                <a:cubicBezTo>
+                  <a:pt x="264433" y="6798"/>
+                  <a:pt x="382363" y="25981"/>
+                  <a:pt x="546001" y="0"/>
+                </a:cubicBezTo>
+                <a:cubicBezTo>
+                  <a:pt x="709639" y="-25981"/>
+                  <a:pt x="910249" y="-18646"/>
+                  <a:pt x="1140382" y="0"/>
+                </a:cubicBezTo>
+                <a:cubicBezTo>
+                  <a:pt x="1370515" y="18646"/>
+                  <a:pt x="1676615" y="11506"/>
+                  <a:pt x="1928283" y="0"/>
+                </a:cubicBezTo>
+                <a:cubicBezTo>
+                  <a:pt x="2179951" y="-11506"/>
+                  <a:pt x="2260797" y="159"/>
+                  <a:pt x="2522664" y="0"/>
+                </a:cubicBezTo>
+                <a:cubicBezTo>
+                  <a:pt x="2784531" y="-159"/>
+                  <a:pt x="2825351" y="7220"/>
+                  <a:pt x="3117045" y="0"/>
+                </a:cubicBezTo>
+                <a:cubicBezTo>
+                  <a:pt x="3408739" y="-7220"/>
+                  <a:pt x="3578077" y="26604"/>
+                  <a:pt x="3711426" y="0"/>
+                </a:cubicBezTo>
+                <a:cubicBezTo>
+                  <a:pt x="3844775" y="-26604"/>
+                  <a:pt x="4583826" y="-39860"/>
+                  <a:pt x="4837986" y="0"/>
+                </a:cubicBezTo>
+                <a:cubicBezTo>
+                  <a:pt x="4864740" y="137685"/>
+                  <a:pt x="4839310" y="339432"/>
+                  <a:pt x="4837986" y="570511"/>
+                </a:cubicBezTo>
+                <a:cubicBezTo>
+                  <a:pt x="4836662" y="801590"/>
+                  <a:pt x="4867607" y="1067228"/>
+                  <a:pt x="4837986" y="1270683"/>
+                </a:cubicBezTo>
+                <a:cubicBezTo>
+                  <a:pt x="4808365" y="1474138"/>
+                  <a:pt x="4817633" y="1610725"/>
+                  <a:pt x="4837986" y="1867126"/>
+                </a:cubicBezTo>
+                <a:cubicBezTo>
+                  <a:pt x="4858339" y="2123527"/>
+                  <a:pt x="4850634" y="2245467"/>
+                  <a:pt x="4837986" y="2593230"/>
+                </a:cubicBezTo>
+                <a:cubicBezTo>
+                  <a:pt x="4568713" y="2605654"/>
+                  <a:pt x="4381764" y="2612674"/>
+                  <a:pt x="4098465" y="2593230"/>
+                </a:cubicBezTo>
+                <a:cubicBezTo>
+                  <a:pt x="3815166" y="2573786"/>
+                  <a:pt x="3641682" y="2618718"/>
+                  <a:pt x="3310565" y="2593230"/>
+                </a:cubicBezTo>
+                <a:cubicBezTo>
+                  <a:pt x="2979448" y="2567742"/>
+                  <a:pt x="2907629" y="2575178"/>
+                  <a:pt x="2667804" y="2593230"/>
+                </a:cubicBezTo>
+                <a:cubicBezTo>
+                  <a:pt x="2427979" y="2611282"/>
+                  <a:pt x="2162651" y="2615170"/>
+                  <a:pt x="1879903" y="2593230"/>
+                </a:cubicBezTo>
+                <a:cubicBezTo>
+                  <a:pt x="1597155" y="2571290"/>
+                  <a:pt x="1331113" y="2626783"/>
+                  <a:pt x="1188762" y="2593230"/>
+                </a:cubicBezTo>
+                <a:cubicBezTo>
+                  <a:pt x="1046411" y="2559677"/>
+                  <a:pt x="778332" y="2575040"/>
+                  <a:pt x="642761" y="2593230"/>
+                </a:cubicBezTo>
+                <a:cubicBezTo>
+                  <a:pt x="507190" y="2611420"/>
+                  <a:pt x="311188" y="2609165"/>
+                  <a:pt x="0" y="2593230"/>
+                </a:cubicBezTo>
+                <a:cubicBezTo>
+                  <a:pt x="-34946" y="2316779"/>
+                  <a:pt x="-18468" y="2173613"/>
+                  <a:pt x="0" y="1893058"/>
+                </a:cubicBezTo>
+                <a:cubicBezTo>
+                  <a:pt x="18468" y="1612503"/>
+                  <a:pt x="5406" y="1513113"/>
+                  <a:pt x="0" y="1322547"/>
+                </a:cubicBezTo>
+                <a:cubicBezTo>
+                  <a:pt x="-5406" y="1131981"/>
+                  <a:pt x="-26778" y="901341"/>
+                  <a:pt x="0" y="674240"/>
+                </a:cubicBezTo>
+                <a:cubicBezTo>
+                  <a:pt x="26778" y="447139"/>
+                  <a:pt x="-23783" y="194721"/>
+                  <a:pt x="0" y="0"/>
+                </a:cubicBezTo>
+                <a:close/>
+              </a:path>
+              <a:path w="4837986" h="2593230" stroke="0" extrusionOk="0">
+                <a:moveTo>
+                  <a:pt x="0" y="0"/>
+                </a:moveTo>
+                <a:cubicBezTo>
+                  <a:pt x="275719" y="2507"/>
+                  <a:pt x="470795" y="6660"/>
+                  <a:pt x="594381" y="0"/>
+                </a:cubicBezTo>
+                <a:cubicBezTo>
+                  <a:pt x="717967" y="-6660"/>
+                  <a:pt x="1023045" y="-2442"/>
+                  <a:pt x="1188762" y="0"/>
+                </a:cubicBezTo>
+                <a:cubicBezTo>
+                  <a:pt x="1354479" y="2442"/>
+                  <a:pt x="1535268" y="539"/>
+                  <a:pt x="1831523" y="0"/>
+                </a:cubicBezTo>
+                <a:cubicBezTo>
+                  <a:pt x="2127778" y="-539"/>
+                  <a:pt x="2247352" y="-30841"/>
+                  <a:pt x="2571044" y="0"/>
+                </a:cubicBezTo>
+                <a:cubicBezTo>
+                  <a:pt x="2894736" y="30841"/>
+                  <a:pt x="2845835" y="20018"/>
+                  <a:pt x="3117045" y="0"/>
+                </a:cubicBezTo>
+                <a:cubicBezTo>
+                  <a:pt x="3388255" y="-20018"/>
+                  <a:pt x="3416947" y="12068"/>
+                  <a:pt x="3711426" y="0"/>
+                </a:cubicBezTo>
+                <a:cubicBezTo>
+                  <a:pt x="4005905" y="-12068"/>
+                  <a:pt x="4314178" y="50769"/>
+                  <a:pt x="4837986" y="0"/>
+                </a:cubicBezTo>
+                <a:cubicBezTo>
+                  <a:pt x="4830520" y="139252"/>
+                  <a:pt x="4836669" y="352196"/>
+                  <a:pt x="4837986" y="596443"/>
+                </a:cubicBezTo>
+                <a:cubicBezTo>
+                  <a:pt x="4839303" y="840690"/>
+                  <a:pt x="4826249" y="1053275"/>
+                  <a:pt x="4837986" y="1192886"/>
+                </a:cubicBezTo>
+                <a:cubicBezTo>
+                  <a:pt x="4849723" y="1332497"/>
+                  <a:pt x="4810262" y="1519704"/>
+                  <a:pt x="4837986" y="1763396"/>
+                </a:cubicBezTo>
+                <a:cubicBezTo>
+                  <a:pt x="4865711" y="2007088"/>
+                  <a:pt x="4847579" y="2183618"/>
+                  <a:pt x="4837986" y="2593230"/>
+                </a:cubicBezTo>
+                <a:cubicBezTo>
+                  <a:pt x="4579506" y="2562139"/>
+                  <a:pt x="4392143" y="2568485"/>
+                  <a:pt x="4098465" y="2593230"/>
+                </a:cubicBezTo>
+                <a:cubicBezTo>
+                  <a:pt x="3804787" y="2617975"/>
+                  <a:pt x="3555488" y="2607052"/>
+                  <a:pt x="3310565" y="2593230"/>
+                </a:cubicBezTo>
+                <a:cubicBezTo>
+                  <a:pt x="3065642" y="2579408"/>
+                  <a:pt x="2948530" y="2601455"/>
+                  <a:pt x="2764563" y="2593230"/>
+                </a:cubicBezTo>
+                <a:cubicBezTo>
+                  <a:pt x="2580596" y="2585005"/>
+                  <a:pt x="2393553" y="2570887"/>
+                  <a:pt x="2025043" y="2593230"/>
+                </a:cubicBezTo>
+                <a:cubicBezTo>
+                  <a:pt x="1656533" y="2615573"/>
+                  <a:pt x="1519745" y="2567319"/>
+                  <a:pt x="1333902" y="2593230"/>
+                </a:cubicBezTo>
+                <a:cubicBezTo>
+                  <a:pt x="1148059" y="2619141"/>
+                  <a:pt x="1013220" y="2600375"/>
+                  <a:pt x="787901" y="2593230"/>
+                </a:cubicBezTo>
+                <a:cubicBezTo>
+                  <a:pt x="562582" y="2586085"/>
+                  <a:pt x="202638" y="2594869"/>
+                  <a:pt x="0" y="2593230"/>
+                </a:cubicBezTo>
+                <a:cubicBezTo>
+                  <a:pt x="-26897" y="2384000"/>
+                  <a:pt x="-10393" y="2172495"/>
+                  <a:pt x="0" y="1918990"/>
+                </a:cubicBezTo>
+                <a:cubicBezTo>
+                  <a:pt x="10393" y="1665485"/>
+                  <a:pt x="-29039" y="1513121"/>
+                  <a:pt x="0" y="1296615"/>
+                </a:cubicBezTo>
+                <a:cubicBezTo>
+                  <a:pt x="29039" y="1080109"/>
+                  <a:pt x="101" y="868080"/>
+                  <a:pt x="0" y="648308"/>
+                </a:cubicBezTo>
+                <a:cubicBezTo>
+                  <a:pt x="-101" y="428536"/>
+                  <a:pt x="-16181" y="275469"/>
+                  <a:pt x="0" y="0"/>
+                </a:cubicBezTo>
+                <a:close/>
+              </a:path>
+            </a:pathLst>
+          </a:custGeom>
+          <a:ln w="28575">
+            <a:extLst>
+              <a:ext uri="{C807C97D-BFC1-408E-A445-0C87EB9F89A2}">
+                <ask:lineSketchStyleProps xmlns:ask="http://schemas.microsoft.com/office/drawing/2018/sketchyshapes" sd="3788185039">
+                  <a:prstGeom prst="rect">
+                    <a:avLst/>
+                  </a:prstGeom>
+                  <ask:type>
+                    <ask:lineSketchFreehand/>
+                  </ask:type>
+                </ask:lineSketchStyleProps>
+              </a:ext>
+            </a:extLst>
+          </a:ln>
+        </p:spPr>
+        <p:style>
+          <a:lnRef idx="2">
+            <a:schemeClr val="accent6"/>
+          </a:lnRef>
+          <a:fillRef idx="1">
+            <a:schemeClr val="lt1"/>
+          </a:fillRef>
+          <a:effectRef idx="0">
+            <a:schemeClr val="accent6"/>
+          </a:effectRef>
+          <a:fontRef idx="minor">
+            <a:schemeClr val="dk1"/>
+          </a:fontRef>
+        </p:style>
+        <p:txBody>
+          <a:bodyPr rtlCol="0" anchor="ctr"/>
+          <a:lstStyle/>
+          <a:p>
+            <a:pPr algn="ctr"/>
+            <a:endParaRPr lang="pl-PL"/>
+          </a:p>
+        </p:txBody>
+      </p:sp>
+      <p:pic>
+        <p:nvPicPr>
+          <p:cNvPr id="1044" name="Picture 20" descr="Logos and Branding">
+            <a:extLst>
+              <a:ext uri="{FF2B5EF4-FFF2-40B4-BE49-F238E27FC236}">
+                <a16:creationId xmlns:a16="http://schemas.microsoft.com/office/drawing/2014/main" id="{7EF49974-B59B-4EA2-A118-ADFB84987057}"/>
+              </a:ext>
+            </a:extLst>
+          </p:cNvPr>
+          <p:cNvPicPr>
+            <a:picLocks noChangeAspect="1" noChangeArrowheads="1"/>
+          </p:cNvPicPr>
+          <p:nvPr/>
+        </p:nvPicPr>
+        <p:blipFill>
+          <a:blip r:embed="rId18">
+            <a:extLst>
+              <a:ext uri="{28A0092B-C50C-407E-A947-70E740481C1C}">
+                <a14:useLocalDpi xmlns:a14="http://schemas.microsoft.com/office/drawing/2010/main" val="0"/>
+              </a:ext>
+            </a:extLst>
+          </a:blip>
+          <a:srcRect/>
+          <a:stretch>
+            <a:fillRect/>
+          </a:stretch>
+        </p:blipFill>
+        <p:spPr bwMode="auto">
+          <a:xfrm>
+            <a:off x="4107032" y="2448099"/>
+            <a:ext cx="2051008" cy="710585"/>
+          </a:xfrm>
+          <a:prstGeom prst="rect">
+            <a:avLst/>
+          </a:prstGeom>
+          <a:noFill/>
+          <a:extLst>
+            <a:ext uri="{909E8E84-426E-40DD-AFC4-6F175D3DCCD1}">
+              <a14:hiddenFill xmlns:a14="http://schemas.microsoft.com/office/drawing/2010/main">
+                <a:solidFill>
+                  <a:srgbClr val="FFFFFF"/>
+                </a:solidFill>
+              </a14:hiddenFill>
+            </a:ext>
+          </a:extLst>
+        </p:spPr>
+      </p:pic>
+      <p:pic>
+        <p:nvPicPr>
+          <p:cNvPr id="19" name="Obraz 18">
+            <a:extLst>
+              <a:ext uri="{FF2B5EF4-FFF2-40B4-BE49-F238E27FC236}">
+                <a16:creationId xmlns:a16="http://schemas.microsoft.com/office/drawing/2014/main" id="{918E5CA5-DC77-405E-BF75-83FBE3717E6F}"/>
+              </a:ext>
+            </a:extLst>
+          </p:cNvPr>
+          <p:cNvPicPr>
+            <a:picLocks noChangeAspect="1"/>
+          </p:cNvPicPr>
+          <p:nvPr/>
+        </p:nvPicPr>
+        <p:blipFill>
+          <a:blip r:embed="rId19"/>
+          <a:stretch>
+            <a:fillRect/>
+          </a:stretch>
+        </p:blipFill>
+        <p:spPr>
+          <a:xfrm>
+            <a:off x="4207483" y="3100906"/>
+            <a:ext cx="1275182" cy="459217"/>
+          </a:xfrm>
+          <a:prstGeom prst="rect">
+            <a:avLst/>
+          </a:prstGeom>
+        </p:spPr>
+      </p:pic>
+      <p:pic>
+        <p:nvPicPr>
+          <p:cNvPr id="20" name="Obraz 19">
+            <a:extLst>
+              <a:ext uri="{FF2B5EF4-FFF2-40B4-BE49-F238E27FC236}">
+                <a16:creationId xmlns:a16="http://schemas.microsoft.com/office/drawing/2014/main" id="{2495D1B2-3D97-4F5F-A6AA-35C7CE77DA1D}"/>
+              </a:ext>
+            </a:extLst>
+          </p:cNvPr>
+          <p:cNvPicPr>
+            <a:picLocks noChangeAspect="1"/>
+          </p:cNvPicPr>
+          <p:nvPr/>
+        </p:nvPicPr>
+        <p:blipFill>
+          <a:blip r:embed="rId20"/>
+          <a:stretch>
+            <a:fillRect/>
+          </a:stretch>
+        </p:blipFill>
+        <p:spPr>
+          <a:xfrm>
+            <a:off x="6749573" y="1535325"/>
+            <a:ext cx="1670815" cy="1699789"/>
+          </a:xfrm>
+          <a:prstGeom prst="rect">
+            <a:avLst/>
+          </a:prstGeom>
+        </p:spPr>
+      </p:pic>
+      <p:pic>
+        <p:nvPicPr>
+          <p:cNvPr id="21" name="Obraz 20">
+            <a:extLst>
+              <a:ext uri="{FF2B5EF4-FFF2-40B4-BE49-F238E27FC236}">
+                <a16:creationId xmlns:a16="http://schemas.microsoft.com/office/drawing/2014/main" id="{44047C8C-4976-417F-A9CC-46681787F469}"/>
+              </a:ext>
+            </a:extLst>
+          </p:cNvPr>
+          <p:cNvPicPr>
+            <a:picLocks noChangeAspect="1"/>
+          </p:cNvPicPr>
+          <p:nvPr/>
+        </p:nvPicPr>
+        <p:blipFill>
+          <a:blip r:embed="rId21"/>
+          <a:stretch>
+            <a:fillRect/>
+          </a:stretch>
+        </p:blipFill>
+        <p:spPr>
+          <a:xfrm>
+            <a:off x="8690279" y="1535258"/>
+            <a:ext cx="2405525" cy="948814"/>
+          </a:xfrm>
+          <a:prstGeom prst="rect">
+            <a:avLst/>
+          </a:prstGeom>
+        </p:spPr>
+      </p:pic>
+      <p:pic>
+        <p:nvPicPr>
+          <p:cNvPr id="1050" name="Picture 26" descr="RestSharp Tutorial">
+            <a:extLst>
+              <a:ext uri="{FF2B5EF4-FFF2-40B4-BE49-F238E27FC236}">
+                <a16:creationId xmlns:a16="http://schemas.microsoft.com/office/drawing/2014/main" id="{CB75049C-C488-465E-A2F8-1D404F188802}"/>
+              </a:ext>
+            </a:extLst>
+          </p:cNvPr>
+          <p:cNvPicPr>
+            <a:picLocks noChangeAspect="1" noChangeArrowheads="1"/>
+          </p:cNvPicPr>
+          <p:nvPr/>
+        </p:nvPicPr>
+        <p:blipFill>
+          <a:blip r:embed="rId22">
+            <a:extLst>
+              <a:ext uri="{28A0092B-C50C-407E-A947-70E740481C1C}">
+                <a14:useLocalDpi xmlns:a14="http://schemas.microsoft.com/office/drawing/2010/main" val="0"/>
+              </a:ext>
+            </a:extLst>
+          </a:blip>
+          <a:srcRect/>
+          <a:stretch>
+            <a:fillRect/>
+          </a:stretch>
+        </p:blipFill>
+        <p:spPr bwMode="auto">
+          <a:xfrm>
+            <a:off x="8690279" y="2619244"/>
+            <a:ext cx="2405525" cy="626167"/>
+          </a:xfrm>
+          <a:prstGeom prst="rect">
+            <a:avLst/>
+          </a:prstGeom>
+          <a:noFill/>
+          <a:extLst>
+            <a:ext uri="{909E8E84-426E-40DD-AFC4-6F175D3DCCD1}">
+              <a14:hiddenFill xmlns:a14="http://schemas.microsoft.com/office/drawing/2010/main">
+                <a:solidFill>
+                  <a:srgbClr val="FFFFFF"/>
+                </a:solidFill>
+              </a14:hiddenFill>
+            </a:ext>
+          </a:extLst>
+        </p:spPr>
+      </p:pic>
+      <p:sp>
+        <p:nvSpPr>
+          <p:cNvPr id="23" name="pole tekstowe 22">
+            <a:extLst>
+              <a:ext uri="{FF2B5EF4-FFF2-40B4-BE49-F238E27FC236}">
+                <a16:creationId xmlns:a16="http://schemas.microsoft.com/office/drawing/2014/main" id="{C00DD6B7-F0A4-4C12-85F7-A5C5D926060C}"/>
+              </a:ext>
+            </a:extLst>
+          </p:cNvPr>
+          <p:cNvSpPr txBox="1"/>
+          <p:nvPr/>
+        </p:nvSpPr>
+        <p:spPr>
+          <a:xfrm>
+            <a:off x="1199094" y="1059598"/>
+            <a:ext cx="1172116" cy="369332"/>
+          </a:xfrm>
+          <a:prstGeom prst="rect">
+            <a:avLst/>
+          </a:prstGeom>
+          <a:noFill/>
+        </p:spPr>
+        <p:txBody>
+          <a:bodyPr wrap="none" rtlCol="0">
+            <a:spAutoFit/>
+          </a:bodyPr>
+          <a:lstStyle/>
+          <a:p>
+            <a:r>
+              <a:rPr lang="pl-PL" dirty="0" err="1"/>
+              <a:t>Backend</a:t>
+            </a:r>
+            <a:r>
+              <a:rPr lang="pl-PL" dirty="0"/>
+              <a:t>:</a:t>
+            </a:r>
+          </a:p>
+        </p:txBody>
+      </p:sp>
+      <p:sp>
+        <p:nvSpPr>
+          <p:cNvPr id="24" name="pole tekstowe 23">
+            <a:extLst>
+              <a:ext uri="{FF2B5EF4-FFF2-40B4-BE49-F238E27FC236}">
+                <a16:creationId xmlns:a16="http://schemas.microsoft.com/office/drawing/2014/main" id="{C54D4A94-6752-4EA0-9C21-6EB011F2F95F}"/>
+              </a:ext>
+            </a:extLst>
+          </p:cNvPr>
+          <p:cNvSpPr txBox="1"/>
+          <p:nvPr/>
+        </p:nvSpPr>
+        <p:spPr>
+          <a:xfrm>
+            <a:off x="6682022" y="1107526"/>
+            <a:ext cx="1236236" cy="369332"/>
+          </a:xfrm>
+          <a:prstGeom prst="rect">
+            <a:avLst/>
+          </a:prstGeom>
+          <a:noFill/>
+        </p:spPr>
+        <p:txBody>
+          <a:bodyPr wrap="none" rtlCol="0">
+            <a:spAutoFit/>
+          </a:bodyPr>
+          <a:lstStyle/>
+          <a:p>
+            <a:r>
+              <a:rPr lang="pl-PL" u="sng" dirty="0" err="1"/>
+              <a:t>Frontend</a:t>
+            </a:r>
+            <a:r>
+              <a:rPr lang="pl-PL" u="sng" dirty="0"/>
+              <a:t>:</a:t>
+            </a:r>
+          </a:p>
+        </p:txBody>
+      </p:sp>
+      <p:sp>
+        <p:nvSpPr>
+          <p:cNvPr id="41" name="pole tekstowe 40">
+            <a:extLst>
+              <a:ext uri="{FF2B5EF4-FFF2-40B4-BE49-F238E27FC236}">
+                <a16:creationId xmlns:a16="http://schemas.microsoft.com/office/drawing/2014/main" id="{1FDE37B5-6ACB-452C-8DDC-C3F423333EBE}"/>
+              </a:ext>
+            </a:extLst>
+          </p:cNvPr>
+          <p:cNvSpPr txBox="1"/>
+          <p:nvPr/>
+        </p:nvSpPr>
+        <p:spPr>
+          <a:xfrm>
+            <a:off x="1274098" y="3850281"/>
+            <a:ext cx="1877437" cy="369332"/>
+          </a:xfrm>
+          <a:prstGeom prst="rect">
+            <a:avLst/>
+          </a:prstGeom>
+          <a:noFill/>
+        </p:spPr>
+        <p:txBody>
+          <a:bodyPr wrap="none" rtlCol="0">
+            <a:spAutoFit/>
+          </a:bodyPr>
+          <a:lstStyle/>
+          <a:p>
+            <a:r>
+              <a:rPr lang="pl-PL" dirty="0" err="1"/>
+              <a:t>Backend</a:t>
+            </a:r>
+            <a:r>
+              <a:rPr lang="pl-PL" dirty="0"/>
+              <a:t> - bazy:</a:t>
+            </a:r>
           </a:p>
         </p:txBody>
       </p:sp>
@@ -5665,10 +8722,780 @@
   <p:clrMapOvr>
     <a:masterClrMapping/>
   </p:clrMapOvr>
+  <p:timing>
+    <p:tnLst>
+      <p:par>
+        <p:cTn id="1" dur="indefinite" restart="never" nodeType="tmRoot">
+          <p:childTnLst>
+            <p:seq concurrent="1" nextAc="seek">
+              <p:cTn id="2" dur="indefinite" nodeType="mainSeq">
+                <p:childTnLst>
+                  <p:par>
+                    <p:cTn id="3" fill="hold">
+                      <p:stCondLst>
+                        <p:cond delay="indefinite"/>
+                      </p:stCondLst>
+                      <p:childTnLst>
+                        <p:par>
+                          <p:cTn id="4" fill="hold">
+                            <p:stCondLst>
+                              <p:cond delay="0"/>
+                            </p:stCondLst>
+                            <p:childTnLst>
+                              <p:par>
+                                <p:cTn id="5" presetID="1" presetClass="entr" presetSubtype="0" fill="hold" grpId="0" nodeType="clickEffect">
+                                  <p:stCondLst>
+                                    <p:cond delay="0"/>
+                                  </p:stCondLst>
+                                  <p:childTnLst>
+                                    <p:set>
+                                      <p:cBhvr>
+                                        <p:cTn id="6" dur="1" fill="hold">
+                                          <p:stCondLst>
+                                            <p:cond delay="0"/>
+                                          </p:stCondLst>
+                                        </p:cTn>
+                                        <p:tgtEl>
+                                          <p:spTgt spid="29"/>
+                                        </p:tgtEl>
+                                        <p:attrNameLst>
+                                          <p:attrName>style.visibility</p:attrName>
+                                        </p:attrNameLst>
+                                      </p:cBhvr>
+                                      <p:to>
+                                        <p:strVal val="visible"/>
+                                      </p:to>
+                                    </p:set>
+                                  </p:childTnLst>
+                                </p:cTn>
+                              </p:par>
+                              <p:par>
+                                <p:cTn id="7" presetID="1" presetClass="entr" presetSubtype="0" fill="hold" nodeType="withEffect">
+                                  <p:stCondLst>
+                                    <p:cond delay="0"/>
+                                  </p:stCondLst>
+                                  <p:childTnLst>
+                                    <p:set>
+                                      <p:cBhvr>
+                                        <p:cTn id="8" dur="1" fill="hold">
+                                          <p:stCondLst>
+                                            <p:cond delay="0"/>
+                                          </p:stCondLst>
+                                        </p:cTn>
+                                        <p:tgtEl>
+                                          <p:spTgt spid="11"/>
+                                        </p:tgtEl>
+                                        <p:attrNameLst>
+                                          <p:attrName>style.visibility</p:attrName>
+                                        </p:attrNameLst>
+                                      </p:cBhvr>
+                                      <p:to>
+                                        <p:strVal val="visible"/>
+                                      </p:to>
+                                    </p:set>
+                                  </p:childTnLst>
+                                </p:cTn>
+                              </p:par>
+                              <p:par>
+                                <p:cTn id="9" presetID="1" presetClass="entr" presetSubtype="0" fill="hold" grpId="0" nodeType="withEffect">
+                                  <p:stCondLst>
+                                    <p:cond delay="0"/>
+                                  </p:stCondLst>
+                                  <p:childTnLst>
+                                    <p:set>
+                                      <p:cBhvr>
+                                        <p:cTn id="10" dur="1" fill="hold">
+                                          <p:stCondLst>
+                                            <p:cond delay="0"/>
+                                          </p:stCondLst>
+                                        </p:cTn>
+                                        <p:tgtEl>
+                                          <p:spTgt spid="13"/>
+                                        </p:tgtEl>
+                                        <p:attrNameLst>
+                                          <p:attrName>style.visibility</p:attrName>
+                                        </p:attrNameLst>
+                                      </p:cBhvr>
+                                      <p:to>
+                                        <p:strVal val="visible"/>
+                                      </p:to>
+                                    </p:set>
+                                  </p:childTnLst>
+                                </p:cTn>
+                              </p:par>
+                              <p:par>
+                                <p:cTn id="11" presetID="1" presetClass="entr" presetSubtype="0" fill="hold" nodeType="withEffect">
+                                  <p:stCondLst>
+                                    <p:cond delay="0"/>
+                                  </p:stCondLst>
+                                  <p:childTnLst>
+                                    <p:set>
+                                      <p:cBhvr>
+                                        <p:cTn id="12" dur="1" fill="hold">
+                                          <p:stCondLst>
+                                            <p:cond delay="0"/>
+                                          </p:stCondLst>
+                                        </p:cTn>
+                                        <p:tgtEl>
+                                          <p:spTgt spid="16"/>
+                                        </p:tgtEl>
+                                        <p:attrNameLst>
+                                          <p:attrName>style.visibility</p:attrName>
+                                        </p:attrNameLst>
+                                      </p:cBhvr>
+                                      <p:to>
+                                        <p:strVal val="visible"/>
+                                      </p:to>
+                                    </p:set>
+                                  </p:childTnLst>
+                                </p:cTn>
+                              </p:par>
+                              <p:par>
+                                <p:cTn id="13" presetID="1" presetClass="entr" presetSubtype="0" fill="hold" nodeType="withEffect">
+                                  <p:stCondLst>
+                                    <p:cond delay="0"/>
+                                  </p:stCondLst>
+                                  <p:childTnLst>
+                                    <p:set>
+                                      <p:cBhvr>
+                                        <p:cTn id="14" dur="1" fill="hold">
+                                          <p:stCondLst>
+                                            <p:cond delay="0"/>
+                                          </p:stCondLst>
+                                        </p:cTn>
+                                        <p:tgtEl>
+                                          <p:spTgt spid="1036"/>
+                                        </p:tgtEl>
+                                        <p:attrNameLst>
+                                          <p:attrName>style.visibility</p:attrName>
+                                        </p:attrNameLst>
+                                      </p:cBhvr>
+                                      <p:to>
+                                        <p:strVal val="visible"/>
+                                      </p:to>
+                                    </p:set>
+                                  </p:childTnLst>
+                                </p:cTn>
+                              </p:par>
+                              <p:par>
+                                <p:cTn id="15" presetID="1" presetClass="entr" presetSubtype="0" fill="hold" nodeType="withEffect">
+                                  <p:stCondLst>
+                                    <p:cond delay="0"/>
+                                  </p:stCondLst>
+                                  <p:childTnLst>
+                                    <p:set>
+                                      <p:cBhvr>
+                                        <p:cTn id="16" dur="1" fill="hold">
+                                          <p:stCondLst>
+                                            <p:cond delay="0"/>
+                                          </p:stCondLst>
+                                        </p:cTn>
+                                        <p:tgtEl>
+                                          <p:spTgt spid="1038"/>
+                                        </p:tgtEl>
+                                        <p:attrNameLst>
+                                          <p:attrName>style.visibility</p:attrName>
+                                        </p:attrNameLst>
+                                      </p:cBhvr>
+                                      <p:to>
+                                        <p:strVal val="visible"/>
+                                      </p:to>
+                                    </p:set>
+                                  </p:childTnLst>
+                                </p:cTn>
+                              </p:par>
+                              <p:par>
+                                <p:cTn id="17" presetID="1" presetClass="entr" presetSubtype="0" fill="hold" nodeType="withEffect">
+                                  <p:stCondLst>
+                                    <p:cond delay="0"/>
+                                  </p:stCondLst>
+                                  <p:childTnLst>
+                                    <p:set>
+                                      <p:cBhvr>
+                                        <p:cTn id="18" dur="1" fill="hold">
+                                          <p:stCondLst>
+                                            <p:cond delay="0"/>
+                                          </p:stCondLst>
+                                        </p:cTn>
+                                        <p:tgtEl>
+                                          <p:spTgt spid="1040"/>
+                                        </p:tgtEl>
+                                        <p:attrNameLst>
+                                          <p:attrName>style.visibility</p:attrName>
+                                        </p:attrNameLst>
+                                      </p:cBhvr>
+                                      <p:to>
+                                        <p:strVal val="visible"/>
+                                      </p:to>
+                                    </p:set>
+                                  </p:childTnLst>
+                                </p:cTn>
+                              </p:par>
+                              <p:par>
+                                <p:cTn id="19" presetID="1" presetClass="entr" presetSubtype="0" fill="hold" nodeType="withEffect">
+                                  <p:stCondLst>
+                                    <p:cond delay="0"/>
+                                  </p:stCondLst>
+                                  <p:childTnLst>
+                                    <p:set>
+                                      <p:cBhvr>
+                                        <p:cTn id="20" dur="1" fill="hold">
+                                          <p:stCondLst>
+                                            <p:cond delay="0"/>
+                                          </p:stCondLst>
+                                        </p:cTn>
+                                        <p:tgtEl>
+                                          <p:spTgt spid="1042"/>
+                                        </p:tgtEl>
+                                        <p:attrNameLst>
+                                          <p:attrName>style.visibility</p:attrName>
+                                        </p:attrNameLst>
+                                      </p:cBhvr>
+                                      <p:to>
+                                        <p:strVal val="visible"/>
+                                      </p:to>
+                                    </p:set>
+                                  </p:childTnLst>
+                                </p:cTn>
+                              </p:par>
+                              <p:par>
+                                <p:cTn id="21" presetID="1" presetClass="entr" presetSubtype="0" fill="hold" nodeType="withEffect">
+                                  <p:stCondLst>
+                                    <p:cond delay="0"/>
+                                  </p:stCondLst>
+                                  <p:childTnLst>
+                                    <p:set>
+                                      <p:cBhvr>
+                                        <p:cTn id="22" dur="1" fill="hold">
+                                          <p:stCondLst>
+                                            <p:cond delay="0"/>
+                                          </p:stCondLst>
+                                        </p:cTn>
+                                        <p:tgtEl>
+                                          <p:spTgt spid="1044"/>
+                                        </p:tgtEl>
+                                        <p:attrNameLst>
+                                          <p:attrName>style.visibility</p:attrName>
+                                        </p:attrNameLst>
+                                      </p:cBhvr>
+                                      <p:to>
+                                        <p:strVal val="visible"/>
+                                      </p:to>
+                                    </p:set>
+                                  </p:childTnLst>
+                                </p:cTn>
+                              </p:par>
+                              <p:par>
+                                <p:cTn id="23" presetID="1" presetClass="entr" presetSubtype="0" fill="hold" nodeType="withEffect">
+                                  <p:stCondLst>
+                                    <p:cond delay="0"/>
+                                  </p:stCondLst>
+                                  <p:childTnLst>
+                                    <p:set>
+                                      <p:cBhvr>
+                                        <p:cTn id="24" dur="1" fill="hold">
+                                          <p:stCondLst>
+                                            <p:cond delay="0"/>
+                                          </p:stCondLst>
+                                        </p:cTn>
+                                        <p:tgtEl>
+                                          <p:spTgt spid="19"/>
+                                        </p:tgtEl>
+                                        <p:attrNameLst>
+                                          <p:attrName>style.visibility</p:attrName>
+                                        </p:attrNameLst>
+                                      </p:cBhvr>
+                                      <p:to>
+                                        <p:strVal val="visible"/>
+                                      </p:to>
+                                    </p:set>
+                                  </p:childTnLst>
+                                </p:cTn>
+                              </p:par>
+                              <p:par>
+                                <p:cTn id="25" presetID="1" presetClass="entr" presetSubtype="0" fill="hold" grpId="0" nodeType="withEffect">
+                                  <p:stCondLst>
+                                    <p:cond delay="0"/>
+                                  </p:stCondLst>
+                                  <p:childTnLst>
+                                    <p:set>
+                                      <p:cBhvr>
+                                        <p:cTn id="26" dur="1" fill="hold">
+                                          <p:stCondLst>
+                                            <p:cond delay="0"/>
+                                          </p:stCondLst>
+                                        </p:cTn>
+                                        <p:tgtEl>
+                                          <p:spTgt spid="23"/>
+                                        </p:tgtEl>
+                                        <p:attrNameLst>
+                                          <p:attrName>style.visibility</p:attrName>
+                                        </p:attrNameLst>
+                                      </p:cBhvr>
+                                      <p:to>
+                                        <p:strVal val="visible"/>
+                                      </p:to>
+                                    </p:set>
+                                  </p:childTnLst>
+                                </p:cTn>
+                              </p:par>
+                            </p:childTnLst>
+                          </p:cTn>
+                        </p:par>
+                      </p:childTnLst>
+                    </p:cTn>
+                  </p:par>
+                  <p:par>
+                    <p:cTn id="27" fill="hold">
+                      <p:stCondLst>
+                        <p:cond delay="indefinite"/>
+                      </p:stCondLst>
+                      <p:childTnLst>
+                        <p:par>
+                          <p:cTn id="28" fill="hold">
+                            <p:stCondLst>
+                              <p:cond delay="0"/>
+                            </p:stCondLst>
+                            <p:childTnLst>
+                              <p:par>
+                                <p:cTn id="29" presetID="1" presetClass="entr" presetSubtype="0" fill="hold" grpId="0" nodeType="clickEffect">
+                                  <p:stCondLst>
+                                    <p:cond delay="0"/>
+                                  </p:stCondLst>
+                                  <p:childTnLst>
+                                    <p:set>
+                                      <p:cBhvr>
+                                        <p:cTn id="30" dur="1" fill="hold">
+                                          <p:stCondLst>
+                                            <p:cond delay="0"/>
+                                          </p:stCondLst>
+                                        </p:cTn>
+                                        <p:tgtEl>
+                                          <p:spTgt spid="28"/>
+                                        </p:tgtEl>
+                                        <p:attrNameLst>
+                                          <p:attrName>style.visibility</p:attrName>
+                                        </p:attrNameLst>
+                                      </p:cBhvr>
+                                      <p:to>
+                                        <p:strVal val="visible"/>
+                                      </p:to>
+                                    </p:set>
+                                  </p:childTnLst>
+                                </p:cTn>
+                              </p:par>
+                              <p:par>
+                                <p:cTn id="31" presetID="1" presetClass="entr" presetSubtype="0" fill="hold" nodeType="withEffect">
+                                  <p:stCondLst>
+                                    <p:cond delay="0"/>
+                                  </p:stCondLst>
+                                  <p:childTnLst>
+                                    <p:set>
+                                      <p:cBhvr>
+                                        <p:cTn id="32" dur="1" fill="hold">
+                                          <p:stCondLst>
+                                            <p:cond delay="0"/>
+                                          </p:stCondLst>
+                                        </p:cTn>
+                                        <p:tgtEl>
+                                          <p:spTgt spid="6"/>
+                                        </p:tgtEl>
+                                        <p:attrNameLst>
+                                          <p:attrName>style.visibility</p:attrName>
+                                        </p:attrNameLst>
+                                      </p:cBhvr>
+                                      <p:to>
+                                        <p:strVal val="visible"/>
+                                      </p:to>
+                                    </p:set>
+                                  </p:childTnLst>
+                                </p:cTn>
+                              </p:par>
+                              <p:par>
+                                <p:cTn id="33" presetID="1" presetClass="entr" presetSubtype="0" fill="hold" nodeType="withEffect">
+                                  <p:stCondLst>
+                                    <p:cond delay="0"/>
+                                  </p:stCondLst>
+                                  <p:childTnLst>
+                                    <p:set>
+                                      <p:cBhvr>
+                                        <p:cTn id="34" dur="1" fill="hold">
+                                          <p:stCondLst>
+                                            <p:cond delay="0"/>
+                                          </p:stCondLst>
+                                        </p:cTn>
+                                        <p:tgtEl>
+                                          <p:spTgt spid="7"/>
+                                        </p:tgtEl>
+                                        <p:attrNameLst>
+                                          <p:attrName>style.visibility</p:attrName>
+                                        </p:attrNameLst>
+                                      </p:cBhvr>
+                                      <p:to>
+                                        <p:strVal val="visible"/>
+                                      </p:to>
+                                    </p:set>
+                                  </p:childTnLst>
+                                </p:cTn>
+                              </p:par>
+                              <p:par>
+                                <p:cTn id="35" presetID="1" presetClass="entr" presetSubtype="0" fill="hold" nodeType="withEffect">
+                                  <p:stCondLst>
+                                    <p:cond delay="0"/>
+                                  </p:stCondLst>
+                                  <p:childTnLst>
+                                    <p:set>
+                                      <p:cBhvr>
+                                        <p:cTn id="36" dur="1" fill="hold">
+                                          <p:stCondLst>
+                                            <p:cond delay="0"/>
+                                          </p:stCondLst>
+                                        </p:cTn>
+                                        <p:tgtEl>
+                                          <p:spTgt spid="10"/>
+                                        </p:tgtEl>
+                                        <p:attrNameLst>
+                                          <p:attrName>style.visibility</p:attrName>
+                                        </p:attrNameLst>
+                                      </p:cBhvr>
+                                      <p:to>
+                                        <p:strVal val="visible"/>
+                                      </p:to>
+                                    </p:set>
+                                  </p:childTnLst>
+                                </p:cTn>
+                              </p:par>
+                              <p:par>
+                                <p:cTn id="37" presetID="1" presetClass="entr" presetSubtype="0" fill="hold" nodeType="withEffect">
+                                  <p:stCondLst>
+                                    <p:cond delay="0"/>
+                                  </p:stCondLst>
+                                  <p:childTnLst>
+                                    <p:set>
+                                      <p:cBhvr>
+                                        <p:cTn id="38" dur="1" fill="hold">
+                                          <p:stCondLst>
+                                            <p:cond delay="0"/>
+                                          </p:stCondLst>
+                                        </p:cTn>
+                                        <p:tgtEl>
+                                          <p:spTgt spid="12"/>
+                                        </p:tgtEl>
+                                        <p:attrNameLst>
+                                          <p:attrName>style.visibility</p:attrName>
+                                        </p:attrNameLst>
+                                      </p:cBhvr>
+                                      <p:to>
+                                        <p:strVal val="visible"/>
+                                      </p:to>
+                                    </p:set>
+                                  </p:childTnLst>
+                                </p:cTn>
+                              </p:par>
+                              <p:par>
+                                <p:cTn id="39" presetID="1" presetClass="entr" presetSubtype="0" fill="hold" nodeType="withEffect">
+                                  <p:stCondLst>
+                                    <p:cond delay="0"/>
+                                  </p:stCondLst>
+                                  <p:childTnLst>
+                                    <p:set>
+                                      <p:cBhvr>
+                                        <p:cTn id="40" dur="1" fill="hold">
+                                          <p:stCondLst>
+                                            <p:cond delay="0"/>
+                                          </p:stCondLst>
+                                        </p:cTn>
+                                        <p:tgtEl>
+                                          <p:spTgt spid="14"/>
+                                        </p:tgtEl>
+                                        <p:attrNameLst>
+                                          <p:attrName>style.visibility</p:attrName>
+                                        </p:attrNameLst>
+                                      </p:cBhvr>
+                                      <p:to>
+                                        <p:strVal val="visible"/>
+                                      </p:to>
+                                    </p:set>
+                                  </p:childTnLst>
+                                </p:cTn>
+                              </p:par>
+                              <p:par>
+                                <p:cTn id="41" presetID="1" presetClass="entr" presetSubtype="0" fill="hold" grpId="0" nodeType="withEffect">
+                                  <p:stCondLst>
+                                    <p:cond delay="0"/>
+                                  </p:stCondLst>
+                                  <p:childTnLst>
+                                    <p:set>
+                                      <p:cBhvr>
+                                        <p:cTn id="42" dur="1" fill="hold">
+                                          <p:stCondLst>
+                                            <p:cond delay="0"/>
+                                          </p:stCondLst>
+                                        </p:cTn>
+                                        <p:tgtEl>
+                                          <p:spTgt spid="18"/>
+                                        </p:tgtEl>
+                                        <p:attrNameLst>
+                                          <p:attrName>style.visibility</p:attrName>
+                                        </p:attrNameLst>
+                                      </p:cBhvr>
+                                      <p:to>
+                                        <p:strVal val="visible"/>
+                                      </p:to>
+                                    </p:set>
+                                  </p:childTnLst>
+                                </p:cTn>
+                              </p:par>
+                              <p:par>
+                                <p:cTn id="43" presetID="1" presetClass="entr" presetSubtype="0" fill="hold" grpId="0" nodeType="withEffect">
+                                  <p:stCondLst>
+                                    <p:cond delay="0"/>
+                                  </p:stCondLst>
+                                  <p:childTnLst>
+                                    <p:set>
+                                      <p:cBhvr>
+                                        <p:cTn id="44" dur="1" fill="hold">
+                                          <p:stCondLst>
+                                            <p:cond delay="0"/>
+                                          </p:stCondLst>
+                                        </p:cTn>
+                                        <p:tgtEl>
+                                          <p:spTgt spid="15"/>
+                                        </p:tgtEl>
+                                        <p:attrNameLst>
+                                          <p:attrName>style.visibility</p:attrName>
+                                        </p:attrNameLst>
+                                      </p:cBhvr>
+                                      <p:to>
+                                        <p:strVal val="visible"/>
+                                      </p:to>
+                                    </p:set>
+                                  </p:childTnLst>
+                                </p:cTn>
+                              </p:par>
+                              <p:par>
+                                <p:cTn id="45" presetID="1" presetClass="entr" presetSubtype="0" fill="hold" grpId="0" nodeType="withEffect">
+                                  <p:stCondLst>
+                                    <p:cond delay="0"/>
+                                  </p:stCondLst>
+                                  <p:childTnLst>
+                                    <p:set>
+                                      <p:cBhvr>
+                                        <p:cTn id="46" dur="1" fill="hold">
+                                          <p:stCondLst>
+                                            <p:cond delay="0"/>
+                                          </p:stCondLst>
+                                        </p:cTn>
+                                        <p:tgtEl>
+                                          <p:spTgt spid="41"/>
+                                        </p:tgtEl>
+                                        <p:attrNameLst>
+                                          <p:attrName>style.visibility</p:attrName>
+                                        </p:attrNameLst>
+                                      </p:cBhvr>
+                                      <p:to>
+                                        <p:strVal val="visible"/>
+                                      </p:to>
+                                    </p:set>
+                                  </p:childTnLst>
+                                </p:cTn>
+                              </p:par>
+                            </p:childTnLst>
+                          </p:cTn>
+                        </p:par>
+                      </p:childTnLst>
+                    </p:cTn>
+                  </p:par>
+                  <p:par>
+                    <p:cTn id="47" fill="hold">
+                      <p:stCondLst>
+                        <p:cond delay="indefinite"/>
+                      </p:stCondLst>
+                      <p:childTnLst>
+                        <p:par>
+                          <p:cTn id="48" fill="hold">
+                            <p:stCondLst>
+                              <p:cond delay="0"/>
+                            </p:stCondLst>
+                            <p:childTnLst>
+                              <p:par>
+                                <p:cTn id="49" presetID="1" presetClass="entr" presetSubtype="0" fill="hold" grpId="0" nodeType="clickEffect">
+                                  <p:stCondLst>
+                                    <p:cond delay="0"/>
+                                  </p:stCondLst>
+                                  <p:childTnLst>
+                                    <p:set>
+                                      <p:cBhvr>
+                                        <p:cTn id="50" dur="1" fill="hold">
+                                          <p:stCondLst>
+                                            <p:cond delay="0"/>
+                                          </p:stCondLst>
+                                        </p:cTn>
+                                        <p:tgtEl>
+                                          <p:spTgt spid="27"/>
+                                        </p:tgtEl>
+                                        <p:attrNameLst>
+                                          <p:attrName>style.visibility</p:attrName>
+                                        </p:attrNameLst>
+                                      </p:cBhvr>
+                                      <p:to>
+                                        <p:strVal val="visible"/>
+                                      </p:to>
+                                    </p:set>
+                                  </p:childTnLst>
+                                </p:cTn>
+                              </p:par>
+                              <p:par>
+                                <p:cTn id="51" presetID="1" presetClass="entr" presetSubtype="0" fill="hold" nodeType="withEffect">
+                                  <p:stCondLst>
+                                    <p:cond delay="0"/>
+                                  </p:stCondLst>
+                                  <p:childTnLst>
+                                    <p:set>
+                                      <p:cBhvr>
+                                        <p:cTn id="52" dur="1" fill="hold">
+                                          <p:stCondLst>
+                                            <p:cond delay="0"/>
+                                          </p:stCondLst>
+                                        </p:cTn>
+                                        <p:tgtEl>
+                                          <p:spTgt spid="20"/>
+                                        </p:tgtEl>
+                                        <p:attrNameLst>
+                                          <p:attrName>style.visibility</p:attrName>
+                                        </p:attrNameLst>
+                                      </p:cBhvr>
+                                      <p:to>
+                                        <p:strVal val="visible"/>
+                                      </p:to>
+                                    </p:set>
+                                  </p:childTnLst>
+                                </p:cTn>
+                              </p:par>
+                              <p:par>
+                                <p:cTn id="53" presetID="1" presetClass="entr" presetSubtype="0" fill="hold" nodeType="withEffect">
+                                  <p:stCondLst>
+                                    <p:cond delay="0"/>
+                                  </p:stCondLst>
+                                  <p:childTnLst>
+                                    <p:set>
+                                      <p:cBhvr>
+                                        <p:cTn id="54" dur="1" fill="hold">
+                                          <p:stCondLst>
+                                            <p:cond delay="0"/>
+                                          </p:stCondLst>
+                                        </p:cTn>
+                                        <p:tgtEl>
+                                          <p:spTgt spid="21"/>
+                                        </p:tgtEl>
+                                        <p:attrNameLst>
+                                          <p:attrName>style.visibility</p:attrName>
+                                        </p:attrNameLst>
+                                      </p:cBhvr>
+                                      <p:to>
+                                        <p:strVal val="visible"/>
+                                      </p:to>
+                                    </p:set>
+                                  </p:childTnLst>
+                                </p:cTn>
+                              </p:par>
+                              <p:par>
+                                <p:cTn id="55" presetID="1" presetClass="entr" presetSubtype="0" fill="hold" nodeType="withEffect">
+                                  <p:stCondLst>
+                                    <p:cond delay="0"/>
+                                  </p:stCondLst>
+                                  <p:childTnLst>
+                                    <p:set>
+                                      <p:cBhvr>
+                                        <p:cTn id="56" dur="1" fill="hold">
+                                          <p:stCondLst>
+                                            <p:cond delay="0"/>
+                                          </p:stCondLst>
+                                        </p:cTn>
+                                        <p:tgtEl>
+                                          <p:spTgt spid="1050"/>
+                                        </p:tgtEl>
+                                        <p:attrNameLst>
+                                          <p:attrName>style.visibility</p:attrName>
+                                        </p:attrNameLst>
+                                      </p:cBhvr>
+                                      <p:to>
+                                        <p:strVal val="visible"/>
+                                      </p:to>
+                                    </p:set>
+                                  </p:childTnLst>
+                                </p:cTn>
+                              </p:par>
+                              <p:par>
+                                <p:cTn id="57" presetID="1" presetClass="entr" presetSubtype="0" fill="hold" grpId="0" nodeType="withEffect">
+                                  <p:stCondLst>
+                                    <p:cond delay="0"/>
+                                  </p:stCondLst>
+                                  <p:childTnLst>
+                                    <p:set>
+                                      <p:cBhvr>
+                                        <p:cTn id="58" dur="1" fill="hold">
+                                          <p:stCondLst>
+                                            <p:cond delay="0"/>
+                                          </p:stCondLst>
+                                        </p:cTn>
+                                        <p:tgtEl>
+                                          <p:spTgt spid="24"/>
+                                        </p:tgtEl>
+                                        <p:attrNameLst>
+                                          <p:attrName>style.visibility</p:attrName>
+                                        </p:attrNameLst>
+                                      </p:cBhvr>
+                                      <p:to>
+                                        <p:strVal val="visible"/>
+                                      </p:to>
+                                    </p:set>
+                                  </p:childTnLst>
+                                </p:cTn>
+                              </p:par>
+                            </p:childTnLst>
+                          </p:cTn>
+                        </p:par>
+                      </p:childTnLst>
+                    </p:cTn>
+                  </p:par>
+                </p:childTnLst>
+              </p:cTn>
+              <p:prevCondLst>
+                <p:cond evt="onPrev" delay="0">
+                  <p:tgtEl>
+                    <p:sldTgt/>
+                  </p:tgtEl>
+                </p:cond>
+              </p:prevCondLst>
+              <p:nextCondLst>
+                <p:cond evt="onNext" delay="0">
+                  <p:tgtEl>
+                    <p:sldTgt/>
+                  </p:tgtEl>
+                </p:cond>
+              </p:nextCondLst>
+            </p:seq>
+          </p:childTnLst>
+        </p:cTn>
+      </p:par>
+    </p:tnLst>
+    <p:bldLst>
+      <p:bldP spid="29" grpId="0" animBg="1"/>
+      <p:bldP spid="28" grpId="0" animBg="1"/>
+      <p:bldP spid="18" grpId="0"/>
+      <p:bldP spid="15" grpId="0"/>
+      <p:bldP spid="13" grpId="0"/>
+      <p:bldP spid="27" grpId="0" animBg="1"/>
+      <p:bldP spid="23" grpId="0"/>
+      <p:bldP spid="24" grpId="0"/>
+      <p:bldP spid="41" grpId="0"/>
+    </p:bldLst>
+  </p:timing>
 </p:sld>
 </file>
 
-<file path=ppt/slides/slide4.xml><?xml version="1.0" encoding="utf-8"?>
+<file path=ppt/slides/slide5.xml><?xml version="1.0" encoding="utf-8"?>
 <p:sld xmlns:a="http://schemas.openxmlformats.org/drawingml/2006/main" xmlns:r="http://schemas.openxmlformats.org/officeDocument/2006/relationships" xmlns:p="http://schemas.openxmlformats.org/presentationml/2006/main">
   <p:cSld>
     <p:spTree>
@@ -5746,7 +9573,7 @@
           <a:p>
             <a:fld id="{27CE633F-9882-4A5C-83A2-1109D0C73261}" type="slidenum">
               <a:rPr lang="en-US" smtClean="0"/>
-              <a:t>4</a:t>
+              <a:t>5</a:t>
             </a:fld>
             <a:endParaRPr lang="en-US" dirty="0"/>
           </a:p>
@@ -5795,7 +9622,7 @@
 </p:sld>
 </file>
 
-<file path=ppt/slides/slide5.xml><?xml version="1.0" encoding="utf-8"?>
+<file path=ppt/slides/slide6.xml><?xml version="1.0" encoding="utf-8"?>
 <p:sld xmlns:a="http://schemas.openxmlformats.org/drawingml/2006/main" xmlns:r="http://schemas.openxmlformats.org/officeDocument/2006/relationships" xmlns:p="http://schemas.openxmlformats.org/presentationml/2006/main">
   <p:cSld>
     <p:spTree>
@@ -5878,7 +9705,7 @@
           <a:p>
             <a:fld id="{27CE633F-9882-4A5C-83A2-1109D0C73261}" type="slidenum">
               <a:rPr lang="en-US" smtClean="0"/>
-              <a:t>5</a:t>
+              <a:t>6</a:t>
             </a:fld>
             <a:endParaRPr lang="en-US" dirty="0"/>
           </a:p>
@@ -5929,6 +9756,207 @@
     <p:extLst>
       <p:ext uri="{BB962C8B-B14F-4D97-AF65-F5344CB8AC3E}">
         <p14:creationId xmlns:p14="http://schemas.microsoft.com/office/powerpoint/2010/main" val="1886011544"/>
+      </p:ext>
+    </p:extLst>
+  </p:cSld>
+  <p:clrMapOvr>
+    <a:masterClrMapping/>
+  </p:clrMapOvr>
+</p:sld>
+</file>
+
+<file path=ppt/slides/slide7.xml><?xml version="1.0" encoding="utf-8"?>
+<p:sld xmlns:a="http://schemas.openxmlformats.org/drawingml/2006/main" xmlns:r="http://schemas.openxmlformats.org/officeDocument/2006/relationships" xmlns:p="http://schemas.openxmlformats.org/presentationml/2006/main">
+  <p:cSld>
+    <p:spTree>
+      <p:nvGrpSpPr>
+        <p:cNvPr id="1" name=""/>
+        <p:cNvGrpSpPr/>
+        <p:nvPr/>
+      </p:nvGrpSpPr>
+      <p:grpSpPr>
+        <a:xfrm>
+          <a:off x="0" y="0"/>
+          <a:ext cx="0" cy="0"/>
+          <a:chOff x="0" y="0"/>
+          <a:chExt cx="0" cy="0"/>
+        </a:xfrm>
+      </p:grpSpPr>
+      <p:sp>
+        <p:nvSpPr>
+          <p:cNvPr id="2" name="Tytuł 1">
+            <a:extLst>
+              <a:ext uri="{FF2B5EF4-FFF2-40B4-BE49-F238E27FC236}">
+                <a16:creationId xmlns:a16="http://schemas.microsoft.com/office/drawing/2014/main" id="{CD4A430B-672E-47BE-93F9-8CB1396DC1C8}"/>
+              </a:ext>
+            </a:extLst>
+          </p:cNvPr>
+          <p:cNvSpPr>
+            <a:spLocks noGrp="1"/>
+          </p:cNvSpPr>
+          <p:nvPr>
+            <p:ph type="title"/>
+          </p:nvPr>
+        </p:nvSpPr>
+        <p:spPr>
+          <a:xfrm>
+            <a:off x="838200" y="-1525"/>
+            <a:ext cx="10515600" cy="1325563"/>
+          </a:xfrm>
+        </p:spPr>
+        <p:txBody>
+          <a:bodyPr/>
+          <a:lstStyle/>
+          <a:p>
+            <a:r>
+              <a:rPr lang="pl-PL" dirty="0"/>
+              <a:t>Użytkownik końcowy</a:t>
+            </a:r>
+          </a:p>
+        </p:txBody>
+      </p:sp>
+      <p:sp>
+        <p:nvSpPr>
+          <p:cNvPr id="22" name="Symbol zastępczy numeru slajdu 15">
+            <a:extLst>
+              <a:ext uri="{FF2B5EF4-FFF2-40B4-BE49-F238E27FC236}">
+                <a16:creationId xmlns:a16="http://schemas.microsoft.com/office/drawing/2014/main" id="{EE315B79-8531-4DF5-AF76-A59585F66E1C}"/>
+              </a:ext>
+            </a:extLst>
+          </p:cNvPr>
+          <p:cNvSpPr>
+            <a:spLocks noGrp="1"/>
+          </p:cNvSpPr>
+          <p:nvPr>
+            <p:ph type="sldNum" sz="quarter" idx="12"/>
+          </p:nvPr>
+        </p:nvSpPr>
+        <p:spPr>
+          <a:xfrm>
+            <a:off x="11639826" y="6404941"/>
+            <a:ext cx="456096" cy="365125"/>
+          </a:xfrm>
+        </p:spPr>
+        <p:txBody>
+          <a:bodyPr/>
+          <a:lstStyle/>
+          <a:p>
+            <a:fld id="{27CE633F-9882-4A5C-83A2-1109D0C73261}" type="slidenum">
+              <a:rPr lang="en-US" smtClean="0"/>
+              <a:t>7</a:t>
+            </a:fld>
+            <a:endParaRPr lang="en-US" dirty="0"/>
+          </a:p>
+        </p:txBody>
+      </p:sp>
+      <p:sp>
+        <p:nvSpPr>
+          <p:cNvPr id="4" name="Prostokąt 3">
+            <a:extLst>
+              <a:ext uri="{FF2B5EF4-FFF2-40B4-BE49-F238E27FC236}">
+                <a16:creationId xmlns:a16="http://schemas.microsoft.com/office/drawing/2014/main" id="{B3A53797-6361-4D51-A4D4-635C4A5B5383}"/>
+              </a:ext>
+            </a:extLst>
+          </p:cNvPr>
+          <p:cNvSpPr/>
+          <p:nvPr/>
+        </p:nvSpPr>
+        <p:spPr>
+          <a:xfrm>
+            <a:off x="1156281" y="1434414"/>
+            <a:ext cx="10515600" cy="4584075"/>
+          </a:xfrm>
+          <a:prstGeom prst="rect">
+            <a:avLst/>
+          </a:prstGeom>
+        </p:spPr>
+        <p:txBody>
+          <a:bodyPr wrap="square">
+            <a:spAutoFit/>
+          </a:bodyPr>
+          <a:lstStyle/>
+          <a:p>
+            <a:pPr marL="285750" indent="-285750" algn="just">
+              <a:lnSpc>
+                <a:spcPct val="150000"/>
+              </a:lnSpc>
+              <a:spcAft>
+                <a:spcPts val="1000"/>
+              </a:spcAft>
+              <a:buFont typeface="Arial" panose="020B0604020202020204" pitchFamily="34" charset="0"/>
+              <a:buChar char="•"/>
+            </a:pPr>
+            <a:r>
+              <a:rPr lang="pl-PL" dirty="0">
+                <a:ea typeface="Calibri" panose="020F0502020204030204" pitchFamily="34" charset="0"/>
+                <a:cs typeface="Times New Roman" panose="02020603050405020304" pitchFamily="18" charset="0"/>
+              </a:rPr>
+              <a:t>Użytkownikiem końcowym aplikacji mogą być przedsiębiorstwa zajmujące się transportem kolejowym i przewozem osób.</a:t>
+            </a:r>
+          </a:p>
+          <a:p>
+            <a:pPr marL="285750" indent="-285750" algn="just">
+              <a:lnSpc>
+                <a:spcPct val="150000"/>
+              </a:lnSpc>
+              <a:spcAft>
+                <a:spcPts val="1000"/>
+              </a:spcAft>
+              <a:buFont typeface="Arial" panose="020B0604020202020204" pitchFamily="34" charset="0"/>
+              <a:buChar char="•"/>
+            </a:pPr>
+            <a:r>
+              <a:rPr lang="pl-PL" dirty="0">
+                <a:ea typeface="Calibri" panose="020F0502020204030204" pitchFamily="34" charset="0"/>
+                <a:cs typeface="Times New Roman" panose="02020603050405020304" pitchFamily="18" charset="0"/>
+              </a:rPr>
+              <a:t>Aplikacja może posłużyć do zbierania danych z tras, celem ich późniejszej analizy, a także tworzenia dokumentacji końcowej dla przewoźników i podsumowywania działalności firmy w danych okrasach czasowych. </a:t>
+            </a:r>
+          </a:p>
+          <a:p>
+            <a:pPr marL="285750" indent="-285750" algn="just">
+              <a:lnSpc>
+                <a:spcPct val="150000"/>
+              </a:lnSpc>
+              <a:spcAft>
+                <a:spcPts val="1000"/>
+              </a:spcAft>
+              <a:buFont typeface="Arial" panose="020B0604020202020204" pitchFamily="34" charset="0"/>
+              <a:buChar char="•"/>
+            </a:pPr>
+            <a:r>
+              <a:rPr lang="pl-PL" dirty="0">
+                <a:ea typeface="Calibri" panose="020F0502020204030204" pitchFamily="34" charset="0"/>
+                <a:cs typeface="Times New Roman" panose="02020603050405020304" pitchFamily="18" charset="0"/>
+              </a:rPr>
+              <a:t>Dane mogą posłużyć także do optymalizacji tras oraz analizy sytuacji specjalnych np. zmiany napięcia w trakcji kolejowej i analizy przyczyny uszkodzeń taboru.</a:t>
+            </a:r>
+          </a:p>
+          <a:p>
+            <a:pPr marL="285750" indent="-285750" algn="just">
+              <a:lnSpc>
+                <a:spcPct val="150000"/>
+              </a:lnSpc>
+              <a:spcAft>
+                <a:spcPts val="1000"/>
+              </a:spcAft>
+              <a:buFont typeface="Arial" panose="020B0604020202020204" pitchFamily="34" charset="0"/>
+              <a:buChar char="•"/>
+            </a:pPr>
+            <a:r>
+              <a:rPr lang="pl-PL" dirty="0">
+                <a:ea typeface="Calibri" panose="020F0502020204030204" pitchFamily="34" charset="0"/>
+                <a:cs typeface="Times New Roman" panose="02020603050405020304" pitchFamily="18" charset="0"/>
+              </a:rPr>
+              <a:t>Aplikacja w przypadku właściwego wdrożenia na pociągach była by również używana przez maszynistów to kontroli sposobu prowadzenia pociągu, a także mogła by posłużyć jako system ostrzegania np. przed kolizja pociągów.</a:t>
+            </a:r>
+          </a:p>
+        </p:txBody>
+      </p:sp>
+    </p:spTree>
+    <p:extLst>
+      <p:ext uri="{BB962C8B-B14F-4D97-AF65-F5344CB8AC3E}">
+        <p14:creationId xmlns:p14="http://schemas.microsoft.com/office/powerpoint/2010/main" val="3769766266"/>
       </p:ext>
     </p:extLst>
   </p:cSld>

--- a/docs/Prezentacja Bajguz Kierzkowski.pptx
+++ b/docs/Prezentacja Bajguz Kierzkowski.pptx
@@ -214,7 +214,7 @@
           <a:p>
             <a:fld id="{1ECD208D-F206-4DE1-A130-CB2F44406222}" type="datetimeFigureOut">
               <a:rPr lang="pl-PL" smtClean="0"/>
-              <a:t>2020-06-13</a:t>
+              <a:t>2020-06-17</a:t>
             </a:fld>
             <a:endParaRPr lang="pl-PL"/>
           </a:p>
@@ -964,7 +964,7 @@
           <a:p>
             <a:fld id="{D212F793-D17A-417E-9250-C2A1FC8F817D}" type="datetime1">
               <a:rPr lang="en-US" smtClean="0"/>
-              <a:t>6/13/2020</a:t>
+              <a:t>6/17/2020</a:t>
             </a:fld>
             <a:endParaRPr lang="en-US"/>
           </a:p>
@@ -1215,7 +1215,7 @@
           <a:p>
             <a:fld id="{ECBC202B-11B5-48B7-B7F0-13C83584BDA8}" type="datetime1">
               <a:rPr lang="en-US" smtClean="0"/>
-              <a:t>6/13/2020</a:t>
+              <a:t>6/17/2020</a:t>
             </a:fld>
             <a:endParaRPr lang="en-US"/>
           </a:p>
@@ -1476,7 +1476,7 @@
           <a:p>
             <a:fld id="{D8684B86-FE16-4328-945A-B8A64E5F8641}" type="datetime1">
               <a:rPr lang="en-US" smtClean="0"/>
-              <a:t>6/13/2020</a:t>
+              <a:t>6/17/2020</a:t>
             </a:fld>
             <a:endParaRPr lang="en-US"/>
           </a:p>
@@ -1727,7 +1727,7 @@
           <a:p>
             <a:fld id="{6A68DCFA-D0AD-4FE1-BDE8-DDED694D5B3C}" type="datetime1">
               <a:rPr lang="en-US" smtClean="0"/>
-              <a:t>6/13/2020</a:t>
+              <a:t>6/17/2020</a:t>
             </a:fld>
             <a:endParaRPr lang="en-US"/>
           </a:p>
@@ -2055,7 +2055,7 @@
           <a:p>
             <a:fld id="{D0BC7A0A-7D3C-4FF4-A761-8E59D07697D7}" type="datetime1">
               <a:rPr lang="en-US" smtClean="0"/>
-              <a:t>6/13/2020</a:t>
+              <a:t>6/17/2020</a:t>
             </a:fld>
             <a:endParaRPr lang="en-US"/>
           </a:p>
@@ -2373,7 +2373,7 @@
           <a:p>
             <a:fld id="{421721B3-5F61-4EB4-9477-E06D99717A8A}" type="datetime1">
               <a:rPr lang="en-US" smtClean="0"/>
-              <a:t>6/13/2020</a:t>
+              <a:t>6/17/2020</a:t>
             </a:fld>
             <a:endParaRPr lang="en-US"/>
           </a:p>
@@ -2838,7 +2838,7 @@
           <a:p>
             <a:fld id="{530ED192-0826-4863-86AC-E82176F50861}" type="datetime1">
               <a:rPr lang="en-US" smtClean="0"/>
-              <a:t>6/13/2020</a:t>
+              <a:t>6/17/2020</a:t>
             </a:fld>
             <a:endParaRPr lang="en-US"/>
           </a:p>
@@ -3032,7 +3032,7 @@
           <a:p>
             <a:fld id="{619D96CE-55CD-4CE3-9263-40C1FCA958F0}" type="datetime1">
               <a:rPr lang="en-US" smtClean="0"/>
-              <a:t>6/13/2020</a:t>
+              <a:t>6/17/2020</a:t>
             </a:fld>
             <a:endParaRPr lang="en-US"/>
           </a:p>
@@ -3198,7 +3198,7 @@
           <a:p>
             <a:fld id="{82DA0F9D-89DE-40CF-A809-DD76762E33E7}" type="datetime1">
               <a:rPr lang="en-US" smtClean="0"/>
-              <a:t>6/13/2020</a:t>
+              <a:t>6/17/2020</a:t>
             </a:fld>
             <a:endParaRPr lang="en-US"/>
           </a:p>
@@ -3562,7 +3562,7 @@
           <a:p>
             <a:fld id="{EBD11123-D128-4BC3-B119-DF679DA2D290}" type="datetime1">
               <a:rPr lang="en-US" smtClean="0"/>
-              <a:t>6/13/2020</a:t>
+              <a:t>6/17/2020</a:t>
             </a:fld>
             <a:endParaRPr lang="en-US"/>
           </a:p>
@@ -3906,7 +3906,7 @@
           <a:p>
             <a:fld id="{1C1DC363-5D93-4C75-9D7B-C98F5CAB13EA}" type="datetime1">
               <a:rPr lang="en-US" smtClean="0"/>
-              <a:t>6/13/2020</a:t>
+              <a:t>6/17/2020</a:t>
             </a:fld>
             <a:endParaRPr lang="en-US"/>
           </a:p>
@@ -4200,7 +4200,7 @@
           <a:p>
             <a:fld id="{76A81BAB-9DAE-4BB9-8C1B-9E2E92BBFFD9}" type="datetime1">
               <a:rPr lang="en-US" smtClean="0"/>
-              <a:t>6/13/2020</a:t>
+              <a:t>6/17/2020</a:t>
             </a:fld>
             <a:endParaRPr lang="en-US" dirty="0"/>
           </a:p>
@@ -4708,7 +4708,7 @@
         </p:blipFill>
         <p:spPr>
           <a:xfrm>
-            <a:off x="20" y="10"/>
+            <a:off x="-3047" y="10"/>
             <a:ext cx="12188932" cy="6857990"/>
           </a:xfrm>
           <a:prstGeom prst="rect">
@@ -4815,8 +4815,8 @@
         </p:nvSpPr>
         <p:spPr>
           <a:xfrm>
-            <a:off x="6096000" y="2247880"/>
-            <a:ext cx="5683250" cy="1181120"/>
+            <a:off x="6096000" y="1870745"/>
+            <a:ext cx="5683250" cy="1558255"/>
           </a:xfrm>
         </p:spPr>
         <p:txBody>
@@ -4825,10 +4825,18 @@
           </a:bodyPr>
           <a:lstStyle/>
           <a:p>
-            <a:pPr algn="ctr"/>
+            <a:pPr algn="r"/>
             <a:r>
               <a:rPr lang="pl-PL" sz="3700" dirty="0"/>
-              <a:t>System rezerwacji biletów kolejowych</a:t>
+              <a:t>Rozszerzenie </a:t>
+            </a:r>
+            <a:r>
+              <a:rPr lang="pl-PL" sz="3700" dirty="0" err="1"/>
+              <a:t>SystemU</a:t>
+            </a:r>
+            <a:r>
+              <a:rPr lang="pl-PL" sz="3700" dirty="0"/>
+              <a:t> rezerwacji biletów kolejowych</a:t>
             </a:r>
           </a:p>
         </p:txBody>
@@ -4851,7 +4859,7 @@
         </p:nvSpPr>
         <p:spPr>
           <a:xfrm>
-            <a:off x="8108950" y="3625851"/>
+            <a:off x="8511618" y="3625851"/>
             <a:ext cx="3238500" cy="1231869"/>
           </a:xfrm>
         </p:spPr>
@@ -4993,16 +5001,20 @@
               <a:buNone/>
             </a:pPr>
             <a:r>
+              <a:rPr lang="pl-PL" b="1" dirty="0"/>
+              <a:t>Celem projektu było rozszerzenie aplikacji </a:t>
+            </a:r>
+            <a:r>
+              <a:rPr lang="pl-PL" b="1" dirty="0" err="1"/>
+              <a:t>TrainsOnline</a:t>
+            </a:r>
+            <a:r>
+              <a:rPr lang="pl-PL" b="1" dirty="0"/>
+              <a:t>. </a:t>
+            </a:r>
+            <a:r>
               <a:rPr lang="pl-PL" dirty="0"/>
-              <a:t>Celem projektu było rozszerzenie aplikacji </a:t>
-            </a:r>
-            <a:r>
-              <a:rPr lang="pl-PL" dirty="0" err="1"/>
-              <a:t>TrainsOnline</a:t>
-            </a:r>
-            <a:r>
-              <a:rPr lang="pl-PL" dirty="0"/>
-              <a:t>. Istniejący system pozwalał na przechowywanie bazy stacji kolejowych i tras, na jakich przemieszczają się pociągi, a także umożliwi zakup biletów na daną trasę oraz pobranie go w formacie PDF.</a:t>
+              <a:t>Istniejący system pozwalał na przechowywanie bazy stacji kolejowych i tras, na jakich przemieszczają się pociągi, a także umożliwi zakup biletów na daną trasę oraz pobranie go w formacie PDF.</a:t>
             </a:r>
           </a:p>
           <a:p>
@@ -5022,16 +5034,12 @@
               <a:buNone/>
             </a:pPr>
             <a:r>
-              <a:rPr lang="pl-PL" dirty="0"/>
-              <a:t>System rozszerzono o trzy funkcjonalności opierające się o nierelacyjną bazę danych </a:t>
-            </a:r>
-            <a:r>
-              <a:rPr lang="pl-PL" dirty="0" err="1"/>
-              <a:t>MongoDb</a:t>
-            </a:r>
-            <a:r>
-              <a:rPr lang="pl-PL" dirty="0"/>
-              <a:t>:</a:t>
+              <a:rPr lang="pl-PL" b="1" dirty="0">
+                <a:solidFill>
+                  <a:srgbClr val="7030A0"/>
+                </a:solidFill>
+              </a:rPr>
+              <a:t>System rozszerzono o trzy funkcjonalności opierające się o nierelacyjnych baz danych:</a:t>
             </a:r>
           </a:p>
           <a:p>
@@ -5043,12 +5051,44 @@
               <a:buAutoNum type="arabicPeriod"/>
             </a:pPr>
             <a:r>
-              <a:rPr lang="pl-PL" dirty="0" err="1"/>
+              <a:rPr lang="pl-PL" dirty="0">
+                <a:solidFill>
+                  <a:srgbClr val="7030A0"/>
+                </a:solidFill>
+              </a:rPr>
+              <a:t> </a:t>
+            </a:r>
+            <a:r>
+              <a:rPr lang="pl-PL" dirty="0" err="1">
+                <a:solidFill>
+                  <a:srgbClr val="7030A0"/>
+                </a:solidFill>
+              </a:rPr>
               <a:t>logger</a:t>
             </a:r>
             <a:r>
-              <a:rPr lang="pl-PL" dirty="0"/>
-              <a:t> pociągu,</a:t>
+              <a:rPr lang="pl-PL" dirty="0">
+                <a:solidFill>
+                  <a:srgbClr val="7030A0"/>
+                </a:solidFill>
+              </a:rPr>
+              <a:t> pociągu (</a:t>
+            </a:r>
+            <a:r>
+              <a:rPr lang="pl-PL" dirty="0" err="1">
+                <a:solidFill>
+                  <a:srgbClr val="7030A0"/>
+                </a:solidFill>
+              </a:rPr>
+              <a:t>MongoDb</a:t>
+            </a:r>
+            <a:r>
+              <a:rPr lang="pl-PL" dirty="0">
+                <a:solidFill>
+                  <a:srgbClr val="7030A0"/>
+                </a:solidFill>
+              </a:rPr>
+              <a:t>),</a:t>
             </a:r>
           </a:p>
           <a:p>
@@ -5060,8 +5100,28 @@
               <a:buAutoNum type="arabicPeriod"/>
             </a:pPr>
             <a:r>
-              <a:rPr lang="pl-PL" dirty="0"/>
-              <a:t>cache</a:t>
+              <a:rPr lang="pl-PL" dirty="0">
+                <a:solidFill>
+                  <a:srgbClr val="7030A0"/>
+                </a:solidFill>
+              </a:rPr>
+              <a:t> analityka (</a:t>
+            </a:r>
+            <a:r>
+              <a:rPr lang="pl-PL" dirty="0" err="1">
+                <a:solidFill>
+                  <a:srgbClr val="7030A0"/>
+                </a:solidFill>
+              </a:rPr>
+              <a:t>MongoDb</a:t>
+            </a:r>
+            <a:r>
+              <a:rPr lang="pl-PL" dirty="0">
+                <a:solidFill>
+                  <a:srgbClr val="7030A0"/>
+                </a:solidFill>
+              </a:rPr>
+              <a:t>),</a:t>
             </a:r>
           </a:p>
           <a:p>
@@ -5073,9 +5133,22 @@
               <a:buAutoNum type="arabicPeriod"/>
             </a:pPr>
             <a:r>
-              <a:rPr lang="pl-PL" dirty="0"/>
-              <a:t>analityka.</a:t>
-            </a:r>
+              <a:rPr lang="pl-PL" dirty="0">
+                <a:solidFill>
+                  <a:srgbClr val="7030A0"/>
+                </a:solidFill>
+              </a:rPr>
+              <a:t> cache (baza klucz wartość)</a:t>
+            </a:r>
+          </a:p>
+          <a:p>
+            <a:pPr marL="360362" indent="0">
+              <a:lnSpc>
+                <a:spcPct val="150000"/>
+              </a:lnSpc>
+              <a:buNone/>
+            </a:pPr>
+            <a:endParaRPr lang="pl-PL" dirty="0"/>
           </a:p>
           <a:p>
             <a:pPr>
@@ -7888,7 +7961,7 @@
         </p:blipFill>
         <p:spPr bwMode="auto">
           <a:xfrm>
-            <a:off x="957061" y="2225482"/>
+            <a:off x="1217114" y="2225482"/>
             <a:ext cx="1681294" cy="1681294"/>
           </a:xfrm>
           <a:prstGeom prst="rect">
@@ -7922,6 +7995,16 @@
         </p:nvPicPr>
         <p:blipFill>
           <a:blip r:embed="rId16">
+            <a:clrChange>
+              <a:clrFrom>
+                <a:srgbClr val="FFFFFF"/>
+              </a:clrFrom>
+              <a:clrTo>
+                <a:srgbClr val="FFFFFF">
+                  <a:alpha val="0"/>
+                </a:srgbClr>
+              </a:clrTo>
+            </a:clrChange>
             <a:extLst>
               <a:ext uri="{28A0092B-C50C-407E-A947-70E740481C1C}">
                 <a14:useLocalDpi xmlns:a14="http://schemas.microsoft.com/office/drawing/2010/main" val="0"/>
@@ -7935,7 +8018,7 @@
         </p:blipFill>
         <p:spPr bwMode="auto">
           <a:xfrm>
-            <a:off x="4279940" y="1213001"/>
+            <a:off x="4149914" y="1246554"/>
             <a:ext cx="1878100" cy="1056431"/>
           </a:xfrm>
           <a:prstGeom prst="rect">
@@ -7980,7 +8063,7 @@
         </p:blipFill>
         <p:spPr bwMode="auto">
           <a:xfrm>
-            <a:off x="4247912" y="2079467"/>
+            <a:off x="4118139" y="2174231"/>
             <a:ext cx="2051007" cy="408376"/>
           </a:xfrm>
           <a:prstGeom prst="rect">
@@ -8440,8 +8523,8 @@
         </p:blipFill>
         <p:spPr bwMode="auto">
           <a:xfrm>
-            <a:off x="4107032" y="2448099"/>
-            <a:ext cx="2051008" cy="710585"/>
+            <a:off x="4038045" y="2678182"/>
+            <a:ext cx="1631038" cy="565084"/>
           </a:xfrm>
           <a:prstGeom prst="rect">
             <a:avLst/>
@@ -8480,7 +8563,7 @@
         </p:blipFill>
         <p:spPr>
           <a:xfrm>
-            <a:off x="4207483" y="3100906"/>
+            <a:off x="4077457" y="3201569"/>
             <a:ext cx="1275182" cy="459217"/>
           </a:xfrm>
           <a:prstGeom prst="rect">
@@ -8712,6 +8795,63 @@
           </a:p>
         </p:txBody>
       </p:sp>
+      <p:pic>
+        <p:nvPicPr>
+          <p:cNvPr id="3" name="Picture 2" descr="Creating a service connection in Azure DevOps - Alessandro Moura ...">
+            <a:extLst>
+              <a:ext uri="{FF2B5EF4-FFF2-40B4-BE49-F238E27FC236}">
+                <a16:creationId xmlns:a16="http://schemas.microsoft.com/office/drawing/2014/main" id="{1664DA39-AF8F-40C3-8FBA-818276063D3D}"/>
+              </a:ext>
+            </a:extLst>
+          </p:cNvPr>
+          <p:cNvPicPr>
+            <a:picLocks noChangeAspect="1" noChangeArrowheads="1"/>
+          </p:cNvPicPr>
+          <p:nvPr/>
+        </p:nvPicPr>
+        <p:blipFill>
+          <a:blip r:embed="rId23">
+            <a:clrChange>
+              <a:clrFrom>
+                <a:srgbClr val="FFFFFF"/>
+              </a:clrFrom>
+              <a:clrTo>
+                <a:srgbClr val="FFFFFF">
+                  <a:alpha val="0"/>
+                </a:srgbClr>
+              </a:clrTo>
+            </a:clrChange>
+            <a:extLst>
+              <a:ext uri="{28A0092B-C50C-407E-A947-70E740481C1C}">
+                <a14:useLocalDpi xmlns:a14="http://schemas.microsoft.com/office/drawing/2010/main" val="0"/>
+              </a:ext>
+            </a:extLst>
+          </a:blip>
+          <a:srcRect/>
+          <a:stretch>
+            <a:fillRect/>
+          </a:stretch>
+        </p:blipFill>
+        <p:spPr bwMode="auto">
+          <a:xfrm>
+            <a:off x="5460076" y="2908415"/>
+            <a:ext cx="1230706" cy="769191"/>
+          </a:xfrm>
+          <a:prstGeom prst="rect">
+            <a:avLst/>
+          </a:prstGeom>
+          <a:noFill/>
+          <a:extLst>
+            <a:ext uri="{909E8E84-426E-40DD-AFC4-6F175D3DCCD1}">
+              <a14:hiddenFill xmlns:a14="http://schemas.microsoft.com/office/drawing/2010/main">
+                <a:solidFill>
+                  <a:srgbClr val="FFFFFF"/>
+                </a:solidFill>
+              </a14:hiddenFill>
+            </a:ext>
+          </a:extLst>
+        </p:spPr>
+      </p:pic>
     </p:spTree>
     <p:extLst>
       <p:ext uri="{BB962C8B-B14F-4D97-AF65-F5344CB8AC3E}">
@@ -9039,39 +9179,21 @@
                                   </p:childTnLst>
                                 </p:cTn>
                               </p:par>
-                            </p:childTnLst>
-                          </p:cTn>
-                        </p:par>
-                      </p:childTnLst>
-                    </p:cTn>
-                  </p:par>
-                  <p:par>
-                    <p:cTn id="27" fill="hold">
-                      <p:stCondLst>
-                        <p:cond delay="indefinite"/>
-                      </p:stCondLst>
-                      <p:childTnLst>
-                        <p:par>
-                          <p:cTn id="28" fill="hold">
-                            <p:stCondLst>
-                              <p:cond delay="0"/>
-                            </p:stCondLst>
-                            <p:childTnLst>
                               <p:par>
-                                <p:cTn id="29" presetID="1" presetClass="entr" presetSubtype="0" fill="hold" grpId="0" nodeType="clickEffect">
+                                <p:cTn id="27" presetID="1" presetClass="entr" presetSubtype="0" fill="hold" nodeType="withEffect">
                                   <p:stCondLst>
                                     <p:cond delay="0"/>
                                   </p:stCondLst>
                                   <p:childTnLst>
                                     <p:set>
                                       <p:cBhvr>
-                                        <p:cTn id="30" dur="1" fill="hold">
+                                        <p:cTn id="28" dur="1" fill="hold">
                                           <p:stCondLst>
                                             <p:cond delay="0"/>
                                           </p:stCondLst>
                                         </p:cTn>
                                         <p:tgtEl>
-                                          <p:spTgt spid="28"/>
+                                          <p:spTgt spid="3"/>
                                         </p:tgtEl>
                                         <p:attrNameLst>
                                           <p:attrName>style.visibility</p:attrName>
@@ -9084,8 +9206,26 @@
                                   </p:childTnLst>
                                 </p:cTn>
                               </p:par>
+                            </p:childTnLst>
+                          </p:cTn>
+                        </p:par>
+                      </p:childTnLst>
+                    </p:cTn>
+                  </p:par>
+                  <p:par>
+                    <p:cTn id="29" fill="hold">
+                      <p:stCondLst>
+                        <p:cond delay="indefinite"/>
+                      </p:stCondLst>
+                      <p:childTnLst>
+                        <p:par>
+                          <p:cTn id="30" fill="hold">
+                            <p:stCondLst>
+                              <p:cond delay="0"/>
+                            </p:stCondLst>
+                            <p:childTnLst>
                               <p:par>
-                                <p:cTn id="31" presetID="1" presetClass="entr" presetSubtype="0" fill="hold" nodeType="withEffect">
+                                <p:cTn id="31" presetID="1" presetClass="entr" presetSubtype="0" fill="hold" grpId="0" nodeType="clickEffect">
                                   <p:stCondLst>
                                     <p:cond delay="0"/>
                                   </p:stCondLst>
@@ -9098,7 +9238,7 @@
                                           </p:stCondLst>
                                         </p:cTn>
                                         <p:tgtEl>
-                                          <p:spTgt spid="6"/>
+                                          <p:spTgt spid="28"/>
                                         </p:tgtEl>
                                         <p:attrNameLst>
                                           <p:attrName>style.visibility</p:attrName>
@@ -9125,7 +9265,7 @@
                                           </p:stCondLst>
                                         </p:cTn>
                                         <p:tgtEl>
-                                          <p:spTgt spid="7"/>
+                                          <p:spTgt spid="6"/>
                                         </p:tgtEl>
                                         <p:attrNameLst>
                                           <p:attrName>style.visibility</p:attrName>
@@ -9152,7 +9292,7 @@
                                           </p:stCondLst>
                                         </p:cTn>
                                         <p:tgtEl>
-                                          <p:spTgt spid="10"/>
+                                          <p:spTgt spid="7"/>
                                         </p:tgtEl>
                                         <p:attrNameLst>
                                           <p:attrName>style.visibility</p:attrName>
@@ -9179,7 +9319,7 @@
                                           </p:stCondLst>
                                         </p:cTn>
                                         <p:tgtEl>
-                                          <p:spTgt spid="12"/>
+                                          <p:spTgt spid="10"/>
                                         </p:tgtEl>
                                         <p:attrNameLst>
                                           <p:attrName>style.visibility</p:attrName>
@@ -9206,7 +9346,7 @@
                                           </p:stCondLst>
                                         </p:cTn>
                                         <p:tgtEl>
-                                          <p:spTgt spid="14"/>
+                                          <p:spTgt spid="12"/>
                                         </p:tgtEl>
                                         <p:attrNameLst>
                                           <p:attrName>style.visibility</p:attrName>
@@ -9220,7 +9360,7 @@
                                 </p:cTn>
                               </p:par>
                               <p:par>
-                                <p:cTn id="41" presetID="1" presetClass="entr" presetSubtype="0" fill="hold" grpId="0" nodeType="withEffect">
+                                <p:cTn id="41" presetID="1" presetClass="entr" presetSubtype="0" fill="hold" nodeType="withEffect">
                                   <p:stCondLst>
                                     <p:cond delay="0"/>
                                   </p:stCondLst>
@@ -9233,7 +9373,7 @@
                                           </p:stCondLst>
                                         </p:cTn>
                                         <p:tgtEl>
-                                          <p:spTgt spid="18"/>
+                                          <p:spTgt spid="14"/>
                                         </p:tgtEl>
                                         <p:attrNameLst>
                                           <p:attrName>style.visibility</p:attrName>
@@ -9260,7 +9400,7 @@
                                           </p:stCondLst>
                                         </p:cTn>
                                         <p:tgtEl>
-                                          <p:spTgt spid="15"/>
+                                          <p:spTgt spid="18"/>
                                         </p:tgtEl>
                                         <p:attrNameLst>
                                           <p:attrName>style.visibility</p:attrName>
@@ -9287,6 +9427,33 @@
                                           </p:stCondLst>
                                         </p:cTn>
                                         <p:tgtEl>
+                                          <p:spTgt spid="15"/>
+                                        </p:tgtEl>
+                                        <p:attrNameLst>
+                                          <p:attrName>style.visibility</p:attrName>
+                                        </p:attrNameLst>
+                                      </p:cBhvr>
+                                      <p:to>
+                                        <p:strVal val="visible"/>
+                                      </p:to>
+                                    </p:set>
+                                  </p:childTnLst>
+                                </p:cTn>
+                              </p:par>
+                              <p:par>
+                                <p:cTn id="47" presetID="1" presetClass="entr" presetSubtype="0" fill="hold" grpId="0" nodeType="withEffect">
+                                  <p:stCondLst>
+                                    <p:cond delay="0"/>
+                                  </p:stCondLst>
+                                  <p:childTnLst>
+                                    <p:set>
+                                      <p:cBhvr>
+                                        <p:cTn id="48" dur="1" fill="hold">
+                                          <p:stCondLst>
+                                            <p:cond delay="0"/>
+                                          </p:stCondLst>
+                                        </p:cTn>
+                                        <p:tgtEl>
                                           <p:spTgt spid="41"/>
                                         </p:tgtEl>
                                         <p:attrNameLst>
@@ -9307,46 +9474,19 @@
                     </p:cTn>
                   </p:par>
                   <p:par>
-                    <p:cTn id="47" fill="hold">
+                    <p:cTn id="49" fill="hold">
                       <p:stCondLst>
                         <p:cond delay="indefinite"/>
                       </p:stCondLst>
                       <p:childTnLst>
                         <p:par>
-                          <p:cTn id="48" fill="hold">
+                          <p:cTn id="50" fill="hold">
                             <p:stCondLst>
                               <p:cond delay="0"/>
                             </p:stCondLst>
                             <p:childTnLst>
                               <p:par>
-                                <p:cTn id="49" presetID="1" presetClass="entr" presetSubtype="0" fill="hold" grpId="0" nodeType="clickEffect">
-                                  <p:stCondLst>
-                                    <p:cond delay="0"/>
-                                  </p:stCondLst>
-                                  <p:childTnLst>
-                                    <p:set>
-                                      <p:cBhvr>
-                                        <p:cTn id="50" dur="1" fill="hold">
-                                          <p:stCondLst>
-                                            <p:cond delay="0"/>
-                                          </p:stCondLst>
-                                        </p:cTn>
-                                        <p:tgtEl>
-                                          <p:spTgt spid="27"/>
-                                        </p:tgtEl>
-                                        <p:attrNameLst>
-                                          <p:attrName>style.visibility</p:attrName>
-                                        </p:attrNameLst>
-                                      </p:cBhvr>
-                                      <p:to>
-                                        <p:strVal val="visible"/>
-                                      </p:to>
-                                    </p:set>
-                                  </p:childTnLst>
-                                </p:cTn>
-                              </p:par>
-                              <p:par>
-                                <p:cTn id="51" presetID="1" presetClass="entr" presetSubtype="0" fill="hold" nodeType="withEffect">
+                                <p:cTn id="51" presetID="1" presetClass="entr" presetSubtype="0" fill="hold" grpId="0" nodeType="clickEffect">
                                   <p:stCondLst>
                                     <p:cond delay="0"/>
                                   </p:stCondLst>
@@ -9359,7 +9499,7 @@
                                           </p:stCondLst>
                                         </p:cTn>
                                         <p:tgtEl>
-                                          <p:spTgt spid="20"/>
+                                          <p:spTgt spid="27"/>
                                         </p:tgtEl>
                                         <p:attrNameLst>
                                           <p:attrName>style.visibility</p:attrName>
@@ -9386,7 +9526,7 @@
                                           </p:stCondLst>
                                         </p:cTn>
                                         <p:tgtEl>
-                                          <p:spTgt spid="21"/>
+                                          <p:spTgt spid="20"/>
                                         </p:tgtEl>
                                         <p:attrNameLst>
                                           <p:attrName>style.visibility</p:attrName>
@@ -9413,6 +9553,33 @@
                                           </p:stCondLst>
                                         </p:cTn>
                                         <p:tgtEl>
+                                          <p:spTgt spid="21"/>
+                                        </p:tgtEl>
+                                        <p:attrNameLst>
+                                          <p:attrName>style.visibility</p:attrName>
+                                        </p:attrNameLst>
+                                      </p:cBhvr>
+                                      <p:to>
+                                        <p:strVal val="visible"/>
+                                      </p:to>
+                                    </p:set>
+                                  </p:childTnLst>
+                                </p:cTn>
+                              </p:par>
+                              <p:par>
+                                <p:cTn id="57" presetID="1" presetClass="entr" presetSubtype="0" fill="hold" nodeType="withEffect">
+                                  <p:stCondLst>
+                                    <p:cond delay="0"/>
+                                  </p:stCondLst>
+                                  <p:childTnLst>
+                                    <p:set>
+                                      <p:cBhvr>
+                                        <p:cTn id="58" dur="1" fill="hold">
+                                          <p:stCondLst>
+                                            <p:cond delay="0"/>
+                                          </p:stCondLst>
+                                        </p:cTn>
+                                        <p:tgtEl>
                                           <p:spTgt spid="1050"/>
                                         </p:tgtEl>
                                         <p:attrNameLst>
@@ -9427,14 +9594,14 @@
                                 </p:cTn>
                               </p:par>
                               <p:par>
-                                <p:cTn id="57" presetID="1" presetClass="entr" presetSubtype="0" fill="hold" grpId="0" nodeType="withEffect">
+                                <p:cTn id="59" presetID="1" presetClass="entr" presetSubtype="0" fill="hold" grpId="0" nodeType="withEffect">
                                   <p:stCondLst>
                                     <p:cond delay="0"/>
                                   </p:stCondLst>
                                   <p:childTnLst>
                                     <p:set>
                                       <p:cBhvr>
-                                        <p:cTn id="58" dur="1" fill="hold">
+                                        <p:cTn id="60" dur="1" fill="hold">
                                           <p:stCondLst>
                                             <p:cond delay="0"/>
                                           </p:stCondLst>

--- a/docs/Prezentacja Bajguz Kierzkowski.pptx
+++ b/docs/Prezentacja Bajguz Kierzkowski.pptx
@@ -214,7 +214,7 @@
           <a:p>
             <a:fld id="{1ECD208D-F206-4DE1-A130-CB2F44406222}" type="datetimeFigureOut">
               <a:rPr lang="pl-PL" smtClean="0"/>
-              <a:t>2020-06-17</a:t>
+              <a:t>2020-06-18</a:t>
             </a:fld>
             <a:endParaRPr lang="pl-PL"/>
           </a:p>
@@ -964,7 +964,7 @@
           <a:p>
             <a:fld id="{D212F793-D17A-417E-9250-C2A1FC8F817D}" type="datetime1">
               <a:rPr lang="en-US" smtClean="0"/>
-              <a:t>6/17/2020</a:t>
+              <a:t>6/18/2020</a:t>
             </a:fld>
             <a:endParaRPr lang="en-US"/>
           </a:p>
@@ -1215,7 +1215,7 @@
           <a:p>
             <a:fld id="{ECBC202B-11B5-48B7-B7F0-13C83584BDA8}" type="datetime1">
               <a:rPr lang="en-US" smtClean="0"/>
-              <a:t>6/17/2020</a:t>
+              <a:t>6/18/2020</a:t>
             </a:fld>
             <a:endParaRPr lang="en-US"/>
           </a:p>
@@ -1476,7 +1476,7 @@
           <a:p>
             <a:fld id="{D8684B86-FE16-4328-945A-B8A64E5F8641}" type="datetime1">
               <a:rPr lang="en-US" smtClean="0"/>
-              <a:t>6/17/2020</a:t>
+              <a:t>6/18/2020</a:t>
             </a:fld>
             <a:endParaRPr lang="en-US"/>
           </a:p>
@@ -1727,7 +1727,7 @@
           <a:p>
             <a:fld id="{6A68DCFA-D0AD-4FE1-BDE8-DDED694D5B3C}" type="datetime1">
               <a:rPr lang="en-US" smtClean="0"/>
-              <a:t>6/17/2020</a:t>
+              <a:t>6/18/2020</a:t>
             </a:fld>
             <a:endParaRPr lang="en-US"/>
           </a:p>
@@ -2055,7 +2055,7 @@
           <a:p>
             <a:fld id="{D0BC7A0A-7D3C-4FF4-A761-8E59D07697D7}" type="datetime1">
               <a:rPr lang="en-US" smtClean="0"/>
-              <a:t>6/17/2020</a:t>
+              <a:t>6/18/2020</a:t>
             </a:fld>
             <a:endParaRPr lang="en-US"/>
           </a:p>
@@ -2373,7 +2373,7 @@
           <a:p>
             <a:fld id="{421721B3-5F61-4EB4-9477-E06D99717A8A}" type="datetime1">
               <a:rPr lang="en-US" smtClean="0"/>
-              <a:t>6/17/2020</a:t>
+              <a:t>6/18/2020</a:t>
             </a:fld>
             <a:endParaRPr lang="en-US"/>
           </a:p>
@@ -2838,7 +2838,7 @@
           <a:p>
             <a:fld id="{530ED192-0826-4863-86AC-E82176F50861}" type="datetime1">
               <a:rPr lang="en-US" smtClean="0"/>
-              <a:t>6/17/2020</a:t>
+              <a:t>6/18/2020</a:t>
             </a:fld>
             <a:endParaRPr lang="en-US"/>
           </a:p>
@@ -3032,7 +3032,7 @@
           <a:p>
             <a:fld id="{619D96CE-55CD-4CE3-9263-40C1FCA958F0}" type="datetime1">
               <a:rPr lang="en-US" smtClean="0"/>
-              <a:t>6/17/2020</a:t>
+              <a:t>6/18/2020</a:t>
             </a:fld>
             <a:endParaRPr lang="en-US"/>
           </a:p>
@@ -3198,7 +3198,7 @@
           <a:p>
             <a:fld id="{82DA0F9D-89DE-40CF-A809-DD76762E33E7}" type="datetime1">
               <a:rPr lang="en-US" smtClean="0"/>
-              <a:t>6/17/2020</a:t>
+              <a:t>6/18/2020</a:t>
             </a:fld>
             <a:endParaRPr lang="en-US"/>
           </a:p>
@@ -3562,7 +3562,7 @@
           <a:p>
             <a:fld id="{EBD11123-D128-4BC3-B119-DF679DA2D290}" type="datetime1">
               <a:rPr lang="en-US" smtClean="0"/>
-              <a:t>6/17/2020</a:t>
+              <a:t>6/18/2020</a:t>
             </a:fld>
             <a:endParaRPr lang="en-US"/>
           </a:p>
@@ -3906,7 +3906,7 @@
           <a:p>
             <a:fld id="{1C1DC363-5D93-4C75-9D7B-C98F5CAB13EA}" type="datetime1">
               <a:rPr lang="en-US" smtClean="0"/>
-              <a:t>6/17/2020</a:t>
+              <a:t>6/18/2020</a:t>
             </a:fld>
             <a:endParaRPr lang="en-US"/>
           </a:p>
@@ -4200,7 +4200,7 @@
           <a:p>
             <a:fld id="{76A81BAB-9DAE-4BB9-8C1B-9E2E92BBFFD9}" type="datetime1">
               <a:rPr lang="en-US" smtClean="0"/>
-              <a:t>6/17/2020</a:t>
+              <a:t>6/18/2020</a:t>
             </a:fld>
             <a:endParaRPr lang="en-US" dirty="0"/>
           </a:p>
@@ -5024,7 +5024,13 @@
               </a:lnSpc>
               <a:buNone/>
             </a:pPr>
-            <a:endParaRPr lang="pl-PL" dirty="0"/>
+            <a:endParaRPr lang="pl-PL" dirty="0">
+              <a:solidFill>
+                <a:schemeClr val="accent3">
+                  <a:lumMod val="50000"/>
+                </a:schemeClr>
+              </a:solidFill>
+            </a:endParaRPr>
           </a:p>
           <a:p>
             <a:pPr marL="0" indent="0">
@@ -5036,10 +5042,12 @@
             <a:r>
               <a:rPr lang="pl-PL" b="1" dirty="0">
                 <a:solidFill>
-                  <a:srgbClr val="7030A0"/>
+                  <a:schemeClr val="accent3">
+                    <a:lumMod val="50000"/>
+                  </a:schemeClr>
                 </a:solidFill>
               </a:rPr>
-              <a:t>System rozszerzono o trzy funkcjonalności opierające się o nierelacyjnych baz danych:</a:t>
+              <a:t>System rozszerzono o trzy funkcjonalności opierające się na nierelacyjnych baz danych:</a:t>
             </a:r>
           </a:p>
           <a:p>
@@ -5053,7 +5061,9 @@
             <a:r>
               <a:rPr lang="pl-PL" dirty="0">
                 <a:solidFill>
-                  <a:srgbClr val="7030A0"/>
+                  <a:schemeClr val="accent3">
+                    <a:lumMod val="50000"/>
+                  </a:schemeClr>
                 </a:solidFill>
               </a:rPr>
               <a:t> </a:t>
@@ -5061,7 +5071,9 @@
             <a:r>
               <a:rPr lang="pl-PL" dirty="0" err="1">
                 <a:solidFill>
-                  <a:srgbClr val="7030A0"/>
+                  <a:schemeClr val="accent3">
+                    <a:lumMod val="50000"/>
+                  </a:schemeClr>
                 </a:solidFill>
               </a:rPr>
               <a:t>logger</a:t>
@@ -5069,7 +5081,9 @@
             <a:r>
               <a:rPr lang="pl-PL" dirty="0">
                 <a:solidFill>
-                  <a:srgbClr val="7030A0"/>
+                  <a:schemeClr val="accent3">
+                    <a:lumMod val="50000"/>
+                  </a:schemeClr>
                 </a:solidFill>
               </a:rPr>
               <a:t> pociągu (</a:t>
@@ -5077,7 +5091,9 @@
             <a:r>
               <a:rPr lang="pl-PL" dirty="0" err="1">
                 <a:solidFill>
-                  <a:srgbClr val="7030A0"/>
+                  <a:schemeClr val="accent3">
+                    <a:lumMod val="50000"/>
+                  </a:schemeClr>
                 </a:solidFill>
               </a:rPr>
               <a:t>MongoDb</a:t>
@@ -5085,7 +5101,9 @@
             <a:r>
               <a:rPr lang="pl-PL" dirty="0">
                 <a:solidFill>
-                  <a:srgbClr val="7030A0"/>
+                  <a:schemeClr val="accent3">
+                    <a:lumMod val="50000"/>
+                  </a:schemeClr>
                 </a:solidFill>
               </a:rPr>
               <a:t>),</a:t>
@@ -5102,7 +5120,9 @@
             <a:r>
               <a:rPr lang="pl-PL" dirty="0">
                 <a:solidFill>
-                  <a:srgbClr val="7030A0"/>
+                  <a:schemeClr val="accent3">
+                    <a:lumMod val="50000"/>
+                  </a:schemeClr>
                 </a:solidFill>
               </a:rPr>
               <a:t> analityka (</a:t>
@@ -5110,7 +5130,9 @@
             <a:r>
               <a:rPr lang="pl-PL" dirty="0" err="1">
                 <a:solidFill>
-                  <a:srgbClr val="7030A0"/>
+                  <a:schemeClr val="accent3">
+                    <a:lumMod val="50000"/>
+                  </a:schemeClr>
                 </a:solidFill>
               </a:rPr>
               <a:t>MongoDb</a:t>
@@ -5118,7 +5140,9 @@
             <a:r>
               <a:rPr lang="pl-PL" dirty="0">
                 <a:solidFill>
-                  <a:srgbClr val="7030A0"/>
+                  <a:schemeClr val="accent3">
+                    <a:lumMod val="50000"/>
+                  </a:schemeClr>
                 </a:solidFill>
               </a:rPr>
               <a:t>),</a:t>
@@ -5135,10 +5159,12 @@
             <a:r>
               <a:rPr lang="pl-PL" dirty="0">
                 <a:solidFill>
-                  <a:srgbClr val="7030A0"/>
+                  <a:schemeClr val="accent3">
+                    <a:lumMod val="50000"/>
+                  </a:schemeClr>
                 </a:solidFill>
               </a:rPr>
-              <a:t> cache (baza klucz wartość)</a:t>
+              <a:t> cache (baza klucz-wartość)</a:t>
             </a:r>
           </a:p>
           <a:p>
@@ -5514,7 +5540,7 @@
         <p:spPr>
           <a:xfrm>
             <a:off x="838200" y="-1519"/>
-            <a:ext cx="10515600" cy="1164839"/>
+            <a:ext cx="10515600" cy="861391"/>
           </a:xfrm>
         </p:spPr>
         <p:txBody>
@@ -5542,7 +5568,7 @@
         </p:nvSpPr>
         <p:spPr>
           <a:xfrm>
-            <a:off x="749347" y="6065520"/>
+            <a:off x="749347" y="5809662"/>
             <a:ext cx="4414991" cy="530915"/>
           </a:xfrm>
           <a:prstGeom prst="rect">
@@ -5655,7 +5681,7 @@
         </p:nvSpPr>
         <p:spPr>
           <a:xfrm>
-            <a:off x="7736897" y="6283826"/>
+            <a:off x="7736897" y="6250273"/>
             <a:ext cx="2454518" cy="369332"/>
           </a:xfrm>
           <a:prstGeom prst="rect">
@@ -5741,7 +5767,7 @@
         </p:blipFill>
         <p:spPr>
           <a:xfrm>
-            <a:off x="7309414" y="4742375"/>
+            <a:off x="7309414" y="4700435"/>
             <a:ext cx="3309484" cy="1545658"/>
           </a:xfrm>
           <a:prstGeom prst="rect">
@@ -5771,7 +5797,7 @@
         </p:blipFill>
         <p:spPr>
           <a:xfrm>
-            <a:off x="1292490" y="1097280"/>
+            <a:off x="1292490" y="841422"/>
             <a:ext cx="3328706" cy="4998720"/>
           </a:xfrm>
           <a:prstGeom prst="rect">
@@ -5789,13 +5815,13 @@
             </a:extLst>
           </p:cNvPr>
           <p:cNvCxnSpPr>
-            <a:stCxn id="19" idx="3"/>
+            <a:cxnSpLocks/>
           </p:cNvCxnSpPr>
           <p:nvPr/>
         </p:nvCxnSpPr>
         <p:spPr>
           <a:xfrm flipV="1">
-            <a:off x="4621196" y="2321560"/>
+            <a:off x="4621196" y="2308978"/>
             <a:ext cx="2099644" cy="1275080"/>
           </a:xfrm>
           <a:prstGeom prst="bentConnector3">
@@ -5840,11 +5866,11 @@
         <p:spPr>
           <a:xfrm>
             <a:off x="4621196" y="3717925"/>
-            <a:ext cx="2626271" cy="1937808"/>
+            <a:ext cx="2643670" cy="1873337"/>
           </a:xfrm>
           <a:prstGeom prst="bentConnector3">
             <a:avLst>
-              <a:gd name="adj1" fmla="val 59188"/>
+              <a:gd name="adj1" fmla="val 59044"/>
             </a:avLst>
           </a:prstGeom>
           <a:ln>
@@ -5902,6 +5928,369 @@
           </a:ln>
         </p:spPr>
       </p:pic>
+      <p:sp>
+        <p:nvSpPr>
+          <p:cNvPr id="2" name="Prostokąt 1">
+            <a:extLst>
+              <a:ext uri="{FF2B5EF4-FFF2-40B4-BE49-F238E27FC236}">
+                <a16:creationId xmlns:a16="http://schemas.microsoft.com/office/drawing/2014/main" id="{6DB6BA7F-5AA6-468D-B1B9-A1FFFBBE80F0}"/>
+              </a:ext>
+            </a:extLst>
+          </p:cNvPr>
+          <p:cNvSpPr/>
+          <p:nvPr/>
+        </p:nvSpPr>
+        <p:spPr>
+          <a:xfrm>
+            <a:off x="778778" y="6421906"/>
+            <a:ext cx="4385559" cy="261610"/>
+          </a:xfrm>
+          <a:prstGeom prst="rect">
+            <a:avLst/>
+          </a:prstGeom>
+        </p:spPr>
+        <p:txBody>
+          <a:bodyPr wrap="square">
+            <a:spAutoFit/>
+          </a:bodyPr>
+          <a:lstStyle/>
+          <a:p>
+            <a:pPr algn="ctr"/>
+            <a:r>
+              <a:rPr lang="pl-PL" sz="1100" b="1" dirty="0"/>
+              <a:t>Linie kodu: </a:t>
+            </a:r>
+            <a:r>
+              <a:rPr lang="pl-PL" sz="1100" dirty="0"/>
+              <a:t>4749 </a:t>
+            </a:r>
+            <a:r>
+              <a:rPr lang="pl-PL" sz="1100" b="1" dirty="0">
+                <a:solidFill>
+                  <a:schemeClr val="accent6">
+                    <a:lumMod val="50000"/>
+                  </a:schemeClr>
+                </a:solidFill>
+                <a:latin typeface="Calibri" panose="020F0502020204030204" pitchFamily="34" charset="0"/>
+                <a:cs typeface="Calibri" panose="020F0502020204030204" pitchFamily="34" charset="0"/>
+              </a:rPr>
+              <a:t>→</a:t>
+            </a:r>
+            <a:r>
+              <a:rPr lang="pl-PL" sz="1100" b="1" dirty="0">
+                <a:solidFill>
+                  <a:schemeClr val="accent6">
+                    <a:lumMod val="50000"/>
+                  </a:schemeClr>
+                </a:solidFill>
+              </a:rPr>
+              <a:t> 7456 </a:t>
+            </a:r>
+            <a:r>
+              <a:rPr lang="pl-PL" sz="1100" b="1" dirty="0"/>
+              <a:t>| Klasy: </a:t>
+            </a:r>
+            <a:r>
+              <a:rPr lang="pl-PL" sz="1100" dirty="0"/>
+              <a:t>214 </a:t>
+            </a:r>
+            <a:r>
+              <a:rPr lang="pl-PL" sz="1100" b="1" dirty="0">
+                <a:solidFill>
+                  <a:schemeClr val="accent6">
+                    <a:lumMod val="50000"/>
+                  </a:schemeClr>
+                </a:solidFill>
+                <a:latin typeface="Calibri" panose="020F0502020204030204" pitchFamily="34" charset="0"/>
+                <a:cs typeface="Calibri" panose="020F0502020204030204" pitchFamily="34" charset="0"/>
+              </a:rPr>
+              <a:t>→</a:t>
+            </a:r>
+            <a:r>
+              <a:rPr lang="pl-PL" sz="1100" b="1" dirty="0">
+                <a:solidFill>
+                  <a:schemeClr val="accent6">
+                    <a:lumMod val="50000"/>
+                  </a:schemeClr>
+                </a:solidFill>
+              </a:rPr>
+              <a:t> 306 </a:t>
+            </a:r>
+            <a:r>
+              <a:rPr lang="pl-PL" sz="1100" b="1" dirty="0"/>
+              <a:t>| Interfejsy: </a:t>
+            </a:r>
+            <a:r>
+              <a:rPr lang="pl-PL" sz="1100" dirty="0"/>
+              <a:t>37 </a:t>
+            </a:r>
+            <a:r>
+              <a:rPr lang="pl-PL" sz="1100" b="1" dirty="0">
+                <a:solidFill>
+                  <a:schemeClr val="accent6">
+                    <a:lumMod val="50000"/>
+                  </a:schemeClr>
+                </a:solidFill>
+                <a:latin typeface="Calibri" panose="020F0502020204030204" pitchFamily="34" charset="0"/>
+                <a:cs typeface="Calibri" panose="020F0502020204030204" pitchFamily="34" charset="0"/>
+              </a:rPr>
+              <a:t>→</a:t>
+            </a:r>
+            <a:r>
+              <a:rPr lang="pl-PL" sz="1100" b="1" dirty="0">
+                <a:solidFill>
+                  <a:schemeClr val="accent6">
+                    <a:lumMod val="50000"/>
+                  </a:schemeClr>
+                </a:solidFill>
+              </a:rPr>
+              <a:t> 57</a:t>
+            </a:r>
+          </a:p>
+        </p:txBody>
+      </p:sp>
+      <p:sp>
+        <p:nvSpPr>
+          <p:cNvPr id="18" name="Prostokąt 17">
+            <a:extLst>
+              <a:ext uri="{FF2B5EF4-FFF2-40B4-BE49-F238E27FC236}">
+                <a16:creationId xmlns:a16="http://schemas.microsoft.com/office/drawing/2014/main" id="{5BD94ED8-31AC-4059-A4F6-2196163B3C08}"/>
+              </a:ext>
+            </a:extLst>
+          </p:cNvPr>
+          <p:cNvSpPr/>
+          <p:nvPr/>
+        </p:nvSpPr>
+        <p:spPr>
+          <a:xfrm>
+            <a:off x="6467339" y="4239233"/>
+            <a:ext cx="5069685" cy="261610"/>
+          </a:xfrm>
+          <a:prstGeom prst="rect">
+            <a:avLst/>
+          </a:prstGeom>
+        </p:spPr>
+        <p:txBody>
+          <a:bodyPr wrap="square">
+            <a:spAutoFit/>
+          </a:bodyPr>
+          <a:lstStyle/>
+          <a:p>
+            <a:pPr algn="ctr"/>
+            <a:r>
+              <a:rPr lang="pl-PL" sz="1100" b="1" dirty="0"/>
+              <a:t>Linie kodu: </a:t>
+            </a:r>
+            <a:r>
+              <a:rPr lang="pl-PL" sz="1100" dirty="0"/>
+              <a:t>0 </a:t>
+            </a:r>
+            <a:r>
+              <a:rPr lang="pl-PL" sz="1100" b="1" dirty="0">
+                <a:solidFill>
+                  <a:schemeClr val="accent5">
+                    <a:lumMod val="75000"/>
+                  </a:schemeClr>
+                </a:solidFill>
+                <a:latin typeface="Calibri" panose="020F0502020204030204" pitchFamily="34" charset="0"/>
+                <a:cs typeface="Calibri" panose="020F0502020204030204" pitchFamily="34" charset="0"/>
+              </a:rPr>
+              <a:t>→</a:t>
+            </a:r>
+            <a:r>
+              <a:rPr lang="pl-PL" sz="1100" b="1" dirty="0">
+                <a:solidFill>
+                  <a:schemeClr val="accent5">
+                    <a:lumMod val="75000"/>
+                  </a:schemeClr>
+                </a:solidFill>
+              </a:rPr>
+              <a:t> 3881 C#; 2123 XAML </a:t>
+            </a:r>
+            <a:r>
+              <a:rPr lang="pl-PL" sz="1100" b="1" dirty="0"/>
+              <a:t>| Klasy: </a:t>
+            </a:r>
+            <a:r>
+              <a:rPr lang="pl-PL" sz="1100" dirty="0"/>
+              <a:t>0 </a:t>
+            </a:r>
+            <a:r>
+              <a:rPr lang="pl-PL" sz="1100" b="1" dirty="0">
+                <a:solidFill>
+                  <a:schemeClr val="accent5">
+                    <a:lumMod val="75000"/>
+                  </a:schemeClr>
+                </a:solidFill>
+                <a:latin typeface="Calibri" panose="020F0502020204030204" pitchFamily="34" charset="0"/>
+                <a:cs typeface="Calibri" panose="020F0502020204030204" pitchFamily="34" charset="0"/>
+              </a:rPr>
+              <a:t>→</a:t>
+            </a:r>
+            <a:r>
+              <a:rPr lang="pl-PL" sz="1100" b="1" dirty="0">
+                <a:solidFill>
+                  <a:schemeClr val="accent5">
+                    <a:lumMod val="75000"/>
+                  </a:schemeClr>
+                </a:solidFill>
+              </a:rPr>
+              <a:t> 168 </a:t>
+            </a:r>
+            <a:r>
+              <a:rPr lang="pl-PL" sz="1100" b="1" dirty="0"/>
+              <a:t>| Interfejsy: </a:t>
+            </a:r>
+            <a:r>
+              <a:rPr lang="pl-PL" sz="1100" dirty="0"/>
+              <a:t>0 </a:t>
+            </a:r>
+            <a:r>
+              <a:rPr lang="pl-PL" sz="1100" b="1" dirty="0">
+                <a:solidFill>
+                  <a:schemeClr val="accent5">
+                    <a:lumMod val="75000"/>
+                  </a:schemeClr>
+                </a:solidFill>
+                <a:latin typeface="Calibri" panose="020F0502020204030204" pitchFamily="34" charset="0"/>
+                <a:cs typeface="Calibri" panose="020F0502020204030204" pitchFamily="34" charset="0"/>
+              </a:rPr>
+              <a:t>→</a:t>
+            </a:r>
+            <a:r>
+              <a:rPr lang="pl-PL" sz="1100" b="1" dirty="0">
+                <a:solidFill>
+                  <a:schemeClr val="accent5">
+                    <a:lumMod val="75000"/>
+                  </a:schemeClr>
+                </a:solidFill>
+              </a:rPr>
+              <a:t> 34</a:t>
+            </a:r>
+          </a:p>
+        </p:txBody>
+      </p:sp>
+      <p:sp>
+        <p:nvSpPr>
+          <p:cNvPr id="20" name="Prostokąt 19">
+            <a:extLst>
+              <a:ext uri="{FF2B5EF4-FFF2-40B4-BE49-F238E27FC236}">
+                <a16:creationId xmlns:a16="http://schemas.microsoft.com/office/drawing/2014/main" id="{8A6383C0-1CF8-4770-BEAB-6F5F9A5892DB}"/>
+              </a:ext>
+            </a:extLst>
+          </p:cNvPr>
+          <p:cNvSpPr/>
+          <p:nvPr/>
+        </p:nvSpPr>
+        <p:spPr>
+          <a:xfrm>
+            <a:off x="6741959" y="6572518"/>
+            <a:ext cx="4385559" cy="261610"/>
+          </a:xfrm>
+          <a:prstGeom prst="rect">
+            <a:avLst/>
+          </a:prstGeom>
+        </p:spPr>
+        <p:txBody>
+          <a:bodyPr wrap="square">
+            <a:spAutoFit/>
+          </a:bodyPr>
+          <a:lstStyle/>
+          <a:p>
+            <a:pPr algn="ctr"/>
+            <a:r>
+              <a:rPr lang="pl-PL" sz="1100" b="1" dirty="0"/>
+              <a:t>Linie kodu: </a:t>
+            </a:r>
+            <a:r>
+              <a:rPr lang="pl-PL" sz="1100" dirty="0"/>
+              <a:t>0 </a:t>
+            </a:r>
+            <a:r>
+              <a:rPr lang="pl-PL" sz="1100" b="1" dirty="0">
+                <a:solidFill>
+                  <a:schemeClr val="accent1">
+                    <a:lumMod val="75000"/>
+                  </a:schemeClr>
+                </a:solidFill>
+                <a:latin typeface="Calibri" panose="020F0502020204030204" pitchFamily="34" charset="0"/>
+                <a:cs typeface="Calibri" panose="020F0502020204030204" pitchFamily="34" charset="0"/>
+              </a:rPr>
+              <a:t>→</a:t>
+            </a:r>
+            <a:r>
+              <a:rPr lang="pl-PL" sz="1100" b="1" dirty="0">
+                <a:solidFill>
+                  <a:schemeClr val="accent1">
+                    <a:lumMod val="75000"/>
+                  </a:schemeClr>
+                </a:solidFill>
+              </a:rPr>
+              <a:t> 816 </a:t>
+            </a:r>
+            <a:r>
+              <a:rPr lang="pl-PL" sz="1100" b="1" dirty="0"/>
+              <a:t>| Klasy: </a:t>
+            </a:r>
+            <a:r>
+              <a:rPr lang="pl-PL" sz="1100" dirty="0"/>
+              <a:t>0 </a:t>
+            </a:r>
+            <a:r>
+              <a:rPr lang="pl-PL" sz="1100" b="1" dirty="0">
+                <a:solidFill>
+                  <a:schemeClr val="accent1">
+                    <a:lumMod val="75000"/>
+                  </a:schemeClr>
+                </a:solidFill>
+                <a:latin typeface="Calibri" panose="020F0502020204030204" pitchFamily="34" charset="0"/>
+                <a:cs typeface="Calibri" panose="020F0502020204030204" pitchFamily="34" charset="0"/>
+              </a:rPr>
+              <a:t>→</a:t>
+            </a:r>
+            <a:r>
+              <a:rPr lang="pl-PL" sz="1100" b="1" dirty="0">
+                <a:solidFill>
+                  <a:schemeClr val="accent1">
+                    <a:lumMod val="75000"/>
+                  </a:schemeClr>
+                </a:solidFill>
+              </a:rPr>
+              <a:t> 48 </a:t>
+            </a:r>
+            <a:r>
+              <a:rPr lang="pl-PL" sz="1100" b="1" dirty="0"/>
+              <a:t>| Interfejsy: </a:t>
+            </a:r>
+            <a:r>
+              <a:rPr lang="pl-PL" sz="1100" dirty="0"/>
+              <a:t>0 </a:t>
+            </a:r>
+            <a:r>
+              <a:rPr lang="pl-PL" sz="1100" b="1" dirty="0">
+                <a:solidFill>
+                  <a:schemeClr val="accent1">
+                    <a:lumMod val="75000"/>
+                  </a:schemeClr>
+                </a:solidFill>
+                <a:latin typeface="Calibri" panose="020F0502020204030204" pitchFamily="34" charset="0"/>
+                <a:cs typeface="Calibri" panose="020F0502020204030204" pitchFamily="34" charset="0"/>
+              </a:rPr>
+              <a:t>→</a:t>
+            </a:r>
+            <a:r>
+              <a:rPr lang="pl-PL" sz="1100" b="1" dirty="0">
+                <a:solidFill>
+                  <a:schemeClr val="accent1">
+                    <a:lumMod val="75000"/>
+                  </a:schemeClr>
+                </a:solidFill>
+              </a:rPr>
+              <a:t> 1</a:t>
+            </a:r>
+          </a:p>
+        </p:txBody>
+      </p:sp>
     </p:spTree>
     <p:extLst>
       <p:ext uri="{BB962C8B-B14F-4D97-AF65-F5344CB8AC3E}">
@@ -6333,6 +6722,11 @@
             </a:pathLst>
           </a:custGeom>
           <a:ln w="28575">
+            <a:solidFill>
+              <a:schemeClr val="accent6">
+                <a:lumMod val="50000"/>
+              </a:schemeClr>
+            </a:solidFill>
             <a:extLst>
               <a:ext uri="{C807C97D-BFC1-408E-A445-0C87EB9F89A2}">
                 <ask:lineSketchStyleProps xmlns:ask="http://schemas.microsoft.com/office/drawing/2018/sketchyshapes" sd="2832065101">
@@ -7056,6 +7450,11 @@
             </a:pathLst>
           </a:custGeom>
           <a:ln w="28575">
+            <a:solidFill>
+              <a:schemeClr val="accent6">
+                <a:lumMod val="50000"/>
+              </a:schemeClr>
+            </a:solidFill>
             <a:extLst>
               <a:ext uri="{C807C97D-BFC1-408E-A445-0C87EB9F89A2}">
                 <ask:lineSketchStyleProps xmlns:ask="http://schemas.microsoft.com/office/drawing/2018/sketchyshapes" sd="1975793617">
@@ -8457,6 +8856,11 @@
             </a:pathLst>
           </a:custGeom>
           <a:ln w="28575">
+            <a:solidFill>
+              <a:schemeClr val="accent3">
+                <a:lumMod val="75000"/>
+              </a:schemeClr>
+            </a:solidFill>
             <a:extLst>
               <a:ext uri="{C807C97D-BFC1-408E-A445-0C87EB9F89A2}">
                 <ask:lineSketchStyleProps xmlns:ask="http://schemas.microsoft.com/office/drawing/2018/sketchyshapes" sd="3788185039">
@@ -8623,7 +9027,7 @@
         </p:blipFill>
         <p:spPr>
           <a:xfrm>
-            <a:off x="8690279" y="1535258"/>
+            <a:off x="8690279" y="2035678"/>
             <a:ext cx="2405525" cy="948814"/>
           </a:xfrm>
           <a:prstGeom prst="rect">
@@ -8660,7 +9064,7 @@
         </p:blipFill>
         <p:spPr bwMode="auto">
           <a:xfrm>
-            <a:off x="8690279" y="2619244"/>
+            <a:off x="8690279" y="2933144"/>
             <a:ext cx="2405525" cy="626167"/>
           </a:xfrm>
           <a:prstGeom prst="rect">
@@ -8852,6 +9256,90 @@
           </a:extLst>
         </p:spPr>
       </p:pic>
+      <p:pic>
+        <p:nvPicPr>
+          <p:cNvPr id="36" name="Picture 6" descr="C_Sharp_logo_web - TechCentral.ie">
+            <a:extLst>
+              <a:ext uri="{FF2B5EF4-FFF2-40B4-BE49-F238E27FC236}">
+                <a16:creationId xmlns:a16="http://schemas.microsoft.com/office/drawing/2014/main" id="{08D144B5-268D-4619-9497-7389F549B27E}"/>
+              </a:ext>
+            </a:extLst>
+          </p:cNvPr>
+          <p:cNvPicPr>
+            <a:picLocks noChangeAspect="1" noChangeArrowheads="1"/>
+          </p:cNvPicPr>
+          <p:nvPr/>
+        </p:nvPicPr>
+        <p:blipFill rotWithShape="1">
+          <a:blip r:embed="rId12">
+            <a:extLst>
+              <a:ext uri="{28A0092B-C50C-407E-A947-70E740481C1C}">
+                <a14:useLocalDpi xmlns:a14="http://schemas.microsoft.com/office/drawing/2010/main" val="0"/>
+              </a:ext>
+            </a:extLst>
+          </a:blip>
+          <a:srcRect l="24117" r="21251"/>
+          <a:stretch/>
+        </p:blipFill>
+        <p:spPr bwMode="auto">
+          <a:xfrm>
+            <a:off x="9465045" y="1201091"/>
+            <a:ext cx="665076" cy="687233"/>
+          </a:xfrm>
+          <a:prstGeom prst="rect">
+            <a:avLst/>
+          </a:prstGeom>
+          <a:noFill/>
+          <a:extLst>
+            <a:ext uri="{909E8E84-426E-40DD-AFC4-6F175D3DCCD1}">
+              <a14:hiddenFill xmlns:a14="http://schemas.microsoft.com/office/drawing/2010/main">
+                <a:solidFill>
+                  <a:srgbClr val="FFFFFF"/>
+                </a:solidFill>
+              </a14:hiddenFill>
+            </a:ext>
+          </a:extLst>
+        </p:spPr>
+      </p:pic>
+      <p:sp>
+        <p:nvSpPr>
+          <p:cNvPr id="37" name="pole tekstowe 36">
+            <a:extLst>
+              <a:ext uri="{FF2B5EF4-FFF2-40B4-BE49-F238E27FC236}">
+                <a16:creationId xmlns:a16="http://schemas.microsoft.com/office/drawing/2014/main" id="{05DC3BF3-6DCE-4892-BD76-6CAB8AE48142}"/>
+              </a:ext>
+            </a:extLst>
+          </p:cNvPr>
+          <p:cNvSpPr txBox="1"/>
+          <p:nvPr/>
+        </p:nvSpPr>
+        <p:spPr>
+          <a:xfrm>
+            <a:off x="10071871" y="1360041"/>
+            <a:ext cx="505267" cy="369332"/>
+          </a:xfrm>
+          <a:prstGeom prst="rect">
+            <a:avLst/>
+          </a:prstGeom>
+          <a:noFill/>
+        </p:spPr>
+        <p:txBody>
+          <a:bodyPr wrap="none" rtlCol="0">
+            <a:spAutoFit/>
+          </a:bodyPr>
+          <a:lstStyle/>
+          <a:p>
+            <a:r>
+              <a:rPr lang="pl-PL" b="1" dirty="0">
+                <a:solidFill>
+                  <a:srgbClr val="9B4F97"/>
+                </a:solidFill>
+              </a:rPr>
+              <a:t>8.0</a:t>
+            </a:r>
+          </a:p>
+        </p:txBody>
+      </p:sp>
     </p:spTree>
     <p:extLst>
       <p:ext uri="{BB962C8B-B14F-4D97-AF65-F5344CB8AC3E}">
@@ -9206,26 +9694,35 @@
                                   </p:childTnLst>
                                 </p:cTn>
                               </p:par>
-                            </p:childTnLst>
-                          </p:cTn>
-                        </p:par>
-                      </p:childTnLst>
-                    </p:cTn>
-                  </p:par>
-                  <p:par>
-                    <p:cTn id="29" fill="hold">
-                      <p:stCondLst>
-                        <p:cond delay="indefinite"/>
-                      </p:stCondLst>
-                      <p:childTnLst>
-                        <p:par>
-                          <p:cTn id="30" fill="hold">
-                            <p:stCondLst>
-                              <p:cond delay="0"/>
-                            </p:stCondLst>
-                            <p:childTnLst>
                               <p:par>
-                                <p:cTn id="31" presetID="1" presetClass="entr" presetSubtype="0" fill="hold" grpId="0" nodeType="clickEffect">
+                                <p:cTn id="29" presetID="1" presetClass="entr" presetSubtype="0" fill="hold" grpId="0" nodeType="withEffect">
+                                  <p:stCondLst>
+                                    <p:cond delay="0"/>
+                                  </p:stCondLst>
+                                  <p:childTnLst>
+                                    <p:set>
+                                      <p:cBhvr>
+                                        <p:cTn id="30" dur="1" fill="hold">
+                                          <p:stCondLst>
+                                            <p:cond delay="0"/>
+                                          </p:stCondLst>
+                                        </p:cTn>
+                                        <p:tgtEl>
+                                          <p:spTgt spid="27"/>
+                                        </p:tgtEl>
+                                        <p:attrNameLst>
+                                          <p:attrName>style.visibility</p:attrName>
+                                        </p:attrNameLst>
+                                      </p:cBhvr>
+                                      <p:to>
+                                        <p:strVal val="visible"/>
+                                      </p:to>
+                                    </p:set>
+                                  </p:childTnLst>
+                                </p:cTn>
+                              </p:par>
+                              <p:par>
+                                <p:cTn id="31" presetID="1" presetClass="entr" presetSubtype="0" fill="hold" nodeType="withEffect">
                                   <p:stCondLst>
                                     <p:cond delay="0"/>
                                   </p:stCondLst>
@@ -9238,7 +9735,7 @@
                                           </p:stCondLst>
                                         </p:cTn>
                                         <p:tgtEl>
-                                          <p:spTgt spid="28"/>
+                                          <p:spTgt spid="20"/>
                                         </p:tgtEl>
                                         <p:attrNameLst>
                                           <p:attrName>style.visibility</p:attrName>
@@ -9265,7 +9762,7 @@
                                           </p:stCondLst>
                                         </p:cTn>
                                         <p:tgtEl>
-                                          <p:spTgt spid="6"/>
+                                          <p:spTgt spid="21"/>
                                         </p:tgtEl>
                                         <p:attrNameLst>
                                           <p:attrName>style.visibility</p:attrName>
@@ -9292,7 +9789,7 @@
                                           </p:stCondLst>
                                         </p:cTn>
                                         <p:tgtEl>
-                                          <p:spTgt spid="7"/>
+                                          <p:spTgt spid="1050"/>
                                         </p:tgtEl>
                                         <p:attrNameLst>
                                           <p:attrName>style.visibility</p:attrName>
@@ -9306,7 +9803,7 @@
                                 </p:cTn>
                               </p:par>
                               <p:par>
-                                <p:cTn id="37" presetID="1" presetClass="entr" presetSubtype="0" fill="hold" nodeType="withEffect">
+                                <p:cTn id="37" presetID="1" presetClass="entr" presetSubtype="0" fill="hold" grpId="0" nodeType="withEffect">
                                   <p:stCondLst>
                                     <p:cond delay="0"/>
                                   </p:stCondLst>
@@ -9319,7 +9816,7 @@
                                           </p:stCondLst>
                                         </p:cTn>
                                         <p:tgtEl>
-                                          <p:spTgt spid="10"/>
+                                          <p:spTgt spid="24"/>
                                         </p:tgtEl>
                                         <p:attrNameLst>
                                           <p:attrName>style.visibility</p:attrName>
@@ -9346,7 +9843,7 @@
                                           </p:stCondLst>
                                         </p:cTn>
                                         <p:tgtEl>
-                                          <p:spTgt spid="12"/>
+                                          <p:spTgt spid="36"/>
                                         </p:tgtEl>
                                         <p:attrNameLst>
                                           <p:attrName>style.visibility</p:attrName>
@@ -9360,7 +9857,7 @@
                                 </p:cTn>
                               </p:par>
                               <p:par>
-                                <p:cTn id="41" presetID="1" presetClass="entr" presetSubtype="0" fill="hold" nodeType="withEffect">
+                                <p:cTn id="41" presetID="1" presetClass="entr" presetSubtype="0" fill="hold" grpId="0" nodeType="withEffect">
                                   <p:stCondLst>
                                     <p:cond delay="0"/>
                                   </p:stCondLst>
@@ -9373,88 +9870,7 @@
                                           </p:stCondLst>
                                         </p:cTn>
                                         <p:tgtEl>
-                                          <p:spTgt spid="14"/>
-                                        </p:tgtEl>
-                                        <p:attrNameLst>
-                                          <p:attrName>style.visibility</p:attrName>
-                                        </p:attrNameLst>
-                                      </p:cBhvr>
-                                      <p:to>
-                                        <p:strVal val="visible"/>
-                                      </p:to>
-                                    </p:set>
-                                  </p:childTnLst>
-                                </p:cTn>
-                              </p:par>
-                              <p:par>
-                                <p:cTn id="43" presetID="1" presetClass="entr" presetSubtype="0" fill="hold" grpId="0" nodeType="withEffect">
-                                  <p:stCondLst>
-                                    <p:cond delay="0"/>
-                                  </p:stCondLst>
-                                  <p:childTnLst>
-                                    <p:set>
-                                      <p:cBhvr>
-                                        <p:cTn id="44" dur="1" fill="hold">
-                                          <p:stCondLst>
-                                            <p:cond delay="0"/>
-                                          </p:stCondLst>
-                                        </p:cTn>
-                                        <p:tgtEl>
-                                          <p:spTgt spid="18"/>
-                                        </p:tgtEl>
-                                        <p:attrNameLst>
-                                          <p:attrName>style.visibility</p:attrName>
-                                        </p:attrNameLst>
-                                      </p:cBhvr>
-                                      <p:to>
-                                        <p:strVal val="visible"/>
-                                      </p:to>
-                                    </p:set>
-                                  </p:childTnLst>
-                                </p:cTn>
-                              </p:par>
-                              <p:par>
-                                <p:cTn id="45" presetID="1" presetClass="entr" presetSubtype="0" fill="hold" grpId="0" nodeType="withEffect">
-                                  <p:stCondLst>
-                                    <p:cond delay="0"/>
-                                  </p:stCondLst>
-                                  <p:childTnLst>
-                                    <p:set>
-                                      <p:cBhvr>
-                                        <p:cTn id="46" dur="1" fill="hold">
-                                          <p:stCondLst>
-                                            <p:cond delay="0"/>
-                                          </p:stCondLst>
-                                        </p:cTn>
-                                        <p:tgtEl>
-                                          <p:spTgt spid="15"/>
-                                        </p:tgtEl>
-                                        <p:attrNameLst>
-                                          <p:attrName>style.visibility</p:attrName>
-                                        </p:attrNameLst>
-                                      </p:cBhvr>
-                                      <p:to>
-                                        <p:strVal val="visible"/>
-                                      </p:to>
-                                    </p:set>
-                                  </p:childTnLst>
-                                </p:cTn>
-                              </p:par>
-                              <p:par>
-                                <p:cTn id="47" presetID="1" presetClass="entr" presetSubtype="0" fill="hold" grpId="0" nodeType="withEffect">
-                                  <p:stCondLst>
-                                    <p:cond delay="0"/>
-                                  </p:stCondLst>
-                                  <p:childTnLst>
-                                    <p:set>
-                                      <p:cBhvr>
-                                        <p:cTn id="48" dur="1" fill="hold">
-                                          <p:stCondLst>
-                                            <p:cond delay="0"/>
-                                          </p:stCondLst>
-                                        </p:cTn>
-                                        <p:tgtEl>
-                                          <p:spTgt spid="41"/>
+                                          <p:spTgt spid="37"/>
                                         </p:tgtEl>
                                         <p:attrNameLst>
                                           <p:attrName>style.visibility</p:attrName>
@@ -9474,19 +9890,100 @@
                     </p:cTn>
                   </p:par>
                   <p:par>
-                    <p:cTn id="49" fill="hold">
+                    <p:cTn id="43" fill="hold">
                       <p:stCondLst>
                         <p:cond delay="indefinite"/>
                       </p:stCondLst>
                       <p:childTnLst>
                         <p:par>
-                          <p:cTn id="50" fill="hold">
+                          <p:cTn id="44" fill="hold">
                             <p:stCondLst>
                               <p:cond delay="0"/>
                             </p:stCondLst>
                             <p:childTnLst>
                               <p:par>
-                                <p:cTn id="51" presetID="1" presetClass="entr" presetSubtype="0" fill="hold" grpId="0" nodeType="clickEffect">
+                                <p:cTn id="45" presetID="1" presetClass="entr" presetSubtype="0" fill="hold" grpId="0" nodeType="clickEffect">
+                                  <p:stCondLst>
+                                    <p:cond delay="0"/>
+                                  </p:stCondLst>
+                                  <p:childTnLst>
+                                    <p:set>
+                                      <p:cBhvr>
+                                        <p:cTn id="46" dur="1" fill="hold">
+                                          <p:stCondLst>
+                                            <p:cond delay="0"/>
+                                          </p:stCondLst>
+                                        </p:cTn>
+                                        <p:tgtEl>
+                                          <p:spTgt spid="28"/>
+                                        </p:tgtEl>
+                                        <p:attrNameLst>
+                                          <p:attrName>style.visibility</p:attrName>
+                                        </p:attrNameLst>
+                                      </p:cBhvr>
+                                      <p:to>
+                                        <p:strVal val="visible"/>
+                                      </p:to>
+                                    </p:set>
+                                  </p:childTnLst>
+                                </p:cTn>
+                              </p:par>
+                              <p:par>
+                                <p:cTn id="47" presetID="1" presetClass="entr" presetSubtype="0" fill="hold" nodeType="withEffect">
+                                  <p:stCondLst>
+                                    <p:cond delay="0"/>
+                                  </p:stCondLst>
+                                  <p:childTnLst>
+                                    <p:set>
+                                      <p:cBhvr>
+                                        <p:cTn id="48" dur="1" fill="hold">
+                                          <p:stCondLst>
+                                            <p:cond delay="0"/>
+                                          </p:stCondLst>
+                                        </p:cTn>
+                                        <p:tgtEl>
+                                          <p:spTgt spid="6"/>
+                                        </p:tgtEl>
+                                        <p:attrNameLst>
+                                          <p:attrName>style.visibility</p:attrName>
+                                        </p:attrNameLst>
+                                      </p:cBhvr>
+                                      <p:to>
+                                        <p:strVal val="visible"/>
+                                      </p:to>
+                                    </p:set>
+                                  </p:childTnLst>
+                                </p:cTn>
+                              </p:par>
+                              <p:par>
+                                <p:cTn id="49" presetID="1" presetClass="entr" presetSubtype="0" fill="hold" nodeType="withEffect">
+                                  <p:stCondLst>
+                                    <p:cond delay="0"/>
+                                  </p:stCondLst>
+                                  <p:childTnLst>
+                                    <p:set>
+                                      <p:cBhvr>
+                                        <p:cTn id="50" dur="1" fill="hold">
+                                          <p:stCondLst>
+                                            <p:cond delay="0"/>
+                                          </p:stCondLst>
+                                        </p:cTn>
+                                        <p:tgtEl>
+                                          <p:spTgt spid="7"/>
+                                        </p:tgtEl>
+                                        <p:attrNameLst>
+                                          <p:attrName>style.visibility</p:attrName>
+                                        </p:attrNameLst>
+                                      </p:cBhvr>
+                                      <p:to>
+                                        <p:strVal val="visible"/>
+                                      </p:to>
+                                    </p:set>
+                                  </p:childTnLst>
+                                </p:cTn>
+                              </p:par>
+                              <p:par>
+                                <p:cTn id="51" presetID="1" presetClass="entr" presetSubtype="0" fill="hold" nodeType="withEffect">
                                   <p:stCondLst>
                                     <p:cond delay="0"/>
                                   </p:stCondLst>
@@ -9499,7 +9996,7 @@
                                           </p:stCondLst>
                                         </p:cTn>
                                         <p:tgtEl>
-                                          <p:spTgt spid="27"/>
+                                          <p:spTgt spid="10"/>
                                         </p:tgtEl>
                                         <p:attrNameLst>
                                           <p:attrName>style.visibility</p:attrName>
@@ -9526,7 +10023,7 @@
                                           </p:stCondLst>
                                         </p:cTn>
                                         <p:tgtEl>
-                                          <p:spTgt spid="20"/>
+                                          <p:spTgt spid="12"/>
                                         </p:tgtEl>
                                         <p:attrNameLst>
                                           <p:attrName>style.visibility</p:attrName>
@@ -9553,7 +10050,7 @@
                                           </p:stCondLst>
                                         </p:cTn>
                                         <p:tgtEl>
-                                          <p:spTgt spid="21"/>
+                                          <p:spTgt spid="14"/>
                                         </p:tgtEl>
                                         <p:attrNameLst>
                                           <p:attrName>style.visibility</p:attrName>
@@ -9567,7 +10064,7 @@
                                 </p:cTn>
                               </p:par>
                               <p:par>
-                                <p:cTn id="57" presetID="1" presetClass="entr" presetSubtype="0" fill="hold" nodeType="withEffect">
+                                <p:cTn id="57" presetID="1" presetClass="entr" presetSubtype="0" fill="hold" grpId="0" nodeType="withEffect">
                                   <p:stCondLst>
                                     <p:cond delay="0"/>
                                   </p:stCondLst>
@@ -9580,7 +10077,7 @@
                                           </p:stCondLst>
                                         </p:cTn>
                                         <p:tgtEl>
-                                          <p:spTgt spid="1050"/>
+                                          <p:spTgt spid="18"/>
                                         </p:tgtEl>
                                         <p:attrNameLst>
                                           <p:attrName>style.visibility</p:attrName>
@@ -9607,7 +10104,34 @@
                                           </p:stCondLst>
                                         </p:cTn>
                                         <p:tgtEl>
-                                          <p:spTgt spid="24"/>
+                                          <p:spTgt spid="15"/>
+                                        </p:tgtEl>
+                                        <p:attrNameLst>
+                                          <p:attrName>style.visibility</p:attrName>
+                                        </p:attrNameLst>
+                                      </p:cBhvr>
+                                      <p:to>
+                                        <p:strVal val="visible"/>
+                                      </p:to>
+                                    </p:set>
+                                  </p:childTnLst>
+                                </p:cTn>
+                              </p:par>
+                              <p:par>
+                                <p:cTn id="61" presetID="1" presetClass="entr" presetSubtype="0" fill="hold" grpId="0" nodeType="withEffect">
+                                  <p:stCondLst>
+                                    <p:cond delay="0"/>
+                                  </p:stCondLst>
+                                  <p:childTnLst>
+                                    <p:set>
+                                      <p:cBhvr>
+                                        <p:cTn id="62" dur="1" fill="hold">
+                                          <p:stCondLst>
+                                            <p:cond delay="0"/>
+                                          </p:stCondLst>
+                                        </p:cTn>
+                                        <p:tgtEl>
+                                          <p:spTgt spid="41"/>
                                         </p:tgtEl>
                                         <p:attrNameLst>
                                           <p:attrName>style.visibility</p:attrName>
@@ -9657,6 +10181,7 @@
       <p:bldP spid="23" grpId="0"/>
       <p:bldP spid="24" grpId="0"/>
       <p:bldP spid="41" grpId="0"/>
+      <p:bldP spid="37" grpId="0"/>
     </p:bldLst>
   </p:timing>
 </p:sld>
@@ -9768,7 +10293,7 @@
         </p:blipFill>
         <p:spPr>
           <a:xfrm>
-            <a:off x="1156549" y="1086249"/>
+            <a:off x="1110531" y="1104650"/>
             <a:ext cx="10515600" cy="5683818"/>
           </a:xfrm>
           <a:prstGeom prst="rect">
@@ -9776,6 +10301,867 @@
           </a:prstGeom>
         </p:spPr>
       </p:pic>
+      <p:sp>
+        <p:nvSpPr>
+          <p:cNvPr id="5" name="Nawias klamrowy otwierający 4">
+            <a:extLst>
+              <a:ext uri="{FF2B5EF4-FFF2-40B4-BE49-F238E27FC236}">
+                <a16:creationId xmlns:a16="http://schemas.microsoft.com/office/drawing/2014/main" id="{7581CDF7-59D2-4523-8256-8D9FB65C139D}"/>
+              </a:ext>
+            </a:extLst>
+          </p:cNvPr>
+          <p:cNvSpPr/>
+          <p:nvPr/>
+        </p:nvSpPr>
+        <p:spPr>
+          <a:xfrm rot="10800000">
+            <a:off x="6972299" y="1714486"/>
+            <a:ext cx="533840" cy="667692"/>
+          </a:xfrm>
+          <a:custGeom>
+            <a:avLst/>
+            <a:gdLst>
+              <a:gd name="connsiteX0" fmla="*/ 533840 w 533840"/>
+              <a:gd name="connsiteY0" fmla="*/ 667692 h 667692"/>
+              <a:gd name="connsiteX1" fmla="*/ 266920 w 533840"/>
+              <a:gd name="connsiteY1" fmla="*/ 623207 h 667692"/>
+              <a:gd name="connsiteX2" fmla="*/ 266920 w 533840"/>
+              <a:gd name="connsiteY2" fmla="*/ 375874 h 667692"/>
+              <a:gd name="connsiteX3" fmla="*/ 0 w 533840"/>
+              <a:gd name="connsiteY3" fmla="*/ 331389 h 667692"/>
+              <a:gd name="connsiteX4" fmla="*/ 266920 w 533840"/>
+              <a:gd name="connsiteY4" fmla="*/ 286904 h 667692"/>
+              <a:gd name="connsiteX5" fmla="*/ 266920 w 533840"/>
+              <a:gd name="connsiteY5" fmla="*/ 44485 h 667692"/>
+              <a:gd name="connsiteX6" fmla="*/ 533840 w 533840"/>
+              <a:gd name="connsiteY6" fmla="*/ 0 h 667692"/>
+              <a:gd name="connsiteX7" fmla="*/ 533840 w 533840"/>
+              <a:gd name="connsiteY7" fmla="*/ 667692 h 667692"/>
+              <a:gd name="connsiteX0" fmla="*/ 533840 w 533840"/>
+              <a:gd name="connsiteY0" fmla="*/ 667692 h 667692"/>
+              <a:gd name="connsiteX1" fmla="*/ 266920 w 533840"/>
+              <a:gd name="connsiteY1" fmla="*/ 623207 h 667692"/>
+              <a:gd name="connsiteX2" fmla="*/ 266920 w 533840"/>
+              <a:gd name="connsiteY2" fmla="*/ 375874 h 667692"/>
+              <a:gd name="connsiteX3" fmla="*/ 0 w 533840"/>
+              <a:gd name="connsiteY3" fmla="*/ 331389 h 667692"/>
+              <a:gd name="connsiteX4" fmla="*/ 266920 w 533840"/>
+              <a:gd name="connsiteY4" fmla="*/ 286904 h 667692"/>
+              <a:gd name="connsiteX5" fmla="*/ 266920 w 533840"/>
+              <a:gd name="connsiteY5" fmla="*/ 44485 h 667692"/>
+              <a:gd name="connsiteX6" fmla="*/ 533840 w 533840"/>
+              <a:gd name="connsiteY6" fmla="*/ 0 h 667692"/>
+            </a:gdLst>
+            <a:ahLst/>
+            <a:cxnLst>
+              <a:cxn ang="0">
+                <a:pos x="connsiteX0" y="connsiteY0"/>
+              </a:cxn>
+              <a:cxn ang="0">
+                <a:pos x="connsiteX1" y="connsiteY1"/>
+              </a:cxn>
+              <a:cxn ang="0">
+                <a:pos x="connsiteX2" y="connsiteY2"/>
+              </a:cxn>
+              <a:cxn ang="0">
+                <a:pos x="connsiteX3" y="connsiteY3"/>
+              </a:cxn>
+              <a:cxn ang="0">
+                <a:pos x="connsiteX4" y="connsiteY4"/>
+              </a:cxn>
+              <a:cxn ang="0">
+                <a:pos x="connsiteX5" y="connsiteY5"/>
+              </a:cxn>
+              <a:cxn ang="0">
+                <a:pos x="connsiteX6" y="connsiteY6"/>
+              </a:cxn>
+            </a:cxnLst>
+            <a:rect l="l" t="t" r="r" b="b"/>
+            <a:pathLst>
+              <a:path w="533840" h="667692" stroke="0" extrusionOk="0">
+                <a:moveTo>
+                  <a:pt x="533840" y="667692"/>
+                </a:moveTo>
+                <a:cubicBezTo>
+                  <a:pt x="386751" y="669873"/>
+                  <a:pt x="266072" y="651993"/>
+                  <a:pt x="266920" y="623207"/>
+                </a:cubicBezTo>
+                <a:cubicBezTo>
+                  <a:pt x="250690" y="577971"/>
+                  <a:pt x="283321" y="487986"/>
+                  <a:pt x="266920" y="375874"/>
+                </a:cubicBezTo>
+                <a:cubicBezTo>
+                  <a:pt x="278406" y="344413"/>
+                  <a:pt x="137551" y="326702"/>
+                  <a:pt x="0" y="331389"/>
+                </a:cubicBezTo>
+                <a:cubicBezTo>
+                  <a:pt x="148318" y="332408"/>
+                  <a:pt x="270551" y="313249"/>
+                  <a:pt x="266920" y="286904"/>
+                </a:cubicBezTo>
+                <a:cubicBezTo>
+                  <a:pt x="283054" y="249448"/>
+                  <a:pt x="281208" y="98134"/>
+                  <a:pt x="266920" y="44485"/>
+                </a:cubicBezTo>
+                <a:cubicBezTo>
+                  <a:pt x="258974" y="26168"/>
+                  <a:pt x="403459" y="14239"/>
+                  <a:pt x="533840" y="0"/>
+                </a:cubicBezTo>
+                <a:cubicBezTo>
+                  <a:pt x="565255" y="296230"/>
+                  <a:pt x="549007" y="533676"/>
+                  <a:pt x="533840" y="667692"/>
+                </a:cubicBezTo>
+                <a:close/>
+              </a:path>
+              <a:path w="533840" h="667692" fill="none" extrusionOk="0">
+                <a:moveTo>
+                  <a:pt x="533840" y="667692"/>
+                </a:moveTo>
+                <a:cubicBezTo>
+                  <a:pt x="386652" y="668923"/>
+                  <a:pt x="267963" y="647037"/>
+                  <a:pt x="266920" y="623207"/>
+                </a:cubicBezTo>
+                <a:cubicBezTo>
+                  <a:pt x="261175" y="537055"/>
+                  <a:pt x="288078" y="482547"/>
+                  <a:pt x="266920" y="375874"/>
+                </a:cubicBezTo>
+                <a:cubicBezTo>
+                  <a:pt x="283411" y="367811"/>
+                  <a:pt x="161835" y="314770"/>
+                  <a:pt x="0" y="331389"/>
+                </a:cubicBezTo>
+                <a:cubicBezTo>
+                  <a:pt x="150179" y="331909"/>
+                  <a:pt x="266098" y="311804"/>
+                  <a:pt x="266920" y="286904"/>
+                </a:cubicBezTo>
+                <a:cubicBezTo>
+                  <a:pt x="256926" y="209791"/>
+                  <a:pt x="247470" y="159547"/>
+                  <a:pt x="266920" y="44485"/>
+                </a:cubicBezTo>
+                <a:cubicBezTo>
+                  <a:pt x="247289" y="23845"/>
+                  <a:pt x="387469" y="-2176"/>
+                  <a:pt x="533840" y="0"/>
+                </a:cubicBezTo>
+              </a:path>
+            </a:pathLst>
+          </a:custGeom>
+          <a:ln w="19050">
+            <a:solidFill>
+              <a:schemeClr val="tx1">
+                <a:lumMod val="50000"/>
+                <a:lumOff val="50000"/>
+              </a:schemeClr>
+            </a:solidFill>
+            <a:extLst>
+              <a:ext uri="{C807C97D-BFC1-408E-A445-0C87EB9F89A2}">
+                <ask:lineSketchStyleProps xmlns:ask="http://schemas.microsoft.com/office/drawing/2018/sketchyshapes" sd="431491757">
+                  <a:prstGeom prst="leftBrace">
+                    <a:avLst>
+                      <a:gd name="adj1" fmla="val 8333"/>
+                      <a:gd name="adj2" fmla="val 49632"/>
+                    </a:avLst>
+                  </a:prstGeom>
+                  <ask:type>
+                    <ask:lineSketchCurved/>
+                  </ask:type>
+                </ask:lineSketchStyleProps>
+              </a:ext>
+            </a:extLst>
+          </a:ln>
+        </p:spPr>
+        <p:style>
+          <a:lnRef idx="1">
+            <a:schemeClr val="accent1"/>
+          </a:lnRef>
+          <a:fillRef idx="0">
+            <a:schemeClr val="accent1"/>
+          </a:fillRef>
+          <a:effectRef idx="0">
+            <a:schemeClr val="accent1"/>
+          </a:effectRef>
+          <a:fontRef idx="minor">
+            <a:schemeClr val="tx1"/>
+          </a:fontRef>
+        </p:style>
+        <p:txBody>
+          <a:bodyPr rtlCol="0" anchor="ctr"/>
+          <a:lstStyle/>
+          <a:p>
+            <a:pPr algn="ctr"/>
+            <a:endParaRPr lang="pl-PL">
+              <a:solidFill>
+                <a:schemeClr val="accent3">
+                  <a:lumMod val="75000"/>
+                </a:schemeClr>
+              </a:solidFill>
+            </a:endParaRPr>
+          </a:p>
+        </p:txBody>
+      </p:sp>
+      <p:sp>
+        <p:nvSpPr>
+          <p:cNvPr id="6" name="Nawias klamrowy otwierający 5">
+            <a:extLst>
+              <a:ext uri="{FF2B5EF4-FFF2-40B4-BE49-F238E27FC236}">
+                <a16:creationId xmlns:a16="http://schemas.microsoft.com/office/drawing/2014/main" id="{83948794-07F5-43C4-A376-984C99B79E1E}"/>
+              </a:ext>
+            </a:extLst>
+          </p:cNvPr>
+          <p:cNvSpPr/>
+          <p:nvPr/>
+        </p:nvSpPr>
+        <p:spPr>
+          <a:xfrm>
+            <a:off x="5269546" y="1714486"/>
+            <a:ext cx="107951" cy="667692"/>
+          </a:xfrm>
+          <a:custGeom>
+            <a:avLst/>
+            <a:gdLst>
+              <a:gd name="connsiteX0" fmla="*/ 107951 w 107951"/>
+              <a:gd name="connsiteY0" fmla="*/ 667692 h 667692"/>
+              <a:gd name="connsiteX1" fmla="*/ 53975 w 107951"/>
+              <a:gd name="connsiteY1" fmla="*/ 658696 h 667692"/>
+              <a:gd name="connsiteX2" fmla="*/ 53976 w 107951"/>
+              <a:gd name="connsiteY2" fmla="*/ 340384 h 667692"/>
+              <a:gd name="connsiteX3" fmla="*/ 0 w 107951"/>
+              <a:gd name="connsiteY3" fmla="*/ 331388 h 667692"/>
+              <a:gd name="connsiteX4" fmla="*/ 53976 w 107951"/>
+              <a:gd name="connsiteY4" fmla="*/ 322392 h 667692"/>
+              <a:gd name="connsiteX5" fmla="*/ 53976 w 107951"/>
+              <a:gd name="connsiteY5" fmla="*/ 8996 h 667692"/>
+              <a:gd name="connsiteX6" fmla="*/ 107952 w 107951"/>
+              <a:gd name="connsiteY6" fmla="*/ 0 h 667692"/>
+              <a:gd name="connsiteX7" fmla="*/ 107951 w 107951"/>
+              <a:gd name="connsiteY7" fmla="*/ 667692 h 667692"/>
+              <a:gd name="connsiteX0" fmla="*/ 107951 w 107951"/>
+              <a:gd name="connsiteY0" fmla="*/ 667692 h 667692"/>
+              <a:gd name="connsiteX1" fmla="*/ 53975 w 107951"/>
+              <a:gd name="connsiteY1" fmla="*/ 658696 h 667692"/>
+              <a:gd name="connsiteX2" fmla="*/ 53976 w 107951"/>
+              <a:gd name="connsiteY2" fmla="*/ 340384 h 667692"/>
+              <a:gd name="connsiteX3" fmla="*/ 0 w 107951"/>
+              <a:gd name="connsiteY3" fmla="*/ 331388 h 667692"/>
+              <a:gd name="connsiteX4" fmla="*/ 53976 w 107951"/>
+              <a:gd name="connsiteY4" fmla="*/ 322392 h 667692"/>
+              <a:gd name="connsiteX5" fmla="*/ 53976 w 107951"/>
+              <a:gd name="connsiteY5" fmla="*/ 8996 h 667692"/>
+              <a:gd name="connsiteX6" fmla="*/ 107952 w 107951"/>
+              <a:gd name="connsiteY6" fmla="*/ 0 h 667692"/>
+            </a:gdLst>
+            <a:ahLst/>
+            <a:cxnLst>
+              <a:cxn ang="0">
+                <a:pos x="connsiteX0" y="connsiteY0"/>
+              </a:cxn>
+              <a:cxn ang="0">
+                <a:pos x="connsiteX1" y="connsiteY1"/>
+              </a:cxn>
+              <a:cxn ang="0">
+                <a:pos x="connsiteX2" y="connsiteY2"/>
+              </a:cxn>
+              <a:cxn ang="0">
+                <a:pos x="connsiteX3" y="connsiteY3"/>
+              </a:cxn>
+              <a:cxn ang="0">
+                <a:pos x="connsiteX4" y="connsiteY4"/>
+              </a:cxn>
+              <a:cxn ang="0">
+                <a:pos x="connsiteX5" y="connsiteY5"/>
+              </a:cxn>
+              <a:cxn ang="0">
+                <a:pos x="connsiteX6" y="connsiteY6"/>
+              </a:cxn>
+            </a:cxnLst>
+            <a:rect l="l" t="t" r="r" b="b"/>
+            <a:pathLst>
+              <a:path w="107951" h="667692" stroke="0" extrusionOk="0">
+                <a:moveTo>
+                  <a:pt x="107951" y="667692"/>
+                </a:moveTo>
+                <a:cubicBezTo>
+                  <a:pt x="78248" y="668409"/>
+                  <a:pt x="53944" y="663816"/>
+                  <a:pt x="53975" y="658696"/>
+                </a:cubicBezTo>
+                <a:cubicBezTo>
+                  <a:pt x="39644" y="563758"/>
+                  <a:pt x="51277" y="438015"/>
+                  <a:pt x="53976" y="340384"/>
+                </a:cubicBezTo>
+                <a:cubicBezTo>
+                  <a:pt x="54251" y="335251"/>
+                  <a:pt x="27731" y="330400"/>
+                  <a:pt x="0" y="331388"/>
+                </a:cubicBezTo>
+                <a:cubicBezTo>
+                  <a:pt x="30409" y="332066"/>
+                  <a:pt x="54188" y="327464"/>
+                  <a:pt x="53976" y="322392"/>
+                </a:cubicBezTo>
+                <a:cubicBezTo>
+                  <a:pt x="43045" y="289139"/>
+                  <a:pt x="47097" y="136440"/>
+                  <a:pt x="53976" y="8996"/>
+                </a:cubicBezTo>
+                <a:cubicBezTo>
+                  <a:pt x="52520" y="5174"/>
+                  <a:pt x="80547" y="2010"/>
+                  <a:pt x="107952" y="0"/>
+                </a:cubicBezTo>
+                <a:cubicBezTo>
+                  <a:pt x="90485" y="246189"/>
+                  <a:pt x="128277" y="473701"/>
+                  <a:pt x="107951" y="667692"/>
+                </a:cubicBezTo>
+                <a:close/>
+              </a:path>
+              <a:path w="107951" h="667692" fill="none" extrusionOk="0">
+                <a:moveTo>
+                  <a:pt x="107951" y="667692"/>
+                </a:moveTo>
+                <a:cubicBezTo>
+                  <a:pt x="78177" y="667888"/>
+                  <a:pt x="54225" y="663487"/>
+                  <a:pt x="53975" y="658696"/>
+                </a:cubicBezTo>
+                <a:cubicBezTo>
+                  <a:pt x="69724" y="544438"/>
+                  <a:pt x="50913" y="446845"/>
+                  <a:pt x="53976" y="340384"/>
+                </a:cubicBezTo>
+                <a:cubicBezTo>
+                  <a:pt x="55659" y="337101"/>
+                  <a:pt x="32254" y="328571"/>
+                  <a:pt x="0" y="331388"/>
+                </a:cubicBezTo>
+                <a:cubicBezTo>
+                  <a:pt x="30236" y="331468"/>
+                  <a:pt x="53477" y="327562"/>
+                  <a:pt x="53976" y="322392"/>
+                </a:cubicBezTo>
+                <a:cubicBezTo>
+                  <a:pt x="42563" y="250297"/>
+                  <a:pt x="75026" y="162031"/>
+                  <a:pt x="53976" y="8996"/>
+                </a:cubicBezTo>
+                <a:cubicBezTo>
+                  <a:pt x="53489" y="4125"/>
+                  <a:pt x="79437" y="-2696"/>
+                  <a:pt x="107952" y="0"/>
+                </a:cubicBezTo>
+              </a:path>
+            </a:pathLst>
+          </a:custGeom>
+          <a:ln w="19050">
+            <a:solidFill>
+              <a:schemeClr val="tx1">
+                <a:lumMod val="50000"/>
+                <a:lumOff val="50000"/>
+              </a:schemeClr>
+            </a:solidFill>
+            <a:extLst>
+              <a:ext uri="{C807C97D-BFC1-408E-A445-0C87EB9F89A2}">
+                <ask:lineSketchStyleProps xmlns:ask="http://schemas.microsoft.com/office/drawing/2018/sketchyshapes" sd="431491757">
+                  <a:prstGeom prst="leftBrace">
+                    <a:avLst>
+                      <a:gd name="adj1" fmla="val 8333"/>
+                      <a:gd name="adj2" fmla="val 49632"/>
+                    </a:avLst>
+                  </a:prstGeom>
+                  <ask:type>
+                    <ask:lineSketchCurved/>
+                  </ask:type>
+                </ask:lineSketchStyleProps>
+              </a:ext>
+            </a:extLst>
+          </a:ln>
+        </p:spPr>
+        <p:style>
+          <a:lnRef idx="1">
+            <a:schemeClr val="accent1"/>
+          </a:lnRef>
+          <a:fillRef idx="0">
+            <a:schemeClr val="accent1"/>
+          </a:fillRef>
+          <a:effectRef idx="0">
+            <a:schemeClr val="accent1"/>
+          </a:effectRef>
+          <a:fontRef idx="minor">
+            <a:schemeClr val="tx1"/>
+          </a:fontRef>
+        </p:style>
+        <p:txBody>
+          <a:bodyPr rtlCol="0" anchor="ctr"/>
+          <a:lstStyle/>
+          <a:p>
+            <a:pPr algn="ctr"/>
+            <a:endParaRPr lang="pl-PL">
+              <a:solidFill>
+                <a:schemeClr val="accent3">
+                  <a:lumMod val="75000"/>
+                </a:schemeClr>
+              </a:solidFill>
+            </a:endParaRPr>
+          </a:p>
+        </p:txBody>
+      </p:sp>
+      <p:cxnSp>
+        <p:nvCxnSpPr>
+          <p:cNvPr id="7" name="Łącznik prosty 6">
+            <a:extLst>
+              <a:ext uri="{FF2B5EF4-FFF2-40B4-BE49-F238E27FC236}">
+                <a16:creationId xmlns:a16="http://schemas.microsoft.com/office/drawing/2014/main" id="{B8EFF8B9-34C5-4BA2-8571-5C1BF71C7593}"/>
+              </a:ext>
+            </a:extLst>
+          </p:cNvPr>
+          <p:cNvCxnSpPr>
+            <a:stCxn id="5" idx="1"/>
+          </p:cNvCxnSpPr>
+          <p:nvPr/>
+        </p:nvCxnSpPr>
+        <p:spPr>
+          <a:xfrm flipV="1">
+            <a:off x="7506139" y="2048332"/>
+            <a:ext cx="1107636" cy="2457"/>
+          </a:xfrm>
+          <a:prstGeom prst="line">
+            <a:avLst/>
+          </a:prstGeom>
+          <a:ln w="19050">
+            <a:solidFill>
+              <a:schemeClr val="tx1">
+                <a:lumMod val="50000"/>
+                <a:lumOff val="50000"/>
+              </a:schemeClr>
+            </a:solidFill>
+          </a:ln>
+        </p:spPr>
+        <p:style>
+          <a:lnRef idx="1">
+            <a:schemeClr val="accent5"/>
+          </a:lnRef>
+          <a:fillRef idx="0">
+            <a:schemeClr val="accent5"/>
+          </a:fillRef>
+          <a:effectRef idx="0">
+            <a:schemeClr val="accent5"/>
+          </a:effectRef>
+          <a:fontRef idx="minor">
+            <a:schemeClr val="tx1"/>
+          </a:fontRef>
+        </p:style>
+      </p:cxnSp>
+      <p:sp>
+        <p:nvSpPr>
+          <p:cNvPr id="9" name="pole tekstowe 8">
+            <a:extLst>
+              <a:ext uri="{FF2B5EF4-FFF2-40B4-BE49-F238E27FC236}">
+                <a16:creationId xmlns:a16="http://schemas.microsoft.com/office/drawing/2014/main" id="{C65489FC-14EF-42D7-B1AE-43E28AF3B0BF}"/>
+              </a:ext>
+            </a:extLst>
+          </p:cNvPr>
+          <p:cNvSpPr txBox="1"/>
+          <p:nvPr/>
+        </p:nvSpPr>
+        <p:spPr>
+          <a:xfrm>
+            <a:off x="8613774" y="1682087"/>
+            <a:ext cx="2390911" cy="738664"/>
+          </a:xfrm>
+          <a:prstGeom prst="rect">
+            <a:avLst/>
+          </a:prstGeom>
+          <a:noFill/>
+        </p:spPr>
+        <p:txBody>
+          <a:bodyPr wrap="square" rtlCol="0">
+            <a:spAutoFit/>
+          </a:bodyPr>
+          <a:lstStyle/>
+          <a:p>
+            <a:pPr algn="ctr"/>
+            <a:r>
+              <a:rPr lang="pl-PL" sz="1400" b="1" dirty="0">
+                <a:solidFill>
+                  <a:schemeClr val="tx1">
+                    <a:lumMod val="65000"/>
+                    <a:lumOff val="35000"/>
+                  </a:schemeClr>
+                </a:solidFill>
+              </a:rPr>
+              <a:t>Informacje o stworzeniu i ostatniej edycji rekordu </a:t>
+            </a:r>
+            <a:r>
+              <a:rPr lang="pl-PL" sz="1400" dirty="0">
+                <a:solidFill>
+                  <a:schemeClr val="tx1">
+                    <a:lumMod val="65000"/>
+                    <a:lumOff val="35000"/>
+                  </a:schemeClr>
+                </a:solidFill>
+              </a:rPr>
+              <a:t>w każdej tabeli</a:t>
+            </a:r>
+          </a:p>
+        </p:txBody>
+      </p:sp>
+      <p:sp>
+        <p:nvSpPr>
+          <p:cNvPr id="10" name="pole tekstowe 9">
+            <a:extLst>
+              <a:ext uri="{FF2B5EF4-FFF2-40B4-BE49-F238E27FC236}">
+                <a16:creationId xmlns:a16="http://schemas.microsoft.com/office/drawing/2014/main" id="{CE848D90-CE9D-4076-9515-7F1AFAED7C19}"/>
+              </a:ext>
+            </a:extLst>
+          </p:cNvPr>
+          <p:cNvSpPr txBox="1"/>
+          <p:nvPr/>
+        </p:nvSpPr>
+        <p:spPr>
+          <a:xfrm>
+            <a:off x="8306936" y="2482973"/>
+            <a:ext cx="3033169" cy="954107"/>
+          </a:xfrm>
+          <a:prstGeom prst="rect">
+            <a:avLst/>
+          </a:prstGeom>
+          <a:noFill/>
+        </p:spPr>
+        <p:txBody>
+          <a:bodyPr wrap="square" rtlCol="0">
+            <a:spAutoFit/>
+          </a:bodyPr>
+          <a:lstStyle/>
+          <a:p>
+            <a:pPr algn="ctr"/>
+            <a:r>
+              <a:rPr lang="pl-PL" sz="1400" b="1" u="sng" dirty="0" err="1">
+                <a:solidFill>
+                  <a:schemeClr val="accent4">
+                    <a:lumMod val="75000"/>
+                  </a:schemeClr>
+                </a:solidFill>
+              </a:rPr>
+              <a:t>AuditLog</a:t>
+            </a:r>
+            <a:r>
+              <a:rPr lang="pl-PL" sz="1400" b="1" u="sng" dirty="0">
+                <a:solidFill>
+                  <a:schemeClr val="accent4">
+                    <a:lumMod val="75000"/>
+                  </a:schemeClr>
+                </a:solidFill>
+              </a:rPr>
+              <a:t>:</a:t>
+            </a:r>
+            <a:r>
+              <a:rPr lang="pl-PL" sz="1400" b="1" dirty="0">
+                <a:solidFill>
+                  <a:schemeClr val="accent4">
+                    <a:lumMod val="75000"/>
+                  </a:schemeClr>
+                </a:solidFill>
+              </a:rPr>
+              <a:t> rozszerzone informacje o historii zmian w każdym rekordzie każdej tabeli </a:t>
+            </a:r>
+            <a:br>
+              <a:rPr lang="pl-PL" sz="1400" dirty="0">
+                <a:solidFill>
+                  <a:schemeClr val="accent4">
+                    <a:lumMod val="75000"/>
+                  </a:schemeClr>
+                </a:solidFill>
+              </a:rPr>
+            </a:br>
+            <a:r>
+              <a:rPr lang="pl-PL" sz="1400" dirty="0">
+                <a:solidFill>
+                  <a:schemeClr val="accent4">
+                    <a:lumMod val="75000"/>
+                  </a:schemeClr>
+                </a:solidFill>
+              </a:rPr>
+              <a:t>(+ możliwość cofania zmian)</a:t>
+            </a:r>
+          </a:p>
+        </p:txBody>
+      </p:sp>
+      <p:sp>
+        <p:nvSpPr>
+          <p:cNvPr id="20" name="Nawias zamykający 19">
+            <a:extLst>
+              <a:ext uri="{FF2B5EF4-FFF2-40B4-BE49-F238E27FC236}">
+                <a16:creationId xmlns:a16="http://schemas.microsoft.com/office/drawing/2014/main" id="{F3405A8E-AF3C-4084-8306-30015B336F3E}"/>
+              </a:ext>
+            </a:extLst>
+          </p:cNvPr>
+          <p:cNvSpPr/>
+          <p:nvPr/>
+        </p:nvSpPr>
+        <p:spPr>
+          <a:xfrm>
+            <a:off x="11626131" y="3002280"/>
+            <a:ext cx="299720" cy="2723506"/>
+          </a:xfrm>
+          <a:custGeom>
+            <a:avLst/>
+            <a:gdLst>
+              <a:gd name="connsiteX0" fmla="*/ 0 w 299720"/>
+              <a:gd name="connsiteY0" fmla="*/ 0 h 2723506"/>
+              <a:gd name="connsiteX1" fmla="*/ 299720 w 299720"/>
+              <a:gd name="connsiteY1" fmla="*/ 24976 h 2723506"/>
+              <a:gd name="connsiteX2" fmla="*/ 299720 w 299720"/>
+              <a:gd name="connsiteY2" fmla="*/ 746836 h 2723506"/>
+              <a:gd name="connsiteX3" fmla="*/ 299720 w 299720"/>
+              <a:gd name="connsiteY3" fmla="*/ 1388489 h 2723506"/>
+              <a:gd name="connsiteX4" fmla="*/ 299720 w 299720"/>
+              <a:gd name="connsiteY4" fmla="*/ 2003406 h 2723506"/>
+              <a:gd name="connsiteX5" fmla="*/ 299720 w 299720"/>
+              <a:gd name="connsiteY5" fmla="*/ 2698530 h 2723506"/>
+              <a:gd name="connsiteX6" fmla="*/ 0 w 299720"/>
+              <a:gd name="connsiteY6" fmla="*/ 2723506 h 2723506"/>
+              <a:gd name="connsiteX7" fmla="*/ 0 w 299720"/>
+              <a:gd name="connsiteY7" fmla="*/ 2042630 h 2723506"/>
+              <a:gd name="connsiteX8" fmla="*/ 0 w 299720"/>
+              <a:gd name="connsiteY8" fmla="*/ 1307283 h 2723506"/>
+              <a:gd name="connsiteX9" fmla="*/ 0 w 299720"/>
+              <a:gd name="connsiteY9" fmla="*/ 708112 h 2723506"/>
+              <a:gd name="connsiteX10" fmla="*/ 0 w 299720"/>
+              <a:gd name="connsiteY10" fmla="*/ 0 h 2723506"/>
+              <a:gd name="connsiteX0" fmla="*/ 0 w 299720"/>
+              <a:gd name="connsiteY0" fmla="*/ 0 h 2723506"/>
+              <a:gd name="connsiteX1" fmla="*/ 299720 w 299720"/>
+              <a:gd name="connsiteY1" fmla="*/ 24976 h 2723506"/>
+              <a:gd name="connsiteX2" fmla="*/ 299720 w 299720"/>
+              <a:gd name="connsiteY2" fmla="*/ 613158 h 2723506"/>
+              <a:gd name="connsiteX3" fmla="*/ 299720 w 299720"/>
+              <a:gd name="connsiteY3" fmla="*/ 1335017 h 2723506"/>
+              <a:gd name="connsiteX4" fmla="*/ 299720 w 299720"/>
+              <a:gd name="connsiteY4" fmla="*/ 1949935 h 2723506"/>
+              <a:gd name="connsiteX5" fmla="*/ 299720 w 299720"/>
+              <a:gd name="connsiteY5" fmla="*/ 2698530 h 2723506"/>
+              <a:gd name="connsiteX6" fmla="*/ 0 w 299720"/>
+              <a:gd name="connsiteY6" fmla="*/ 2723506 h 2723506"/>
+            </a:gdLst>
+            <a:ahLst/>
+            <a:cxnLst>
+              <a:cxn ang="0">
+                <a:pos x="connsiteX0" y="connsiteY0"/>
+              </a:cxn>
+              <a:cxn ang="0">
+                <a:pos x="connsiteX1" y="connsiteY1"/>
+              </a:cxn>
+              <a:cxn ang="0">
+                <a:pos x="connsiteX2" y="connsiteY2"/>
+              </a:cxn>
+              <a:cxn ang="0">
+                <a:pos x="connsiteX3" y="connsiteY3"/>
+              </a:cxn>
+              <a:cxn ang="0">
+                <a:pos x="connsiteX4" y="connsiteY4"/>
+              </a:cxn>
+              <a:cxn ang="0">
+                <a:pos x="connsiteX5" y="connsiteY5"/>
+              </a:cxn>
+              <a:cxn ang="0">
+                <a:pos x="connsiteX6" y="connsiteY6"/>
+              </a:cxn>
+            </a:cxnLst>
+            <a:rect l="l" t="t" r="r" b="b"/>
+            <a:pathLst>
+              <a:path w="299720" h="2723506" stroke="0" extrusionOk="0">
+                <a:moveTo>
+                  <a:pt x="0" y="0"/>
+                </a:moveTo>
+                <a:cubicBezTo>
+                  <a:pt x="162768" y="-1704"/>
+                  <a:pt x="297270" y="12102"/>
+                  <a:pt x="299720" y="24976"/>
+                </a:cubicBezTo>
+                <a:cubicBezTo>
+                  <a:pt x="271696" y="182714"/>
+                  <a:pt x="268770" y="445734"/>
+                  <a:pt x="299720" y="746836"/>
+                </a:cubicBezTo>
+                <a:cubicBezTo>
+                  <a:pt x="330670" y="1047938"/>
+                  <a:pt x="277665" y="1152755"/>
+                  <a:pt x="299720" y="1388489"/>
+                </a:cubicBezTo>
+                <a:cubicBezTo>
+                  <a:pt x="321775" y="1624223"/>
+                  <a:pt x="292446" y="1870623"/>
+                  <a:pt x="299720" y="2003406"/>
+                </a:cubicBezTo>
+                <a:cubicBezTo>
+                  <a:pt x="306994" y="2136189"/>
+                  <a:pt x="272119" y="2464515"/>
+                  <a:pt x="299720" y="2698530"/>
+                </a:cubicBezTo>
+                <a:cubicBezTo>
+                  <a:pt x="311431" y="2688222"/>
+                  <a:pt x="152718" y="2721544"/>
+                  <a:pt x="0" y="2723506"/>
+                </a:cubicBezTo>
+                <a:cubicBezTo>
+                  <a:pt x="-9088" y="2419200"/>
+                  <a:pt x="24241" y="2280849"/>
+                  <a:pt x="0" y="2042630"/>
+                </a:cubicBezTo>
+                <a:cubicBezTo>
+                  <a:pt x="-24241" y="1804411"/>
+                  <a:pt x="-12414" y="1654977"/>
+                  <a:pt x="0" y="1307283"/>
+                </a:cubicBezTo>
+                <a:cubicBezTo>
+                  <a:pt x="12414" y="959589"/>
+                  <a:pt x="-5935" y="895056"/>
+                  <a:pt x="0" y="708112"/>
+                </a:cubicBezTo>
+                <a:cubicBezTo>
+                  <a:pt x="5935" y="521168"/>
+                  <a:pt x="24007" y="343936"/>
+                  <a:pt x="0" y="0"/>
+                </a:cubicBezTo>
+                <a:close/>
+              </a:path>
+              <a:path w="299720" h="2723506" fill="none" extrusionOk="0">
+                <a:moveTo>
+                  <a:pt x="0" y="0"/>
+                </a:moveTo>
+                <a:cubicBezTo>
+                  <a:pt x="165980" y="669"/>
+                  <a:pt x="300049" y="14586"/>
+                  <a:pt x="299720" y="24976"/>
+                </a:cubicBezTo>
+                <a:cubicBezTo>
+                  <a:pt x="316360" y="250332"/>
+                  <a:pt x="300378" y="340204"/>
+                  <a:pt x="299720" y="613158"/>
+                </a:cubicBezTo>
+                <a:cubicBezTo>
+                  <a:pt x="299062" y="886112"/>
+                  <a:pt x="276655" y="1145329"/>
+                  <a:pt x="299720" y="1335017"/>
+                </a:cubicBezTo>
+                <a:cubicBezTo>
+                  <a:pt x="322785" y="1524705"/>
+                  <a:pt x="326579" y="1819880"/>
+                  <a:pt x="299720" y="1949935"/>
+                </a:cubicBezTo>
+                <a:cubicBezTo>
+                  <a:pt x="272861" y="2079990"/>
+                  <a:pt x="296991" y="2436381"/>
+                  <a:pt x="299720" y="2698530"/>
+                </a:cubicBezTo>
+                <a:cubicBezTo>
+                  <a:pt x="292549" y="2697706"/>
+                  <a:pt x="167992" y="2690214"/>
+                  <a:pt x="0" y="2723506"/>
+                </a:cubicBezTo>
+              </a:path>
+            </a:pathLst>
+          </a:custGeom>
+          <a:ln w="19050">
+            <a:solidFill>
+              <a:schemeClr val="accent4">
+                <a:lumMod val="75000"/>
+              </a:schemeClr>
+            </a:solidFill>
+            <a:extLst>
+              <a:ext uri="{C807C97D-BFC1-408E-A445-0C87EB9F89A2}">
+                <ask:lineSketchStyleProps xmlns:ask="http://schemas.microsoft.com/office/drawing/2018/sketchyshapes" sd="1219033472">
+                  <a:prstGeom prst="rightBracket">
+                    <a:avLst/>
+                  </a:prstGeom>
+                  <ask:type>
+                    <ask:lineSketchFreehand/>
+                  </ask:type>
+                </ask:lineSketchStyleProps>
+              </a:ext>
+            </a:extLst>
+          </a:ln>
+        </p:spPr>
+        <p:style>
+          <a:lnRef idx="1">
+            <a:schemeClr val="accent1"/>
+          </a:lnRef>
+          <a:fillRef idx="0">
+            <a:schemeClr val="accent1"/>
+          </a:fillRef>
+          <a:effectRef idx="0">
+            <a:schemeClr val="accent1"/>
+          </a:effectRef>
+          <a:fontRef idx="minor">
+            <a:schemeClr val="tx1"/>
+          </a:fontRef>
+        </p:style>
+        <p:txBody>
+          <a:bodyPr rtlCol="0" anchor="ctr"/>
+          <a:lstStyle/>
+          <a:p>
+            <a:pPr algn="ctr"/>
+            <a:endParaRPr lang="pl-PL"/>
+          </a:p>
+        </p:txBody>
+      </p:sp>
+      <p:cxnSp>
+        <p:nvCxnSpPr>
+          <p:cNvPr id="23" name="Łącznik prosty 22">
+            <a:extLst>
+              <a:ext uri="{FF2B5EF4-FFF2-40B4-BE49-F238E27FC236}">
+                <a16:creationId xmlns:a16="http://schemas.microsoft.com/office/drawing/2014/main" id="{423553D3-262A-4809-BB6E-8330DB2C23DA}"/>
+              </a:ext>
+            </a:extLst>
+          </p:cNvPr>
+          <p:cNvCxnSpPr>
+            <a:cxnSpLocks/>
+          </p:cNvCxnSpPr>
+          <p:nvPr/>
+        </p:nvCxnSpPr>
+        <p:spPr>
+          <a:xfrm flipH="1">
+            <a:off x="11340105" y="3001620"/>
+            <a:ext cx="299723" cy="660"/>
+          </a:xfrm>
+          <a:prstGeom prst="line">
+            <a:avLst/>
+          </a:prstGeom>
+          <a:ln w="19050">
+            <a:solidFill>
+              <a:schemeClr val="accent4">
+                <a:lumMod val="75000"/>
+              </a:schemeClr>
+            </a:solidFill>
+          </a:ln>
+        </p:spPr>
+        <p:style>
+          <a:lnRef idx="1">
+            <a:schemeClr val="accent1"/>
+          </a:lnRef>
+          <a:fillRef idx="0">
+            <a:schemeClr val="accent1"/>
+          </a:fillRef>
+          <a:effectRef idx="0">
+            <a:schemeClr val="accent1"/>
+          </a:effectRef>
+          <a:fontRef idx="minor">
+            <a:schemeClr val="tx1"/>
+          </a:fontRef>
+        </p:style>
+      </p:cxnSp>
     </p:spTree>
     <p:extLst>
       <p:ext uri="{BB962C8B-B14F-4D97-AF65-F5344CB8AC3E}">
@@ -9911,7 +11297,7 @@
         </p:blipFill>
         <p:spPr>
           <a:xfrm>
-            <a:off x="2667828" y="1040385"/>
+            <a:off x="3332021" y="1040385"/>
             <a:ext cx="6772217" cy="5729681"/>
           </a:xfrm>
           <a:prstGeom prst="rect">
@@ -9919,6 +11305,1666 @@
           </a:prstGeom>
         </p:spPr>
       </p:pic>
+      <p:sp>
+        <p:nvSpPr>
+          <p:cNvPr id="3" name="Nawias klamrowy otwierający 2">
+            <a:extLst>
+              <a:ext uri="{FF2B5EF4-FFF2-40B4-BE49-F238E27FC236}">
+                <a16:creationId xmlns:a16="http://schemas.microsoft.com/office/drawing/2014/main" id="{FC367859-9358-4645-AC01-955297F7C24B}"/>
+              </a:ext>
+            </a:extLst>
+          </p:cNvPr>
+          <p:cNvSpPr/>
+          <p:nvPr/>
+        </p:nvSpPr>
+        <p:spPr>
+          <a:xfrm>
+            <a:off x="3184479" y="3455988"/>
+            <a:ext cx="727881" cy="2444394"/>
+          </a:xfrm>
+          <a:custGeom>
+            <a:avLst/>
+            <a:gdLst>
+              <a:gd name="connsiteX0" fmla="*/ 727881 w 727881"/>
+              <a:gd name="connsiteY0" fmla="*/ 2444394 h 2444394"/>
+              <a:gd name="connsiteX1" fmla="*/ 363940 w 727881"/>
+              <a:gd name="connsiteY1" fmla="*/ 2383740 h 2444394"/>
+              <a:gd name="connsiteX2" fmla="*/ 363941 w 727881"/>
+              <a:gd name="connsiteY2" fmla="*/ 1273856 h 2444394"/>
+              <a:gd name="connsiteX3" fmla="*/ 0 w 727881"/>
+              <a:gd name="connsiteY3" fmla="*/ 1213202 h 2444394"/>
+              <a:gd name="connsiteX4" fmla="*/ 363941 w 727881"/>
+              <a:gd name="connsiteY4" fmla="*/ 1152548 h 2444394"/>
+              <a:gd name="connsiteX5" fmla="*/ 363941 w 727881"/>
+              <a:gd name="connsiteY5" fmla="*/ 60654 h 2444394"/>
+              <a:gd name="connsiteX6" fmla="*/ 727882 w 727881"/>
+              <a:gd name="connsiteY6" fmla="*/ 0 h 2444394"/>
+              <a:gd name="connsiteX7" fmla="*/ 727881 w 727881"/>
+              <a:gd name="connsiteY7" fmla="*/ 2444394 h 2444394"/>
+              <a:gd name="connsiteX0" fmla="*/ 727881 w 727881"/>
+              <a:gd name="connsiteY0" fmla="*/ 2444394 h 2444394"/>
+              <a:gd name="connsiteX1" fmla="*/ 363940 w 727881"/>
+              <a:gd name="connsiteY1" fmla="*/ 2383740 h 2444394"/>
+              <a:gd name="connsiteX2" fmla="*/ 363941 w 727881"/>
+              <a:gd name="connsiteY2" fmla="*/ 1273856 h 2444394"/>
+              <a:gd name="connsiteX3" fmla="*/ 0 w 727881"/>
+              <a:gd name="connsiteY3" fmla="*/ 1213202 h 2444394"/>
+              <a:gd name="connsiteX4" fmla="*/ 363941 w 727881"/>
+              <a:gd name="connsiteY4" fmla="*/ 1152548 h 2444394"/>
+              <a:gd name="connsiteX5" fmla="*/ 363941 w 727881"/>
+              <a:gd name="connsiteY5" fmla="*/ 60654 h 2444394"/>
+              <a:gd name="connsiteX6" fmla="*/ 727882 w 727881"/>
+              <a:gd name="connsiteY6" fmla="*/ 0 h 2444394"/>
+            </a:gdLst>
+            <a:ahLst/>
+            <a:cxnLst>
+              <a:cxn ang="0">
+                <a:pos x="connsiteX0" y="connsiteY0"/>
+              </a:cxn>
+              <a:cxn ang="0">
+                <a:pos x="connsiteX1" y="connsiteY1"/>
+              </a:cxn>
+              <a:cxn ang="0">
+                <a:pos x="connsiteX2" y="connsiteY2"/>
+              </a:cxn>
+              <a:cxn ang="0">
+                <a:pos x="connsiteX3" y="connsiteY3"/>
+              </a:cxn>
+              <a:cxn ang="0">
+                <a:pos x="connsiteX4" y="connsiteY4"/>
+              </a:cxn>
+              <a:cxn ang="0">
+                <a:pos x="connsiteX5" y="connsiteY5"/>
+              </a:cxn>
+              <a:cxn ang="0">
+                <a:pos x="connsiteX6" y="connsiteY6"/>
+              </a:cxn>
+            </a:cxnLst>
+            <a:rect l="l" t="t" r="r" b="b"/>
+            <a:pathLst>
+              <a:path w="727881" h="2444394" stroke="0" extrusionOk="0">
+                <a:moveTo>
+                  <a:pt x="727881" y="2444394"/>
+                </a:moveTo>
+                <a:cubicBezTo>
+                  <a:pt x="526962" y="2444931"/>
+                  <a:pt x="362992" y="2421950"/>
+                  <a:pt x="363940" y="2383740"/>
+                </a:cubicBezTo>
+                <a:cubicBezTo>
+                  <a:pt x="355493" y="2020360"/>
+                  <a:pt x="348785" y="1596238"/>
+                  <a:pt x="363941" y="1273856"/>
+                </a:cubicBezTo>
+                <a:cubicBezTo>
+                  <a:pt x="380032" y="1230702"/>
+                  <a:pt x="198827" y="1212170"/>
+                  <a:pt x="0" y="1213202"/>
+                </a:cubicBezTo>
+                <a:cubicBezTo>
+                  <a:pt x="202982" y="1215444"/>
+                  <a:pt x="365850" y="1186981"/>
+                  <a:pt x="363941" y="1152548"/>
+                </a:cubicBezTo>
+                <a:cubicBezTo>
+                  <a:pt x="317487" y="804040"/>
+                  <a:pt x="267125" y="482562"/>
+                  <a:pt x="363941" y="60654"/>
+                </a:cubicBezTo>
+                <a:cubicBezTo>
+                  <a:pt x="351245" y="37144"/>
+                  <a:pt x="549043" y="18522"/>
+                  <a:pt x="727882" y="0"/>
+                </a:cubicBezTo>
+                <a:cubicBezTo>
+                  <a:pt x="714387" y="833050"/>
+                  <a:pt x="735725" y="1640623"/>
+                  <a:pt x="727881" y="2444394"/>
+                </a:cubicBezTo>
+                <a:close/>
+              </a:path>
+              <a:path w="727881" h="2444394" fill="none" extrusionOk="0">
+                <a:moveTo>
+                  <a:pt x="727881" y="2444394"/>
+                </a:moveTo>
+                <a:cubicBezTo>
+                  <a:pt x="527336" y="2446845"/>
+                  <a:pt x="367781" y="2414521"/>
+                  <a:pt x="363940" y="2383740"/>
+                </a:cubicBezTo>
+                <a:cubicBezTo>
+                  <a:pt x="378616" y="2006181"/>
+                  <a:pt x="303104" y="1650913"/>
+                  <a:pt x="363941" y="1273856"/>
+                </a:cubicBezTo>
+                <a:cubicBezTo>
+                  <a:pt x="374899" y="1251325"/>
+                  <a:pt x="207837" y="1205321"/>
+                  <a:pt x="0" y="1213202"/>
+                </a:cubicBezTo>
+                <a:cubicBezTo>
+                  <a:pt x="203043" y="1213587"/>
+                  <a:pt x="359797" y="1187719"/>
+                  <a:pt x="363941" y="1152548"/>
+                </a:cubicBezTo>
+                <a:cubicBezTo>
+                  <a:pt x="347894" y="980493"/>
+                  <a:pt x="316328" y="473843"/>
+                  <a:pt x="363941" y="60654"/>
+                </a:cubicBezTo>
+                <a:cubicBezTo>
+                  <a:pt x="332944" y="33358"/>
+                  <a:pt x="539082" y="-25389"/>
+                  <a:pt x="727882" y="0"/>
+                </a:cubicBezTo>
+              </a:path>
+            </a:pathLst>
+          </a:custGeom>
+          <a:ln w="19050">
+            <a:solidFill>
+              <a:schemeClr val="bg2">
+                <a:lumMod val="25000"/>
+              </a:schemeClr>
+            </a:solidFill>
+            <a:extLst>
+              <a:ext uri="{C807C97D-BFC1-408E-A445-0C87EB9F89A2}">
+                <ask:lineSketchStyleProps xmlns:ask="http://schemas.microsoft.com/office/drawing/2018/sketchyshapes" sd="431491757">
+                  <a:prstGeom prst="leftBrace">
+                    <a:avLst>
+                      <a:gd name="adj1" fmla="val 8333"/>
+                      <a:gd name="adj2" fmla="val 49632"/>
+                    </a:avLst>
+                  </a:prstGeom>
+                  <ask:type>
+                    <ask:lineSketchCurved/>
+                  </ask:type>
+                </ask:lineSketchStyleProps>
+              </a:ext>
+            </a:extLst>
+          </a:ln>
+        </p:spPr>
+        <p:style>
+          <a:lnRef idx="1">
+            <a:schemeClr val="accent1"/>
+          </a:lnRef>
+          <a:fillRef idx="0">
+            <a:schemeClr val="accent1"/>
+          </a:fillRef>
+          <a:effectRef idx="0">
+            <a:schemeClr val="accent1"/>
+          </a:effectRef>
+          <a:fontRef idx="minor">
+            <a:schemeClr val="tx1"/>
+          </a:fontRef>
+        </p:style>
+        <p:txBody>
+          <a:bodyPr rtlCol="0" anchor="ctr"/>
+          <a:lstStyle/>
+          <a:p>
+            <a:pPr algn="ctr"/>
+            <a:endParaRPr lang="pl-PL"/>
+          </a:p>
+        </p:txBody>
+      </p:sp>
+      <p:sp>
+        <p:nvSpPr>
+          <p:cNvPr id="4" name="pole tekstowe 3">
+            <a:extLst>
+              <a:ext uri="{FF2B5EF4-FFF2-40B4-BE49-F238E27FC236}">
+                <a16:creationId xmlns:a16="http://schemas.microsoft.com/office/drawing/2014/main" id="{262AAFC0-7D9D-41D5-B232-F7FEF21A0F86}"/>
+              </a:ext>
+            </a:extLst>
+          </p:cNvPr>
+          <p:cNvSpPr txBox="1"/>
+          <p:nvPr/>
+        </p:nvSpPr>
+        <p:spPr>
+          <a:xfrm>
+            <a:off x="750627" y="3840097"/>
+            <a:ext cx="2547582" cy="1815882"/>
+          </a:xfrm>
+          <a:prstGeom prst="rect">
+            <a:avLst/>
+          </a:prstGeom>
+          <a:noFill/>
+        </p:spPr>
+        <p:txBody>
+          <a:bodyPr wrap="square" rtlCol="0">
+            <a:spAutoFit/>
+          </a:bodyPr>
+          <a:lstStyle/>
+          <a:p>
+            <a:r>
+              <a:rPr lang="pl-PL" sz="1400" b="1" dirty="0">
+                <a:solidFill>
+                  <a:schemeClr val="bg2">
+                    <a:lumMod val="25000"/>
+                  </a:schemeClr>
+                </a:solidFill>
+              </a:rPr>
+              <a:t>Wartości statystyczne </a:t>
+            </a:r>
+            <a:r>
+              <a:rPr lang="pl-PL" sz="1400" dirty="0">
+                <a:solidFill>
+                  <a:schemeClr val="bg2">
+                    <a:lumMod val="25000"/>
+                  </a:schemeClr>
+                </a:solidFill>
+              </a:rPr>
+              <a:t>(obliczone przez </a:t>
+            </a:r>
+            <a:r>
+              <a:rPr lang="pl-PL" sz="1400" dirty="0" err="1">
+                <a:solidFill>
+                  <a:schemeClr val="bg2">
+                    <a:lumMod val="25000"/>
+                  </a:schemeClr>
+                </a:solidFill>
+              </a:rPr>
+              <a:t>MongoDB</a:t>
+            </a:r>
+            <a:r>
+              <a:rPr lang="pl-PL" sz="1400" dirty="0">
+                <a:solidFill>
+                  <a:schemeClr val="bg2">
+                    <a:lumMod val="25000"/>
+                  </a:schemeClr>
+                </a:solidFill>
+              </a:rPr>
+              <a:t>):</a:t>
+            </a:r>
+          </a:p>
+          <a:p>
+            <a:pPr marL="268288" indent="-177800">
+              <a:buFont typeface="Wingdings" panose="05000000000000000000" pitchFamily="2" charset="2"/>
+              <a:buChar char="§"/>
+              <a:tabLst>
+                <a:tab pos="268288" algn="l"/>
+              </a:tabLst>
+            </a:pPr>
+            <a:r>
+              <a:rPr lang="pl-PL" sz="1400" dirty="0">
+                <a:solidFill>
+                  <a:schemeClr val="bg2">
+                    <a:lumMod val="25000"/>
+                  </a:schemeClr>
+                </a:solidFill>
+              </a:rPr>
+              <a:t>minimum</a:t>
+            </a:r>
+          </a:p>
+          <a:p>
+            <a:pPr marL="268288" indent="-177800">
+              <a:buFont typeface="Wingdings" panose="05000000000000000000" pitchFamily="2" charset="2"/>
+              <a:buChar char="§"/>
+              <a:tabLst>
+                <a:tab pos="268288" algn="l"/>
+              </a:tabLst>
+            </a:pPr>
+            <a:r>
+              <a:rPr lang="pl-PL" sz="1400" dirty="0">
+                <a:solidFill>
+                  <a:schemeClr val="bg2">
+                    <a:lumMod val="25000"/>
+                  </a:schemeClr>
+                </a:solidFill>
+              </a:rPr>
+              <a:t>maksimum</a:t>
+            </a:r>
+          </a:p>
+          <a:p>
+            <a:pPr marL="268288" indent="-177800">
+              <a:buFont typeface="Wingdings" panose="05000000000000000000" pitchFamily="2" charset="2"/>
+              <a:buChar char="§"/>
+              <a:tabLst>
+                <a:tab pos="268288" algn="l"/>
+              </a:tabLst>
+            </a:pPr>
+            <a:r>
+              <a:rPr lang="pl-PL" sz="1400" dirty="0">
+                <a:solidFill>
+                  <a:schemeClr val="bg2">
+                    <a:lumMod val="25000"/>
+                  </a:schemeClr>
+                </a:solidFill>
+              </a:rPr>
+              <a:t>średniej arytmetycznej</a:t>
+            </a:r>
+          </a:p>
+          <a:p>
+            <a:pPr marL="268288" indent="-177800">
+              <a:buFont typeface="Wingdings" panose="05000000000000000000" pitchFamily="2" charset="2"/>
+              <a:buChar char="§"/>
+              <a:tabLst>
+                <a:tab pos="268288" algn="l"/>
+              </a:tabLst>
+            </a:pPr>
+            <a:r>
+              <a:rPr lang="pl-PL" sz="1400" dirty="0">
+                <a:solidFill>
+                  <a:schemeClr val="bg2">
+                    <a:lumMod val="25000"/>
+                  </a:schemeClr>
+                </a:solidFill>
+              </a:rPr>
+              <a:t>odchylenie standardowe od średniej</a:t>
+            </a:r>
+          </a:p>
+          <a:p>
+            <a:endParaRPr lang="pl-PL" sz="1400" dirty="0">
+              <a:solidFill>
+                <a:schemeClr val="bg2">
+                  <a:lumMod val="25000"/>
+                </a:schemeClr>
+              </a:solidFill>
+            </a:endParaRPr>
+          </a:p>
+        </p:txBody>
+      </p:sp>
+      <p:sp>
+        <p:nvSpPr>
+          <p:cNvPr id="8" name="Nawias klamrowy otwierający 7">
+            <a:extLst>
+              <a:ext uri="{FF2B5EF4-FFF2-40B4-BE49-F238E27FC236}">
+                <a16:creationId xmlns:a16="http://schemas.microsoft.com/office/drawing/2014/main" id="{7D3B5D93-87A0-4BF8-A386-15EB86385B62}"/>
+              </a:ext>
+            </a:extLst>
+          </p:cNvPr>
+          <p:cNvSpPr/>
+          <p:nvPr/>
+        </p:nvSpPr>
+        <p:spPr>
+          <a:xfrm>
+            <a:off x="3184479" y="1960845"/>
+            <a:ext cx="727881" cy="194979"/>
+          </a:xfrm>
+          <a:custGeom>
+            <a:avLst/>
+            <a:gdLst>
+              <a:gd name="connsiteX0" fmla="*/ 727881 w 727881"/>
+              <a:gd name="connsiteY0" fmla="*/ 194979 h 194979"/>
+              <a:gd name="connsiteX1" fmla="*/ 363940 w 727881"/>
+              <a:gd name="connsiteY1" fmla="*/ 178731 h 194979"/>
+              <a:gd name="connsiteX2" fmla="*/ 363941 w 727881"/>
+              <a:gd name="connsiteY2" fmla="*/ 113020 h 194979"/>
+              <a:gd name="connsiteX3" fmla="*/ 0 w 727881"/>
+              <a:gd name="connsiteY3" fmla="*/ 96772 h 194979"/>
+              <a:gd name="connsiteX4" fmla="*/ 363941 w 727881"/>
+              <a:gd name="connsiteY4" fmla="*/ 80524 h 194979"/>
+              <a:gd name="connsiteX5" fmla="*/ 363941 w 727881"/>
+              <a:gd name="connsiteY5" fmla="*/ 16248 h 194979"/>
+              <a:gd name="connsiteX6" fmla="*/ 727882 w 727881"/>
+              <a:gd name="connsiteY6" fmla="*/ 0 h 194979"/>
+              <a:gd name="connsiteX7" fmla="*/ 727881 w 727881"/>
+              <a:gd name="connsiteY7" fmla="*/ 194979 h 194979"/>
+              <a:gd name="connsiteX0" fmla="*/ 727881 w 727881"/>
+              <a:gd name="connsiteY0" fmla="*/ 194979 h 194979"/>
+              <a:gd name="connsiteX1" fmla="*/ 363940 w 727881"/>
+              <a:gd name="connsiteY1" fmla="*/ 178731 h 194979"/>
+              <a:gd name="connsiteX2" fmla="*/ 363941 w 727881"/>
+              <a:gd name="connsiteY2" fmla="*/ 113020 h 194979"/>
+              <a:gd name="connsiteX3" fmla="*/ 0 w 727881"/>
+              <a:gd name="connsiteY3" fmla="*/ 96772 h 194979"/>
+              <a:gd name="connsiteX4" fmla="*/ 363941 w 727881"/>
+              <a:gd name="connsiteY4" fmla="*/ 80524 h 194979"/>
+              <a:gd name="connsiteX5" fmla="*/ 363941 w 727881"/>
+              <a:gd name="connsiteY5" fmla="*/ 16248 h 194979"/>
+              <a:gd name="connsiteX6" fmla="*/ 727882 w 727881"/>
+              <a:gd name="connsiteY6" fmla="*/ 0 h 194979"/>
+            </a:gdLst>
+            <a:ahLst/>
+            <a:cxnLst>
+              <a:cxn ang="0">
+                <a:pos x="connsiteX0" y="connsiteY0"/>
+              </a:cxn>
+              <a:cxn ang="0">
+                <a:pos x="connsiteX1" y="connsiteY1"/>
+              </a:cxn>
+              <a:cxn ang="0">
+                <a:pos x="connsiteX2" y="connsiteY2"/>
+              </a:cxn>
+              <a:cxn ang="0">
+                <a:pos x="connsiteX3" y="connsiteY3"/>
+              </a:cxn>
+              <a:cxn ang="0">
+                <a:pos x="connsiteX4" y="connsiteY4"/>
+              </a:cxn>
+              <a:cxn ang="0">
+                <a:pos x="connsiteX5" y="connsiteY5"/>
+              </a:cxn>
+              <a:cxn ang="0">
+                <a:pos x="connsiteX6" y="connsiteY6"/>
+              </a:cxn>
+            </a:cxnLst>
+            <a:rect l="l" t="t" r="r" b="b"/>
+            <a:pathLst>
+              <a:path w="727881" h="194979" stroke="0" extrusionOk="0">
+                <a:moveTo>
+                  <a:pt x="727881" y="194979"/>
+                </a:moveTo>
+                <a:cubicBezTo>
+                  <a:pt x="527098" y="196424"/>
+                  <a:pt x="363709" y="188854"/>
+                  <a:pt x="363940" y="178731"/>
+                </a:cubicBezTo>
+                <a:cubicBezTo>
+                  <a:pt x="363679" y="157030"/>
+                  <a:pt x="363578" y="133786"/>
+                  <a:pt x="363941" y="113020"/>
+                </a:cubicBezTo>
+                <a:cubicBezTo>
+                  <a:pt x="378072" y="95566"/>
+                  <a:pt x="184168" y="88776"/>
+                  <a:pt x="0" y="96772"/>
+                </a:cubicBezTo>
+                <a:cubicBezTo>
+                  <a:pt x="201373" y="97195"/>
+                  <a:pt x="364337" y="89692"/>
+                  <a:pt x="363941" y="80524"/>
+                </a:cubicBezTo>
+                <a:cubicBezTo>
+                  <a:pt x="363276" y="73203"/>
+                  <a:pt x="362159" y="42038"/>
+                  <a:pt x="363941" y="16248"/>
+                </a:cubicBezTo>
+                <a:cubicBezTo>
+                  <a:pt x="357737" y="12155"/>
+                  <a:pt x="535654" y="7331"/>
+                  <a:pt x="727882" y="0"/>
+                </a:cubicBezTo>
+                <a:cubicBezTo>
+                  <a:pt x="725308" y="68474"/>
+                  <a:pt x="729340" y="132037"/>
+                  <a:pt x="727881" y="194979"/>
+                </a:cubicBezTo>
+                <a:close/>
+              </a:path>
+              <a:path w="727881" h="194979" fill="none" extrusionOk="0">
+                <a:moveTo>
+                  <a:pt x="727881" y="194979"/>
+                </a:moveTo>
+                <a:cubicBezTo>
+                  <a:pt x="526993" y="195579"/>
+                  <a:pt x="364987" y="186965"/>
+                  <a:pt x="363940" y="178731"/>
+                </a:cubicBezTo>
+                <a:cubicBezTo>
+                  <a:pt x="367011" y="155237"/>
+                  <a:pt x="360174" y="135363"/>
+                  <a:pt x="363941" y="113020"/>
+                </a:cubicBezTo>
+                <a:cubicBezTo>
+                  <a:pt x="366740" y="106848"/>
+                  <a:pt x="206074" y="90922"/>
+                  <a:pt x="0" y="96772"/>
+                </a:cubicBezTo>
+                <a:cubicBezTo>
+                  <a:pt x="202226" y="97003"/>
+                  <a:pt x="363597" y="89637"/>
+                  <a:pt x="363941" y="80524"/>
+                </a:cubicBezTo>
+                <a:cubicBezTo>
+                  <a:pt x="359106" y="50113"/>
+                  <a:pt x="368939" y="29266"/>
+                  <a:pt x="363941" y="16248"/>
+                </a:cubicBezTo>
+                <a:cubicBezTo>
+                  <a:pt x="361319" y="7799"/>
+                  <a:pt x="535946" y="-18863"/>
+                  <a:pt x="727882" y="0"/>
+                </a:cubicBezTo>
+              </a:path>
+            </a:pathLst>
+          </a:custGeom>
+          <a:ln w="19050">
+            <a:solidFill>
+              <a:srgbClr val="92D050"/>
+            </a:solidFill>
+            <a:extLst>
+              <a:ext uri="{C807C97D-BFC1-408E-A445-0C87EB9F89A2}">
+                <ask:lineSketchStyleProps xmlns:ask="http://schemas.microsoft.com/office/drawing/2018/sketchyshapes" sd="431491757">
+                  <a:prstGeom prst="leftBrace">
+                    <a:avLst>
+                      <a:gd name="adj1" fmla="val 8333"/>
+                      <a:gd name="adj2" fmla="val 49632"/>
+                    </a:avLst>
+                  </a:prstGeom>
+                  <ask:type>
+                    <ask:lineSketchCurved/>
+                  </ask:type>
+                </ask:lineSketchStyleProps>
+              </a:ext>
+            </a:extLst>
+          </a:ln>
+        </p:spPr>
+        <p:style>
+          <a:lnRef idx="1">
+            <a:schemeClr val="accent1"/>
+          </a:lnRef>
+          <a:fillRef idx="0">
+            <a:schemeClr val="accent1"/>
+          </a:fillRef>
+          <a:effectRef idx="0">
+            <a:schemeClr val="accent1"/>
+          </a:effectRef>
+          <a:fontRef idx="minor">
+            <a:schemeClr val="tx1"/>
+          </a:fontRef>
+        </p:style>
+        <p:txBody>
+          <a:bodyPr rtlCol="0" anchor="ctr"/>
+          <a:lstStyle/>
+          <a:p>
+            <a:pPr algn="ctr"/>
+            <a:endParaRPr lang="pl-PL" dirty="0">
+              <a:solidFill>
+                <a:schemeClr val="accent3">
+                  <a:lumMod val="75000"/>
+                </a:schemeClr>
+              </a:solidFill>
+            </a:endParaRPr>
+          </a:p>
+        </p:txBody>
+      </p:sp>
+      <p:sp>
+        <p:nvSpPr>
+          <p:cNvPr id="9" name="pole tekstowe 8">
+            <a:extLst>
+              <a:ext uri="{FF2B5EF4-FFF2-40B4-BE49-F238E27FC236}">
+                <a16:creationId xmlns:a16="http://schemas.microsoft.com/office/drawing/2014/main" id="{6EE4F024-A3A3-473C-91C7-73018B391239}"/>
+              </a:ext>
+            </a:extLst>
+          </p:cNvPr>
+          <p:cNvSpPr txBox="1"/>
+          <p:nvPr/>
+        </p:nvSpPr>
+        <p:spPr>
+          <a:xfrm>
+            <a:off x="693761" y="2880653"/>
+            <a:ext cx="2547582" cy="738664"/>
+          </a:xfrm>
+          <a:prstGeom prst="rect">
+            <a:avLst/>
+          </a:prstGeom>
+          <a:noFill/>
+        </p:spPr>
+        <p:txBody>
+          <a:bodyPr wrap="square" rtlCol="0">
+            <a:spAutoFit/>
+          </a:bodyPr>
+          <a:lstStyle/>
+          <a:p>
+            <a:pPr algn="ctr"/>
+            <a:r>
+              <a:rPr lang="pl-PL" sz="1400" b="1" dirty="0">
+                <a:solidFill>
+                  <a:schemeClr val="accent3">
+                    <a:lumMod val="75000"/>
+                  </a:schemeClr>
+                </a:solidFill>
+              </a:rPr>
+              <a:t>Nazwy stacji </a:t>
+            </a:r>
+            <a:r>
+              <a:rPr lang="pl-PL" sz="1400" dirty="0">
+                <a:solidFill>
+                  <a:schemeClr val="accent3">
+                    <a:lumMod val="75000"/>
+                  </a:schemeClr>
+                </a:solidFill>
+              </a:rPr>
+              <a:t>(początkowej i końcowej) </a:t>
+            </a:r>
+            <a:r>
+              <a:rPr lang="pl-PL" sz="1400" b="1" dirty="0">
+                <a:solidFill>
+                  <a:schemeClr val="accent3">
+                    <a:lumMod val="75000"/>
+                  </a:schemeClr>
+                </a:solidFill>
+              </a:rPr>
+              <a:t>z relacyjnej tabeli </a:t>
+            </a:r>
+            <a:r>
+              <a:rPr lang="pl-PL" sz="1400" b="1" dirty="0" err="1">
+                <a:solidFill>
+                  <a:schemeClr val="accent3">
+                    <a:lumMod val="75000"/>
+                  </a:schemeClr>
+                </a:solidFill>
+              </a:rPr>
+              <a:t>Stations</a:t>
+            </a:r>
+            <a:endParaRPr lang="pl-PL" sz="1400" dirty="0">
+              <a:solidFill>
+                <a:schemeClr val="accent3">
+                  <a:lumMod val="75000"/>
+                </a:schemeClr>
+              </a:solidFill>
+            </a:endParaRPr>
+          </a:p>
+        </p:txBody>
+      </p:sp>
+      <p:sp>
+        <p:nvSpPr>
+          <p:cNvPr id="10" name="Nawias klamrowy otwierający 9">
+            <a:extLst>
+              <a:ext uri="{FF2B5EF4-FFF2-40B4-BE49-F238E27FC236}">
+                <a16:creationId xmlns:a16="http://schemas.microsoft.com/office/drawing/2014/main" id="{0DB03991-F849-4966-BFAC-0D11D39CF4A4}"/>
+              </a:ext>
+            </a:extLst>
+          </p:cNvPr>
+          <p:cNvSpPr/>
+          <p:nvPr/>
+        </p:nvSpPr>
+        <p:spPr>
+          <a:xfrm>
+            <a:off x="3174384" y="6067552"/>
+            <a:ext cx="727881" cy="201486"/>
+          </a:xfrm>
+          <a:custGeom>
+            <a:avLst/>
+            <a:gdLst>
+              <a:gd name="connsiteX0" fmla="*/ 727881 w 727881"/>
+              <a:gd name="connsiteY0" fmla="*/ 201486 h 201486"/>
+              <a:gd name="connsiteX1" fmla="*/ 363940 w 727881"/>
+              <a:gd name="connsiteY1" fmla="*/ 184696 h 201486"/>
+              <a:gd name="connsiteX2" fmla="*/ 363941 w 727881"/>
+              <a:gd name="connsiteY2" fmla="*/ 116791 h 201486"/>
+              <a:gd name="connsiteX3" fmla="*/ 0 w 727881"/>
+              <a:gd name="connsiteY3" fmla="*/ 100001 h 201486"/>
+              <a:gd name="connsiteX4" fmla="*/ 363941 w 727881"/>
+              <a:gd name="connsiteY4" fmla="*/ 83211 h 201486"/>
+              <a:gd name="connsiteX5" fmla="*/ 363941 w 727881"/>
+              <a:gd name="connsiteY5" fmla="*/ 16790 h 201486"/>
+              <a:gd name="connsiteX6" fmla="*/ 727882 w 727881"/>
+              <a:gd name="connsiteY6" fmla="*/ 0 h 201486"/>
+              <a:gd name="connsiteX7" fmla="*/ 727881 w 727881"/>
+              <a:gd name="connsiteY7" fmla="*/ 201486 h 201486"/>
+              <a:gd name="connsiteX0" fmla="*/ 727881 w 727881"/>
+              <a:gd name="connsiteY0" fmla="*/ 201486 h 201486"/>
+              <a:gd name="connsiteX1" fmla="*/ 363940 w 727881"/>
+              <a:gd name="connsiteY1" fmla="*/ 184696 h 201486"/>
+              <a:gd name="connsiteX2" fmla="*/ 363941 w 727881"/>
+              <a:gd name="connsiteY2" fmla="*/ 116791 h 201486"/>
+              <a:gd name="connsiteX3" fmla="*/ 0 w 727881"/>
+              <a:gd name="connsiteY3" fmla="*/ 100001 h 201486"/>
+              <a:gd name="connsiteX4" fmla="*/ 363941 w 727881"/>
+              <a:gd name="connsiteY4" fmla="*/ 83211 h 201486"/>
+              <a:gd name="connsiteX5" fmla="*/ 363941 w 727881"/>
+              <a:gd name="connsiteY5" fmla="*/ 16790 h 201486"/>
+              <a:gd name="connsiteX6" fmla="*/ 727882 w 727881"/>
+              <a:gd name="connsiteY6" fmla="*/ 0 h 201486"/>
+            </a:gdLst>
+            <a:ahLst/>
+            <a:cxnLst>
+              <a:cxn ang="0">
+                <a:pos x="connsiteX0" y="connsiteY0"/>
+              </a:cxn>
+              <a:cxn ang="0">
+                <a:pos x="connsiteX1" y="connsiteY1"/>
+              </a:cxn>
+              <a:cxn ang="0">
+                <a:pos x="connsiteX2" y="connsiteY2"/>
+              </a:cxn>
+              <a:cxn ang="0">
+                <a:pos x="connsiteX3" y="connsiteY3"/>
+              </a:cxn>
+              <a:cxn ang="0">
+                <a:pos x="connsiteX4" y="connsiteY4"/>
+              </a:cxn>
+              <a:cxn ang="0">
+                <a:pos x="connsiteX5" y="connsiteY5"/>
+              </a:cxn>
+              <a:cxn ang="0">
+                <a:pos x="connsiteX6" y="connsiteY6"/>
+              </a:cxn>
+            </a:cxnLst>
+            <a:rect l="l" t="t" r="r" b="b"/>
+            <a:pathLst>
+              <a:path w="727881" h="201486" stroke="0" extrusionOk="0">
+                <a:moveTo>
+                  <a:pt x="727881" y="201486"/>
+                </a:moveTo>
+                <a:cubicBezTo>
+                  <a:pt x="527019" y="202401"/>
+                  <a:pt x="363649" y="195415"/>
+                  <a:pt x="363940" y="184696"/>
+                </a:cubicBezTo>
+                <a:cubicBezTo>
+                  <a:pt x="363066" y="162742"/>
+                  <a:pt x="363352" y="137578"/>
+                  <a:pt x="363941" y="116791"/>
+                </a:cubicBezTo>
+                <a:cubicBezTo>
+                  <a:pt x="379473" y="98197"/>
+                  <a:pt x="181966" y="90959"/>
+                  <a:pt x="0" y="100001"/>
+                </a:cubicBezTo>
+                <a:cubicBezTo>
+                  <a:pt x="201619" y="100702"/>
+                  <a:pt x="365355" y="93176"/>
+                  <a:pt x="363941" y="83211"/>
+                </a:cubicBezTo>
+                <a:cubicBezTo>
+                  <a:pt x="361884" y="74074"/>
+                  <a:pt x="366288" y="41022"/>
+                  <a:pt x="363941" y="16790"/>
+                </a:cubicBezTo>
+                <a:cubicBezTo>
+                  <a:pt x="342790" y="24157"/>
+                  <a:pt x="541628" y="12325"/>
+                  <a:pt x="727882" y="0"/>
+                </a:cubicBezTo>
+                <a:cubicBezTo>
+                  <a:pt x="719964" y="77871"/>
+                  <a:pt x="731592" y="139541"/>
+                  <a:pt x="727881" y="201486"/>
+                </a:cubicBezTo>
+                <a:close/>
+              </a:path>
+              <a:path w="727881" h="201486" fill="none" extrusionOk="0">
+                <a:moveTo>
+                  <a:pt x="727881" y="201486"/>
+                </a:moveTo>
+                <a:cubicBezTo>
+                  <a:pt x="527170" y="203039"/>
+                  <a:pt x="364851" y="193325"/>
+                  <a:pt x="363940" y="184696"/>
+                </a:cubicBezTo>
+                <a:cubicBezTo>
+                  <a:pt x="366176" y="160904"/>
+                  <a:pt x="360929" y="139777"/>
+                  <a:pt x="363941" y="116791"/>
+                </a:cubicBezTo>
+                <a:cubicBezTo>
+                  <a:pt x="376904" y="120492"/>
+                  <a:pt x="220052" y="78041"/>
+                  <a:pt x="0" y="100001"/>
+                </a:cubicBezTo>
+                <a:cubicBezTo>
+                  <a:pt x="201136" y="100027"/>
+                  <a:pt x="363393" y="92705"/>
+                  <a:pt x="363941" y="83211"/>
+                </a:cubicBezTo>
+                <a:cubicBezTo>
+                  <a:pt x="361104" y="54158"/>
+                  <a:pt x="367682" y="25532"/>
+                  <a:pt x="363941" y="16790"/>
+                </a:cubicBezTo>
+                <a:cubicBezTo>
+                  <a:pt x="345963" y="11114"/>
+                  <a:pt x="534249" y="-15330"/>
+                  <a:pt x="727882" y="0"/>
+                </a:cubicBezTo>
+              </a:path>
+            </a:pathLst>
+          </a:custGeom>
+          <a:ln w="19050">
+            <a:solidFill>
+              <a:schemeClr val="accent6">
+                <a:lumMod val="75000"/>
+              </a:schemeClr>
+            </a:solidFill>
+            <a:extLst>
+              <a:ext uri="{C807C97D-BFC1-408E-A445-0C87EB9F89A2}">
+                <ask:lineSketchStyleProps xmlns:ask="http://schemas.microsoft.com/office/drawing/2018/sketchyshapes" sd="431491757">
+                  <a:prstGeom prst="leftBrace">
+                    <a:avLst>
+                      <a:gd name="adj1" fmla="val 8333"/>
+                      <a:gd name="adj2" fmla="val 49632"/>
+                    </a:avLst>
+                  </a:prstGeom>
+                  <ask:type>
+                    <ask:lineSketchCurved/>
+                  </ask:type>
+                </ask:lineSketchStyleProps>
+              </a:ext>
+            </a:extLst>
+          </a:ln>
+        </p:spPr>
+        <p:style>
+          <a:lnRef idx="1">
+            <a:schemeClr val="accent1"/>
+          </a:lnRef>
+          <a:fillRef idx="0">
+            <a:schemeClr val="accent1"/>
+          </a:fillRef>
+          <a:effectRef idx="0">
+            <a:schemeClr val="accent1"/>
+          </a:effectRef>
+          <a:fontRef idx="minor">
+            <a:schemeClr val="tx1"/>
+          </a:fontRef>
+        </p:style>
+        <p:txBody>
+          <a:bodyPr rtlCol="0" anchor="ctr"/>
+          <a:lstStyle/>
+          <a:p>
+            <a:pPr algn="ctr"/>
+            <a:endParaRPr lang="pl-PL">
+              <a:solidFill>
+                <a:schemeClr val="accent3">
+                  <a:lumMod val="75000"/>
+                </a:schemeClr>
+              </a:solidFill>
+            </a:endParaRPr>
+          </a:p>
+        </p:txBody>
+      </p:sp>
+      <p:sp>
+        <p:nvSpPr>
+          <p:cNvPr id="11" name="pole tekstowe 10">
+            <a:extLst>
+              <a:ext uri="{FF2B5EF4-FFF2-40B4-BE49-F238E27FC236}">
+                <a16:creationId xmlns:a16="http://schemas.microsoft.com/office/drawing/2014/main" id="{042E9783-CC04-4DF1-884C-25DB679313E4}"/>
+              </a:ext>
+            </a:extLst>
+          </p:cNvPr>
+          <p:cNvSpPr txBox="1"/>
+          <p:nvPr/>
+        </p:nvSpPr>
+        <p:spPr>
+          <a:xfrm>
+            <a:off x="750627" y="5881721"/>
+            <a:ext cx="2406851" cy="523220"/>
+          </a:xfrm>
+          <a:prstGeom prst="rect">
+            <a:avLst/>
+          </a:prstGeom>
+          <a:noFill/>
+        </p:spPr>
+        <p:txBody>
+          <a:bodyPr wrap="square" rtlCol="0">
+            <a:spAutoFit/>
+          </a:bodyPr>
+          <a:lstStyle/>
+          <a:p>
+            <a:pPr algn="ctr"/>
+            <a:r>
+              <a:rPr lang="pl-PL" sz="1400" b="1" dirty="0">
+                <a:solidFill>
+                  <a:schemeClr val="accent6">
+                    <a:lumMod val="75000"/>
+                  </a:schemeClr>
+                </a:solidFill>
+              </a:rPr>
+              <a:t>Ilość postojów obliczona na podstawie prędkości</a:t>
+            </a:r>
+          </a:p>
+        </p:txBody>
+      </p:sp>
+      <p:sp>
+        <p:nvSpPr>
+          <p:cNvPr id="13" name="pole tekstowe 12">
+            <a:extLst>
+              <a:ext uri="{FF2B5EF4-FFF2-40B4-BE49-F238E27FC236}">
+                <a16:creationId xmlns:a16="http://schemas.microsoft.com/office/drawing/2014/main" id="{E3B68F6F-333B-4864-AA96-A9DA6049E2E4}"/>
+              </a:ext>
+            </a:extLst>
+          </p:cNvPr>
+          <p:cNvSpPr txBox="1"/>
+          <p:nvPr/>
+        </p:nvSpPr>
+        <p:spPr>
+          <a:xfrm>
+            <a:off x="10194917" y="1969559"/>
+            <a:ext cx="1956444" cy="1384995"/>
+          </a:xfrm>
+          <a:prstGeom prst="rect">
+            <a:avLst/>
+          </a:prstGeom>
+          <a:noFill/>
+        </p:spPr>
+        <p:txBody>
+          <a:bodyPr wrap="square" rtlCol="0">
+            <a:spAutoFit/>
+          </a:bodyPr>
+          <a:lstStyle/>
+          <a:p>
+            <a:pPr marL="180975" indent="-180975">
+              <a:buFont typeface="Wingdings" panose="05000000000000000000" pitchFamily="2" charset="2"/>
+              <a:buChar char="§"/>
+            </a:pPr>
+            <a:r>
+              <a:rPr lang="pl-PL" sz="1400" b="1" dirty="0">
+                <a:solidFill>
+                  <a:schemeClr val="accent4">
+                    <a:lumMod val="75000"/>
+                  </a:schemeClr>
+                </a:solidFill>
+              </a:rPr>
+              <a:t>Pole z indeksem </a:t>
+            </a:r>
+            <a:r>
+              <a:rPr lang="pl-PL" sz="1400" dirty="0">
+                <a:solidFill>
+                  <a:schemeClr val="accent4">
+                    <a:lumMod val="75000"/>
+                  </a:schemeClr>
+                </a:solidFill>
+              </a:rPr>
+              <a:t>do przyspieszenia wyszukiwania i edycji danych</a:t>
+            </a:r>
+            <a:endParaRPr lang="pl-PL" sz="1400" b="1" dirty="0">
+              <a:solidFill>
+                <a:schemeClr val="accent4">
+                  <a:lumMod val="75000"/>
+                </a:schemeClr>
+              </a:solidFill>
+            </a:endParaRPr>
+          </a:p>
+          <a:p>
+            <a:pPr marL="180975" indent="-180975">
+              <a:buFont typeface="Wingdings" panose="05000000000000000000" pitchFamily="2" charset="2"/>
+              <a:buChar char="§"/>
+            </a:pPr>
+            <a:r>
+              <a:rPr lang="pl-PL" sz="1400" b="1" dirty="0">
+                <a:solidFill>
+                  <a:schemeClr val="accent4">
+                    <a:lumMod val="75000"/>
+                  </a:schemeClr>
+                </a:solidFill>
+              </a:rPr>
+              <a:t>64 bitowa wartość </a:t>
+            </a:r>
+            <a:r>
+              <a:rPr lang="pl-PL" sz="1400" b="1" dirty="0" err="1">
+                <a:solidFill>
+                  <a:schemeClr val="accent4">
+                    <a:lumMod val="75000"/>
+                  </a:schemeClr>
+                </a:solidFill>
+              </a:rPr>
+              <a:t>MurmurHash</a:t>
+            </a:r>
+            <a:endParaRPr lang="pl-PL" sz="1400" b="1" dirty="0">
+              <a:solidFill>
+                <a:schemeClr val="accent4">
+                  <a:lumMod val="75000"/>
+                </a:schemeClr>
+              </a:solidFill>
+            </a:endParaRPr>
+          </a:p>
+        </p:txBody>
+      </p:sp>
+      <p:sp>
+        <p:nvSpPr>
+          <p:cNvPr id="14" name="Nawias klamrowy otwierający 13">
+            <a:extLst>
+              <a:ext uri="{FF2B5EF4-FFF2-40B4-BE49-F238E27FC236}">
+                <a16:creationId xmlns:a16="http://schemas.microsoft.com/office/drawing/2014/main" id="{C5EC659A-FC6D-4448-98F9-A0ED21AB2BCD}"/>
+              </a:ext>
+            </a:extLst>
+          </p:cNvPr>
+          <p:cNvSpPr/>
+          <p:nvPr/>
+        </p:nvSpPr>
+        <p:spPr>
+          <a:xfrm rot="10800000">
+            <a:off x="9565238" y="2155825"/>
+            <a:ext cx="602499" cy="178373"/>
+          </a:xfrm>
+          <a:custGeom>
+            <a:avLst/>
+            <a:gdLst>
+              <a:gd name="connsiteX0" fmla="*/ 602499 w 602499"/>
+              <a:gd name="connsiteY0" fmla="*/ 178373 h 178373"/>
+              <a:gd name="connsiteX1" fmla="*/ 301249 w 602499"/>
+              <a:gd name="connsiteY1" fmla="*/ 163509 h 178373"/>
+              <a:gd name="connsiteX2" fmla="*/ 301250 w 602499"/>
+              <a:gd name="connsiteY2" fmla="*/ 103394 h 178373"/>
+              <a:gd name="connsiteX3" fmla="*/ 0 w 602499"/>
+              <a:gd name="connsiteY3" fmla="*/ 88530 h 178373"/>
+              <a:gd name="connsiteX4" fmla="*/ 301250 w 602499"/>
+              <a:gd name="connsiteY4" fmla="*/ 73666 h 178373"/>
+              <a:gd name="connsiteX5" fmla="*/ 301250 w 602499"/>
+              <a:gd name="connsiteY5" fmla="*/ 14864 h 178373"/>
+              <a:gd name="connsiteX6" fmla="*/ 602500 w 602499"/>
+              <a:gd name="connsiteY6" fmla="*/ 0 h 178373"/>
+              <a:gd name="connsiteX7" fmla="*/ 602499 w 602499"/>
+              <a:gd name="connsiteY7" fmla="*/ 178373 h 178373"/>
+              <a:gd name="connsiteX0" fmla="*/ 602499 w 602499"/>
+              <a:gd name="connsiteY0" fmla="*/ 178373 h 178373"/>
+              <a:gd name="connsiteX1" fmla="*/ 301249 w 602499"/>
+              <a:gd name="connsiteY1" fmla="*/ 163509 h 178373"/>
+              <a:gd name="connsiteX2" fmla="*/ 301250 w 602499"/>
+              <a:gd name="connsiteY2" fmla="*/ 103394 h 178373"/>
+              <a:gd name="connsiteX3" fmla="*/ 0 w 602499"/>
+              <a:gd name="connsiteY3" fmla="*/ 88530 h 178373"/>
+              <a:gd name="connsiteX4" fmla="*/ 301250 w 602499"/>
+              <a:gd name="connsiteY4" fmla="*/ 73666 h 178373"/>
+              <a:gd name="connsiteX5" fmla="*/ 301250 w 602499"/>
+              <a:gd name="connsiteY5" fmla="*/ 14864 h 178373"/>
+              <a:gd name="connsiteX6" fmla="*/ 602500 w 602499"/>
+              <a:gd name="connsiteY6" fmla="*/ 0 h 178373"/>
+            </a:gdLst>
+            <a:ahLst/>
+            <a:cxnLst>
+              <a:cxn ang="0">
+                <a:pos x="connsiteX0" y="connsiteY0"/>
+              </a:cxn>
+              <a:cxn ang="0">
+                <a:pos x="connsiteX1" y="connsiteY1"/>
+              </a:cxn>
+              <a:cxn ang="0">
+                <a:pos x="connsiteX2" y="connsiteY2"/>
+              </a:cxn>
+              <a:cxn ang="0">
+                <a:pos x="connsiteX3" y="connsiteY3"/>
+              </a:cxn>
+              <a:cxn ang="0">
+                <a:pos x="connsiteX4" y="connsiteY4"/>
+              </a:cxn>
+              <a:cxn ang="0">
+                <a:pos x="connsiteX5" y="connsiteY5"/>
+              </a:cxn>
+              <a:cxn ang="0">
+                <a:pos x="connsiteX6" y="connsiteY6"/>
+              </a:cxn>
+            </a:cxnLst>
+            <a:rect l="l" t="t" r="r" b="b"/>
+            <a:pathLst>
+              <a:path w="602499" h="178373" stroke="0" extrusionOk="0">
+                <a:moveTo>
+                  <a:pt x="602499" y="178373"/>
+                </a:moveTo>
+                <a:cubicBezTo>
+                  <a:pt x="436240" y="179153"/>
+                  <a:pt x="301139" y="172267"/>
+                  <a:pt x="301249" y="163509"/>
+                </a:cubicBezTo>
+                <a:cubicBezTo>
+                  <a:pt x="299813" y="144590"/>
+                  <a:pt x="301114" y="123006"/>
+                  <a:pt x="301250" y="103394"/>
+                </a:cubicBezTo>
+                <a:cubicBezTo>
+                  <a:pt x="313608" y="87769"/>
+                  <a:pt x="142745" y="77304"/>
+                  <a:pt x="0" y="88530"/>
+                </a:cubicBezTo>
+                <a:cubicBezTo>
+                  <a:pt x="166855" y="89072"/>
+                  <a:pt x="302034" y="82259"/>
+                  <a:pt x="301250" y="73666"/>
+                </a:cubicBezTo>
+                <a:cubicBezTo>
+                  <a:pt x="298187" y="49252"/>
+                  <a:pt x="300544" y="23894"/>
+                  <a:pt x="301250" y="14864"/>
+                </a:cubicBezTo>
+                <a:cubicBezTo>
+                  <a:pt x="280713" y="22812"/>
+                  <a:pt x="438258" y="1784"/>
+                  <a:pt x="602500" y="0"/>
+                </a:cubicBezTo>
+                <a:cubicBezTo>
+                  <a:pt x="600608" y="62017"/>
+                  <a:pt x="608553" y="127426"/>
+                  <a:pt x="602499" y="178373"/>
+                </a:cubicBezTo>
+                <a:close/>
+              </a:path>
+              <a:path w="602499" h="178373" fill="none" extrusionOk="0">
+                <a:moveTo>
+                  <a:pt x="602499" y="178373"/>
+                </a:moveTo>
+                <a:cubicBezTo>
+                  <a:pt x="436404" y="179891"/>
+                  <a:pt x="302003" y="171185"/>
+                  <a:pt x="301249" y="163509"/>
+                </a:cubicBezTo>
+                <a:cubicBezTo>
+                  <a:pt x="303180" y="142471"/>
+                  <a:pt x="300288" y="123544"/>
+                  <a:pt x="301250" y="103394"/>
+                </a:cubicBezTo>
+                <a:cubicBezTo>
+                  <a:pt x="305707" y="99646"/>
+                  <a:pt x="169082" y="85412"/>
+                  <a:pt x="0" y="88530"/>
+                </a:cubicBezTo>
+                <a:cubicBezTo>
+                  <a:pt x="167308" y="88705"/>
+                  <a:pt x="300583" y="82144"/>
+                  <a:pt x="301250" y="73666"/>
+                </a:cubicBezTo>
+                <a:cubicBezTo>
+                  <a:pt x="298798" y="57811"/>
+                  <a:pt x="304272" y="41698"/>
+                  <a:pt x="301250" y="14864"/>
+                </a:cubicBezTo>
+                <a:cubicBezTo>
+                  <a:pt x="284763" y="9954"/>
+                  <a:pt x="446446" y="-21483"/>
+                  <a:pt x="602500" y="0"/>
+                </a:cubicBezTo>
+              </a:path>
+            </a:pathLst>
+          </a:custGeom>
+          <a:ln w="19050">
+            <a:solidFill>
+              <a:schemeClr val="accent4">
+                <a:lumMod val="75000"/>
+              </a:schemeClr>
+            </a:solidFill>
+            <a:extLst>
+              <a:ext uri="{C807C97D-BFC1-408E-A445-0C87EB9F89A2}">
+                <ask:lineSketchStyleProps xmlns:ask="http://schemas.microsoft.com/office/drawing/2018/sketchyshapes" sd="431491757">
+                  <a:prstGeom prst="leftBrace">
+                    <a:avLst>
+                      <a:gd name="adj1" fmla="val 8333"/>
+                      <a:gd name="adj2" fmla="val 49632"/>
+                    </a:avLst>
+                  </a:prstGeom>
+                  <ask:type>
+                    <ask:lineSketchCurved/>
+                  </ask:type>
+                </ask:lineSketchStyleProps>
+              </a:ext>
+            </a:extLst>
+          </a:ln>
+        </p:spPr>
+        <p:style>
+          <a:lnRef idx="1">
+            <a:schemeClr val="accent1"/>
+          </a:lnRef>
+          <a:fillRef idx="0">
+            <a:schemeClr val="accent1"/>
+          </a:fillRef>
+          <a:effectRef idx="0">
+            <a:schemeClr val="accent1"/>
+          </a:effectRef>
+          <a:fontRef idx="minor">
+            <a:schemeClr val="tx1"/>
+          </a:fontRef>
+        </p:style>
+        <p:txBody>
+          <a:bodyPr rtlCol="0" anchor="ctr"/>
+          <a:lstStyle/>
+          <a:p>
+            <a:pPr algn="ctr"/>
+            <a:endParaRPr lang="pl-PL">
+              <a:solidFill>
+                <a:schemeClr val="accent3">
+                  <a:lumMod val="75000"/>
+                </a:schemeClr>
+              </a:solidFill>
+            </a:endParaRPr>
+          </a:p>
+        </p:txBody>
+      </p:sp>
+      <p:sp>
+        <p:nvSpPr>
+          <p:cNvPr id="15" name="Nawias klamrowy otwierający 14">
+            <a:extLst>
+              <a:ext uri="{FF2B5EF4-FFF2-40B4-BE49-F238E27FC236}">
+                <a16:creationId xmlns:a16="http://schemas.microsoft.com/office/drawing/2014/main" id="{C3CD08DA-EFB1-4EBB-8CD0-BFC24BA10AA7}"/>
+              </a:ext>
+            </a:extLst>
+          </p:cNvPr>
+          <p:cNvSpPr/>
+          <p:nvPr/>
+        </p:nvSpPr>
+        <p:spPr>
+          <a:xfrm>
+            <a:off x="3184479" y="3071188"/>
+            <a:ext cx="727881" cy="358027"/>
+          </a:xfrm>
+          <a:custGeom>
+            <a:avLst/>
+            <a:gdLst>
+              <a:gd name="connsiteX0" fmla="*/ 727881 w 727881"/>
+              <a:gd name="connsiteY0" fmla="*/ 358027 h 358027"/>
+              <a:gd name="connsiteX1" fmla="*/ 363940 w 727881"/>
+              <a:gd name="connsiteY1" fmla="*/ 328193 h 358027"/>
+              <a:gd name="connsiteX2" fmla="*/ 363941 w 727881"/>
+              <a:gd name="connsiteY2" fmla="*/ 207530 h 358027"/>
+              <a:gd name="connsiteX3" fmla="*/ 0 w 727881"/>
+              <a:gd name="connsiteY3" fmla="*/ 177696 h 358027"/>
+              <a:gd name="connsiteX4" fmla="*/ 363941 w 727881"/>
+              <a:gd name="connsiteY4" fmla="*/ 147862 h 358027"/>
+              <a:gd name="connsiteX5" fmla="*/ 363941 w 727881"/>
+              <a:gd name="connsiteY5" fmla="*/ 29834 h 358027"/>
+              <a:gd name="connsiteX6" fmla="*/ 727882 w 727881"/>
+              <a:gd name="connsiteY6" fmla="*/ 0 h 358027"/>
+              <a:gd name="connsiteX7" fmla="*/ 727881 w 727881"/>
+              <a:gd name="connsiteY7" fmla="*/ 358027 h 358027"/>
+              <a:gd name="connsiteX0" fmla="*/ 727881 w 727881"/>
+              <a:gd name="connsiteY0" fmla="*/ 358027 h 358027"/>
+              <a:gd name="connsiteX1" fmla="*/ 363940 w 727881"/>
+              <a:gd name="connsiteY1" fmla="*/ 328193 h 358027"/>
+              <a:gd name="connsiteX2" fmla="*/ 363941 w 727881"/>
+              <a:gd name="connsiteY2" fmla="*/ 207530 h 358027"/>
+              <a:gd name="connsiteX3" fmla="*/ 0 w 727881"/>
+              <a:gd name="connsiteY3" fmla="*/ 177696 h 358027"/>
+              <a:gd name="connsiteX4" fmla="*/ 363941 w 727881"/>
+              <a:gd name="connsiteY4" fmla="*/ 147862 h 358027"/>
+              <a:gd name="connsiteX5" fmla="*/ 363941 w 727881"/>
+              <a:gd name="connsiteY5" fmla="*/ 29834 h 358027"/>
+              <a:gd name="connsiteX6" fmla="*/ 727882 w 727881"/>
+              <a:gd name="connsiteY6" fmla="*/ 0 h 358027"/>
+            </a:gdLst>
+            <a:ahLst/>
+            <a:cxnLst>
+              <a:cxn ang="0">
+                <a:pos x="connsiteX0" y="connsiteY0"/>
+              </a:cxn>
+              <a:cxn ang="0">
+                <a:pos x="connsiteX1" y="connsiteY1"/>
+              </a:cxn>
+              <a:cxn ang="0">
+                <a:pos x="connsiteX2" y="connsiteY2"/>
+              </a:cxn>
+              <a:cxn ang="0">
+                <a:pos x="connsiteX3" y="connsiteY3"/>
+              </a:cxn>
+              <a:cxn ang="0">
+                <a:pos x="connsiteX4" y="connsiteY4"/>
+              </a:cxn>
+              <a:cxn ang="0">
+                <a:pos x="connsiteX5" y="connsiteY5"/>
+              </a:cxn>
+              <a:cxn ang="0">
+                <a:pos x="connsiteX6" y="connsiteY6"/>
+              </a:cxn>
+            </a:cxnLst>
+            <a:rect l="l" t="t" r="r" b="b"/>
+            <a:pathLst>
+              <a:path w="727881" h="358027" stroke="0" extrusionOk="0">
+                <a:moveTo>
+                  <a:pt x="727881" y="358027"/>
+                </a:moveTo>
+                <a:cubicBezTo>
+                  <a:pt x="527088" y="359401"/>
+                  <a:pt x="363523" y="346746"/>
+                  <a:pt x="363940" y="328193"/>
+                </a:cubicBezTo>
+                <a:cubicBezTo>
+                  <a:pt x="359746" y="291240"/>
+                  <a:pt x="362897" y="244473"/>
+                  <a:pt x="363941" y="207530"/>
+                </a:cubicBezTo>
+                <a:cubicBezTo>
+                  <a:pt x="369605" y="187654"/>
+                  <a:pt x="190271" y="172599"/>
+                  <a:pt x="0" y="177696"/>
+                </a:cubicBezTo>
+                <a:cubicBezTo>
+                  <a:pt x="203133" y="180110"/>
+                  <a:pt x="366599" y="165640"/>
+                  <a:pt x="363941" y="147862"/>
+                </a:cubicBezTo>
+                <a:cubicBezTo>
+                  <a:pt x="366630" y="95784"/>
+                  <a:pt x="367026" y="88140"/>
+                  <a:pt x="363941" y="29834"/>
+                </a:cubicBezTo>
+                <a:cubicBezTo>
+                  <a:pt x="353190" y="21815"/>
+                  <a:pt x="551201" y="20326"/>
+                  <a:pt x="727882" y="0"/>
+                </a:cubicBezTo>
+                <a:cubicBezTo>
+                  <a:pt x="717293" y="133664"/>
+                  <a:pt x="738376" y="253438"/>
+                  <a:pt x="727881" y="358027"/>
+                </a:cubicBezTo>
+                <a:close/>
+              </a:path>
+              <a:path w="727881" h="358027" fill="none" extrusionOk="0">
+                <a:moveTo>
+                  <a:pt x="727881" y="358027"/>
+                </a:moveTo>
+                <a:cubicBezTo>
+                  <a:pt x="527452" y="361103"/>
+                  <a:pt x="365362" y="343664"/>
+                  <a:pt x="363940" y="328193"/>
+                </a:cubicBezTo>
+                <a:cubicBezTo>
+                  <a:pt x="366792" y="286496"/>
+                  <a:pt x="356954" y="248566"/>
+                  <a:pt x="363941" y="207530"/>
+                </a:cubicBezTo>
+                <a:cubicBezTo>
+                  <a:pt x="378322" y="205446"/>
+                  <a:pt x="206593" y="171248"/>
+                  <a:pt x="0" y="177696"/>
+                </a:cubicBezTo>
+                <a:cubicBezTo>
+                  <a:pt x="202996" y="178072"/>
+                  <a:pt x="362441" y="164944"/>
+                  <a:pt x="363941" y="147862"/>
+                </a:cubicBezTo>
+                <a:cubicBezTo>
+                  <a:pt x="369726" y="114132"/>
+                  <a:pt x="363500" y="80608"/>
+                  <a:pt x="363941" y="29834"/>
+                </a:cubicBezTo>
+                <a:cubicBezTo>
+                  <a:pt x="343792" y="17389"/>
+                  <a:pt x="540970" y="-29320"/>
+                  <a:pt x="727882" y="0"/>
+                </a:cubicBezTo>
+              </a:path>
+            </a:pathLst>
+          </a:custGeom>
+          <a:ln w="19050">
+            <a:solidFill>
+              <a:schemeClr val="accent3">
+                <a:lumMod val="75000"/>
+              </a:schemeClr>
+            </a:solidFill>
+            <a:extLst>
+              <a:ext uri="{C807C97D-BFC1-408E-A445-0C87EB9F89A2}">
+                <ask:lineSketchStyleProps xmlns:ask="http://schemas.microsoft.com/office/drawing/2018/sketchyshapes" sd="431491757">
+                  <a:prstGeom prst="leftBrace">
+                    <a:avLst>
+                      <a:gd name="adj1" fmla="val 8333"/>
+                      <a:gd name="adj2" fmla="val 49632"/>
+                    </a:avLst>
+                  </a:prstGeom>
+                  <ask:type>
+                    <ask:lineSketchCurved/>
+                  </ask:type>
+                </ask:lineSketchStyleProps>
+              </a:ext>
+            </a:extLst>
+          </a:ln>
+        </p:spPr>
+        <p:style>
+          <a:lnRef idx="1">
+            <a:schemeClr val="accent1"/>
+          </a:lnRef>
+          <a:fillRef idx="0">
+            <a:schemeClr val="accent1"/>
+          </a:fillRef>
+          <a:effectRef idx="0">
+            <a:schemeClr val="accent1"/>
+          </a:effectRef>
+          <a:fontRef idx="minor">
+            <a:schemeClr val="tx1"/>
+          </a:fontRef>
+        </p:style>
+        <p:txBody>
+          <a:bodyPr rtlCol="0" anchor="ctr"/>
+          <a:lstStyle/>
+          <a:p>
+            <a:pPr algn="ctr"/>
+            <a:endParaRPr lang="pl-PL">
+              <a:solidFill>
+                <a:schemeClr val="accent3">
+                  <a:lumMod val="75000"/>
+                </a:schemeClr>
+              </a:solidFill>
+            </a:endParaRPr>
+          </a:p>
+        </p:txBody>
+      </p:sp>
+      <p:sp>
+        <p:nvSpPr>
+          <p:cNvPr id="16" name="pole tekstowe 15">
+            <a:extLst>
+              <a:ext uri="{FF2B5EF4-FFF2-40B4-BE49-F238E27FC236}">
+                <a16:creationId xmlns:a16="http://schemas.microsoft.com/office/drawing/2014/main" id="{84137CCC-687F-4013-87AB-86727DF7DCB0}"/>
+              </a:ext>
+            </a:extLst>
+          </p:cNvPr>
+          <p:cNvSpPr txBox="1"/>
+          <p:nvPr/>
+        </p:nvSpPr>
+        <p:spPr>
+          <a:xfrm>
+            <a:off x="644524" y="1870436"/>
+            <a:ext cx="2873375" cy="461665"/>
+          </a:xfrm>
+          <a:prstGeom prst="rect">
+            <a:avLst/>
+          </a:prstGeom>
+          <a:noFill/>
+        </p:spPr>
+        <p:txBody>
+          <a:bodyPr wrap="square" rtlCol="0">
+            <a:spAutoFit/>
+          </a:bodyPr>
+          <a:lstStyle/>
+          <a:p>
+            <a:pPr algn="ctr"/>
+            <a:r>
+              <a:rPr lang="pl-PL" sz="1400" b="1" dirty="0">
+                <a:solidFill>
+                  <a:srgbClr val="92D050"/>
+                </a:solidFill>
+              </a:rPr>
+              <a:t>_id to GUID</a:t>
+            </a:r>
+          </a:p>
+          <a:p>
+            <a:pPr algn="ctr"/>
+            <a:r>
+              <a:rPr lang="pl-PL" sz="1000" dirty="0">
+                <a:solidFill>
+                  <a:srgbClr val="92D050"/>
+                </a:solidFill>
+              </a:rPr>
+              <a:t>{030B4A82-1B7C-11CF-9D53-00AA003C9CB6}</a:t>
+            </a:r>
+            <a:endParaRPr lang="pl-PL" sz="1600" dirty="0">
+              <a:solidFill>
+                <a:srgbClr val="92D050"/>
+              </a:solidFill>
+            </a:endParaRPr>
+          </a:p>
+        </p:txBody>
+      </p:sp>
+      <p:sp>
+        <p:nvSpPr>
+          <p:cNvPr id="17" name="Nawias klamrowy otwierający 16">
+            <a:extLst>
+              <a:ext uri="{FF2B5EF4-FFF2-40B4-BE49-F238E27FC236}">
+                <a16:creationId xmlns:a16="http://schemas.microsoft.com/office/drawing/2014/main" id="{2713E76D-0742-4F2F-BB68-45402DE64CCE}"/>
+              </a:ext>
+            </a:extLst>
+          </p:cNvPr>
+          <p:cNvSpPr/>
+          <p:nvPr/>
+        </p:nvSpPr>
+        <p:spPr>
+          <a:xfrm rot="10800000">
+            <a:off x="8259726" y="1957952"/>
+            <a:ext cx="147849" cy="194979"/>
+          </a:xfrm>
+          <a:custGeom>
+            <a:avLst/>
+            <a:gdLst>
+              <a:gd name="connsiteX0" fmla="*/ 147849 w 147849"/>
+              <a:gd name="connsiteY0" fmla="*/ 194979 h 194979"/>
+              <a:gd name="connsiteX1" fmla="*/ 73924 w 147849"/>
+              <a:gd name="connsiteY1" fmla="*/ 182659 h 194979"/>
+              <a:gd name="connsiteX2" fmla="*/ 73925 w 147849"/>
+              <a:gd name="connsiteY2" fmla="*/ 109092 h 194979"/>
+              <a:gd name="connsiteX3" fmla="*/ 0 w 147849"/>
+              <a:gd name="connsiteY3" fmla="*/ 96772 h 194979"/>
+              <a:gd name="connsiteX4" fmla="*/ 73925 w 147849"/>
+              <a:gd name="connsiteY4" fmla="*/ 84452 h 194979"/>
+              <a:gd name="connsiteX5" fmla="*/ 73925 w 147849"/>
+              <a:gd name="connsiteY5" fmla="*/ 12320 h 194979"/>
+              <a:gd name="connsiteX6" fmla="*/ 147850 w 147849"/>
+              <a:gd name="connsiteY6" fmla="*/ 0 h 194979"/>
+              <a:gd name="connsiteX7" fmla="*/ 147849 w 147849"/>
+              <a:gd name="connsiteY7" fmla="*/ 194979 h 194979"/>
+              <a:gd name="connsiteX0" fmla="*/ 147849 w 147849"/>
+              <a:gd name="connsiteY0" fmla="*/ 194979 h 194979"/>
+              <a:gd name="connsiteX1" fmla="*/ 73924 w 147849"/>
+              <a:gd name="connsiteY1" fmla="*/ 182659 h 194979"/>
+              <a:gd name="connsiteX2" fmla="*/ 73925 w 147849"/>
+              <a:gd name="connsiteY2" fmla="*/ 109092 h 194979"/>
+              <a:gd name="connsiteX3" fmla="*/ 0 w 147849"/>
+              <a:gd name="connsiteY3" fmla="*/ 96772 h 194979"/>
+              <a:gd name="connsiteX4" fmla="*/ 73925 w 147849"/>
+              <a:gd name="connsiteY4" fmla="*/ 84452 h 194979"/>
+              <a:gd name="connsiteX5" fmla="*/ 73925 w 147849"/>
+              <a:gd name="connsiteY5" fmla="*/ 12320 h 194979"/>
+              <a:gd name="connsiteX6" fmla="*/ 147850 w 147849"/>
+              <a:gd name="connsiteY6" fmla="*/ 0 h 194979"/>
+            </a:gdLst>
+            <a:ahLst/>
+            <a:cxnLst>
+              <a:cxn ang="0">
+                <a:pos x="connsiteX0" y="connsiteY0"/>
+              </a:cxn>
+              <a:cxn ang="0">
+                <a:pos x="connsiteX1" y="connsiteY1"/>
+              </a:cxn>
+              <a:cxn ang="0">
+                <a:pos x="connsiteX2" y="connsiteY2"/>
+              </a:cxn>
+              <a:cxn ang="0">
+                <a:pos x="connsiteX3" y="connsiteY3"/>
+              </a:cxn>
+              <a:cxn ang="0">
+                <a:pos x="connsiteX4" y="connsiteY4"/>
+              </a:cxn>
+              <a:cxn ang="0">
+                <a:pos x="connsiteX5" y="connsiteY5"/>
+              </a:cxn>
+              <a:cxn ang="0">
+                <a:pos x="connsiteX6" y="connsiteY6"/>
+              </a:cxn>
+            </a:cxnLst>
+            <a:rect l="l" t="t" r="r" b="b"/>
+            <a:pathLst>
+              <a:path w="147849" h="194979" stroke="0" extrusionOk="0">
+                <a:moveTo>
+                  <a:pt x="147849" y="194979"/>
+                </a:moveTo>
+                <a:cubicBezTo>
+                  <a:pt x="107221" y="196312"/>
+                  <a:pt x="73769" y="190236"/>
+                  <a:pt x="73924" y="182659"/>
+                </a:cubicBezTo>
+                <a:cubicBezTo>
+                  <a:pt x="73170" y="158724"/>
+                  <a:pt x="73087" y="130985"/>
+                  <a:pt x="73925" y="109092"/>
+                </a:cubicBezTo>
+                <a:cubicBezTo>
+                  <a:pt x="75280" y="101475"/>
+                  <a:pt x="39128" y="95964"/>
+                  <a:pt x="0" y="96772"/>
+                </a:cubicBezTo>
+                <a:cubicBezTo>
+                  <a:pt x="40971" y="96934"/>
+                  <a:pt x="74397" y="91487"/>
+                  <a:pt x="73925" y="84452"/>
+                </a:cubicBezTo>
+                <a:cubicBezTo>
+                  <a:pt x="74333" y="64906"/>
+                  <a:pt x="73632" y="45938"/>
+                  <a:pt x="73925" y="12320"/>
+                </a:cubicBezTo>
+                <a:cubicBezTo>
+                  <a:pt x="69264" y="9183"/>
+                  <a:pt x="111510" y="3752"/>
+                  <a:pt x="147850" y="0"/>
+                </a:cubicBezTo>
+                <a:cubicBezTo>
+                  <a:pt x="145276" y="68474"/>
+                  <a:pt x="149308" y="132037"/>
+                  <a:pt x="147849" y="194979"/>
+                </a:cubicBezTo>
+                <a:close/>
+              </a:path>
+              <a:path w="147849" h="194979" fill="none" extrusionOk="0">
+                <a:moveTo>
+                  <a:pt x="147849" y="194979"/>
+                </a:moveTo>
+                <a:cubicBezTo>
+                  <a:pt x="107255" y="196242"/>
+                  <a:pt x="74815" y="188832"/>
+                  <a:pt x="73924" y="182659"/>
+                </a:cubicBezTo>
+                <a:cubicBezTo>
+                  <a:pt x="76501" y="156803"/>
+                  <a:pt x="70709" y="133989"/>
+                  <a:pt x="73925" y="109092"/>
+                </a:cubicBezTo>
+                <a:cubicBezTo>
+                  <a:pt x="75707" y="104072"/>
+                  <a:pt x="43930" y="93196"/>
+                  <a:pt x="0" y="96772"/>
+                </a:cubicBezTo>
+                <a:cubicBezTo>
+                  <a:pt x="41474" y="96894"/>
+                  <a:pt x="73838" y="91291"/>
+                  <a:pt x="73925" y="84452"/>
+                </a:cubicBezTo>
+                <a:cubicBezTo>
+                  <a:pt x="78231" y="69162"/>
+                  <a:pt x="79711" y="24475"/>
+                  <a:pt x="73925" y="12320"/>
+                </a:cubicBezTo>
+                <a:cubicBezTo>
+                  <a:pt x="69039" y="6494"/>
+                  <a:pt x="109234" y="-4603"/>
+                  <a:pt x="147850" y="0"/>
+                </a:cubicBezTo>
+              </a:path>
+            </a:pathLst>
+          </a:custGeom>
+          <a:ln w="19050">
+            <a:solidFill>
+              <a:srgbClr val="92D050"/>
+            </a:solidFill>
+            <a:extLst>
+              <a:ext uri="{C807C97D-BFC1-408E-A445-0C87EB9F89A2}">
+                <ask:lineSketchStyleProps xmlns:ask="http://schemas.microsoft.com/office/drawing/2018/sketchyshapes" sd="431491757">
+                  <a:prstGeom prst="leftBrace">
+                    <a:avLst>
+                      <a:gd name="adj1" fmla="val 8333"/>
+                      <a:gd name="adj2" fmla="val 49632"/>
+                    </a:avLst>
+                  </a:prstGeom>
+                  <ask:type>
+                    <ask:lineSketchCurved/>
+                  </ask:type>
+                </ask:lineSketchStyleProps>
+              </a:ext>
+            </a:extLst>
+          </a:ln>
+        </p:spPr>
+        <p:style>
+          <a:lnRef idx="1">
+            <a:schemeClr val="accent1"/>
+          </a:lnRef>
+          <a:fillRef idx="0">
+            <a:schemeClr val="accent1"/>
+          </a:fillRef>
+          <a:effectRef idx="0">
+            <a:schemeClr val="accent1"/>
+          </a:effectRef>
+          <a:fontRef idx="minor">
+            <a:schemeClr val="tx1"/>
+          </a:fontRef>
+        </p:style>
+        <p:txBody>
+          <a:bodyPr rtlCol="0" anchor="ctr"/>
+          <a:lstStyle/>
+          <a:p>
+            <a:pPr algn="ctr"/>
+            <a:endParaRPr lang="pl-PL" dirty="0">
+              <a:solidFill>
+                <a:schemeClr val="accent3">
+                  <a:lumMod val="75000"/>
+                </a:schemeClr>
+              </a:solidFill>
+            </a:endParaRPr>
+          </a:p>
+        </p:txBody>
+      </p:sp>
     </p:spTree>
     <p:extLst>
       <p:ext uri="{BB962C8B-B14F-4D97-AF65-F5344CB8AC3E}">
@@ -10043,79 +13089,163 @@
           </a:bodyPr>
           <a:lstStyle/>
           <a:p>
-            <a:pPr marL="285750" indent="-285750" algn="just">
+            <a:pPr marL="269875" indent="-269875" algn="just">
               <a:lnSpc>
                 <a:spcPct val="150000"/>
               </a:lnSpc>
               <a:spcAft>
                 <a:spcPts val="1000"/>
               </a:spcAft>
-              <a:buFont typeface="Arial" panose="020B0604020202020204" pitchFamily="34" charset="0"/>
-              <a:buChar char="•"/>
+              <a:buFont typeface="Wingdings" panose="05000000000000000000" pitchFamily="2" charset="2"/>
+              <a:buChar char="q"/>
+              <a:tabLst>
+                <a:tab pos="177800" algn="l"/>
+              </a:tabLst>
             </a:pPr>
             <a:r>
               <a:rPr lang="pl-PL" dirty="0">
                 <a:ea typeface="Calibri" panose="020F0502020204030204" pitchFamily="34" charset="0"/>
                 <a:cs typeface="Times New Roman" panose="02020603050405020304" pitchFamily="18" charset="0"/>
               </a:rPr>
-              <a:t>Użytkownikiem końcowym aplikacji mogą być przedsiębiorstwa zajmujące się transportem kolejowym i przewozem osób.</a:t>
-            </a:r>
-          </a:p>
-          <a:p>
-            <a:pPr marL="285750" indent="-285750" algn="just">
+              <a:t>Użytkownikiem końcowym aplikacji mogą być </a:t>
+            </a:r>
+            <a:r>
+              <a:rPr lang="pl-PL" b="1" dirty="0">
+                <a:solidFill>
+                  <a:schemeClr val="tx2">
+                    <a:lumMod val="50000"/>
+                    <a:lumOff val="50000"/>
+                  </a:schemeClr>
+                </a:solidFill>
+                <a:ea typeface="Calibri" panose="020F0502020204030204" pitchFamily="34" charset="0"/>
+                <a:cs typeface="Times New Roman" panose="02020603050405020304" pitchFamily="18" charset="0"/>
+              </a:rPr>
+              <a:t>przedsiębiorstwa zajmujące się transportem kolejowym i przewozem osób.</a:t>
+            </a:r>
+          </a:p>
+          <a:p>
+            <a:pPr marL="269875" indent="-269875" algn="just">
               <a:lnSpc>
                 <a:spcPct val="150000"/>
               </a:lnSpc>
               <a:spcAft>
                 <a:spcPts val="1000"/>
               </a:spcAft>
-              <a:buFont typeface="Arial" panose="020B0604020202020204" pitchFamily="34" charset="0"/>
-              <a:buChar char="•"/>
+              <a:buFont typeface="Wingdings" panose="05000000000000000000" pitchFamily="2" charset="2"/>
+              <a:buChar char="q"/>
+              <a:tabLst>
+                <a:tab pos="177800" algn="l"/>
+              </a:tabLst>
             </a:pPr>
             <a:r>
               <a:rPr lang="pl-PL" dirty="0">
                 <a:ea typeface="Calibri" panose="020F0502020204030204" pitchFamily="34" charset="0"/>
                 <a:cs typeface="Times New Roman" panose="02020603050405020304" pitchFamily="18" charset="0"/>
               </a:rPr>
-              <a:t>Aplikacja może posłużyć do zbierania danych z tras, celem ich późniejszej analizy, a także tworzenia dokumentacji końcowej dla przewoźników i podsumowywania działalności firmy w danych okrasach czasowych. </a:t>
-            </a:r>
-          </a:p>
-          <a:p>
-            <a:pPr marL="285750" indent="-285750" algn="just">
+              <a:t>Aplikacja może posłużyć do zbierania danych z tras, celem ich późniejszej analizy, a także </a:t>
+            </a:r>
+            <a:r>
+              <a:rPr lang="pl-PL" b="1" dirty="0">
+                <a:solidFill>
+                  <a:schemeClr val="tx2">
+                    <a:lumMod val="50000"/>
+                    <a:lumOff val="50000"/>
+                  </a:schemeClr>
+                </a:solidFill>
+                <a:ea typeface="Calibri" panose="020F0502020204030204" pitchFamily="34" charset="0"/>
+                <a:cs typeface="Times New Roman" panose="02020603050405020304" pitchFamily="18" charset="0"/>
+              </a:rPr>
+              <a:t>tworzenia dokumentacji końcowej dla przewoźników i podsumowywania działalności firmy </a:t>
+            </a:r>
+            <a:r>
+              <a:rPr lang="pl-PL" dirty="0">
+                <a:ea typeface="Calibri" panose="020F0502020204030204" pitchFamily="34" charset="0"/>
+                <a:cs typeface="Times New Roman" panose="02020603050405020304" pitchFamily="18" charset="0"/>
+              </a:rPr>
+              <a:t>w danych okrasach czasowych. </a:t>
+            </a:r>
+          </a:p>
+          <a:p>
+            <a:pPr marL="269875" indent="-269875" algn="just">
               <a:lnSpc>
                 <a:spcPct val="150000"/>
               </a:lnSpc>
               <a:spcAft>
                 <a:spcPts val="1000"/>
               </a:spcAft>
-              <a:buFont typeface="Arial" panose="020B0604020202020204" pitchFamily="34" charset="0"/>
-              <a:buChar char="•"/>
+              <a:buFont typeface="Wingdings" panose="05000000000000000000" pitchFamily="2" charset="2"/>
+              <a:buChar char="q"/>
+              <a:tabLst>
+                <a:tab pos="177800" algn="l"/>
+              </a:tabLst>
             </a:pPr>
             <a:r>
               <a:rPr lang="pl-PL" dirty="0">
                 <a:ea typeface="Calibri" panose="020F0502020204030204" pitchFamily="34" charset="0"/>
                 <a:cs typeface="Times New Roman" panose="02020603050405020304" pitchFamily="18" charset="0"/>
               </a:rPr>
-              <a:t>Dane mogą posłużyć także do optymalizacji tras oraz analizy sytuacji specjalnych np. zmiany napięcia w trakcji kolejowej i analizy przyczyny uszkodzeń taboru.</a:t>
-            </a:r>
-          </a:p>
-          <a:p>
-            <a:pPr marL="285750" indent="-285750" algn="just">
+              <a:t>Dane mogą posłużyć także do </a:t>
+            </a:r>
+            <a:r>
+              <a:rPr lang="pl-PL" b="1" dirty="0">
+                <a:solidFill>
+                  <a:schemeClr val="tx2">
+                    <a:lumMod val="50000"/>
+                    <a:lumOff val="50000"/>
+                  </a:schemeClr>
+                </a:solidFill>
+                <a:ea typeface="Calibri" panose="020F0502020204030204" pitchFamily="34" charset="0"/>
+                <a:cs typeface="Times New Roman" panose="02020603050405020304" pitchFamily="18" charset="0"/>
+              </a:rPr>
+              <a:t>optymalizacji tras oraz analizy sytuacji specjalnych</a:t>
+            </a:r>
+            <a:r>
+              <a:rPr lang="pl-PL" dirty="0">
+                <a:ea typeface="Calibri" panose="020F0502020204030204" pitchFamily="34" charset="0"/>
+                <a:cs typeface="Times New Roman" panose="02020603050405020304" pitchFamily="18" charset="0"/>
+              </a:rPr>
+              <a:t>, np. zmiany napięcia w trakcji kolejowej i analizy przyczyny uszkodzeń taboru.</a:t>
+            </a:r>
+          </a:p>
+          <a:p>
+            <a:pPr marL="269875" indent="-269875" algn="just">
               <a:lnSpc>
                 <a:spcPct val="150000"/>
               </a:lnSpc>
               <a:spcAft>
                 <a:spcPts val="1000"/>
               </a:spcAft>
-              <a:buFont typeface="Arial" panose="020B0604020202020204" pitchFamily="34" charset="0"/>
-              <a:buChar char="•"/>
+              <a:buFont typeface="Wingdings" panose="05000000000000000000" pitchFamily="2" charset="2"/>
+              <a:buChar char="q"/>
+              <a:tabLst>
+                <a:tab pos="177800" algn="l"/>
+              </a:tabLst>
             </a:pPr>
             <a:r>
               <a:rPr lang="pl-PL" dirty="0">
                 <a:ea typeface="Calibri" panose="020F0502020204030204" pitchFamily="34" charset="0"/>
                 <a:cs typeface="Times New Roman" panose="02020603050405020304" pitchFamily="18" charset="0"/>
               </a:rPr>
-              <a:t>Aplikacja w przypadku właściwego wdrożenia na pociągach była by również używana przez maszynistów to kontroli sposobu prowadzenia pociągu, a także mogła by posłużyć jako system ostrzegania np. przed kolizja pociągów.</a:t>
+              <a:t>Aplikacja w przypadku właściwego wdrożenia na pociągach może być używana przez </a:t>
+            </a:r>
+            <a:r>
+              <a:rPr lang="pl-PL" b="1" dirty="0">
+                <a:solidFill>
+                  <a:schemeClr val="accent1">
+                    <a:lumMod val="75000"/>
+                  </a:schemeClr>
+                </a:solidFill>
+                <a:ea typeface="Calibri" panose="020F0502020204030204" pitchFamily="34" charset="0"/>
+                <a:cs typeface="Times New Roman" panose="02020603050405020304" pitchFamily="18" charset="0"/>
+              </a:rPr>
+              <a:t>maszynistów to kontroli sposobu prowadzenia pociągu</a:t>
+            </a:r>
+            <a:r>
+              <a:rPr lang="pl-PL" dirty="0">
+                <a:ea typeface="Calibri" panose="020F0502020204030204" pitchFamily="34" charset="0"/>
+                <a:cs typeface="Times New Roman" panose="02020603050405020304" pitchFamily="18" charset="0"/>
+              </a:rPr>
+              <a:t>, a także jako system ostrzegania np. przed kolizja pociągów.</a:t>
             </a:r>
           </a:p>
         </p:txBody>
